--- a/csc402-ln023.pptx
+++ b/csc402-ln023.pptx
@@ -185,6 +185,22 @@
       </a:defRPr>
     </a:lvl9pPr>
   </p:defaultTextStyle>
+  <p:extLst>
+    <p:ext uri="{EFAFB233-063F-42B5-8137-9DF3F51BA10A}">
+      <p15:sldGuideLst xmlns:p15="http://schemas.microsoft.com/office/powerpoint/2012/main">
+        <p15:guide id="1" orient="horz" pos="2160">
+          <p15:clr>
+            <a:srgbClr val="A4A3A4"/>
+          </p15:clr>
+        </p15:guide>
+        <p15:guide id="2" pos="2880">
+          <p15:clr>
+            <a:srgbClr val="A4A3A4"/>
+          </p15:clr>
+        </p15:guide>
+      </p15:sldGuideLst>
+    </p:ext>
+  </p:extLst>
 </p:presentation>
 </file>
 
@@ -236,15 +252,18 @@
             <a:noFill/>
           </a:ln>
           <a:extLst>
-            <a:ext uri="{909E8E84-426E-40dd-AFC4-6F175D3DCCD1}">
-              <a14:hiddenFill xmlns:a14="http://schemas.microsoft.com/office/drawing/2010/main">
+            <a:ext uri="{FAA26D3D-D897-4be2-8F04-BA451C77F1D7}">
+              <ma14:placeholderFlag xmlns:ma14="http://schemas.microsoft.com/office/mac/drawingml/2011/main" val="1"/>
+            </a:ext>
+            <a:ext uri="{909E8E84-426E-40dd-AFC4-6F175D3DCCD1}">
+              <a14:hiddenFill xmlns:a14="http://schemas.microsoft.com/office/drawing/2010/main" xmlns="">
                 <a:solidFill>
                   <a:schemeClr val="accent1"/>
                 </a:solidFill>
               </a14:hiddenFill>
             </a:ext>
             <a:ext uri="{91240B29-F687-4f45-9708-019B960494DF}">
-              <a14:hiddenLine xmlns:a14="http://schemas.microsoft.com/office/drawing/2010/main" w="9525">
+              <a14:hiddenLine xmlns:a14="http://schemas.microsoft.com/office/drawing/2010/main" xmlns="" w="9525">
                 <a:solidFill>
                   <a:schemeClr val="tx1"/>
                 </a:solidFill>
@@ -252,9 +271,6 @@
                 <a:headEnd/>
                 <a:tailEnd/>
               </a14:hiddenLine>
-            </a:ext>
-            <a:ext uri="{FAA26D3D-D897-4be2-8F04-BA451C77F1D7}">
-              <ma14:placeholderFlag xmlns:ma14="http://schemas.microsoft.com/office/mac/drawingml/2011/main" val="1"/>
             </a:ext>
           </a:extLst>
         </p:spPr>
@@ -297,15 +313,18 @@
             <a:noFill/>
           </a:ln>
           <a:extLst>
-            <a:ext uri="{909E8E84-426E-40dd-AFC4-6F175D3DCCD1}">
-              <a14:hiddenFill xmlns:a14="http://schemas.microsoft.com/office/drawing/2010/main">
+            <a:ext uri="{FAA26D3D-D897-4be2-8F04-BA451C77F1D7}">
+              <ma14:placeholderFlag xmlns:ma14="http://schemas.microsoft.com/office/mac/drawingml/2011/main" val="1"/>
+            </a:ext>
+            <a:ext uri="{909E8E84-426E-40dd-AFC4-6F175D3DCCD1}">
+              <a14:hiddenFill xmlns:a14="http://schemas.microsoft.com/office/drawing/2010/main" xmlns="">
                 <a:solidFill>
                   <a:schemeClr val="accent1"/>
                 </a:solidFill>
               </a14:hiddenFill>
             </a:ext>
             <a:ext uri="{91240B29-F687-4f45-9708-019B960494DF}">
-              <a14:hiddenLine xmlns:a14="http://schemas.microsoft.com/office/drawing/2010/main" w="9525">
+              <a14:hiddenLine xmlns:a14="http://schemas.microsoft.com/office/drawing/2010/main" xmlns="" w="9525">
                 <a:solidFill>
                   <a:schemeClr val="tx1"/>
                 </a:solidFill>
@@ -313,9 +332,6 @@
                 <a:headEnd/>
                 <a:tailEnd/>
               </a14:hiddenLine>
-            </a:ext>
-            <a:ext uri="{FAA26D3D-D897-4be2-8F04-BA451C77F1D7}">
-              <ma14:placeholderFlag xmlns:ma14="http://schemas.microsoft.com/office/mac/drawingml/2011/main" val="1"/>
             </a:ext>
           </a:extLst>
         </p:spPr>
@@ -365,7 +381,7 @@
           <a:effectLst/>
           <a:extLst>
             <a:ext uri="{AF507438-7753-43e0-B8FC-AC1667EBCBE1}">
-              <a14:hiddenEffects xmlns:a14="http://schemas.microsoft.com/office/drawing/2010/main">
+              <a14:hiddenEffects xmlns:a14="http://schemas.microsoft.com/office/drawing/2010/main" xmlns="">
                 <a:effectLst>
                   <a:outerShdw blurRad="63500" dist="38099" dir="2700000" algn="ctr" rotWithShape="0">
                     <a:srgbClr val="000000">
@@ -376,7 +392,7 @@
               </a14:hiddenEffects>
             </a:ext>
             <a:ext uri="{53640926-AAD7-44d8-BBD7-CCE9431645EC}">
-              <a14:shadowObscured xmlns:a14="http://schemas.microsoft.com/office/drawing/2010/main" val="1"/>
+              <a14:shadowObscured xmlns:a14="http://schemas.microsoft.com/office/drawing/2010/main" xmlns="" val="1"/>
             </a:ext>
           </a:extLst>
         </p:spPr>
@@ -404,15 +420,18 @@
             <a:noFill/>
           </a:ln>
           <a:extLst>
-            <a:ext uri="{909E8E84-426E-40dd-AFC4-6F175D3DCCD1}">
-              <a14:hiddenFill xmlns:a14="http://schemas.microsoft.com/office/drawing/2010/main">
+            <a:ext uri="{FAA26D3D-D897-4be2-8F04-BA451C77F1D7}">
+              <ma14:placeholderFlag xmlns:ma14="http://schemas.microsoft.com/office/mac/drawingml/2011/main" val="1"/>
+            </a:ext>
+            <a:ext uri="{909E8E84-426E-40dd-AFC4-6F175D3DCCD1}">
+              <a14:hiddenFill xmlns:a14="http://schemas.microsoft.com/office/drawing/2010/main" xmlns="">
                 <a:solidFill>
                   <a:schemeClr val="accent1"/>
                 </a:solidFill>
               </a14:hiddenFill>
             </a:ext>
             <a:ext uri="{91240B29-F687-4f45-9708-019B960494DF}">
-              <a14:hiddenLine xmlns:a14="http://schemas.microsoft.com/office/drawing/2010/main" w="9525">
+              <a14:hiddenLine xmlns:a14="http://schemas.microsoft.com/office/drawing/2010/main" xmlns="" w="9525">
                 <a:solidFill>
                   <a:schemeClr val="tx1"/>
                 </a:solidFill>
@@ -420,9 +439,6 @@
                 <a:headEnd/>
                 <a:tailEnd/>
               </a14:hiddenLine>
-            </a:ext>
-            <a:ext uri="{FAA26D3D-D897-4be2-8F04-BA451C77F1D7}">
-              <ma14:placeholderFlag xmlns:ma14="http://schemas.microsoft.com/office/mac/drawingml/2011/main" val="1"/>
             </a:ext>
           </a:extLst>
         </p:spPr>
@@ -493,15 +509,18 @@
             <a:noFill/>
           </a:ln>
           <a:extLst>
-            <a:ext uri="{909E8E84-426E-40dd-AFC4-6F175D3DCCD1}">
-              <a14:hiddenFill xmlns:a14="http://schemas.microsoft.com/office/drawing/2010/main">
+            <a:ext uri="{FAA26D3D-D897-4be2-8F04-BA451C77F1D7}">
+              <ma14:placeholderFlag xmlns:ma14="http://schemas.microsoft.com/office/mac/drawingml/2011/main" val="1"/>
+            </a:ext>
+            <a:ext uri="{909E8E84-426E-40dd-AFC4-6F175D3DCCD1}">
+              <a14:hiddenFill xmlns:a14="http://schemas.microsoft.com/office/drawing/2010/main" xmlns="">
                 <a:solidFill>
                   <a:schemeClr val="accent1"/>
                 </a:solidFill>
               </a14:hiddenFill>
             </a:ext>
             <a:ext uri="{91240B29-F687-4f45-9708-019B960494DF}">
-              <a14:hiddenLine xmlns:a14="http://schemas.microsoft.com/office/drawing/2010/main" w="9525">
+              <a14:hiddenLine xmlns:a14="http://schemas.microsoft.com/office/drawing/2010/main" xmlns="" w="9525">
                 <a:solidFill>
                   <a:schemeClr val="tx1"/>
                 </a:solidFill>
@@ -509,9 +528,6 @@
                 <a:headEnd/>
                 <a:tailEnd/>
               </a14:hiddenLine>
-            </a:ext>
-            <a:ext uri="{FAA26D3D-D897-4be2-8F04-BA451C77F1D7}">
-              <ma14:placeholderFlag xmlns:ma14="http://schemas.microsoft.com/office/mac/drawingml/2011/main" val="1"/>
             </a:ext>
           </a:extLst>
         </p:spPr>
@@ -554,15 +570,18 @@
             <a:noFill/>
           </a:ln>
           <a:extLst>
-            <a:ext uri="{909E8E84-426E-40dd-AFC4-6F175D3DCCD1}">
-              <a14:hiddenFill xmlns:a14="http://schemas.microsoft.com/office/drawing/2010/main">
+            <a:ext uri="{FAA26D3D-D897-4be2-8F04-BA451C77F1D7}">
+              <ma14:placeholderFlag xmlns:ma14="http://schemas.microsoft.com/office/mac/drawingml/2011/main" val="1"/>
+            </a:ext>
+            <a:ext uri="{909E8E84-426E-40dd-AFC4-6F175D3DCCD1}">
+              <a14:hiddenFill xmlns:a14="http://schemas.microsoft.com/office/drawing/2010/main" xmlns="">
                 <a:solidFill>
                   <a:schemeClr val="accent1"/>
                 </a:solidFill>
               </a14:hiddenFill>
             </a:ext>
             <a:ext uri="{91240B29-F687-4f45-9708-019B960494DF}">
-              <a14:hiddenLine xmlns:a14="http://schemas.microsoft.com/office/drawing/2010/main" w="9525">
+              <a14:hiddenLine xmlns:a14="http://schemas.microsoft.com/office/drawing/2010/main" xmlns="" w="9525">
                 <a:solidFill>
                   <a:schemeClr val="tx1"/>
                 </a:solidFill>
@@ -570,9 +589,6 @@
                 <a:headEnd/>
                 <a:tailEnd/>
               </a14:hiddenLine>
-            </a:ext>
-            <a:ext uri="{FAA26D3D-D897-4be2-8F04-BA451C77F1D7}">
-              <ma14:placeholderFlag xmlns:ma14="http://schemas.microsoft.com/office/mac/drawingml/2011/main" val="1"/>
             </a:ext>
           </a:extLst>
         </p:spPr>
@@ -6653,12 +6669,12 @@
           <a:effectLst/>
           <a:extLst>
             <a:ext uri="{909E8E84-426E-40dd-AFC4-6F175D3DCCD1}">
-              <a14:hiddenFill xmlns:a14="http://schemas.microsoft.com/office/drawing/2010/main">
+              <a14:hiddenFill xmlns:a14="http://schemas.microsoft.com/office/drawing/2010/main" xmlns="">
                 <a:noFill/>
               </a14:hiddenFill>
             </a:ext>
             <a:ext uri="{AF507438-7753-43e0-B8FC-AC1667EBCBE1}">
-              <a14:hiddenEffects xmlns:a14="http://schemas.microsoft.com/office/drawing/2010/main">
+              <a14:hiddenEffects xmlns:a14="http://schemas.microsoft.com/office/drawing/2010/main" xmlns="">
                 <a:effectLst>
                   <a:outerShdw blurRad="63500" dist="38099" dir="2700000" algn="ctr" rotWithShape="0">
                     <a:schemeClr val="bg2">
@@ -6859,7 +6875,7 @@
             <a:effectLst/>
             <a:extLst>
               <a:ext uri="{91240B29-F687-4f45-9708-019B960494DF}">
-                <a14:hiddenLine xmlns:a14="http://schemas.microsoft.com/office/drawing/2010/main" w="9525">
+                <a14:hiddenLine xmlns:a14="http://schemas.microsoft.com/office/drawing/2010/main" xmlns="" w="9525">
                   <a:solidFill>
                     <a:schemeClr val="tx1"/>
                   </a:solidFill>
@@ -6869,7 +6885,7 @@
                 </a14:hiddenLine>
               </a:ext>
               <a:ext uri="{AF507438-7753-43e0-B8FC-AC1667EBCBE1}">
-                <a14:hiddenEffects xmlns:a14="http://schemas.microsoft.com/office/drawing/2010/main">
+                <a14:hiddenEffects xmlns:a14="http://schemas.microsoft.com/office/drawing/2010/main" xmlns="">
                   <a:effectLst>
                     <a:outerShdw blurRad="63500" dist="38099" dir="2700000" algn="ctr" rotWithShape="0">
                       <a:schemeClr val="bg2">
@@ -6914,7 +6930,7 @@
             <a:effectLst/>
             <a:extLst>
               <a:ext uri="{91240B29-F687-4f45-9708-019B960494DF}">
-                <a14:hiddenLine xmlns:a14="http://schemas.microsoft.com/office/drawing/2010/main" w="9525">
+                <a14:hiddenLine xmlns:a14="http://schemas.microsoft.com/office/drawing/2010/main" xmlns="" w="9525">
                   <a:solidFill>
                     <a:schemeClr val="tx1"/>
                   </a:solidFill>
@@ -6924,7 +6940,7 @@
                 </a14:hiddenLine>
               </a:ext>
               <a:ext uri="{AF507438-7753-43e0-B8FC-AC1667EBCBE1}">
-                <a14:hiddenEffects xmlns:a14="http://schemas.microsoft.com/office/drawing/2010/main">
+                <a14:hiddenEffects xmlns:a14="http://schemas.microsoft.com/office/drawing/2010/main" xmlns="">
                   <a:effectLst>
                     <a:outerShdw blurRad="63500" dist="38099" dir="2700000" algn="ctr" rotWithShape="0">
                       <a:schemeClr val="bg2">
@@ -6969,7 +6985,7 @@
             <a:effectLst/>
             <a:extLst>
               <a:ext uri="{91240B29-F687-4f45-9708-019B960494DF}">
-                <a14:hiddenLine xmlns:a14="http://schemas.microsoft.com/office/drawing/2010/main" w="9525">
+                <a14:hiddenLine xmlns:a14="http://schemas.microsoft.com/office/drawing/2010/main" xmlns="" w="9525">
                   <a:solidFill>
                     <a:schemeClr val="tx1"/>
                   </a:solidFill>
@@ -6979,7 +6995,7 @@
                 </a14:hiddenLine>
               </a:ext>
               <a:ext uri="{AF507438-7753-43e0-B8FC-AC1667EBCBE1}">
-                <a14:hiddenEffects xmlns:a14="http://schemas.microsoft.com/office/drawing/2010/main">
+                <a14:hiddenEffects xmlns:a14="http://schemas.microsoft.com/office/drawing/2010/main" xmlns="">
                   <a:effectLst>
                     <a:outerShdw blurRad="63500" dist="38099" dir="2700000" algn="ctr" rotWithShape="0">
                       <a:schemeClr val="bg2">
@@ -7024,7 +7040,7 @@
             <a:effectLst/>
             <a:extLst>
               <a:ext uri="{91240B29-F687-4f45-9708-019B960494DF}">
-                <a14:hiddenLine xmlns:a14="http://schemas.microsoft.com/office/drawing/2010/main" w="9525">
+                <a14:hiddenLine xmlns:a14="http://schemas.microsoft.com/office/drawing/2010/main" xmlns="" w="9525">
                   <a:solidFill>
                     <a:schemeClr val="tx1"/>
                   </a:solidFill>
@@ -7034,7 +7050,7 @@
                 </a14:hiddenLine>
               </a:ext>
               <a:ext uri="{AF507438-7753-43e0-B8FC-AC1667EBCBE1}">
-                <a14:hiddenEffects xmlns:a14="http://schemas.microsoft.com/office/drawing/2010/main">
+                <a14:hiddenEffects xmlns:a14="http://schemas.microsoft.com/office/drawing/2010/main" xmlns="">
                   <a:effectLst>
                     <a:outerShdw blurRad="63500" dist="38099" dir="2700000" algn="ctr" rotWithShape="0">
                       <a:schemeClr val="bg2">
@@ -7079,7 +7095,7 @@
             <a:effectLst/>
             <a:extLst>
               <a:ext uri="{91240B29-F687-4f45-9708-019B960494DF}">
-                <a14:hiddenLine xmlns:a14="http://schemas.microsoft.com/office/drawing/2010/main" w="9525">
+                <a14:hiddenLine xmlns:a14="http://schemas.microsoft.com/office/drawing/2010/main" xmlns="" w="9525">
                   <a:solidFill>
                     <a:schemeClr val="tx1"/>
                   </a:solidFill>
@@ -7089,7 +7105,7 @@
                 </a14:hiddenLine>
               </a:ext>
               <a:ext uri="{AF507438-7753-43e0-B8FC-AC1667EBCBE1}">
-                <a14:hiddenEffects xmlns:a14="http://schemas.microsoft.com/office/drawing/2010/main">
+                <a14:hiddenEffects xmlns:a14="http://schemas.microsoft.com/office/drawing/2010/main" xmlns="">
                   <a:effectLst>
                     <a:outerShdw blurRad="63500" dist="38099" dir="2700000" algn="ctr" rotWithShape="0">
                       <a:schemeClr val="bg2">
@@ -7134,7 +7150,7 @@
             <a:effectLst/>
             <a:extLst>
               <a:ext uri="{91240B29-F687-4f45-9708-019B960494DF}">
-                <a14:hiddenLine xmlns:a14="http://schemas.microsoft.com/office/drawing/2010/main" w="9525">
+                <a14:hiddenLine xmlns:a14="http://schemas.microsoft.com/office/drawing/2010/main" xmlns="" w="9525">
                   <a:solidFill>
                     <a:schemeClr val="tx1"/>
                   </a:solidFill>
@@ -7144,7 +7160,7 @@
                 </a14:hiddenLine>
               </a:ext>
               <a:ext uri="{AF507438-7753-43e0-B8FC-AC1667EBCBE1}">
-                <a14:hiddenEffects xmlns:a14="http://schemas.microsoft.com/office/drawing/2010/main">
+                <a14:hiddenEffects xmlns:a14="http://schemas.microsoft.com/office/drawing/2010/main" xmlns="">
                   <a:effectLst>
                     <a:outerShdw blurRad="63500" dist="38099" dir="2700000" algn="ctr" rotWithShape="0">
                       <a:schemeClr val="bg2">
@@ -7189,7 +7205,7 @@
             <a:effectLst/>
             <a:extLst>
               <a:ext uri="{91240B29-F687-4f45-9708-019B960494DF}">
-                <a14:hiddenLine xmlns:a14="http://schemas.microsoft.com/office/drawing/2010/main" w="9525">
+                <a14:hiddenLine xmlns:a14="http://schemas.microsoft.com/office/drawing/2010/main" xmlns="" w="9525">
                   <a:solidFill>
                     <a:schemeClr val="tx1"/>
                   </a:solidFill>
@@ -7199,7 +7215,7 @@
                 </a14:hiddenLine>
               </a:ext>
               <a:ext uri="{AF507438-7753-43e0-B8FC-AC1667EBCBE1}">
-                <a14:hiddenEffects xmlns:a14="http://schemas.microsoft.com/office/drawing/2010/main">
+                <a14:hiddenEffects xmlns:a14="http://schemas.microsoft.com/office/drawing/2010/main" xmlns="">
                   <a:effectLst>
                     <a:outerShdw blurRad="63500" dist="38099" dir="2700000" algn="ctr" rotWithShape="0">
                       <a:schemeClr val="bg2">
@@ -7244,7 +7260,7 @@
             <a:effectLst/>
             <a:extLst>
               <a:ext uri="{91240B29-F687-4f45-9708-019B960494DF}">
-                <a14:hiddenLine xmlns:a14="http://schemas.microsoft.com/office/drawing/2010/main" w="9525">
+                <a14:hiddenLine xmlns:a14="http://schemas.microsoft.com/office/drawing/2010/main" xmlns="" w="9525">
                   <a:solidFill>
                     <a:schemeClr val="tx1"/>
                   </a:solidFill>
@@ -7254,7 +7270,7 @@
                 </a14:hiddenLine>
               </a:ext>
               <a:ext uri="{AF507438-7753-43e0-B8FC-AC1667EBCBE1}">
-                <a14:hiddenEffects xmlns:a14="http://schemas.microsoft.com/office/drawing/2010/main">
+                <a14:hiddenEffects xmlns:a14="http://schemas.microsoft.com/office/drawing/2010/main" xmlns="">
                   <a:effectLst>
                     <a:outerShdw blurRad="63500" dist="38099" dir="2700000" algn="ctr" rotWithShape="0">
                       <a:schemeClr val="bg2">
@@ -7299,7 +7315,7 @@
             <a:effectLst/>
             <a:extLst>
               <a:ext uri="{91240B29-F687-4f45-9708-019B960494DF}">
-                <a14:hiddenLine xmlns:a14="http://schemas.microsoft.com/office/drawing/2010/main" w="9525">
+                <a14:hiddenLine xmlns:a14="http://schemas.microsoft.com/office/drawing/2010/main" xmlns="" w="9525">
                   <a:solidFill>
                     <a:schemeClr val="tx1"/>
                   </a:solidFill>
@@ -7309,7 +7325,7 @@
                 </a14:hiddenLine>
               </a:ext>
               <a:ext uri="{AF507438-7753-43e0-B8FC-AC1667EBCBE1}">
-                <a14:hiddenEffects xmlns:a14="http://schemas.microsoft.com/office/drawing/2010/main">
+                <a14:hiddenEffects xmlns:a14="http://schemas.microsoft.com/office/drawing/2010/main" xmlns="">
                   <a:effectLst>
                     <a:outerShdw blurRad="63500" dist="38099" dir="2700000" algn="ctr" rotWithShape="0">
                       <a:schemeClr val="bg2">
@@ -7354,7 +7370,7 @@
             <a:effectLst/>
             <a:extLst>
               <a:ext uri="{91240B29-F687-4f45-9708-019B960494DF}">
-                <a14:hiddenLine xmlns:a14="http://schemas.microsoft.com/office/drawing/2010/main" w="9525">
+                <a14:hiddenLine xmlns:a14="http://schemas.microsoft.com/office/drawing/2010/main" xmlns="" w="9525">
                   <a:solidFill>
                     <a:schemeClr val="tx1"/>
                   </a:solidFill>
@@ -7364,7 +7380,7 @@
                 </a14:hiddenLine>
               </a:ext>
               <a:ext uri="{AF507438-7753-43e0-B8FC-AC1667EBCBE1}">
-                <a14:hiddenEffects xmlns:a14="http://schemas.microsoft.com/office/drawing/2010/main">
+                <a14:hiddenEffects xmlns:a14="http://schemas.microsoft.com/office/drawing/2010/main" xmlns="">
                   <a:effectLst>
                     <a:outerShdw blurRad="63500" dist="38099" dir="2700000" algn="ctr" rotWithShape="0">
                       <a:schemeClr val="bg2">
@@ -7409,7 +7425,7 @@
             <a:effectLst/>
             <a:extLst>
               <a:ext uri="{91240B29-F687-4f45-9708-019B960494DF}">
-                <a14:hiddenLine xmlns:a14="http://schemas.microsoft.com/office/drawing/2010/main" w="9525">
+                <a14:hiddenLine xmlns:a14="http://schemas.microsoft.com/office/drawing/2010/main" xmlns="" w="9525">
                   <a:solidFill>
                     <a:schemeClr val="tx1"/>
                   </a:solidFill>
@@ -7419,7 +7435,7 @@
                 </a14:hiddenLine>
               </a:ext>
               <a:ext uri="{AF507438-7753-43e0-B8FC-AC1667EBCBE1}">
-                <a14:hiddenEffects xmlns:a14="http://schemas.microsoft.com/office/drawing/2010/main">
+                <a14:hiddenEffects xmlns:a14="http://schemas.microsoft.com/office/drawing/2010/main" xmlns="">
                   <a:effectLst>
                     <a:outerShdw blurRad="63500" dist="38099" dir="2700000" algn="ctr" rotWithShape="0">
                       <a:schemeClr val="bg2">
@@ -7464,7 +7480,7 @@
             <a:effectLst/>
             <a:extLst>
               <a:ext uri="{91240B29-F687-4f45-9708-019B960494DF}">
-                <a14:hiddenLine xmlns:a14="http://schemas.microsoft.com/office/drawing/2010/main" w="9525">
+                <a14:hiddenLine xmlns:a14="http://schemas.microsoft.com/office/drawing/2010/main" xmlns="" w="9525">
                   <a:solidFill>
                     <a:schemeClr val="tx1"/>
                   </a:solidFill>
@@ -7474,7 +7490,7 @@
                 </a14:hiddenLine>
               </a:ext>
               <a:ext uri="{AF507438-7753-43e0-B8FC-AC1667EBCBE1}">
-                <a14:hiddenEffects xmlns:a14="http://schemas.microsoft.com/office/drawing/2010/main">
+                <a14:hiddenEffects xmlns:a14="http://schemas.microsoft.com/office/drawing/2010/main" xmlns="">
                   <a:effectLst>
                     <a:outerShdw blurRad="63500" dist="38099" dir="2700000" algn="ctr" rotWithShape="0">
                       <a:schemeClr val="bg2">
@@ -7519,7 +7535,7 @@
             <a:effectLst/>
             <a:extLst>
               <a:ext uri="{91240B29-F687-4f45-9708-019B960494DF}">
-                <a14:hiddenLine xmlns:a14="http://schemas.microsoft.com/office/drawing/2010/main" w="9525">
+                <a14:hiddenLine xmlns:a14="http://schemas.microsoft.com/office/drawing/2010/main" xmlns="" w="9525">
                   <a:solidFill>
                     <a:schemeClr val="tx1"/>
                   </a:solidFill>
@@ -7529,7 +7545,7 @@
                 </a14:hiddenLine>
               </a:ext>
               <a:ext uri="{AF507438-7753-43e0-B8FC-AC1667EBCBE1}">
-                <a14:hiddenEffects xmlns:a14="http://schemas.microsoft.com/office/drawing/2010/main">
+                <a14:hiddenEffects xmlns:a14="http://schemas.microsoft.com/office/drawing/2010/main" xmlns="">
                   <a:effectLst>
                     <a:outerShdw blurRad="63500" dist="38099" dir="2700000" algn="ctr" rotWithShape="0">
                       <a:schemeClr val="bg2">
@@ -7574,7 +7590,7 @@
             <a:effectLst/>
             <a:extLst>
               <a:ext uri="{91240B29-F687-4f45-9708-019B960494DF}">
-                <a14:hiddenLine xmlns:a14="http://schemas.microsoft.com/office/drawing/2010/main" w="9525">
+                <a14:hiddenLine xmlns:a14="http://schemas.microsoft.com/office/drawing/2010/main" xmlns="" w="9525">
                   <a:solidFill>
                     <a:schemeClr val="tx1"/>
                   </a:solidFill>
@@ -7584,7 +7600,7 @@
                 </a14:hiddenLine>
               </a:ext>
               <a:ext uri="{AF507438-7753-43e0-B8FC-AC1667EBCBE1}">
-                <a14:hiddenEffects xmlns:a14="http://schemas.microsoft.com/office/drawing/2010/main">
+                <a14:hiddenEffects xmlns:a14="http://schemas.microsoft.com/office/drawing/2010/main" xmlns="">
                   <a:effectLst>
                     <a:outerShdw blurRad="63500" dist="38099" dir="2700000" algn="ctr" rotWithShape="0">
                       <a:schemeClr val="bg2">
@@ -7629,7 +7645,7 @@
             <a:effectLst/>
             <a:extLst>
               <a:ext uri="{91240B29-F687-4f45-9708-019B960494DF}">
-                <a14:hiddenLine xmlns:a14="http://schemas.microsoft.com/office/drawing/2010/main" w="9525">
+                <a14:hiddenLine xmlns:a14="http://schemas.microsoft.com/office/drawing/2010/main" xmlns="" w="9525">
                   <a:solidFill>
                     <a:schemeClr val="tx1"/>
                   </a:solidFill>
@@ -7639,7 +7655,7 @@
                 </a14:hiddenLine>
               </a:ext>
               <a:ext uri="{AF507438-7753-43e0-B8FC-AC1667EBCBE1}">
-                <a14:hiddenEffects xmlns:a14="http://schemas.microsoft.com/office/drawing/2010/main">
+                <a14:hiddenEffects xmlns:a14="http://schemas.microsoft.com/office/drawing/2010/main" xmlns="">
                   <a:effectLst>
                     <a:outerShdw blurRad="63500" dist="38099" dir="2700000" algn="ctr" rotWithShape="0">
                       <a:schemeClr val="bg2">
@@ -7684,7 +7700,7 @@
             <a:effectLst/>
             <a:extLst>
               <a:ext uri="{91240B29-F687-4f45-9708-019B960494DF}">
-                <a14:hiddenLine xmlns:a14="http://schemas.microsoft.com/office/drawing/2010/main" w="9525">
+                <a14:hiddenLine xmlns:a14="http://schemas.microsoft.com/office/drawing/2010/main" xmlns="" w="9525">
                   <a:solidFill>
                     <a:schemeClr val="tx1"/>
                   </a:solidFill>
@@ -7694,7 +7710,7 @@
                 </a14:hiddenLine>
               </a:ext>
               <a:ext uri="{AF507438-7753-43e0-B8FC-AC1667EBCBE1}">
-                <a14:hiddenEffects xmlns:a14="http://schemas.microsoft.com/office/drawing/2010/main">
+                <a14:hiddenEffects xmlns:a14="http://schemas.microsoft.com/office/drawing/2010/main" xmlns="">
                   <a:effectLst>
                     <a:outerShdw blurRad="63500" dist="38099" dir="2700000" algn="ctr" rotWithShape="0">
                       <a:schemeClr val="bg2">
@@ -7739,7 +7755,7 @@
             <a:effectLst/>
             <a:extLst>
               <a:ext uri="{91240B29-F687-4f45-9708-019B960494DF}">
-                <a14:hiddenLine xmlns:a14="http://schemas.microsoft.com/office/drawing/2010/main" w="9525">
+                <a14:hiddenLine xmlns:a14="http://schemas.microsoft.com/office/drawing/2010/main" xmlns="" w="9525">
                   <a:solidFill>
                     <a:schemeClr val="tx1"/>
                   </a:solidFill>
@@ -7749,7 +7765,7 @@
                 </a14:hiddenLine>
               </a:ext>
               <a:ext uri="{AF507438-7753-43e0-B8FC-AC1667EBCBE1}">
-                <a14:hiddenEffects xmlns:a14="http://schemas.microsoft.com/office/drawing/2010/main">
+                <a14:hiddenEffects xmlns:a14="http://schemas.microsoft.com/office/drawing/2010/main" xmlns="">
                   <a:effectLst>
                     <a:outerShdw blurRad="63500" dist="38099" dir="2700000" algn="ctr" rotWithShape="0">
                       <a:schemeClr val="bg2">
@@ -7794,7 +7810,7 @@
             <a:effectLst/>
             <a:extLst>
               <a:ext uri="{91240B29-F687-4f45-9708-019B960494DF}">
-                <a14:hiddenLine xmlns:a14="http://schemas.microsoft.com/office/drawing/2010/main" w="9525">
+                <a14:hiddenLine xmlns:a14="http://schemas.microsoft.com/office/drawing/2010/main" xmlns="" w="9525">
                   <a:solidFill>
                     <a:schemeClr val="tx1"/>
                   </a:solidFill>
@@ -7804,7 +7820,7 @@
                 </a14:hiddenLine>
               </a:ext>
               <a:ext uri="{AF507438-7753-43e0-B8FC-AC1667EBCBE1}">
-                <a14:hiddenEffects xmlns:a14="http://schemas.microsoft.com/office/drawing/2010/main">
+                <a14:hiddenEffects xmlns:a14="http://schemas.microsoft.com/office/drawing/2010/main" xmlns="">
                   <a:effectLst>
                     <a:outerShdw blurRad="63500" dist="38099" dir="2700000" algn="ctr" rotWithShape="0">
                       <a:schemeClr val="bg2">
@@ -7849,7 +7865,7 @@
             <a:effectLst/>
             <a:extLst>
               <a:ext uri="{91240B29-F687-4f45-9708-019B960494DF}">
-                <a14:hiddenLine xmlns:a14="http://schemas.microsoft.com/office/drawing/2010/main" w="9525">
+                <a14:hiddenLine xmlns:a14="http://schemas.microsoft.com/office/drawing/2010/main" xmlns="" w="9525">
                   <a:solidFill>
                     <a:schemeClr val="tx1"/>
                   </a:solidFill>
@@ -7859,7 +7875,7 @@
                 </a14:hiddenLine>
               </a:ext>
               <a:ext uri="{AF507438-7753-43e0-B8FC-AC1667EBCBE1}">
-                <a14:hiddenEffects xmlns:a14="http://schemas.microsoft.com/office/drawing/2010/main">
+                <a14:hiddenEffects xmlns:a14="http://schemas.microsoft.com/office/drawing/2010/main" xmlns="">
                   <a:effectLst>
                     <a:outerShdw blurRad="63500" dist="38099" dir="2700000" algn="ctr" rotWithShape="0">
                       <a:schemeClr val="bg2">
@@ -7904,7 +7920,7 @@
             <a:effectLst/>
             <a:extLst>
               <a:ext uri="{91240B29-F687-4f45-9708-019B960494DF}">
-                <a14:hiddenLine xmlns:a14="http://schemas.microsoft.com/office/drawing/2010/main" w="9525">
+                <a14:hiddenLine xmlns:a14="http://schemas.microsoft.com/office/drawing/2010/main" xmlns="" w="9525">
                   <a:solidFill>
                     <a:schemeClr val="tx1"/>
                   </a:solidFill>
@@ -7914,7 +7930,7 @@
                 </a14:hiddenLine>
               </a:ext>
               <a:ext uri="{AF507438-7753-43e0-B8FC-AC1667EBCBE1}">
-                <a14:hiddenEffects xmlns:a14="http://schemas.microsoft.com/office/drawing/2010/main">
+                <a14:hiddenEffects xmlns:a14="http://schemas.microsoft.com/office/drawing/2010/main" xmlns="">
                   <a:effectLst>
                     <a:outerShdw blurRad="63500" dist="38099" dir="2700000" algn="ctr" rotWithShape="0">
                       <a:schemeClr val="bg2">
@@ -7959,7 +7975,7 @@
             <a:effectLst/>
             <a:extLst>
               <a:ext uri="{91240B29-F687-4f45-9708-019B960494DF}">
-                <a14:hiddenLine xmlns:a14="http://schemas.microsoft.com/office/drawing/2010/main" w="9525">
+                <a14:hiddenLine xmlns:a14="http://schemas.microsoft.com/office/drawing/2010/main" xmlns="" w="9525">
                   <a:solidFill>
                     <a:schemeClr val="tx1"/>
                   </a:solidFill>
@@ -7969,7 +7985,7 @@
                 </a14:hiddenLine>
               </a:ext>
               <a:ext uri="{AF507438-7753-43e0-B8FC-AC1667EBCBE1}">
-                <a14:hiddenEffects xmlns:a14="http://schemas.microsoft.com/office/drawing/2010/main">
+                <a14:hiddenEffects xmlns:a14="http://schemas.microsoft.com/office/drawing/2010/main" xmlns="">
                   <a:effectLst>
                     <a:outerShdw blurRad="63500" dist="38099" dir="2700000" algn="ctr" rotWithShape="0">
                       <a:schemeClr val="bg2">
@@ -8014,7 +8030,7 @@
             <a:effectLst/>
             <a:extLst>
               <a:ext uri="{91240B29-F687-4f45-9708-019B960494DF}">
-                <a14:hiddenLine xmlns:a14="http://schemas.microsoft.com/office/drawing/2010/main" w="9525">
+                <a14:hiddenLine xmlns:a14="http://schemas.microsoft.com/office/drawing/2010/main" xmlns="" w="9525">
                   <a:solidFill>
                     <a:schemeClr val="tx1"/>
                   </a:solidFill>
@@ -8024,7 +8040,7 @@
                 </a14:hiddenLine>
               </a:ext>
               <a:ext uri="{AF507438-7753-43e0-B8FC-AC1667EBCBE1}">
-                <a14:hiddenEffects xmlns:a14="http://schemas.microsoft.com/office/drawing/2010/main">
+                <a14:hiddenEffects xmlns:a14="http://schemas.microsoft.com/office/drawing/2010/main" xmlns="">
                   <a:effectLst>
                     <a:outerShdw blurRad="63500" dist="38099" dir="2700000" algn="ctr" rotWithShape="0">
                       <a:schemeClr val="bg2">
@@ -8069,7 +8085,7 @@
             <a:effectLst/>
             <a:extLst>
               <a:ext uri="{91240B29-F687-4f45-9708-019B960494DF}">
-                <a14:hiddenLine xmlns:a14="http://schemas.microsoft.com/office/drawing/2010/main" w="9525">
+                <a14:hiddenLine xmlns:a14="http://schemas.microsoft.com/office/drawing/2010/main" xmlns="" w="9525">
                   <a:solidFill>
                     <a:schemeClr val="tx1"/>
                   </a:solidFill>
@@ -8079,7 +8095,7 @@
                 </a14:hiddenLine>
               </a:ext>
               <a:ext uri="{AF507438-7753-43e0-B8FC-AC1667EBCBE1}">
-                <a14:hiddenEffects xmlns:a14="http://schemas.microsoft.com/office/drawing/2010/main">
+                <a14:hiddenEffects xmlns:a14="http://schemas.microsoft.com/office/drawing/2010/main" xmlns="">
                   <a:effectLst>
                     <a:outerShdw blurRad="63500" dist="38099" dir="2700000" algn="ctr" rotWithShape="0">
                       <a:schemeClr val="bg2">
@@ -8124,7 +8140,7 @@
             <a:effectLst/>
             <a:extLst>
               <a:ext uri="{91240B29-F687-4f45-9708-019B960494DF}">
-                <a14:hiddenLine xmlns:a14="http://schemas.microsoft.com/office/drawing/2010/main" w="9525">
+                <a14:hiddenLine xmlns:a14="http://schemas.microsoft.com/office/drawing/2010/main" xmlns="" w="9525">
                   <a:solidFill>
                     <a:schemeClr val="tx1"/>
                   </a:solidFill>
@@ -8134,7 +8150,7 @@
                 </a14:hiddenLine>
               </a:ext>
               <a:ext uri="{AF507438-7753-43e0-B8FC-AC1667EBCBE1}">
-                <a14:hiddenEffects xmlns:a14="http://schemas.microsoft.com/office/drawing/2010/main">
+                <a14:hiddenEffects xmlns:a14="http://schemas.microsoft.com/office/drawing/2010/main" xmlns="">
                   <a:effectLst>
                     <a:outerShdw blurRad="63500" dist="38099" dir="2700000" algn="ctr" rotWithShape="0">
                       <a:schemeClr val="bg2">
@@ -8179,7 +8195,7 @@
             <a:effectLst/>
             <a:extLst>
               <a:ext uri="{91240B29-F687-4f45-9708-019B960494DF}">
-                <a14:hiddenLine xmlns:a14="http://schemas.microsoft.com/office/drawing/2010/main" w="9525">
+                <a14:hiddenLine xmlns:a14="http://schemas.microsoft.com/office/drawing/2010/main" xmlns="" w="9525">
                   <a:solidFill>
                     <a:schemeClr val="tx1"/>
                   </a:solidFill>
@@ -8189,7 +8205,7 @@
                 </a14:hiddenLine>
               </a:ext>
               <a:ext uri="{AF507438-7753-43e0-B8FC-AC1667EBCBE1}">
-                <a14:hiddenEffects xmlns:a14="http://schemas.microsoft.com/office/drawing/2010/main">
+                <a14:hiddenEffects xmlns:a14="http://schemas.microsoft.com/office/drawing/2010/main" xmlns="">
                   <a:effectLst>
                     <a:outerShdw blurRad="63500" dist="38099" dir="2700000" algn="ctr" rotWithShape="0">
                       <a:schemeClr val="bg2">
@@ -8234,7 +8250,7 @@
             <a:effectLst/>
             <a:extLst>
               <a:ext uri="{91240B29-F687-4f45-9708-019B960494DF}">
-                <a14:hiddenLine xmlns:a14="http://schemas.microsoft.com/office/drawing/2010/main" w="9525">
+                <a14:hiddenLine xmlns:a14="http://schemas.microsoft.com/office/drawing/2010/main" xmlns="" w="9525">
                   <a:solidFill>
                     <a:schemeClr val="tx1"/>
                   </a:solidFill>
@@ -8244,7 +8260,7 @@
                 </a14:hiddenLine>
               </a:ext>
               <a:ext uri="{AF507438-7753-43e0-B8FC-AC1667EBCBE1}">
-                <a14:hiddenEffects xmlns:a14="http://schemas.microsoft.com/office/drawing/2010/main">
+                <a14:hiddenEffects xmlns:a14="http://schemas.microsoft.com/office/drawing/2010/main" xmlns="">
                   <a:effectLst>
                     <a:outerShdw blurRad="63500" dist="38099" dir="2700000" algn="ctr" rotWithShape="0">
                       <a:schemeClr val="bg2">
@@ -8289,7 +8305,7 @@
             <a:effectLst/>
             <a:extLst>
               <a:ext uri="{91240B29-F687-4f45-9708-019B960494DF}">
-                <a14:hiddenLine xmlns:a14="http://schemas.microsoft.com/office/drawing/2010/main" w="9525">
+                <a14:hiddenLine xmlns:a14="http://schemas.microsoft.com/office/drawing/2010/main" xmlns="" w="9525">
                   <a:solidFill>
                     <a:schemeClr val="tx1"/>
                   </a:solidFill>
@@ -8299,7 +8315,7 @@
                 </a14:hiddenLine>
               </a:ext>
               <a:ext uri="{AF507438-7753-43e0-B8FC-AC1667EBCBE1}">
-                <a14:hiddenEffects xmlns:a14="http://schemas.microsoft.com/office/drawing/2010/main">
+                <a14:hiddenEffects xmlns:a14="http://schemas.microsoft.com/office/drawing/2010/main" xmlns="">
                   <a:effectLst>
                     <a:outerShdw blurRad="63500" dist="38099" dir="2700000" algn="ctr" rotWithShape="0">
                       <a:schemeClr val="bg2">
@@ -8344,7 +8360,7 @@
             <a:effectLst/>
             <a:extLst>
               <a:ext uri="{91240B29-F687-4f45-9708-019B960494DF}">
-                <a14:hiddenLine xmlns:a14="http://schemas.microsoft.com/office/drawing/2010/main" w="9525">
+                <a14:hiddenLine xmlns:a14="http://schemas.microsoft.com/office/drawing/2010/main" xmlns="" w="9525">
                   <a:solidFill>
                     <a:schemeClr val="tx1"/>
                   </a:solidFill>
@@ -8354,7 +8370,7 @@
                 </a14:hiddenLine>
               </a:ext>
               <a:ext uri="{AF507438-7753-43e0-B8FC-AC1667EBCBE1}">
-                <a14:hiddenEffects xmlns:a14="http://schemas.microsoft.com/office/drawing/2010/main">
+                <a14:hiddenEffects xmlns:a14="http://schemas.microsoft.com/office/drawing/2010/main" xmlns="">
                   <a:effectLst>
                     <a:outerShdw blurRad="63500" dist="38099" dir="2700000" algn="ctr" rotWithShape="0">
                       <a:schemeClr val="bg2">
@@ -8399,7 +8415,7 @@
             <a:effectLst/>
             <a:extLst>
               <a:ext uri="{91240B29-F687-4f45-9708-019B960494DF}">
-                <a14:hiddenLine xmlns:a14="http://schemas.microsoft.com/office/drawing/2010/main" w="9525">
+                <a14:hiddenLine xmlns:a14="http://schemas.microsoft.com/office/drawing/2010/main" xmlns="" w="9525">
                   <a:solidFill>
                     <a:schemeClr val="tx1"/>
                   </a:solidFill>
@@ -8409,7 +8425,7 @@
                 </a14:hiddenLine>
               </a:ext>
               <a:ext uri="{AF507438-7753-43e0-B8FC-AC1667EBCBE1}">
-                <a14:hiddenEffects xmlns:a14="http://schemas.microsoft.com/office/drawing/2010/main">
+                <a14:hiddenEffects xmlns:a14="http://schemas.microsoft.com/office/drawing/2010/main" xmlns="">
                   <a:effectLst>
                     <a:outerShdw blurRad="63500" dist="38099" dir="2700000" algn="ctr" rotWithShape="0">
                       <a:schemeClr val="bg2">
@@ -8454,7 +8470,7 @@
             <a:effectLst/>
             <a:extLst>
               <a:ext uri="{91240B29-F687-4f45-9708-019B960494DF}">
-                <a14:hiddenLine xmlns:a14="http://schemas.microsoft.com/office/drawing/2010/main" w="9525">
+                <a14:hiddenLine xmlns:a14="http://schemas.microsoft.com/office/drawing/2010/main" xmlns="" w="9525">
                   <a:solidFill>
                     <a:schemeClr val="tx1"/>
                   </a:solidFill>
@@ -8464,7 +8480,7 @@
                 </a14:hiddenLine>
               </a:ext>
               <a:ext uri="{AF507438-7753-43e0-B8FC-AC1667EBCBE1}">
-                <a14:hiddenEffects xmlns:a14="http://schemas.microsoft.com/office/drawing/2010/main">
+                <a14:hiddenEffects xmlns:a14="http://schemas.microsoft.com/office/drawing/2010/main" xmlns="">
                   <a:effectLst>
                     <a:outerShdw blurRad="63500" dist="38099" dir="2700000" algn="ctr" rotWithShape="0">
                       <a:schemeClr val="bg2">
@@ -8509,7 +8525,7 @@
             <a:effectLst/>
             <a:extLst>
               <a:ext uri="{91240B29-F687-4f45-9708-019B960494DF}">
-                <a14:hiddenLine xmlns:a14="http://schemas.microsoft.com/office/drawing/2010/main" w="9525">
+                <a14:hiddenLine xmlns:a14="http://schemas.microsoft.com/office/drawing/2010/main" xmlns="" w="9525">
                   <a:solidFill>
                     <a:schemeClr val="tx1"/>
                   </a:solidFill>
@@ -8519,7 +8535,7 @@
                 </a14:hiddenLine>
               </a:ext>
               <a:ext uri="{AF507438-7753-43e0-B8FC-AC1667EBCBE1}">
-                <a14:hiddenEffects xmlns:a14="http://schemas.microsoft.com/office/drawing/2010/main">
+                <a14:hiddenEffects xmlns:a14="http://schemas.microsoft.com/office/drawing/2010/main" xmlns="">
                   <a:effectLst>
                     <a:outerShdw blurRad="63500" dist="38099" dir="2700000" algn="ctr" rotWithShape="0">
                       <a:schemeClr val="bg2">
@@ -8568,12 +8584,12 @@
           <a:effectLst/>
           <a:extLst>
             <a:ext uri="{909E8E84-426E-40dd-AFC4-6F175D3DCCD1}">
-              <a14:hiddenFill xmlns:a14="http://schemas.microsoft.com/office/drawing/2010/main">
+              <a14:hiddenFill xmlns:a14="http://schemas.microsoft.com/office/drawing/2010/main" xmlns="">
                 <a:noFill/>
               </a14:hiddenFill>
             </a:ext>
             <a:ext uri="{AF507438-7753-43e0-B8FC-AC1667EBCBE1}">
-              <a14:hiddenEffects xmlns:a14="http://schemas.microsoft.com/office/drawing/2010/main">
+              <a14:hiddenEffects xmlns:a14="http://schemas.microsoft.com/office/drawing/2010/main" xmlns="">
                 <a:effectLst>
                   <a:outerShdw blurRad="63500" dist="38099" dir="2700000" algn="ctr" rotWithShape="0">
                     <a:schemeClr val="bg2">
@@ -8601,7 +8617,7 @@
   <p:timing>
     <p:tnLst>
       <p:par>
-        <p:cTn xmlns:p14="http://schemas.microsoft.com/office/powerpoint/2010/main" id="1" dur="indefinite" restart="never" nodeType="tmRoot"/>
+        <p:cTn id="1" dur="indefinite" restart="never" nodeType="tmRoot"/>
       </p:par>
     </p:tnLst>
   </p:timing>
@@ -10921,12 +10937,12 @@
           <a:effectLst/>
           <a:extLst>
             <a:ext uri="{909E8E84-426E-40dd-AFC4-6F175D3DCCD1}">
-              <a14:hiddenFill xmlns:a14="http://schemas.microsoft.com/office/drawing/2010/main">
+              <a14:hiddenFill xmlns:a14="http://schemas.microsoft.com/office/drawing/2010/main" xmlns="">
                 <a:noFill/>
               </a14:hiddenFill>
             </a:ext>
             <a:ext uri="{AF507438-7753-43e0-B8FC-AC1667EBCBE1}">
-              <a14:hiddenEffects xmlns:a14="http://schemas.microsoft.com/office/drawing/2010/main">
+              <a14:hiddenEffects xmlns:a14="http://schemas.microsoft.com/office/drawing/2010/main" xmlns="">
                 <a:effectLst>
                   <a:outerShdw blurRad="63500" dist="38099" dir="2700000" algn="ctr" rotWithShape="0">
                     <a:schemeClr val="bg2">
@@ -10970,15 +10986,18 @@
           </a:ln>
           <a:effectLst/>
           <a:extLst>
-            <a:ext uri="{909E8E84-426E-40dd-AFC4-6F175D3DCCD1}">
-              <a14:hiddenFill xmlns:a14="http://schemas.microsoft.com/office/drawing/2010/main">
+            <a:ext uri="{FAA26D3D-D897-4be2-8F04-BA451C77F1D7}">
+              <ma14:placeholderFlag xmlns:ma14="http://schemas.microsoft.com/office/mac/drawingml/2011/main" val="1"/>
+            </a:ext>
+            <a:ext uri="{909E8E84-426E-40dd-AFC4-6F175D3DCCD1}">
+              <a14:hiddenFill xmlns:a14="http://schemas.microsoft.com/office/drawing/2010/main" xmlns="">
                 <a:solidFill>
                   <a:schemeClr val="accent1"/>
                 </a:solidFill>
               </a14:hiddenFill>
             </a:ext>
             <a:ext uri="{91240B29-F687-4f45-9708-019B960494DF}">
-              <a14:hiddenLine xmlns:a14="http://schemas.microsoft.com/office/drawing/2010/main" w="9525">
+              <a14:hiddenLine xmlns:a14="http://schemas.microsoft.com/office/drawing/2010/main" xmlns="" w="9525">
                 <a:solidFill>
                   <a:schemeClr val="tx1"/>
                 </a:solidFill>
@@ -10988,7 +11007,7 @@
               </a14:hiddenLine>
             </a:ext>
             <a:ext uri="{AF507438-7753-43e0-B8FC-AC1667EBCBE1}">
-              <a14:hiddenEffects xmlns:a14="http://schemas.microsoft.com/office/drawing/2010/main">
+              <a14:hiddenEffects xmlns:a14="http://schemas.microsoft.com/office/drawing/2010/main" xmlns="">
                 <a:effectLst>
                   <a:outerShdw blurRad="63500" dist="38099" dir="2700000" algn="ctr" rotWithShape="0">
                     <a:schemeClr val="bg2">
@@ -10998,9 +11017,6 @@
                 </a:effectLst>
               </a14:hiddenEffects>
             </a:ext>
-            <a:ext uri="{FAA26D3D-D897-4be2-8F04-BA451C77F1D7}">
-              <ma14:placeholderFlag xmlns:ma14="http://schemas.microsoft.com/office/mac/drawingml/2011/main" val="1"/>
-            </a:ext>
           </a:extLst>
         </p:spPr>
         <p:txBody>
@@ -11043,15 +11059,18 @@
           </a:ln>
           <a:effectLst/>
           <a:extLst>
-            <a:ext uri="{909E8E84-426E-40dd-AFC4-6F175D3DCCD1}">
-              <a14:hiddenFill xmlns:a14="http://schemas.microsoft.com/office/drawing/2010/main">
+            <a:ext uri="{FAA26D3D-D897-4be2-8F04-BA451C77F1D7}">
+              <ma14:placeholderFlag xmlns:ma14="http://schemas.microsoft.com/office/mac/drawingml/2011/main" val="1"/>
+            </a:ext>
+            <a:ext uri="{909E8E84-426E-40dd-AFC4-6F175D3DCCD1}">
+              <a14:hiddenFill xmlns:a14="http://schemas.microsoft.com/office/drawing/2010/main" xmlns="">
                 <a:solidFill>
                   <a:schemeClr val="accent1"/>
                 </a:solidFill>
               </a14:hiddenFill>
             </a:ext>
             <a:ext uri="{91240B29-F687-4f45-9708-019B960494DF}">
-              <a14:hiddenLine xmlns:a14="http://schemas.microsoft.com/office/drawing/2010/main" w="9525">
+              <a14:hiddenLine xmlns:a14="http://schemas.microsoft.com/office/drawing/2010/main" xmlns="" w="9525">
                 <a:solidFill>
                   <a:schemeClr val="tx1"/>
                 </a:solidFill>
@@ -11061,7 +11080,7 @@
               </a14:hiddenLine>
             </a:ext>
             <a:ext uri="{AF507438-7753-43e0-B8FC-AC1667EBCBE1}">
-              <a14:hiddenEffects xmlns:a14="http://schemas.microsoft.com/office/drawing/2010/main">
+              <a14:hiddenEffects xmlns:a14="http://schemas.microsoft.com/office/drawing/2010/main" xmlns="">
                 <a:effectLst>
                   <a:outerShdw blurRad="63500" dist="38099" dir="2700000" algn="ctr" rotWithShape="0">
                     <a:schemeClr val="bg2">
@@ -11071,9 +11090,6 @@
                 </a:effectLst>
               </a14:hiddenEffects>
             </a:ext>
-            <a:ext uri="{FAA26D3D-D897-4be2-8F04-BA451C77F1D7}">
-              <ma14:placeholderFlag xmlns:ma14="http://schemas.microsoft.com/office/mac/drawingml/2011/main" val="1"/>
-            </a:ext>
           </a:extLst>
         </p:spPr>
         <p:txBody>
@@ -11144,15 +11160,18 @@
           </a:ln>
           <a:effectLst/>
           <a:extLst>
-            <a:ext uri="{909E8E84-426E-40dd-AFC4-6F175D3DCCD1}">
-              <a14:hiddenFill xmlns:a14="http://schemas.microsoft.com/office/drawing/2010/main">
+            <a:ext uri="{FAA26D3D-D897-4be2-8F04-BA451C77F1D7}">
+              <ma14:placeholderFlag xmlns:ma14="http://schemas.microsoft.com/office/mac/drawingml/2011/main" val="1"/>
+            </a:ext>
+            <a:ext uri="{909E8E84-426E-40dd-AFC4-6F175D3DCCD1}">
+              <a14:hiddenFill xmlns:a14="http://schemas.microsoft.com/office/drawing/2010/main" xmlns="">
                 <a:solidFill>
                   <a:schemeClr val="accent1"/>
                 </a:solidFill>
               </a14:hiddenFill>
             </a:ext>
             <a:ext uri="{91240B29-F687-4f45-9708-019B960494DF}">
-              <a14:hiddenLine xmlns:a14="http://schemas.microsoft.com/office/drawing/2010/main" w="9525">
+              <a14:hiddenLine xmlns:a14="http://schemas.microsoft.com/office/drawing/2010/main" xmlns="" w="9525">
                 <a:solidFill>
                   <a:schemeClr val="tx1"/>
                 </a:solidFill>
@@ -11162,7 +11181,7 @@
               </a14:hiddenLine>
             </a:ext>
             <a:ext uri="{AF507438-7753-43e0-B8FC-AC1667EBCBE1}">
-              <a14:hiddenEffects xmlns:a14="http://schemas.microsoft.com/office/drawing/2010/main">
+              <a14:hiddenEffects xmlns:a14="http://schemas.microsoft.com/office/drawing/2010/main" xmlns="">
                 <a:effectLst>
                   <a:outerShdw blurRad="63500" dist="38099" dir="2700000" algn="ctr" rotWithShape="0">
                     <a:schemeClr val="bg2">
@@ -11171,9 +11190,6 @@
                   </a:outerShdw>
                 </a:effectLst>
               </a14:hiddenEffects>
-            </a:ext>
-            <a:ext uri="{FAA26D3D-D897-4be2-8F04-BA451C77F1D7}">
-              <ma14:placeholderFlag xmlns:ma14="http://schemas.microsoft.com/office/mac/drawingml/2011/main" val="1"/>
             </a:ext>
           </a:extLst>
         </p:spPr>
@@ -11217,15 +11233,18 @@
           </a:ln>
           <a:effectLst/>
           <a:extLst>
-            <a:ext uri="{909E8E84-426E-40dd-AFC4-6F175D3DCCD1}">
-              <a14:hiddenFill xmlns:a14="http://schemas.microsoft.com/office/drawing/2010/main">
+            <a:ext uri="{FAA26D3D-D897-4be2-8F04-BA451C77F1D7}">
+              <ma14:placeholderFlag xmlns:ma14="http://schemas.microsoft.com/office/mac/drawingml/2011/main" val="1"/>
+            </a:ext>
+            <a:ext uri="{909E8E84-426E-40dd-AFC4-6F175D3DCCD1}">
+              <a14:hiddenFill xmlns:a14="http://schemas.microsoft.com/office/drawing/2010/main" xmlns="">
                 <a:solidFill>
                   <a:schemeClr val="accent1"/>
                 </a:solidFill>
               </a14:hiddenFill>
             </a:ext>
             <a:ext uri="{91240B29-F687-4f45-9708-019B960494DF}">
-              <a14:hiddenLine xmlns:a14="http://schemas.microsoft.com/office/drawing/2010/main" w="9525">
+              <a14:hiddenLine xmlns:a14="http://schemas.microsoft.com/office/drawing/2010/main" xmlns="" w="9525">
                 <a:solidFill>
                   <a:schemeClr val="tx1"/>
                 </a:solidFill>
@@ -11235,7 +11254,7 @@
               </a14:hiddenLine>
             </a:ext>
             <a:ext uri="{AF507438-7753-43e0-B8FC-AC1667EBCBE1}">
-              <a14:hiddenEffects xmlns:a14="http://schemas.microsoft.com/office/drawing/2010/main">
+              <a14:hiddenEffects xmlns:a14="http://schemas.microsoft.com/office/drawing/2010/main" xmlns="">
                 <a:effectLst>
                   <a:outerShdw blurRad="63500" dist="38099" dir="2700000" algn="ctr" rotWithShape="0">
                     <a:schemeClr val="bg2">
@@ -11244,9 +11263,6 @@
                   </a:outerShdw>
                 </a:effectLst>
               </a14:hiddenEffects>
-            </a:ext>
-            <a:ext uri="{FAA26D3D-D897-4be2-8F04-BA451C77F1D7}">
-              <ma14:placeholderFlag xmlns:ma14="http://schemas.microsoft.com/office/mac/drawingml/2011/main" val="1"/>
             </a:ext>
           </a:extLst>
         </p:spPr>
@@ -11290,15 +11306,18 @@
           </a:ln>
           <a:effectLst/>
           <a:extLst>
-            <a:ext uri="{909E8E84-426E-40dd-AFC4-6F175D3DCCD1}">
-              <a14:hiddenFill xmlns:a14="http://schemas.microsoft.com/office/drawing/2010/main">
+            <a:ext uri="{FAA26D3D-D897-4be2-8F04-BA451C77F1D7}">
+              <ma14:placeholderFlag xmlns:ma14="http://schemas.microsoft.com/office/mac/drawingml/2011/main" val="1"/>
+            </a:ext>
+            <a:ext uri="{909E8E84-426E-40dd-AFC4-6F175D3DCCD1}">
+              <a14:hiddenFill xmlns:a14="http://schemas.microsoft.com/office/drawing/2010/main" xmlns="">
                 <a:solidFill>
                   <a:schemeClr val="accent1"/>
                 </a:solidFill>
               </a14:hiddenFill>
             </a:ext>
             <a:ext uri="{91240B29-F687-4f45-9708-019B960494DF}">
-              <a14:hiddenLine xmlns:a14="http://schemas.microsoft.com/office/drawing/2010/main" w="9525">
+              <a14:hiddenLine xmlns:a14="http://schemas.microsoft.com/office/drawing/2010/main" xmlns="" w="9525">
                 <a:solidFill>
                   <a:schemeClr val="tx1"/>
                 </a:solidFill>
@@ -11308,7 +11327,7 @@
               </a14:hiddenLine>
             </a:ext>
             <a:ext uri="{AF507438-7753-43e0-B8FC-AC1667EBCBE1}">
-              <a14:hiddenEffects xmlns:a14="http://schemas.microsoft.com/office/drawing/2010/main">
+              <a14:hiddenEffects xmlns:a14="http://schemas.microsoft.com/office/drawing/2010/main" xmlns="">
                 <a:effectLst>
                   <a:outerShdw blurRad="63500" dist="38099" dir="2700000" algn="ctr" rotWithShape="0">
                     <a:schemeClr val="bg2">
@@ -11317,9 +11336,6 @@
                   </a:outerShdw>
                 </a:effectLst>
               </a14:hiddenEffects>
-            </a:ext>
-            <a:ext uri="{FAA26D3D-D897-4be2-8F04-BA451C77F1D7}">
-              <ma14:placeholderFlag xmlns:ma14="http://schemas.microsoft.com/office/mac/drawingml/2011/main" val="1"/>
             </a:ext>
           </a:extLst>
         </p:spPr>
@@ -11385,7 +11401,7 @@
             <a:effectLst/>
             <a:extLst>
               <a:ext uri="{91240B29-F687-4f45-9708-019B960494DF}">
-                <a14:hiddenLine xmlns:a14="http://schemas.microsoft.com/office/drawing/2010/main" w="9525">
+                <a14:hiddenLine xmlns:a14="http://schemas.microsoft.com/office/drawing/2010/main" xmlns="" w="9525">
                   <a:solidFill>
                     <a:schemeClr val="tx1"/>
                   </a:solidFill>
@@ -11395,7 +11411,7 @@
                 </a14:hiddenLine>
               </a:ext>
               <a:ext uri="{AF507438-7753-43e0-B8FC-AC1667EBCBE1}">
-                <a14:hiddenEffects xmlns:a14="http://schemas.microsoft.com/office/drawing/2010/main">
+                <a14:hiddenEffects xmlns:a14="http://schemas.microsoft.com/office/drawing/2010/main" xmlns="">
                   <a:effectLst>
                     <a:outerShdw blurRad="63500" dist="38099" dir="2700000" algn="ctr" rotWithShape="0">
                       <a:schemeClr val="bg2">
@@ -11440,7 +11456,7 @@
             <a:effectLst/>
             <a:extLst>
               <a:ext uri="{91240B29-F687-4f45-9708-019B960494DF}">
-                <a14:hiddenLine xmlns:a14="http://schemas.microsoft.com/office/drawing/2010/main" w="9525">
+                <a14:hiddenLine xmlns:a14="http://schemas.microsoft.com/office/drawing/2010/main" xmlns="" w="9525">
                   <a:solidFill>
                     <a:schemeClr val="tx1"/>
                   </a:solidFill>
@@ -11450,7 +11466,7 @@
                 </a14:hiddenLine>
               </a:ext>
               <a:ext uri="{AF507438-7753-43e0-B8FC-AC1667EBCBE1}">
-                <a14:hiddenEffects xmlns:a14="http://schemas.microsoft.com/office/drawing/2010/main">
+                <a14:hiddenEffects xmlns:a14="http://schemas.microsoft.com/office/drawing/2010/main" xmlns="">
                   <a:effectLst>
                     <a:outerShdw blurRad="63500" dist="38099" dir="2700000" algn="ctr" rotWithShape="0">
                       <a:schemeClr val="bg2">
@@ -11495,7 +11511,7 @@
             <a:effectLst/>
             <a:extLst>
               <a:ext uri="{91240B29-F687-4f45-9708-019B960494DF}">
-                <a14:hiddenLine xmlns:a14="http://schemas.microsoft.com/office/drawing/2010/main" w="9525">
+                <a14:hiddenLine xmlns:a14="http://schemas.microsoft.com/office/drawing/2010/main" xmlns="" w="9525">
                   <a:solidFill>
                     <a:schemeClr val="tx1"/>
                   </a:solidFill>
@@ -11505,7 +11521,7 @@
                 </a14:hiddenLine>
               </a:ext>
               <a:ext uri="{AF507438-7753-43e0-B8FC-AC1667EBCBE1}">
-                <a14:hiddenEffects xmlns:a14="http://schemas.microsoft.com/office/drawing/2010/main">
+                <a14:hiddenEffects xmlns:a14="http://schemas.microsoft.com/office/drawing/2010/main" xmlns="">
                   <a:effectLst>
                     <a:outerShdw blurRad="63500" dist="38099" dir="2700000" algn="ctr" rotWithShape="0">
                       <a:schemeClr val="bg2">
@@ -11550,7 +11566,7 @@
             <a:effectLst/>
             <a:extLst>
               <a:ext uri="{91240B29-F687-4f45-9708-019B960494DF}">
-                <a14:hiddenLine xmlns:a14="http://schemas.microsoft.com/office/drawing/2010/main" w="9525">
+                <a14:hiddenLine xmlns:a14="http://schemas.microsoft.com/office/drawing/2010/main" xmlns="" w="9525">
                   <a:solidFill>
                     <a:schemeClr val="tx1"/>
                   </a:solidFill>
@@ -11560,7 +11576,7 @@
                 </a14:hiddenLine>
               </a:ext>
               <a:ext uri="{AF507438-7753-43e0-B8FC-AC1667EBCBE1}">
-                <a14:hiddenEffects xmlns:a14="http://schemas.microsoft.com/office/drawing/2010/main">
+                <a14:hiddenEffects xmlns:a14="http://schemas.microsoft.com/office/drawing/2010/main" xmlns="">
                   <a:effectLst>
                     <a:outerShdw blurRad="63500" dist="38099" dir="2700000" algn="ctr" rotWithShape="0">
                       <a:schemeClr val="bg2">
@@ -11605,7 +11621,7 @@
             <a:effectLst/>
             <a:extLst>
               <a:ext uri="{91240B29-F687-4f45-9708-019B960494DF}">
-                <a14:hiddenLine xmlns:a14="http://schemas.microsoft.com/office/drawing/2010/main" w="9525">
+                <a14:hiddenLine xmlns:a14="http://schemas.microsoft.com/office/drawing/2010/main" xmlns="" w="9525">
                   <a:solidFill>
                     <a:schemeClr val="tx1"/>
                   </a:solidFill>
@@ -11615,7 +11631,7 @@
                 </a14:hiddenLine>
               </a:ext>
               <a:ext uri="{AF507438-7753-43e0-B8FC-AC1667EBCBE1}">
-                <a14:hiddenEffects xmlns:a14="http://schemas.microsoft.com/office/drawing/2010/main">
+                <a14:hiddenEffects xmlns:a14="http://schemas.microsoft.com/office/drawing/2010/main" xmlns="">
                   <a:effectLst>
                     <a:outerShdw blurRad="63500" dist="38099" dir="2700000" algn="ctr" rotWithShape="0">
                       <a:schemeClr val="bg2">
@@ -11660,7 +11676,7 @@
             <a:effectLst/>
             <a:extLst>
               <a:ext uri="{91240B29-F687-4f45-9708-019B960494DF}">
-                <a14:hiddenLine xmlns:a14="http://schemas.microsoft.com/office/drawing/2010/main" w="9525">
+                <a14:hiddenLine xmlns:a14="http://schemas.microsoft.com/office/drawing/2010/main" xmlns="" w="9525">
                   <a:solidFill>
                     <a:schemeClr val="tx1"/>
                   </a:solidFill>
@@ -11670,7 +11686,7 @@
                 </a14:hiddenLine>
               </a:ext>
               <a:ext uri="{AF507438-7753-43e0-B8FC-AC1667EBCBE1}">
-                <a14:hiddenEffects xmlns:a14="http://schemas.microsoft.com/office/drawing/2010/main">
+                <a14:hiddenEffects xmlns:a14="http://schemas.microsoft.com/office/drawing/2010/main" xmlns="">
                   <a:effectLst>
                     <a:outerShdw blurRad="63500" dist="38099" dir="2700000" algn="ctr" rotWithShape="0">
                       <a:schemeClr val="bg2">
@@ -11715,7 +11731,7 @@
             <a:effectLst/>
             <a:extLst>
               <a:ext uri="{91240B29-F687-4f45-9708-019B960494DF}">
-                <a14:hiddenLine xmlns:a14="http://schemas.microsoft.com/office/drawing/2010/main" w="9525">
+                <a14:hiddenLine xmlns:a14="http://schemas.microsoft.com/office/drawing/2010/main" xmlns="" w="9525">
                   <a:solidFill>
                     <a:schemeClr val="tx1"/>
                   </a:solidFill>
@@ -11725,7 +11741,7 @@
                 </a14:hiddenLine>
               </a:ext>
               <a:ext uri="{AF507438-7753-43e0-B8FC-AC1667EBCBE1}">
-                <a14:hiddenEffects xmlns:a14="http://schemas.microsoft.com/office/drawing/2010/main">
+                <a14:hiddenEffects xmlns:a14="http://schemas.microsoft.com/office/drawing/2010/main" xmlns="">
                   <a:effectLst>
                     <a:outerShdw blurRad="63500" dist="38099" dir="2700000" algn="ctr" rotWithShape="0">
                       <a:schemeClr val="bg2">
@@ -11770,7 +11786,7 @@
             <a:effectLst/>
             <a:extLst>
               <a:ext uri="{91240B29-F687-4f45-9708-019B960494DF}">
-                <a14:hiddenLine xmlns:a14="http://schemas.microsoft.com/office/drawing/2010/main" w="9525">
+                <a14:hiddenLine xmlns:a14="http://schemas.microsoft.com/office/drawing/2010/main" xmlns="" w="9525">
                   <a:solidFill>
                     <a:schemeClr val="tx1"/>
                   </a:solidFill>
@@ -11780,7 +11796,7 @@
                 </a14:hiddenLine>
               </a:ext>
               <a:ext uri="{AF507438-7753-43e0-B8FC-AC1667EBCBE1}">
-                <a14:hiddenEffects xmlns:a14="http://schemas.microsoft.com/office/drawing/2010/main">
+                <a14:hiddenEffects xmlns:a14="http://schemas.microsoft.com/office/drawing/2010/main" xmlns="">
                   <a:effectLst>
                     <a:outerShdw blurRad="63500" dist="38099" dir="2700000" algn="ctr" rotWithShape="0">
                       <a:schemeClr val="bg2">
@@ -11825,7 +11841,7 @@
             <a:effectLst/>
             <a:extLst>
               <a:ext uri="{91240B29-F687-4f45-9708-019B960494DF}">
-                <a14:hiddenLine xmlns:a14="http://schemas.microsoft.com/office/drawing/2010/main" w="9525">
+                <a14:hiddenLine xmlns:a14="http://schemas.microsoft.com/office/drawing/2010/main" xmlns="" w="9525">
                   <a:solidFill>
                     <a:schemeClr val="tx1"/>
                   </a:solidFill>
@@ -11835,7 +11851,7 @@
                 </a14:hiddenLine>
               </a:ext>
               <a:ext uri="{AF507438-7753-43e0-B8FC-AC1667EBCBE1}">
-                <a14:hiddenEffects xmlns:a14="http://schemas.microsoft.com/office/drawing/2010/main">
+                <a14:hiddenEffects xmlns:a14="http://schemas.microsoft.com/office/drawing/2010/main" xmlns="">
                   <a:effectLst>
                     <a:outerShdw blurRad="63500" dist="38099" dir="2700000" algn="ctr" rotWithShape="0">
                       <a:schemeClr val="bg2">
@@ -11880,7 +11896,7 @@
             <a:effectLst/>
             <a:extLst>
               <a:ext uri="{91240B29-F687-4f45-9708-019B960494DF}">
-                <a14:hiddenLine xmlns:a14="http://schemas.microsoft.com/office/drawing/2010/main" w="9525">
+                <a14:hiddenLine xmlns:a14="http://schemas.microsoft.com/office/drawing/2010/main" xmlns="" w="9525">
                   <a:solidFill>
                     <a:schemeClr val="tx1"/>
                   </a:solidFill>
@@ -11890,7 +11906,7 @@
                 </a14:hiddenLine>
               </a:ext>
               <a:ext uri="{AF507438-7753-43e0-B8FC-AC1667EBCBE1}">
-                <a14:hiddenEffects xmlns:a14="http://schemas.microsoft.com/office/drawing/2010/main">
+                <a14:hiddenEffects xmlns:a14="http://schemas.microsoft.com/office/drawing/2010/main" xmlns="">
                   <a:effectLst>
                     <a:outerShdw blurRad="63500" dist="38099" dir="2700000" algn="ctr" rotWithShape="0">
                       <a:schemeClr val="bg2">
@@ -11935,7 +11951,7 @@
             <a:effectLst/>
             <a:extLst>
               <a:ext uri="{91240B29-F687-4f45-9708-019B960494DF}">
-                <a14:hiddenLine xmlns:a14="http://schemas.microsoft.com/office/drawing/2010/main" w="9525">
+                <a14:hiddenLine xmlns:a14="http://schemas.microsoft.com/office/drawing/2010/main" xmlns="" w="9525">
                   <a:solidFill>
                     <a:schemeClr val="tx1"/>
                   </a:solidFill>
@@ -11945,7 +11961,7 @@
                 </a14:hiddenLine>
               </a:ext>
               <a:ext uri="{AF507438-7753-43e0-B8FC-AC1667EBCBE1}">
-                <a14:hiddenEffects xmlns:a14="http://schemas.microsoft.com/office/drawing/2010/main">
+                <a14:hiddenEffects xmlns:a14="http://schemas.microsoft.com/office/drawing/2010/main" xmlns="">
                   <a:effectLst>
                     <a:outerShdw blurRad="63500" dist="38099" dir="2700000" algn="ctr" rotWithShape="0">
                       <a:schemeClr val="bg2">
@@ -11990,7 +12006,7 @@
             <a:effectLst/>
             <a:extLst>
               <a:ext uri="{91240B29-F687-4f45-9708-019B960494DF}">
-                <a14:hiddenLine xmlns:a14="http://schemas.microsoft.com/office/drawing/2010/main" w="9525">
+                <a14:hiddenLine xmlns:a14="http://schemas.microsoft.com/office/drawing/2010/main" xmlns="" w="9525">
                   <a:solidFill>
                     <a:schemeClr val="tx1"/>
                   </a:solidFill>
@@ -12000,7 +12016,7 @@
                 </a14:hiddenLine>
               </a:ext>
               <a:ext uri="{AF507438-7753-43e0-B8FC-AC1667EBCBE1}">
-                <a14:hiddenEffects xmlns:a14="http://schemas.microsoft.com/office/drawing/2010/main">
+                <a14:hiddenEffects xmlns:a14="http://schemas.microsoft.com/office/drawing/2010/main" xmlns="">
                   <a:effectLst>
                     <a:outerShdw blurRad="63500" dist="38099" dir="2700000" algn="ctr" rotWithShape="0">
                       <a:schemeClr val="bg2">
@@ -12045,7 +12061,7 @@
             <a:effectLst/>
             <a:extLst>
               <a:ext uri="{91240B29-F687-4f45-9708-019B960494DF}">
-                <a14:hiddenLine xmlns:a14="http://schemas.microsoft.com/office/drawing/2010/main" w="9525">
+                <a14:hiddenLine xmlns:a14="http://schemas.microsoft.com/office/drawing/2010/main" xmlns="" w="9525">
                   <a:solidFill>
                     <a:schemeClr val="tx1"/>
                   </a:solidFill>
@@ -12055,7 +12071,7 @@
                 </a14:hiddenLine>
               </a:ext>
               <a:ext uri="{AF507438-7753-43e0-B8FC-AC1667EBCBE1}">
-                <a14:hiddenEffects xmlns:a14="http://schemas.microsoft.com/office/drawing/2010/main">
+                <a14:hiddenEffects xmlns:a14="http://schemas.microsoft.com/office/drawing/2010/main" xmlns="">
                   <a:effectLst>
                     <a:outerShdw blurRad="63500" dist="38099" dir="2700000" algn="ctr" rotWithShape="0">
                       <a:schemeClr val="bg2">
@@ -12100,7 +12116,7 @@
             <a:effectLst/>
             <a:extLst>
               <a:ext uri="{91240B29-F687-4f45-9708-019B960494DF}">
-                <a14:hiddenLine xmlns:a14="http://schemas.microsoft.com/office/drawing/2010/main" w="9525">
+                <a14:hiddenLine xmlns:a14="http://schemas.microsoft.com/office/drawing/2010/main" xmlns="" w="9525">
                   <a:solidFill>
                     <a:schemeClr val="tx1"/>
                   </a:solidFill>
@@ -12110,7 +12126,7 @@
                 </a14:hiddenLine>
               </a:ext>
               <a:ext uri="{AF507438-7753-43e0-B8FC-AC1667EBCBE1}">
-                <a14:hiddenEffects xmlns:a14="http://schemas.microsoft.com/office/drawing/2010/main">
+                <a14:hiddenEffects xmlns:a14="http://schemas.microsoft.com/office/drawing/2010/main" xmlns="">
                   <a:effectLst>
                     <a:outerShdw blurRad="63500" dist="38099" dir="2700000" algn="ctr" rotWithShape="0">
                       <a:schemeClr val="bg2">
@@ -12155,7 +12171,7 @@
             <a:effectLst/>
             <a:extLst>
               <a:ext uri="{91240B29-F687-4f45-9708-019B960494DF}">
-                <a14:hiddenLine xmlns:a14="http://schemas.microsoft.com/office/drawing/2010/main" w="9525">
+                <a14:hiddenLine xmlns:a14="http://schemas.microsoft.com/office/drawing/2010/main" xmlns="" w="9525">
                   <a:solidFill>
                     <a:schemeClr val="tx1"/>
                   </a:solidFill>
@@ -12165,7 +12181,7 @@
                 </a14:hiddenLine>
               </a:ext>
               <a:ext uri="{AF507438-7753-43e0-B8FC-AC1667EBCBE1}">
-                <a14:hiddenEffects xmlns:a14="http://schemas.microsoft.com/office/drawing/2010/main">
+                <a14:hiddenEffects xmlns:a14="http://schemas.microsoft.com/office/drawing/2010/main" xmlns="">
                   <a:effectLst>
                     <a:outerShdw blurRad="63500" dist="38099" dir="2700000" algn="ctr" rotWithShape="0">
                       <a:schemeClr val="bg2">
@@ -12210,7 +12226,7 @@
             <a:effectLst/>
             <a:extLst>
               <a:ext uri="{91240B29-F687-4f45-9708-019B960494DF}">
-                <a14:hiddenLine xmlns:a14="http://schemas.microsoft.com/office/drawing/2010/main" w="9525">
+                <a14:hiddenLine xmlns:a14="http://schemas.microsoft.com/office/drawing/2010/main" xmlns="" w="9525">
                   <a:solidFill>
                     <a:schemeClr val="tx1"/>
                   </a:solidFill>
@@ -12220,7 +12236,7 @@
                 </a14:hiddenLine>
               </a:ext>
               <a:ext uri="{AF507438-7753-43e0-B8FC-AC1667EBCBE1}">
-                <a14:hiddenEffects xmlns:a14="http://schemas.microsoft.com/office/drawing/2010/main">
+                <a14:hiddenEffects xmlns:a14="http://schemas.microsoft.com/office/drawing/2010/main" xmlns="">
                   <a:effectLst>
                     <a:outerShdw blurRad="63500" dist="38099" dir="2700000" algn="ctr" rotWithShape="0">
                       <a:schemeClr val="bg2">
@@ -12265,7 +12281,7 @@
             <a:effectLst/>
             <a:extLst>
               <a:ext uri="{91240B29-F687-4f45-9708-019B960494DF}">
-                <a14:hiddenLine xmlns:a14="http://schemas.microsoft.com/office/drawing/2010/main" w="9525">
+                <a14:hiddenLine xmlns:a14="http://schemas.microsoft.com/office/drawing/2010/main" xmlns="" w="9525">
                   <a:solidFill>
                     <a:schemeClr val="tx1"/>
                   </a:solidFill>
@@ -12275,7 +12291,7 @@
                 </a14:hiddenLine>
               </a:ext>
               <a:ext uri="{AF507438-7753-43e0-B8FC-AC1667EBCBE1}">
-                <a14:hiddenEffects xmlns:a14="http://schemas.microsoft.com/office/drawing/2010/main">
+                <a14:hiddenEffects xmlns:a14="http://schemas.microsoft.com/office/drawing/2010/main" xmlns="">
                   <a:effectLst>
                     <a:outerShdw blurRad="63500" dist="38099" dir="2700000" algn="ctr" rotWithShape="0">
                       <a:schemeClr val="bg2">
@@ -12320,7 +12336,7 @@
             <a:effectLst/>
             <a:extLst>
               <a:ext uri="{91240B29-F687-4f45-9708-019B960494DF}">
-                <a14:hiddenLine xmlns:a14="http://schemas.microsoft.com/office/drawing/2010/main" w="9525">
+                <a14:hiddenLine xmlns:a14="http://schemas.microsoft.com/office/drawing/2010/main" xmlns="" w="9525">
                   <a:solidFill>
                     <a:schemeClr val="tx1"/>
                   </a:solidFill>
@@ -12330,7 +12346,7 @@
                 </a14:hiddenLine>
               </a:ext>
               <a:ext uri="{AF507438-7753-43e0-B8FC-AC1667EBCBE1}">
-                <a14:hiddenEffects xmlns:a14="http://schemas.microsoft.com/office/drawing/2010/main">
+                <a14:hiddenEffects xmlns:a14="http://schemas.microsoft.com/office/drawing/2010/main" xmlns="">
                   <a:effectLst>
                     <a:outerShdw blurRad="63500" dist="38099" dir="2700000" algn="ctr" rotWithShape="0">
                       <a:schemeClr val="bg2">
@@ -12375,7 +12391,7 @@
             <a:effectLst/>
             <a:extLst>
               <a:ext uri="{91240B29-F687-4f45-9708-019B960494DF}">
-                <a14:hiddenLine xmlns:a14="http://schemas.microsoft.com/office/drawing/2010/main" w="9525">
+                <a14:hiddenLine xmlns:a14="http://schemas.microsoft.com/office/drawing/2010/main" xmlns="" w="9525">
                   <a:solidFill>
                     <a:schemeClr val="tx1"/>
                   </a:solidFill>
@@ -12385,7 +12401,7 @@
                 </a14:hiddenLine>
               </a:ext>
               <a:ext uri="{AF507438-7753-43e0-B8FC-AC1667EBCBE1}">
-                <a14:hiddenEffects xmlns:a14="http://schemas.microsoft.com/office/drawing/2010/main">
+                <a14:hiddenEffects xmlns:a14="http://schemas.microsoft.com/office/drawing/2010/main" xmlns="">
                   <a:effectLst>
                     <a:outerShdw blurRad="63500" dist="38099" dir="2700000" algn="ctr" rotWithShape="0">
                       <a:schemeClr val="bg2">
@@ -12430,7 +12446,7 @@
             <a:effectLst/>
             <a:extLst>
               <a:ext uri="{91240B29-F687-4f45-9708-019B960494DF}">
-                <a14:hiddenLine xmlns:a14="http://schemas.microsoft.com/office/drawing/2010/main" w="9525">
+                <a14:hiddenLine xmlns:a14="http://schemas.microsoft.com/office/drawing/2010/main" xmlns="" w="9525">
                   <a:solidFill>
                     <a:schemeClr val="tx1"/>
                   </a:solidFill>
@@ -12440,7 +12456,7 @@
                 </a14:hiddenLine>
               </a:ext>
               <a:ext uri="{AF507438-7753-43e0-B8FC-AC1667EBCBE1}">
-                <a14:hiddenEffects xmlns:a14="http://schemas.microsoft.com/office/drawing/2010/main">
+                <a14:hiddenEffects xmlns:a14="http://schemas.microsoft.com/office/drawing/2010/main" xmlns="">
                   <a:effectLst>
                     <a:outerShdw blurRad="63500" dist="38099" dir="2700000" algn="ctr" rotWithShape="0">
                       <a:schemeClr val="bg2">
@@ -12485,7 +12501,7 @@
             <a:effectLst/>
             <a:extLst>
               <a:ext uri="{91240B29-F687-4f45-9708-019B960494DF}">
-                <a14:hiddenLine xmlns:a14="http://schemas.microsoft.com/office/drawing/2010/main" w="9525">
+                <a14:hiddenLine xmlns:a14="http://schemas.microsoft.com/office/drawing/2010/main" xmlns="" w="9525">
                   <a:solidFill>
                     <a:schemeClr val="tx1"/>
                   </a:solidFill>
@@ -12495,7 +12511,7 @@
                 </a14:hiddenLine>
               </a:ext>
               <a:ext uri="{AF507438-7753-43e0-B8FC-AC1667EBCBE1}">
-                <a14:hiddenEffects xmlns:a14="http://schemas.microsoft.com/office/drawing/2010/main">
+                <a14:hiddenEffects xmlns:a14="http://schemas.microsoft.com/office/drawing/2010/main" xmlns="">
                   <a:effectLst>
                     <a:outerShdw blurRad="63500" dist="38099" dir="2700000" algn="ctr" rotWithShape="0">
                       <a:schemeClr val="bg2">
@@ -12540,7 +12556,7 @@
             <a:effectLst/>
             <a:extLst>
               <a:ext uri="{91240B29-F687-4f45-9708-019B960494DF}">
-                <a14:hiddenLine xmlns:a14="http://schemas.microsoft.com/office/drawing/2010/main" w="9525">
+                <a14:hiddenLine xmlns:a14="http://schemas.microsoft.com/office/drawing/2010/main" xmlns="" w="9525">
                   <a:solidFill>
                     <a:schemeClr val="tx1"/>
                   </a:solidFill>
@@ -12550,7 +12566,7 @@
                 </a14:hiddenLine>
               </a:ext>
               <a:ext uri="{AF507438-7753-43e0-B8FC-AC1667EBCBE1}">
-                <a14:hiddenEffects xmlns:a14="http://schemas.microsoft.com/office/drawing/2010/main">
+                <a14:hiddenEffects xmlns:a14="http://schemas.microsoft.com/office/drawing/2010/main" xmlns="">
                   <a:effectLst>
                     <a:outerShdw blurRad="63500" dist="38099" dir="2700000" algn="ctr" rotWithShape="0">
                       <a:schemeClr val="bg2">
@@ -12595,7 +12611,7 @@
             <a:effectLst/>
             <a:extLst>
               <a:ext uri="{91240B29-F687-4f45-9708-019B960494DF}">
-                <a14:hiddenLine xmlns:a14="http://schemas.microsoft.com/office/drawing/2010/main" w="9525">
+                <a14:hiddenLine xmlns:a14="http://schemas.microsoft.com/office/drawing/2010/main" xmlns="" w="9525">
                   <a:solidFill>
                     <a:schemeClr val="tx1"/>
                   </a:solidFill>
@@ -12605,7 +12621,7 @@
                 </a14:hiddenLine>
               </a:ext>
               <a:ext uri="{AF507438-7753-43e0-B8FC-AC1667EBCBE1}">
-                <a14:hiddenEffects xmlns:a14="http://schemas.microsoft.com/office/drawing/2010/main">
+                <a14:hiddenEffects xmlns:a14="http://schemas.microsoft.com/office/drawing/2010/main" xmlns="">
                   <a:effectLst>
                     <a:outerShdw blurRad="63500" dist="38099" dir="2700000" algn="ctr" rotWithShape="0">
                       <a:schemeClr val="bg2">
@@ -12650,7 +12666,7 @@
             <a:effectLst/>
             <a:extLst>
               <a:ext uri="{91240B29-F687-4f45-9708-019B960494DF}">
-                <a14:hiddenLine xmlns:a14="http://schemas.microsoft.com/office/drawing/2010/main" w="9525">
+                <a14:hiddenLine xmlns:a14="http://schemas.microsoft.com/office/drawing/2010/main" xmlns="" w="9525">
                   <a:solidFill>
                     <a:schemeClr val="tx1"/>
                   </a:solidFill>
@@ -12660,7 +12676,7 @@
                 </a14:hiddenLine>
               </a:ext>
               <a:ext uri="{AF507438-7753-43e0-B8FC-AC1667EBCBE1}">
-                <a14:hiddenEffects xmlns:a14="http://schemas.microsoft.com/office/drawing/2010/main">
+                <a14:hiddenEffects xmlns:a14="http://schemas.microsoft.com/office/drawing/2010/main" xmlns="">
                   <a:effectLst>
                     <a:outerShdw blurRad="63500" dist="38099" dir="2700000" algn="ctr" rotWithShape="0">
                       <a:schemeClr val="bg2">
@@ -12705,7 +12721,7 @@
             <a:effectLst/>
             <a:extLst>
               <a:ext uri="{91240B29-F687-4f45-9708-019B960494DF}">
-                <a14:hiddenLine xmlns:a14="http://schemas.microsoft.com/office/drawing/2010/main" w="9525">
+                <a14:hiddenLine xmlns:a14="http://schemas.microsoft.com/office/drawing/2010/main" xmlns="" w="9525">
                   <a:solidFill>
                     <a:schemeClr val="tx1"/>
                   </a:solidFill>
@@ -12715,7 +12731,7 @@
                 </a14:hiddenLine>
               </a:ext>
               <a:ext uri="{AF507438-7753-43e0-B8FC-AC1667EBCBE1}">
-                <a14:hiddenEffects xmlns:a14="http://schemas.microsoft.com/office/drawing/2010/main">
+                <a14:hiddenEffects xmlns:a14="http://schemas.microsoft.com/office/drawing/2010/main" xmlns="">
                   <a:effectLst>
                     <a:outerShdw blurRad="63500" dist="38099" dir="2700000" algn="ctr" rotWithShape="0">
                       <a:schemeClr val="bg2">
@@ -12760,7 +12776,7 @@
             <a:effectLst/>
             <a:extLst>
               <a:ext uri="{91240B29-F687-4f45-9708-019B960494DF}">
-                <a14:hiddenLine xmlns:a14="http://schemas.microsoft.com/office/drawing/2010/main" w="9525">
+                <a14:hiddenLine xmlns:a14="http://schemas.microsoft.com/office/drawing/2010/main" xmlns="" w="9525">
                   <a:solidFill>
                     <a:schemeClr val="tx1"/>
                   </a:solidFill>
@@ -12770,7 +12786,7 @@
                 </a14:hiddenLine>
               </a:ext>
               <a:ext uri="{AF507438-7753-43e0-B8FC-AC1667EBCBE1}">
-                <a14:hiddenEffects xmlns:a14="http://schemas.microsoft.com/office/drawing/2010/main">
+                <a14:hiddenEffects xmlns:a14="http://schemas.microsoft.com/office/drawing/2010/main" xmlns="">
                   <a:effectLst>
                     <a:outerShdw blurRad="63500" dist="38099" dir="2700000" algn="ctr" rotWithShape="0">
                       <a:schemeClr val="bg2">
@@ -12815,7 +12831,7 @@
             <a:effectLst/>
             <a:extLst>
               <a:ext uri="{91240B29-F687-4f45-9708-019B960494DF}">
-                <a14:hiddenLine xmlns:a14="http://schemas.microsoft.com/office/drawing/2010/main" w="9525">
+                <a14:hiddenLine xmlns:a14="http://schemas.microsoft.com/office/drawing/2010/main" xmlns="" w="9525">
                   <a:solidFill>
                     <a:schemeClr val="tx1"/>
                   </a:solidFill>
@@ -12825,7 +12841,7 @@
                 </a14:hiddenLine>
               </a:ext>
               <a:ext uri="{AF507438-7753-43e0-B8FC-AC1667EBCBE1}">
-                <a14:hiddenEffects xmlns:a14="http://schemas.microsoft.com/office/drawing/2010/main">
+                <a14:hiddenEffects xmlns:a14="http://schemas.microsoft.com/office/drawing/2010/main" xmlns="">
                   <a:effectLst>
                     <a:outerShdw blurRad="63500" dist="38099" dir="2700000" algn="ctr" rotWithShape="0">
                       <a:schemeClr val="bg2">
@@ -12870,7 +12886,7 @@
             <a:effectLst/>
             <a:extLst>
               <a:ext uri="{91240B29-F687-4f45-9708-019B960494DF}">
-                <a14:hiddenLine xmlns:a14="http://schemas.microsoft.com/office/drawing/2010/main" w="9525">
+                <a14:hiddenLine xmlns:a14="http://schemas.microsoft.com/office/drawing/2010/main" xmlns="" w="9525">
                   <a:solidFill>
                     <a:schemeClr val="tx1"/>
                   </a:solidFill>
@@ -12880,7 +12896,7 @@
                 </a14:hiddenLine>
               </a:ext>
               <a:ext uri="{AF507438-7753-43e0-B8FC-AC1667EBCBE1}">
-                <a14:hiddenEffects xmlns:a14="http://schemas.microsoft.com/office/drawing/2010/main">
+                <a14:hiddenEffects xmlns:a14="http://schemas.microsoft.com/office/drawing/2010/main" xmlns="">
                   <a:effectLst>
                     <a:outerShdw blurRad="63500" dist="38099" dir="2700000" algn="ctr" rotWithShape="0">
                       <a:schemeClr val="bg2">
@@ -12925,7 +12941,7 @@
             <a:effectLst/>
             <a:extLst>
               <a:ext uri="{91240B29-F687-4f45-9708-019B960494DF}">
-                <a14:hiddenLine xmlns:a14="http://schemas.microsoft.com/office/drawing/2010/main" w="9525">
+                <a14:hiddenLine xmlns:a14="http://schemas.microsoft.com/office/drawing/2010/main" xmlns="" w="9525">
                   <a:solidFill>
                     <a:schemeClr val="tx1"/>
                   </a:solidFill>
@@ -12935,7 +12951,7 @@
                 </a14:hiddenLine>
               </a:ext>
               <a:ext uri="{AF507438-7753-43e0-B8FC-AC1667EBCBE1}">
-                <a14:hiddenEffects xmlns:a14="http://schemas.microsoft.com/office/drawing/2010/main">
+                <a14:hiddenEffects xmlns:a14="http://schemas.microsoft.com/office/drawing/2010/main" xmlns="">
                   <a:effectLst>
                     <a:outerShdw blurRad="63500" dist="38099" dir="2700000" algn="ctr" rotWithShape="0">
                       <a:schemeClr val="bg2">
@@ -12980,7 +12996,7 @@
             <a:effectLst/>
             <a:extLst>
               <a:ext uri="{91240B29-F687-4f45-9708-019B960494DF}">
-                <a14:hiddenLine xmlns:a14="http://schemas.microsoft.com/office/drawing/2010/main" w="9525">
+                <a14:hiddenLine xmlns:a14="http://schemas.microsoft.com/office/drawing/2010/main" xmlns="" w="9525">
                   <a:solidFill>
                     <a:schemeClr val="tx1"/>
                   </a:solidFill>
@@ -12990,7 +13006,7 @@
                 </a14:hiddenLine>
               </a:ext>
               <a:ext uri="{AF507438-7753-43e0-B8FC-AC1667EBCBE1}">
-                <a14:hiddenEffects xmlns:a14="http://schemas.microsoft.com/office/drawing/2010/main">
+                <a14:hiddenEffects xmlns:a14="http://schemas.microsoft.com/office/drawing/2010/main" xmlns="">
                   <a:effectLst>
                     <a:outerShdw blurRad="63500" dist="38099" dir="2700000" algn="ctr" rotWithShape="0">
                       <a:schemeClr val="bg2">
@@ -13035,7 +13051,7 @@
             <a:effectLst/>
             <a:extLst>
               <a:ext uri="{91240B29-F687-4f45-9708-019B960494DF}">
-                <a14:hiddenLine xmlns:a14="http://schemas.microsoft.com/office/drawing/2010/main" w="9525">
+                <a14:hiddenLine xmlns:a14="http://schemas.microsoft.com/office/drawing/2010/main" xmlns="" w="9525">
                   <a:solidFill>
                     <a:schemeClr val="tx1"/>
                   </a:solidFill>
@@ -13045,7 +13061,7 @@
                 </a14:hiddenLine>
               </a:ext>
               <a:ext uri="{AF507438-7753-43e0-B8FC-AC1667EBCBE1}">
-                <a14:hiddenEffects xmlns:a14="http://schemas.microsoft.com/office/drawing/2010/main">
+                <a14:hiddenEffects xmlns:a14="http://schemas.microsoft.com/office/drawing/2010/main" xmlns="">
                   <a:effectLst>
                     <a:outerShdw blurRad="63500" dist="38099" dir="2700000" algn="ctr" rotWithShape="0">
                       <a:schemeClr val="bg2">
@@ -13085,7 +13101,7 @@
   <p:timing>
     <p:tnLst>
       <p:par>
-        <p:cTn xmlns:p14="http://schemas.microsoft.com/office/powerpoint/2010/main" id="1" dur="indefinite" restart="never" nodeType="tmRoot"/>
+        <p:cTn id="1" dur="indefinite" restart="never" nodeType="tmRoot"/>
       </p:par>
     </p:tnLst>
   </p:timing>
@@ -13697,7 +13713,7 @@
   <p:timing>
     <p:tnLst>
       <p:par>
-        <p:cTn xmlns:p14="http://schemas.microsoft.com/office/powerpoint/2010/main" id="1" dur="indefinite" restart="never" nodeType="tmRoot"/>
+        <p:cTn id="1" dur="indefinite" restart="never" nodeType="tmRoot"/>
       </p:par>
     </p:tnLst>
   </p:timing>
@@ -13748,7 +13764,7 @@
           </a:ln>
           <a:extLst>
             <a:ext uri="{909E8E84-426E-40dd-AFC4-6F175D3DCCD1}">
-              <a14:hiddenFill xmlns:a14="http://schemas.microsoft.com/office/drawing/2010/main">
+              <a14:hiddenFill xmlns:a14="http://schemas.microsoft.com/office/drawing/2010/main" xmlns="">
                 <a:solidFill>
                   <a:schemeClr val="accent1"/>
                 </a:solidFill>
@@ -13813,7 +13829,7 @@
           </a:ln>
           <a:extLst>
             <a:ext uri="{909E8E84-426E-40dd-AFC4-6F175D3DCCD1}">
-              <a14:hiddenFill xmlns:a14="http://schemas.microsoft.com/office/drawing/2010/main">
+              <a14:hiddenFill xmlns:a14="http://schemas.microsoft.com/office/drawing/2010/main" xmlns="">
                 <a:solidFill>
                   <a:schemeClr val="accent1"/>
                 </a:solidFill>
@@ -13856,7 +13872,7 @@
           </a:ln>
           <a:extLst>
             <a:ext uri="{909E8E84-426E-40dd-AFC4-6F175D3DCCD1}">
-              <a14:hiddenFill xmlns:a14="http://schemas.microsoft.com/office/drawing/2010/main">
+              <a14:hiddenFill xmlns:a14="http://schemas.microsoft.com/office/drawing/2010/main" xmlns="">
                 <a:solidFill>
                   <a:schemeClr val="accent1"/>
                 </a:solidFill>
@@ -13901,7 +13917,7 @@
           </a:ln>
           <a:extLst>
             <a:ext uri="{909E8E84-426E-40dd-AFC4-6F175D3DCCD1}">
-              <a14:hiddenFill xmlns:a14="http://schemas.microsoft.com/office/drawing/2010/main">
+              <a14:hiddenFill xmlns:a14="http://schemas.microsoft.com/office/drawing/2010/main" xmlns="">
                 <a:noFill/>
               </a14:hiddenFill>
             </a:ext>
@@ -13930,14 +13946,14 @@
           </a:ln>
           <a:extLst>
             <a:ext uri="{909E8E84-426E-40dd-AFC4-6F175D3DCCD1}">
-              <a14:hiddenFill xmlns:a14="http://schemas.microsoft.com/office/drawing/2010/main">
+              <a14:hiddenFill xmlns:a14="http://schemas.microsoft.com/office/drawing/2010/main" xmlns="">
                 <a:solidFill>
                   <a:schemeClr val="accent1"/>
                 </a:solidFill>
               </a14:hiddenFill>
             </a:ext>
             <a:ext uri="{91240B29-F687-4f45-9708-019B960494DF}">
-              <a14:hiddenLine xmlns:a14="http://schemas.microsoft.com/office/drawing/2010/main" w="9525">
+              <a14:hiddenLine xmlns:a14="http://schemas.microsoft.com/office/drawing/2010/main" xmlns="" w="9525">
                 <a:solidFill>
                   <a:schemeClr val="tx1"/>
                 </a:solidFill>
@@ -13983,14 +13999,14 @@
           </a:ln>
           <a:extLst>
             <a:ext uri="{909E8E84-426E-40dd-AFC4-6F175D3DCCD1}">
-              <a14:hiddenFill xmlns:a14="http://schemas.microsoft.com/office/drawing/2010/main">
+              <a14:hiddenFill xmlns:a14="http://schemas.microsoft.com/office/drawing/2010/main" xmlns="">
                 <a:solidFill>
                   <a:schemeClr val="accent1"/>
                 </a:solidFill>
               </a14:hiddenFill>
             </a:ext>
             <a:ext uri="{91240B29-F687-4f45-9708-019B960494DF}">
-              <a14:hiddenLine xmlns:a14="http://schemas.microsoft.com/office/drawing/2010/main" w="9525">
+              <a14:hiddenLine xmlns:a14="http://schemas.microsoft.com/office/drawing/2010/main" xmlns="" w="9525">
                 <a:solidFill>
                   <a:schemeClr val="tx1"/>
                 </a:solidFill>
@@ -14045,7 +14061,7 @@
           </a:ln>
           <a:extLst>
             <a:ext uri="{909E8E84-426E-40dd-AFC4-6F175D3DCCD1}">
-              <a14:hiddenFill xmlns:a14="http://schemas.microsoft.com/office/drawing/2010/main">
+              <a14:hiddenFill xmlns:a14="http://schemas.microsoft.com/office/drawing/2010/main" xmlns="">
                 <a:solidFill>
                   <a:schemeClr val="accent1"/>
                 </a:solidFill>
@@ -14088,14 +14104,14 @@
           </a:ln>
           <a:extLst>
             <a:ext uri="{909E8E84-426E-40dd-AFC4-6F175D3DCCD1}">
-              <a14:hiddenFill xmlns:a14="http://schemas.microsoft.com/office/drawing/2010/main">
+              <a14:hiddenFill xmlns:a14="http://schemas.microsoft.com/office/drawing/2010/main" xmlns="">
                 <a:solidFill>
                   <a:schemeClr val="accent1"/>
                 </a:solidFill>
               </a14:hiddenFill>
             </a:ext>
             <a:ext uri="{91240B29-F687-4f45-9708-019B960494DF}">
-              <a14:hiddenLine xmlns:a14="http://schemas.microsoft.com/office/drawing/2010/main" w="9525">
+              <a14:hiddenLine xmlns:a14="http://schemas.microsoft.com/office/drawing/2010/main" xmlns="" w="9525">
                 <a:solidFill>
                   <a:schemeClr val="tx1"/>
                 </a:solidFill>
@@ -14150,7 +14166,7 @@
           </a:ln>
           <a:extLst>
             <a:ext uri="{909E8E84-426E-40dd-AFC4-6F175D3DCCD1}">
-              <a14:hiddenFill xmlns:a14="http://schemas.microsoft.com/office/drawing/2010/main">
+              <a14:hiddenFill xmlns:a14="http://schemas.microsoft.com/office/drawing/2010/main" xmlns="">
                 <a:noFill/>
               </a14:hiddenFill>
             </a:ext>
@@ -14218,14 +14234,14 @@
           </a:ln>
           <a:extLst>
             <a:ext uri="{909E8E84-426E-40dd-AFC4-6F175D3DCCD1}">
-              <a14:hiddenFill xmlns:a14="http://schemas.microsoft.com/office/drawing/2010/main">
+              <a14:hiddenFill xmlns:a14="http://schemas.microsoft.com/office/drawing/2010/main" xmlns="">
                 <a:solidFill>
                   <a:schemeClr val="accent1"/>
                 </a:solidFill>
               </a14:hiddenFill>
             </a:ext>
             <a:ext uri="{91240B29-F687-4f45-9708-019B960494DF}">
-              <a14:hiddenLine xmlns:a14="http://schemas.microsoft.com/office/drawing/2010/main" w="9525">
+              <a14:hiddenLine xmlns:a14="http://schemas.microsoft.com/office/drawing/2010/main" xmlns="" w="9525">
                 <a:solidFill>
                   <a:schemeClr val="tx1"/>
                 </a:solidFill>
@@ -14282,7 +14298,7 @@
           </a:ln>
           <a:extLst>
             <a:ext uri="{909E8E84-426E-40dd-AFC4-6F175D3DCCD1}">
-              <a14:hiddenFill xmlns:a14="http://schemas.microsoft.com/office/drawing/2010/main">
+              <a14:hiddenFill xmlns:a14="http://schemas.microsoft.com/office/drawing/2010/main" xmlns="">
                 <a:solidFill>
                   <a:schemeClr val="accent1"/>
                 </a:solidFill>
@@ -14363,7 +14379,7 @@
   <p:timing>
     <p:tnLst>
       <p:par>
-        <p:cTn xmlns:p14="http://schemas.microsoft.com/office/powerpoint/2010/main" id="1" dur="indefinite" restart="never" nodeType="tmRoot"/>
+        <p:cTn id="1" dur="indefinite" restart="never" nodeType="tmRoot"/>
       </p:par>
     </p:tnLst>
   </p:timing>
@@ -14414,7 +14430,7 @@
           </a:ln>
           <a:extLst>
             <a:ext uri="{909E8E84-426E-40dd-AFC4-6F175D3DCCD1}">
-              <a14:hiddenFill xmlns:a14="http://schemas.microsoft.com/office/drawing/2010/main">
+              <a14:hiddenFill xmlns:a14="http://schemas.microsoft.com/office/drawing/2010/main" xmlns="">
                 <a:solidFill>
                   <a:schemeClr val="accent1"/>
                 </a:solidFill>
@@ -14479,7 +14495,7 @@
           </a:ln>
           <a:extLst>
             <a:ext uri="{909E8E84-426E-40dd-AFC4-6F175D3DCCD1}">
-              <a14:hiddenFill xmlns:a14="http://schemas.microsoft.com/office/drawing/2010/main">
+              <a14:hiddenFill xmlns:a14="http://schemas.microsoft.com/office/drawing/2010/main" xmlns="">
                 <a:solidFill>
                   <a:schemeClr val="accent1"/>
                 </a:solidFill>
@@ -14522,7 +14538,7 @@
           </a:ln>
           <a:extLst>
             <a:ext uri="{909E8E84-426E-40dd-AFC4-6F175D3DCCD1}">
-              <a14:hiddenFill xmlns:a14="http://schemas.microsoft.com/office/drawing/2010/main">
+              <a14:hiddenFill xmlns:a14="http://schemas.microsoft.com/office/drawing/2010/main" xmlns="">
                 <a:solidFill>
                   <a:schemeClr val="accent1"/>
                 </a:solidFill>
@@ -14567,7 +14583,7 @@
           </a:ln>
           <a:extLst>
             <a:ext uri="{909E8E84-426E-40dd-AFC4-6F175D3DCCD1}">
-              <a14:hiddenFill xmlns:a14="http://schemas.microsoft.com/office/drawing/2010/main">
+              <a14:hiddenFill xmlns:a14="http://schemas.microsoft.com/office/drawing/2010/main" xmlns="">
                 <a:noFill/>
               </a14:hiddenFill>
             </a:ext>
@@ -14596,14 +14612,14 @@
           </a:ln>
           <a:extLst>
             <a:ext uri="{909E8E84-426E-40dd-AFC4-6F175D3DCCD1}">
-              <a14:hiddenFill xmlns:a14="http://schemas.microsoft.com/office/drawing/2010/main">
+              <a14:hiddenFill xmlns:a14="http://schemas.microsoft.com/office/drawing/2010/main" xmlns="">
                 <a:solidFill>
                   <a:schemeClr val="accent1"/>
                 </a:solidFill>
               </a14:hiddenFill>
             </a:ext>
             <a:ext uri="{91240B29-F687-4f45-9708-019B960494DF}">
-              <a14:hiddenLine xmlns:a14="http://schemas.microsoft.com/office/drawing/2010/main" w="9525">
+              <a14:hiddenLine xmlns:a14="http://schemas.microsoft.com/office/drawing/2010/main" xmlns="" w="9525">
                 <a:solidFill>
                   <a:schemeClr val="tx1"/>
                 </a:solidFill>
@@ -14649,14 +14665,14 @@
           </a:ln>
           <a:extLst>
             <a:ext uri="{909E8E84-426E-40dd-AFC4-6F175D3DCCD1}">
-              <a14:hiddenFill xmlns:a14="http://schemas.microsoft.com/office/drawing/2010/main">
+              <a14:hiddenFill xmlns:a14="http://schemas.microsoft.com/office/drawing/2010/main" xmlns="">
                 <a:solidFill>
                   <a:schemeClr val="accent1"/>
                 </a:solidFill>
               </a14:hiddenFill>
             </a:ext>
             <a:ext uri="{91240B29-F687-4f45-9708-019B960494DF}">
-              <a14:hiddenLine xmlns:a14="http://schemas.microsoft.com/office/drawing/2010/main" w="9525">
+              <a14:hiddenLine xmlns:a14="http://schemas.microsoft.com/office/drawing/2010/main" xmlns="" w="9525">
                 <a:solidFill>
                   <a:schemeClr val="tx1"/>
                 </a:solidFill>
@@ -14711,7 +14727,7 @@
           </a:ln>
           <a:extLst>
             <a:ext uri="{909E8E84-426E-40dd-AFC4-6F175D3DCCD1}">
-              <a14:hiddenFill xmlns:a14="http://schemas.microsoft.com/office/drawing/2010/main">
+              <a14:hiddenFill xmlns:a14="http://schemas.microsoft.com/office/drawing/2010/main" xmlns="">
                 <a:solidFill>
                   <a:schemeClr val="accent1"/>
                 </a:solidFill>
@@ -14754,14 +14770,14 @@
           </a:ln>
           <a:extLst>
             <a:ext uri="{909E8E84-426E-40dd-AFC4-6F175D3DCCD1}">
-              <a14:hiddenFill xmlns:a14="http://schemas.microsoft.com/office/drawing/2010/main">
+              <a14:hiddenFill xmlns:a14="http://schemas.microsoft.com/office/drawing/2010/main" xmlns="">
                 <a:solidFill>
                   <a:schemeClr val="accent1"/>
                 </a:solidFill>
               </a14:hiddenFill>
             </a:ext>
             <a:ext uri="{91240B29-F687-4f45-9708-019B960494DF}">
-              <a14:hiddenLine xmlns:a14="http://schemas.microsoft.com/office/drawing/2010/main" w="9525">
+              <a14:hiddenLine xmlns:a14="http://schemas.microsoft.com/office/drawing/2010/main" xmlns="" w="9525">
                 <a:solidFill>
                   <a:schemeClr val="tx1"/>
                 </a:solidFill>
@@ -14816,7 +14832,7 @@
           </a:ln>
           <a:extLst>
             <a:ext uri="{909E8E84-426E-40dd-AFC4-6F175D3DCCD1}">
-              <a14:hiddenFill xmlns:a14="http://schemas.microsoft.com/office/drawing/2010/main">
+              <a14:hiddenFill xmlns:a14="http://schemas.microsoft.com/office/drawing/2010/main" xmlns="">
                 <a:noFill/>
               </a14:hiddenFill>
             </a:ext>
@@ -14884,14 +14900,14 @@
           </a:ln>
           <a:extLst>
             <a:ext uri="{909E8E84-426E-40dd-AFC4-6F175D3DCCD1}">
-              <a14:hiddenFill xmlns:a14="http://schemas.microsoft.com/office/drawing/2010/main">
+              <a14:hiddenFill xmlns:a14="http://schemas.microsoft.com/office/drawing/2010/main" xmlns="">
                 <a:solidFill>
                   <a:schemeClr val="accent1"/>
                 </a:solidFill>
               </a14:hiddenFill>
             </a:ext>
             <a:ext uri="{91240B29-F687-4f45-9708-019B960494DF}">
-              <a14:hiddenLine xmlns:a14="http://schemas.microsoft.com/office/drawing/2010/main" w="9525">
+              <a14:hiddenLine xmlns:a14="http://schemas.microsoft.com/office/drawing/2010/main" xmlns="" w="9525">
                 <a:solidFill>
                   <a:schemeClr val="tx1"/>
                 </a:solidFill>
@@ -14948,7 +14964,7 @@
           </a:ln>
           <a:extLst>
             <a:ext uri="{909E8E84-426E-40dd-AFC4-6F175D3DCCD1}">
-              <a14:hiddenFill xmlns:a14="http://schemas.microsoft.com/office/drawing/2010/main">
+              <a14:hiddenFill xmlns:a14="http://schemas.microsoft.com/office/drawing/2010/main" xmlns="">
                 <a:solidFill>
                   <a:schemeClr val="accent1"/>
                 </a:solidFill>
@@ -15043,14 +15059,14 @@
           </a:ln>
           <a:extLst>
             <a:ext uri="{909E8E84-426E-40dd-AFC4-6F175D3DCCD1}">
-              <a14:hiddenFill xmlns:a14="http://schemas.microsoft.com/office/drawing/2010/main">
+              <a14:hiddenFill xmlns:a14="http://schemas.microsoft.com/office/drawing/2010/main" xmlns="">
                 <a:solidFill>
                   <a:schemeClr val="accent1"/>
                 </a:solidFill>
               </a14:hiddenFill>
             </a:ext>
             <a:ext uri="{91240B29-F687-4f45-9708-019B960494DF}">
-              <a14:hiddenLine xmlns:a14="http://schemas.microsoft.com/office/drawing/2010/main" w="9525">
+              <a14:hiddenLine xmlns:a14="http://schemas.microsoft.com/office/drawing/2010/main" xmlns="" w="9525">
                 <a:solidFill>
                   <a:schemeClr val="tx1"/>
                 </a:solidFill>
@@ -15088,7 +15104,7 @@
   <p:timing>
     <p:tnLst>
       <p:par>
-        <p:cTn xmlns:p14="http://schemas.microsoft.com/office/powerpoint/2010/main" id="1" dur="indefinite" restart="never" nodeType="tmRoot"/>
+        <p:cTn id="1" dur="indefinite" restart="never" nodeType="tmRoot"/>
       </p:par>
     </p:tnLst>
   </p:timing>
@@ -15139,7 +15155,7 @@
           </a:ln>
           <a:extLst>
             <a:ext uri="{909E8E84-426E-40dd-AFC4-6F175D3DCCD1}">
-              <a14:hiddenFill xmlns:a14="http://schemas.microsoft.com/office/drawing/2010/main">
+              <a14:hiddenFill xmlns:a14="http://schemas.microsoft.com/office/drawing/2010/main" xmlns="">
                 <a:solidFill>
                   <a:schemeClr val="accent1"/>
                 </a:solidFill>
@@ -15204,7 +15220,7 @@
           </a:ln>
           <a:extLst>
             <a:ext uri="{909E8E84-426E-40dd-AFC4-6F175D3DCCD1}">
-              <a14:hiddenFill xmlns:a14="http://schemas.microsoft.com/office/drawing/2010/main">
+              <a14:hiddenFill xmlns:a14="http://schemas.microsoft.com/office/drawing/2010/main" xmlns="">
                 <a:solidFill>
                   <a:schemeClr val="accent1"/>
                 </a:solidFill>
@@ -15247,7 +15263,7 @@
           </a:ln>
           <a:extLst>
             <a:ext uri="{909E8E84-426E-40dd-AFC4-6F175D3DCCD1}">
-              <a14:hiddenFill xmlns:a14="http://schemas.microsoft.com/office/drawing/2010/main">
+              <a14:hiddenFill xmlns:a14="http://schemas.microsoft.com/office/drawing/2010/main" xmlns="">
                 <a:solidFill>
                   <a:schemeClr val="accent1"/>
                 </a:solidFill>
@@ -15292,7 +15308,7 @@
           </a:ln>
           <a:extLst>
             <a:ext uri="{909E8E84-426E-40dd-AFC4-6F175D3DCCD1}">
-              <a14:hiddenFill xmlns:a14="http://schemas.microsoft.com/office/drawing/2010/main">
+              <a14:hiddenFill xmlns:a14="http://schemas.microsoft.com/office/drawing/2010/main" xmlns="">
                 <a:noFill/>
               </a14:hiddenFill>
             </a:ext>
@@ -15321,14 +15337,14 @@
           </a:ln>
           <a:extLst>
             <a:ext uri="{909E8E84-426E-40dd-AFC4-6F175D3DCCD1}">
-              <a14:hiddenFill xmlns:a14="http://schemas.microsoft.com/office/drawing/2010/main">
+              <a14:hiddenFill xmlns:a14="http://schemas.microsoft.com/office/drawing/2010/main" xmlns="">
                 <a:solidFill>
                   <a:schemeClr val="accent1"/>
                 </a:solidFill>
               </a14:hiddenFill>
             </a:ext>
             <a:ext uri="{91240B29-F687-4f45-9708-019B960494DF}">
-              <a14:hiddenLine xmlns:a14="http://schemas.microsoft.com/office/drawing/2010/main" w="9525">
+              <a14:hiddenLine xmlns:a14="http://schemas.microsoft.com/office/drawing/2010/main" xmlns="" w="9525">
                 <a:solidFill>
                   <a:schemeClr val="tx1"/>
                 </a:solidFill>
@@ -15374,14 +15390,14 @@
           </a:ln>
           <a:extLst>
             <a:ext uri="{909E8E84-426E-40dd-AFC4-6F175D3DCCD1}">
-              <a14:hiddenFill xmlns:a14="http://schemas.microsoft.com/office/drawing/2010/main">
+              <a14:hiddenFill xmlns:a14="http://schemas.microsoft.com/office/drawing/2010/main" xmlns="">
                 <a:solidFill>
                   <a:schemeClr val="accent1"/>
                 </a:solidFill>
               </a14:hiddenFill>
             </a:ext>
             <a:ext uri="{91240B29-F687-4f45-9708-019B960494DF}">
-              <a14:hiddenLine xmlns:a14="http://schemas.microsoft.com/office/drawing/2010/main" w="9525">
+              <a14:hiddenLine xmlns:a14="http://schemas.microsoft.com/office/drawing/2010/main" xmlns="" w="9525">
                 <a:solidFill>
                   <a:schemeClr val="tx1"/>
                 </a:solidFill>
@@ -15436,7 +15452,7 @@
           </a:ln>
           <a:extLst>
             <a:ext uri="{909E8E84-426E-40dd-AFC4-6F175D3DCCD1}">
-              <a14:hiddenFill xmlns:a14="http://schemas.microsoft.com/office/drawing/2010/main">
+              <a14:hiddenFill xmlns:a14="http://schemas.microsoft.com/office/drawing/2010/main" xmlns="">
                 <a:solidFill>
                   <a:schemeClr val="accent1"/>
                 </a:solidFill>
@@ -15479,14 +15495,14 @@
           </a:ln>
           <a:extLst>
             <a:ext uri="{909E8E84-426E-40dd-AFC4-6F175D3DCCD1}">
-              <a14:hiddenFill xmlns:a14="http://schemas.microsoft.com/office/drawing/2010/main">
+              <a14:hiddenFill xmlns:a14="http://schemas.microsoft.com/office/drawing/2010/main" xmlns="">
                 <a:solidFill>
                   <a:schemeClr val="accent1"/>
                 </a:solidFill>
               </a14:hiddenFill>
             </a:ext>
             <a:ext uri="{91240B29-F687-4f45-9708-019B960494DF}">
-              <a14:hiddenLine xmlns:a14="http://schemas.microsoft.com/office/drawing/2010/main" w="9525">
+              <a14:hiddenLine xmlns:a14="http://schemas.microsoft.com/office/drawing/2010/main" xmlns="" w="9525">
                 <a:solidFill>
                   <a:schemeClr val="tx1"/>
                 </a:solidFill>
@@ -15541,7 +15557,7 @@
           </a:ln>
           <a:extLst>
             <a:ext uri="{909E8E84-426E-40dd-AFC4-6F175D3DCCD1}">
-              <a14:hiddenFill xmlns:a14="http://schemas.microsoft.com/office/drawing/2010/main">
+              <a14:hiddenFill xmlns:a14="http://schemas.microsoft.com/office/drawing/2010/main" xmlns="">
                 <a:noFill/>
               </a14:hiddenFill>
             </a:ext>
@@ -15609,14 +15625,14 @@
           </a:ln>
           <a:extLst>
             <a:ext uri="{909E8E84-426E-40dd-AFC4-6F175D3DCCD1}">
-              <a14:hiddenFill xmlns:a14="http://schemas.microsoft.com/office/drawing/2010/main">
+              <a14:hiddenFill xmlns:a14="http://schemas.microsoft.com/office/drawing/2010/main" xmlns="">
                 <a:solidFill>
                   <a:schemeClr val="accent1"/>
                 </a:solidFill>
               </a14:hiddenFill>
             </a:ext>
             <a:ext uri="{91240B29-F687-4f45-9708-019B960494DF}">
-              <a14:hiddenLine xmlns:a14="http://schemas.microsoft.com/office/drawing/2010/main" w="9525">
+              <a14:hiddenLine xmlns:a14="http://schemas.microsoft.com/office/drawing/2010/main" xmlns="" w="9525">
                 <a:solidFill>
                   <a:schemeClr val="tx1"/>
                 </a:solidFill>
@@ -15673,7 +15689,7 @@
           </a:ln>
           <a:extLst>
             <a:ext uri="{909E8E84-426E-40dd-AFC4-6F175D3DCCD1}">
-              <a14:hiddenFill xmlns:a14="http://schemas.microsoft.com/office/drawing/2010/main">
+              <a14:hiddenFill xmlns:a14="http://schemas.microsoft.com/office/drawing/2010/main" xmlns="">
                 <a:solidFill>
                   <a:schemeClr val="accent1"/>
                 </a:solidFill>
@@ -15768,14 +15784,14 @@
           </a:ln>
           <a:extLst>
             <a:ext uri="{909E8E84-426E-40dd-AFC4-6F175D3DCCD1}">
-              <a14:hiddenFill xmlns:a14="http://schemas.microsoft.com/office/drawing/2010/main">
+              <a14:hiddenFill xmlns:a14="http://schemas.microsoft.com/office/drawing/2010/main" xmlns="">
                 <a:solidFill>
                   <a:schemeClr val="accent1"/>
                 </a:solidFill>
               </a14:hiddenFill>
             </a:ext>
             <a:ext uri="{91240B29-F687-4f45-9708-019B960494DF}">
-              <a14:hiddenLine xmlns:a14="http://schemas.microsoft.com/office/drawing/2010/main" w="9525">
+              <a14:hiddenLine xmlns:a14="http://schemas.microsoft.com/office/drawing/2010/main" xmlns="" w="9525">
                 <a:solidFill>
                   <a:schemeClr val="tx1"/>
                 </a:solidFill>
@@ -15813,7 +15829,7 @@
   <p:timing>
     <p:tnLst>
       <p:par>
-        <p:cTn xmlns:p14="http://schemas.microsoft.com/office/powerpoint/2010/main" id="1" dur="indefinite" restart="never" nodeType="tmRoot"/>
+        <p:cTn id="1" dur="indefinite" restart="never" nodeType="tmRoot"/>
       </p:par>
     </p:tnLst>
   </p:timing>
@@ -15864,7 +15880,7 @@
           </a:ln>
           <a:extLst>
             <a:ext uri="{909E8E84-426E-40dd-AFC4-6F175D3DCCD1}">
-              <a14:hiddenFill xmlns:a14="http://schemas.microsoft.com/office/drawing/2010/main">
+              <a14:hiddenFill xmlns:a14="http://schemas.microsoft.com/office/drawing/2010/main" xmlns="">
                 <a:solidFill>
                   <a:schemeClr val="accent1"/>
                 </a:solidFill>
@@ -15929,7 +15945,7 @@
           </a:ln>
           <a:extLst>
             <a:ext uri="{909E8E84-426E-40dd-AFC4-6F175D3DCCD1}">
-              <a14:hiddenFill xmlns:a14="http://schemas.microsoft.com/office/drawing/2010/main">
+              <a14:hiddenFill xmlns:a14="http://schemas.microsoft.com/office/drawing/2010/main" xmlns="">
                 <a:solidFill>
                   <a:schemeClr val="accent1"/>
                 </a:solidFill>
@@ -15972,7 +15988,7 @@
           </a:ln>
           <a:extLst>
             <a:ext uri="{909E8E84-426E-40dd-AFC4-6F175D3DCCD1}">
-              <a14:hiddenFill xmlns:a14="http://schemas.microsoft.com/office/drawing/2010/main">
+              <a14:hiddenFill xmlns:a14="http://schemas.microsoft.com/office/drawing/2010/main" xmlns="">
                 <a:solidFill>
                   <a:schemeClr val="accent1"/>
                 </a:solidFill>
@@ -16017,7 +16033,7 @@
           </a:ln>
           <a:extLst>
             <a:ext uri="{909E8E84-426E-40dd-AFC4-6F175D3DCCD1}">
-              <a14:hiddenFill xmlns:a14="http://schemas.microsoft.com/office/drawing/2010/main">
+              <a14:hiddenFill xmlns:a14="http://schemas.microsoft.com/office/drawing/2010/main" xmlns="">
                 <a:noFill/>
               </a14:hiddenFill>
             </a:ext>
@@ -16046,14 +16062,14 @@
           </a:ln>
           <a:extLst>
             <a:ext uri="{909E8E84-426E-40dd-AFC4-6F175D3DCCD1}">
-              <a14:hiddenFill xmlns:a14="http://schemas.microsoft.com/office/drawing/2010/main">
+              <a14:hiddenFill xmlns:a14="http://schemas.microsoft.com/office/drawing/2010/main" xmlns="">
                 <a:solidFill>
                   <a:schemeClr val="accent1"/>
                 </a:solidFill>
               </a14:hiddenFill>
             </a:ext>
             <a:ext uri="{91240B29-F687-4f45-9708-019B960494DF}">
-              <a14:hiddenLine xmlns:a14="http://schemas.microsoft.com/office/drawing/2010/main" w="9525">
+              <a14:hiddenLine xmlns:a14="http://schemas.microsoft.com/office/drawing/2010/main" xmlns="" w="9525">
                 <a:solidFill>
                   <a:schemeClr val="tx1"/>
                 </a:solidFill>
@@ -16099,14 +16115,14 @@
           </a:ln>
           <a:extLst>
             <a:ext uri="{909E8E84-426E-40dd-AFC4-6F175D3DCCD1}">
-              <a14:hiddenFill xmlns:a14="http://schemas.microsoft.com/office/drawing/2010/main">
+              <a14:hiddenFill xmlns:a14="http://schemas.microsoft.com/office/drawing/2010/main" xmlns="">
                 <a:solidFill>
                   <a:schemeClr val="accent1"/>
                 </a:solidFill>
               </a14:hiddenFill>
             </a:ext>
             <a:ext uri="{91240B29-F687-4f45-9708-019B960494DF}">
-              <a14:hiddenLine xmlns:a14="http://schemas.microsoft.com/office/drawing/2010/main" w="9525">
+              <a14:hiddenLine xmlns:a14="http://schemas.microsoft.com/office/drawing/2010/main" xmlns="" w="9525">
                 <a:solidFill>
                   <a:schemeClr val="tx1"/>
                 </a:solidFill>
@@ -16157,7 +16173,7 @@
           </a:ln>
           <a:extLst>
             <a:ext uri="{909E8E84-426E-40dd-AFC4-6F175D3DCCD1}">
-              <a14:hiddenFill xmlns:a14="http://schemas.microsoft.com/office/drawing/2010/main">
+              <a14:hiddenFill xmlns:a14="http://schemas.microsoft.com/office/drawing/2010/main" xmlns="">
                 <a:solidFill>
                   <a:schemeClr val="accent1"/>
                 </a:solidFill>
@@ -16200,14 +16216,14 @@
           </a:ln>
           <a:extLst>
             <a:ext uri="{909E8E84-426E-40dd-AFC4-6F175D3DCCD1}">
-              <a14:hiddenFill xmlns:a14="http://schemas.microsoft.com/office/drawing/2010/main">
+              <a14:hiddenFill xmlns:a14="http://schemas.microsoft.com/office/drawing/2010/main" xmlns="">
                 <a:solidFill>
                   <a:schemeClr val="accent1"/>
                 </a:solidFill>
               </a14:hiddenFill>
             </a:ext>
             <a:ext uri="{91240B29-F687-4f45-9708-019B960494DF}">
-              <a14:hiddenLine xmlns:a14="http://schemas.microsoft.com/office/drawing/2010/main" w="9525">
+              <a14:hiddenLine xmlns:a14="http://schemas.microsoft.com/office/drawing/2010/main" xmlns="" w="9525">
                 <a:solidFill>
                   <a:schemeClr val="tx1"/>
                 </a:solidFill>
@@ -16262,7 +16278,7 @@
           </a:ln>
           <a:extLst>
             <a:ext uri="{909E8E84-426E-40dd-AFC4-6F175D3DCCD1}">
-              <a14:hiddenFill xmlns:a14="http://schemas.microsoft.com/office/drawing/2010/main">
+              <a14:hiddenFill xmlns:a14="http://schemas.microsoft.com/office/drawing/2010/main" xmlns="">
                 <a:noFill/>
               </a14:hiddenFill>
             </a:ext>
@@ -16330,14 +16346,14 @@
           </a:ln>
           <a:extLst>
             <a:ext uri="{909E8E84-426E-40dd-AFC4-6F175D3DCCD1}">
-              <a14:hiddenFill xmlns:a14="http://schemas.microsoft.com/office/drawing/2010/main">
+              <a14:hiddenFill xmlns:a14="http://schemas.microsoft.com/office/drawing/2010/main" xmlns="">
                 <a:solidFill>
                   <a:schemeClr val="accent1"/>
                 </a:solidFill>
               </a14:hiddenFill>
             </a:ext>
             <a:ext uri="{91240B29-F687-4f45-9708-019B960494DF}">
-              <a14:hiddenLine xmlns:a14="http://schemas.microsoft.com/office/drawing/2010/main" w="9525">
+              <a14:hiddenLine xmlns:a14="http://schemas.microsoft.com/office/drawing/2010/main" xmlns="" w="9525">
                 <a:solidFill>
                   <a:schemeClr val="tx1"/>
                 </a:solidFill>
@@ -16409,7 +16425,7 @@
           </a:ln>
           <a:extLst>
             <a:ext uri="{909E8E84-426E-40dd-AFC4-6F175D3DCCD1}">
-              <a14:hiddenFill xmlns:a14="http://schemas.microsoft.com/office/drawing/2010/main">
+              <a14:hiddenFill xmlns:a14="http://schemas.microsoft.com/office/drawing/2010/main" xmlns="">
                 <a:solidFill>
                   <a:schemeClr val="accent1"/>
                 </a:solidFill>
@@ -16504,14 +16520,14 @@
           </a:ln>
           <a:extLst>
             <a:ext uri="{909E8E84-426E-40dd-AFC4-6F175D3DCCD1}">
-              <a14:hiddenFill xmlns:a14="http://schemas.microsoft.com/office/drawing/2010/main">
+              <a14:hiddenFill xmlns:a14="http://schemas.microsoft.com/office/drawing/2010/main" xmlns="">
                 <a:solidFill>
                   <a:schemeClr val="accent1"/>
                 </a:solidFill>
               </a14:hiddenFill>
             </a:ext>
             <a:ext uri="{91240B29-F687-4f45-9708-019B960494DF}">
-              <a14:hiddenLine xmlns:a14="http://schemas.microsoft.com/office/drawing/2010/main" w="9525">
+              <a14:hiddenLine xmlns:a14="http://schemas.microsoft.com/office/drawing/2010/main" xmlns="" w="9525">
                 <a:solidFill>
                   <a:schemeClr val="tx1"/>
                 </a:solidFill>
@@ -16549,7 +16565,7 @@
   <p:timing>
     <p:tnLst>
       <p:par>
-        <p:cTn xmlns:p14="http://schemas.microsoft.com/office/powerpoint/2010/main" id="1" dur="indefinite" restart="never" nodeType="tmRoot"/>
+        <p:cTn id="1" dur="indefinite" restart="never" nodeType="tmRoot"/>
       </p:par>
     </p:tnLst>
   </p:timing>
@@ -16600,7 +16616,7 @@
           </a:ln>
           <a:extLst>
             <a:ext uri="{909E8E84-426E-40dd-AFC4-6F175D3DCCD1}">
-              <a14:hiddenFill xmlns:a14="http://schemas.microsoft.com/office/drawing/2010/main">
+              <a14:hiddenFill xmlns:a14="http://schemas.microsoft.com/office/drawing/2010/main" xmlns="">
                 <a:solidFill>
                   <a:schemeClr val="accent1"/>
                 </a:solidFill>
@@ -16665,7 +16681,7 @@
           </a:ln>
           <a:extLst>
             <a:ext uri="{909E8E84-426E-40dd-AFC4-6F175D3DCCD1}">
-              <a14:hiddenFill xmlns:a14="http://schemas.microsoft.com/office/drawing/2010/main">
+              <a14:hiddenFill xmlns:a14="http://schemas.microsoft.com/office/drawing/2010/main" xmlns="">
                 <a:solidFill>
                   <a:schemeClr val="accent1"/>
                 </a:solidFill>
@@ -16708,7 +16724,7 @@
           </a:ln>
           <a:extLst>
             <a:ext uri="{909E8E84-426E-40dd-AFC4-6F175D3DCCD1}">
-              <a14:hiddenFill xmlns:a14="http://schemas.microsoft.com/office/drawing/2010/main">
+              <a14:hiddenFill xmlns:a14="http://schemas.microsoft.com/office/drawing/2010/main" xmlns="">
                 <a:solidFill>
                   <a:schemeClr val="accent1"/>
                 </a:solidFill>
@@ -16753,7 +16769,7 @@
           </a:ln>
           <a:extLst>
             <a:ext uri="{909E8E84-426E-40dd-AFC4-6F175D3DCCD1}">
-              <a14:hiddenFill xmlns:a14="http://schemas.microsoft.com/office/drawing/2010/main">
+              <a14:hiddenFill xmlns:a14="http://schemas.microsoft.com/office/drawing/2010/main" xmlns="">
                 <a:noFill/>
               </a14:hiddenFill>
             </a:ext>
@@ -16782,14 +16798,14 @@
           </a:ln>
           <a:extLst>
             <a:ext uri="{909E8E84-426E-40dd-AFC4-6F175D3DCCD1}">
-              <a14:hiddenFill xmlns:a14="http://schemas.microsoft.com/office/drawing/2010/main">
+              <a14:hiddenFill xmlns:a14="http://schemas.microsoft.com/office/drawing/2010/main" xmlns="">
                 <a:solidFill>
                   <a:schemeClr val="accent1"/>
                 </a:solidFill>
               </a14:hiddenFill>
             </a:ext>
             <a:ext uri="{91240B29-F687-4f45-9708-019B960494DF}">
-              <a14:hiddenLine xmlns:a14="http://schemas.microsoft.com/office/drawing/2010/main" w="9525">
+              <a14:hiddenLine xmlns:a14="http://schemas.microsoft.com/office/drawing/2010/main" xmlns="" w="9525">
                 <a:solidFill>
                   <a:schemeClr val="tx1"/>
                 </a:solidFill>
@@ -16835,14 +16851,14 @@
           </a:ln>
           <a:extLst>
             <a:ext uri="{909E8E84-426E-40dd-AFC4-6F175D3DCCD1}">
-              <a14:hiddenFill xmlns:a14="http://schemas.microsoft.com/office/drawing/2010/main">
+              <a14:hiddenFill xmlns:a14="http://schemas.microsoft.com/office/drawing/2010/main" xmlns="">
                 <a:solidFill>
                   <a:schemeClr val="accent1"/>
                 </a:solidFill>
               </a14:hiddenFill>
             </a:ext>
             <a:ext uri="{91240B29-F687-4f45-9708-019B960494DF}">
-              <a14:hiddenLine xmlns:a14="http://schemas.microsoft.com/office/drawing/2010/main" w="9525">
+              <a14:hiddenLine xmlns:a14="http://schemas.microsoft.com/office/drawing/2010/main" xmlns="" w="9525">
                 <a:solidFill>
                   <a:schemeClr val="tx1"/>
                 </a:solidFill>
@@ -16893,7 +16909,7 @@
           </a:ln>
           <a:extLst>
             <a:ext uri="{909E8E84-426E-40dd-AFC4-6F175D3DCCD1}">
-              <a14:hiddenFill xmlns:a14="http://schemas.microsoft.com/office/drawing/2010/main">
+              <a14:hiddenFill xmlns:a14="http://schemas.microsoft.com/office/drawing/2010/main" xmlns="">
                 <a:solidFill>
                   <a:schemeClr val="accent1"/>
                 </a:solidFill>
@@ -16936,14 +16952,14 @@
           </a:ln>
           <a:extLst>
             <a:ext uri="{909E8E84-426E-40dd-AFC4-6F175D3DCCD1}">
-              <a14:hiddenFill xmlns:a14="http://schemas.microsoft.com/office/drawing/2010/main">
+              <a14:hiddenFill xmlns:a14="http://schemas.microsoft.com/office/drawing/2010/main" xmlns="">
                 <a:solidFill>
                   <a:schemeClr val="accent1"/>
                 </a:solidFill>
               </a14:hiddenFill>
             </a:ext>
             <a:ext uri="{91240B29-F687-4f45-9708-019B960494DF}">
-              <a14:hiddenLine xmlns:a14="http://schemas.microsoft.com/office/drawing/2010/main" w="9525">
+              <a14:hiddenLine xmlns:a14="http://schemas.microsoft.com/office/drawing/2010/main" xmlns="" w="9525">
                 <a:solidFill>
                   <a:schemeClr val="tx1"/>
                 </a:solidFill>
@@ -16998,7 +17014,7 @@
           </a:ln>
           <a:extLst>
             <a:ext uri="{909E8E84-426E-40dd-AFC4-6F175D3DCCD1}">
-              <a14:hiddenFill xmlns:a14="http://schemas.microsoft.com/office/drawing/2010/main">
+              <a14:hiddenFill xmlns:a14="http://schemas.microsoft.com/office/drawing/2010/main" xmlns="">
                 <a:noFill/>
               </a14:hiddenFill>
             </a:ext>
@@ -17066,14 +17082,14 @@
           </a:ln>
           <a:extLst>
             <a:ext uri="{909E8E84-426E-40dd-AFC4-6F175D3DCCD1}">
-              <a14:hiddenFill xmlns:a14="http://schemas.microsoft.com/office/drawing/2010/main">
+              <a14:hiddenFill xmlns:a14="http://schemas.microsoft.com/office/drawing/2010/main" xmlns="">
                 <a:solidFill>
                   <a:schemeClr val="accent1"/>
                 </a:solidFill>
               </a14:hiddenFill>
             </a:ext>
             <a:ext uri="{91240B29-F687-4f45-9708-019B960494DF}">
-              <a14:hiddenLine xmlns:a14="http://schemas.microsoft.com/office/drawing/2010/main" w="9525">
+              <a14:hiddenLine xmlns:a14="http://schemas.microsoft.com/office/drawing/2010/main" xmlns="" w="9525">
                 <a:solidFill>
                   <a:schemeClr val="tx1"/>
                 </a:solidFill>
@@ -17130,7 +17146,7 @@
           </a:ln>
           <a:extLst>
             <a:ext uri="{909E8E84-426E-40dd-AFC4-6F175D3DCCD1}">
-              <a14:hiddenFill xmlns:a14="http://schemas.microsoft.com/office/drawing/2010/main">
+              <a14:hiddenFill xmlns:a14="http://schemas.microsoft.com/office/drawing/2010/main" xmlns="">
                 <a:solidFill>
                   <a:schemeClr val="accent1"/>
                 </a:solidFill>
@@ -17225,14 +17241,14 @@
           </a:ln>
           <a:extLst>
             <a:ext uri="{909E8E84-426E-40dd-AFC4-6F175D3DCCD1}">
-              <a14:hiddenFill xmlns:a14="http://schemas.microsoft.com/office/drawing/2010/main">
+              <a14:hiddenFill xmlns:a14="http://schemas.microsoft.com/office/drawing/2010/main" xmlns="">
                 <a:solidFill>
                   <a:schemeClr val="accent1"/>
                 </a:solidFill>
               </a14:hiddenFill>
             </a:ext>
             <a:ext uri="{91240B29-F687-4f45-9708-019B960494DF}">
-              <a14:hiddenLine xmlns:a14="http://schemas.microsoft.com/office/drawing/2010/main" w="9525">
+              <a14:hiddenLine xmlns:a14="http://schemas.microsoft.com/office/drawing/2010/main" xmlns="" w="9525">
                 <a:solidFill>
                   <a:schemeClr val="tx1"/>
                 </a:solidFill>
@@ -17282,7 +17298,7 @@
   <p:timing>
     <p:tnLst>
       <p:par>
-        <p:cTn xmlns:p14="http://schemas.microsoft.com/office/powerpoint/2010/main" id="1" dur="indefinite" restart="never" nodeType="tmRoot"/>
+        <p:cTn id="1" dur="indefinite" restart="never" nodeType="tmRoot"/>
       </p:par>
     </p:tnLst>
   </p:timing>
@@ -17333,7 +17349,7 @@
           </a:ln>
           <a:extLst>
             <a:ext uri="{909E8E84-426E-40dd-AFC4-6F175D3DCCD1}">
-              <a14:hiddenFill xmlns:a14="http://schemas.microsoft.com/office/drawing/2010/main">
+              <a14:hiddenFill xmlns:a14="http://schemas.microsoft.com/office/drawing/2010/main" xmlns="">
                 <a:solidFill>
                   <a:schemeClr val="accent1"/>
                 </a:solidFill>
@@ -17398,7 +17414,7 @@
           </a:ln>
           <a:extLst>
             <a:ext uri="{909E8E84-426E-40dd-AFC4-6F175D3DCCD1}">
-              <a14:hiddenFill xmlns:a14="http://schemas.microsoft.com/office/drawing/2010/main">
+              <a14:hiddenFill xmlns:a14="http://schemas.microsoft.com/office/drawing/2010/main" xmlns="">
                 <a:solidFill>
                   <a:schemeClr val="accent1"/>
                 </a:solidFill>
@@ -17441,7 +17457,7 @@
           </a:ln>
           <a:extLst>
             <a:ext uri="{909E8E84-426E-40dd-AFC4-6F175D3DCCD1}">
-              <a14:hiddenFill xmlns:a14="http://schemas.microsoft.com/office/drawing/2010/main">
+              <a14:hiddenFill xmlns:a14="http://schemas.microsoft.com/office/drawing/2010/main" xmlns="">
                 <a:solidFill>
                   <a:schemeClr val="accent1"/>
                 </a:solidFill>
@@ -17486,7 +17502,7 @@
           </a:ln>
           <a:extLst>
             <a:ext uri="{909E8E84-426E-40dd-AFC4-6F175D3DCCD1}">
-              <a14:hiddenFill xmlns:a14="http://schemas.microsoft.com/office/drawing/2010/main">
+              <a14:hiddenFill xmlns:a14="http://schemas.microsoft.com/office/drawing/2010/main" xmlns="">
                 <a:noFill/>
               </a14:hiddenFill>
             </a:ext>
@@ -17515,14 +17531,14 @@
           </a:ln>
           <a:extLst>
             <a:ext uri="{909E8E84-426E-40dd-AFC4-6F175D3DCCD1}">
-              <a14:hiddenFill xmlns:a14="http://schemas.microsoft.com/office/drawing/2010/main">
+              <a14:hiddenFill xmlns:a14="http://schemas.microsoft.com/office/drawing/2010/main" xmlns="">
                 <a:solidFill>
                   <a:schemeClr val="accent1"/>
                 </a:solidFill>
               </a14:hiddenFill>
             </a:ext>
             <a:ext uri="{91240B29-F687-4f45-9708-019B960494DF}">
-              <a14:hiddenLine xmlns:a14="http://schemas.microsoft.com/office/drawing/2010/main" w="9525">
+              <a14:hiddenLine xmlns:a14="http://schemas.microsoft.com/office/drawing/2010/main" xmlns="" w="9525">
                 <a:solidFill>
                   <a:schemeClr val="tx1"/>
                 </a:solidFill>
@@ -17568,14 +17584,14 @@
           </a:ln>
           <a:extLst>
             <a:ext uri="{909E8E84-426E-40dd-AFC4-6F175D3DCCD1}">
-              <a14:hiddenFill xmlns:a14="http://schemas.microsoft.com/office/drawing/2010/main">
+              <a14:hiddenFill xmlns:a14="http://schemas.microsoft.com/office/drawing/2010/main" xmlns="">
                 <a:solidFill>
                   <a:schemeClr val="accent1"/>
                 </a:solidFill>
               </a14:hiddenFill>
             </a:ext>
             <a:ext uri="{91240B29-F687-4f45-9708-019B960494DF}">
-              <a14:hiddenLine xmlns:a14="http://schemas.microsoft.com/office/drawing/2010/main" w="9525">
+              <a14:hiddenLine xmlns:a14="http://schemas.microsoft.com/office/drawing/2010/main" xmlns="" w="9525">
                 <a:solidFill>
                   <a:schemeClr val="tx1"/>
                 </a:solidFill>
@@ -17630,7 +17646,7 @@
           </a:ln>
           <a:extLst>
             <a:ext uri="{909E8E84-426E-40dd-AFC4-6F175D3DCCD1}">
-              <a14:hiddenFill xmlns:a14="http://schemas.microsoft.com/office/drawing/2010/main">
+              <a14:hiddenFill xmlns:a14="http://schemas.microsoft.com/office/drawing/2010/main" xmlns="">
                 <a:solidFill>
                   <a:schemeClr val="accent1"/>
                 </a:solidFill>
@@ -17673,14 +17689,14 @@
           </a:ln>
           <a:extLst>
             <a:ext uri="{909E8E84-426E-40dd-AFC4-6F175D3DCCD1}">
-              <a14:hiddenFill xmlns:a14="http://schemas.microsoft.com/office/drawing/2010/main">
+              <a14:hiddenFill xmlns:a14="http://schemas.microsoft.com/office/drawing/2010/main" xmlns="">
                 <a:solidFill>
                   <a:schemeClr val="accent1"/>
                 </a:solidFill>
               </a14:hiddenFill>
             </a:ext>
             <a:ext uri="{91240B29-F687-4f45-9708-019B960494DF}">
-              <a14:hiddenLine xmlns:a14="http://schemas.microsoft.com/office/drawing/2010/main" w="9525">
+              <a14:hiddenLine xmlns:a14="http://schemas.microsoft.com/office/drawing/2010/main" xmlns="" w="9525">
                 <a:solidFill>
                   <a:schemeClr val="tx1"/>
                 </a:solidFill>
@@ -17735,7 +17751,7 @@
           </a:ln>
           <a:extLst>
             <a:ext uri="{909E8E84-426E-40dd-AFC4-6F175D3DCCD1}">
-              <a14:hiddenFill xmlns:a14="http://schemas.microsoft.com/office/drawing/2010/main">
+              <a14:hiddenFill xmlns:a14="http://schemas.microsoft.com/office/drawing/2010/main" xmlns="">
                 <a:noFill/>
               </a14:hiddenFill>
             </a:ext>
@@ -17803,14 +17819,14 @@
           </a:ln>
           <a:extLst>
             <a:ext uri="{909E8E84-426E-40dd-AFC4-6F175D3DCCD1}">
-              <a14:hiddenFill xmlns:a14="http://schemas.microsoft.com/office/drawing/2010/main">
+              <a14:hiddenFill xmlns:a14="http://schemas.microsoft.com/office/drawing/2010/main" xmlns="">
                 <a:solidFill>
                   <a:schemeClr val="accent1"/>
                 </a:solidFill>
               </a14:hiddenFill>
             </a:ext>
             <a:ext uri="{91240B29-F687-4f45-9708-019B960494DF}">
-              <a14:hiddenLine xmlns:a14="http://schemas.microsoft.com/office/drawing/2010/main" w="9525">
+              <a14:hiddenLine xmlns:a14="http://schemas.microsoft.com/office/drawing/2010/main" xmlns="" w="9525">
                 <a:solidFill>
                   <a:schemeClr val="tx1"/>
                 </a:solidFill>
@@ -17867,7 +17883,7 @@
           </a:ln>
           <a:extLst>
             <a:ext uri="{909E8E84-426E-40dd-AFC4-6F175D3DCCD1}">
-              <a14:hiddenFill xmlns:a14="http://schemas.microsoft.com/office/drawing/2010/main">
+              <a14:hiddenFill xmlns:a14="http://schemas.microsoft.com/office/drawing/2010/main" xmlns="">
                 <a:solidFill>
                   <a:schemeClr val="accent1"/>
                 </a:solidFill>
@@ -17962,14 +17978,14 @@
           </a:ln>
           <a:extLst>
             <a:ext uri="{909E8E84-426E-40dd-AFC4-6F175D3DCCD1}">
-              <a14:hiddenFill xmlns:a14="http://schemas.microsoft.com/office/drawing/2010/main">
+              <a14:hiddenFill xmlns:a14="http://schemas.microsoft.com/office/drawing/2010/main" xmlns="">
                 <a:solidFill>
                   <a:schemeClr val="accent1"/>
                 </a:solidFill>
               </a14:hiddenFill>
             </a:ext>
             <a:ext uri="{91240B29-F687-4f45-9708-019B960494DF}">
-              <a14:hiddenLine xmlns:a14="http://schemas.microsoft.com/office/drawing/2010/main" w="9525">
+              <a14:hiddenLine xmlns:a14="http://schemas.microsoft.com/office/drawing/2010/main" xmlns="" w="9525">
                 <a:solidFill>
                   <a:schemeClr val="tx1"/>
                 </a:solidFill>
@@ -18019,7 +18035,7 @@
   <p:timing>
     <p:tnLst>
       <p:par>
-        <p:cTn xmlns:p14="http://schemas.microsoft.com/office/powerpoint/2010/main" id="1" dur="indefinite" restart="never" nodeType="tmRoot"/>
+        <p:cTn id="1" dur="indefinite" restart="never" nodeType="tmRoot"/>
       </p:par>
     </p:tnLst>
   </p:timing>
@@ -18070,7 +18086,7 @@
           </a:ln>
           <a:extLst>
             <a:ext uri="{909E8E84-426E-40dd-AFC4-6F175D3DCCD1}">
-              <a14:hiddenFill xmlns:a14="http://schemas.microsoft.com/office/drawing/2010/main">
+              <a14:hiddenFill xmlns:a14="http://schemas.microsoft.com/office/drawing/2010/main" xmlns="">
                 <a:solidFill>
                   <a:schemeClr val="accent1"/>
                 </a:solidFill>
@@ -18135,7 +18151,7 @@
           </a:ln>
           <a:extLst>
             <a:ext uri="{909E8E84-426E-40dd-AFC4-6F175D3DCCD1}">
-              <a14:hiddenFill xmlns:a14="http://schemas.microsoft.com/office/drawing/2010/main">
+              <a14:hiddenFill xmlns:a14="http://schemas.microsoft.com/office/drawing/2010/main" xmlns="">
                 <a:solidFill>
                   <a:schemeClr val="accent1"/>
                 </a:solidFill>
@@ -18178,7 +18194,7 @@
           </a:ln>
           <a:extLst>
             <a:ext uri="{909E8E84-426E-40dd-AFC4-6F175D3DCCD1}">
-              <a14:hiddenFill xmlns:a14="http://schemas.microsoft.com/office/drawing/2010/main">
+              <a14:hiddenFill xmlns:a14="http://schemas.microsoft.com/office/drawing/2010/main" xmlns="">
                 <a:solidFill>
                   <a:schemeClr val="accent1"/>
                 </a:solidFill>
@@ -18223,7 +18239,7 @@
           </a:ln>
           <a:extLst>
             <a:ext uri="{909E8E84-426E-40dd-AFC4-6F175D3DCCD1}">
-              <a14:hiddenFill xmlns:a14="http://schemas.microsoft.com/office/drawing/2010/main">
+              <a14:hiddenFill xmlns:a14="http://schemas.microsoft.com/office/drawing/2010/main" xmlns="">
                 <a:noFill/>
               </a14:hiddenFill>
             </a:ext>
@@ -18252,14 +18268,14 @@
           </a:ln>
           <a:extLst>
             <a:ext uri="{909E8E84-426E-40dd-AFC4-6F175D3DCCD1}">
-              <a14:hiddenFill xmlns:a14="http://schemas.microsoft.com/office/drawing/2010/main">
+              <a14:hiddenFill xmlns:a14="http://schemas.microsoft.com/office/drawing/2010/main" xmlns="">
                 <a:solidFill>
                   <a:schemeClr val="accent1"/>
                 </a:solidFill>
               </a14:hiddenFill>
             </a:ext>
             <a:ext uri="{91240B29-F687-4f45-9708-019B960494DF}">
-              <a14:hiddenLine xmlns:a14="http://schemas.microsoft.com/office/drawing/2010/main" w="9525">
+              <a14:hiddenLine xmlns:a14="http://schemas.microsoft.com/office/drawing/2010/main" xmlns="" w="9525">
                 <a:solidFill>
                   <a:schemeClr val="tx1"/>
                 </a:solidFill>
@@ -18305,14 +18321,14 @@
           </a:ln>
           <a:extLst>
             <a:ext uri="{909E8E84-426E-40dd-AFC4-6F175D3DCCD1}">
-              <a14:hiddenFill xmlns:a14="http://schemas.microsoft.com/office/drawing/2010/main">
+              <a14:hiddenFill xmlns:a14="http://schemas.microsoft.com/office/drawing/2010/main" xmlns="">
                 <a:solidFill>
                   <a:schemeClr val="accent1"/>
                 </a:solidFill>
               </a14:hiddenFill>
             </a:ext>
             <a:ext uri="{91240B29-F687-4f45-9708-019B960494DF}">
-              <a14:hiddenLine xmlns:a14="http://schemas.microsoft.com/office/drawing/2010/main" w="9525">
+              <a14:hiddenLine xmlns:a14="http://schemas.microsoft.com/office/drawing/2010/main" xmlns="" w="9525">
                 <a:solidFill>
                   <a:schemeClr val="tx1"/>
                 </a:solidFill>
@@ -18363,7 +18379,7 @@
           </a:ln>
           <a:extLst>
             <a:ext uri="{909E8E84-426E-40dd-AFC4-6F175D3DCCD1}">
-              <a14:hiddenFill xmlns:a14="http://schemas.microsoft.com/office/drawing/2010/main">
+              <a14:hiddenFill xmlns:a14="http://schemas.microsoft.com/office/drawing/2010/main" xmlns="">
                 <a:solidFill>
                   <a:schemeClr val="accent1"/>
                 </a:solidFill>
@@ -18406,14 +18422,14 @@
           </a:ln>
           <a:extLst>
             <a:ext uri="{909E8E84-426E-40dd-AFC4-6F175D3DCCD1}">
-              <a14:hiddenFill xmlns:a14="http://schemas.microsoft.com/office/drawing/2010/main">
+              <a14:hiddenFill xmlns:a14="http://schemas.microsoft.com/office/drawing/2010/main" xmlns="">
                 <a:solidFill>
                   <a:schemeClr val="accent1"/>
                 </a:solidFill>
               </a14:hiddenFill>
             </a:ext>
             <a:ext uri="{91240B29-F687-4f45-9708-019B960494DF}">
-              <a14:hiddenLine xmlns:a14="http://schemas.microsoft.com/office/drawing/2010/main" w="9525">
+              <a14:hiddenLine xmlns:a14="http://schemas.microsoft.com/office/drawing/2010/main" xmlns="" w="9525">
                 <a:solidFill>
                   <a:schemeClr val="tx1"/>
                 </a:solidFill>
@@ -18468,7 +18484,7 @@
           </a:ln>
           <a:extLst>
             <a:ext uri="{909E8E84-426E-40dd-AFC4-6F175D3DCCD1}">
-              <a14:hiddenFill xmlns:a14="http://schemas.microsoft.com/office/drawing/2010/main">
+              <a14:hiddenFill xmlns:a14="http://schemas.microsoft.com/office/drawing/2010/main" xmlns="">
                 <a:noFill/>
               </a14:hiddenFill>
             </a:ext>
@@ -18536,14 +18552,14 @@
           </a:ln>
           <a:extLst>
             <a:ext uri="{909E8E84-426E-40dd-AFC4-6F175D3DCCD1}">
-              <a14:hiddenFill xmlns:a14="http://schemas.microsoft.com/office/drawing/2010/main">
+              <a14:hiddenFill xmlns:a14="http://schemas.microsoft.com/office/drawing/2010/main" xmlns="">
                 <a:solidFill>
                   <a:schemeClr val="accent1"/>
                 </a:solidFill>
               </a14:hiddenFill>
             </a:ext>
             <a:ext uri="{91240B29-F687-4f45-9708-019B960494DF}">
-              <a14:hiddenLine xmlns:a14="http://schemas.microsoft.com/office/drawing/2010/main" w="9525">
+              <a14:hiddenLine xmlns:a14="http://schemas.microsoft.com/office/drawing/2010/main" xmlns="" w="9525">
                 <a:solidFill>
                   <a:schemeClr val="tx1"/>
                 </a:solidFill>
@@ -18615,7 +18631,7 @@
           </a:ln>
           <a:extLst>
             <a:ext uri="{909E8E84-426E-40dd-AFC4-6F175D3DCCD1}">
-              <a14:hiddenFill xmlns:a14="http://schemas.microsoft.com/office/drawing/2010/main">
+              <a14:hiddenFill xmlns:a14="http://schemas.microsoft.com/office/drawing/2010/main" xmlns="">
                 <a:solidFill>
                   <a:schemeClr val="accent1"/>
                 </a:solidFill>
@@ -18710,14 +18726,14 @@
           </a:ln>
           <a:extLst>
             <a:ext uri="{909E8E84-426E-40dd-AFC4-6F175D3DCCD1}">
-              <a14:hiddenFill xmlns:a14="http://schemas.microsoft.com/office/drawing/2010/main">
+              <a14:hiddenFill xmlns:a14="http://schemas.microsoft.com/office/drawing/2010/main" xmlns="">
                 <a:solidFill>
                   <a:schemeClr val="accent1"/>
                 </a:solidFill>
               </a14:hiddenFill>
             </a:ext>
             <a:ext uri="{91240B29-F687-4f45-9708-019B960494DF}">
-              <a14:hiddenLine xmlns:a14="http://schemas.microsoft.com/office/drawing/2010/main" w="9525">
+              <a14:hiddenLine xmlns:a14="http://schemas.microsoft.com/office/drawing/2010/main" xmlns="" w="9525">
                 <a:solidFill>
                   <a:schemeClr val="tx1"/>
                 </a:solidFill>
@@ -18755,7 +18771,7 @@
   <p:timing>
     <p:tnLst>
       <p:par>
-        <p:cTn xmlns:p14="http://schemas.microsoft.com/office/powerpoint/2010/main" id="1" dur="indefinite" restart="never" nodeType="tmRoot"/>
+        <p:cTn id="1" dur="indefinite" restart="never" nodeType="tmRoot"/>
       </p:par>
     </p:tnLst>
   </p:timing>
@@ -18806,7 +18822,7 @@
           </a:ln>
           <a:extLst>
             <a:ext uri="{909E8E84-426E-40dd-AFC4-6F175D3DCCD1}">
-              <a14:hiddenFill xmlns:a14="http://schemas.microsoft.com/office/drawing/2010/main">
+              <a14:hiddenFill xmlns:a14="http://schemas.microsoft.com/office/drawing/2010/main" xmlns="">
                 <a:solidFill>
                   <a:schemeClr val="accent1"/>
                 </a:solidFill>
@@ -18871,7 +18887,7 @@
           </a:ln>
           <a:extLst>
             <a:ext uri="{909E8E84-426E-40dd-AFC4-6F175D3DCCD1}">
-              <a14:hiddenFill xmlns:a14="http://schemas.microsoft.com/office/drawing/2010/main">
+              <a14:hiddenFill xmlns:a14="http://schemas.microsoft.com/office/drawing/2010/main" xmlns="">
                 <a:solidFill>
                   <a:schemeClr val="accent1"/>
                 </a:solidFill>
@@ -18914,7 +18930,7 @@
           </a:ln>
           <a:extLst>
             <a:ext uri="{909E8E84-426E-40dd-AFC4-6F175D3DCCD1}">
-              <a14:hiddenFill xmlns:a14="http://schemas.microsoft.com/office/drawing/2010/main">
+              <a14:hiddenFill xmlns:a14="http://schemas.microsoft.com/office/drawing/2010/main" xmlns="">
                 <a:solidFill>
                   <a:schemeClr val="accent1"/>
                 </a:solidFill>
@@ -18959,7 +18975,7 @@
           </a:ln>
           <a:extLst>
             <a:ext uri="{909E8E84-426E-40dd-AFC4-6F175D3DCCD1}">
-              <a14:hiddenFill xmlns:a14="http://schemas.microsoft.com/office/drawing/2010/main">
+              <a14:hiddenFill xmlns:a14="http://schemas.microsoft.com/office/drawing/2010/main" xmlns="">
                 <a:noFill/>
               </a14:hiddenFill>
             </a:ext>
@@ -18988,14 +19004,14 @@
           </a:ln>
           <a:extLst>
             <a:ext uri="{909E8E84-426E-40dd-AFC4-6F175D3DCCD1}">
-              <a14:hiddenFill xmlns:a14="http://schemas.microsoft.com/office/drawing/2010/main">
+              <a14:hiddenFill xmlns:a14="http://schemas.microsoft.com/office/drawing/2010/main" xmlns="">
                 <a:solidFill>
                   <a:schemeClr val="accent1"/>
                 </a:solidFill>
               </a14:hiddenFill>
             </a:ext>
             <a:ext uri="{91240B29-F687-4f45-9708-019B960494DF}">
-              <a14:hiddenLine xmlns:a14="http://schemas.microsoft.com/office/drawing/2010/main" w="9525">
+              <a14:hiddenLine xmlns:a14="http://schemas.microsoft.com/office/drawing/2010/main" xmlns="" w="9525">
                 <a:solidFill>
                   <a:schemeClr val="tx1"/>
                 </a:solidFill>
@@ -19041,14 +19057,14 @@
           </a:ln>
           <a:extLst>
             <a:ext uri="{909E8E84-426E-40dd-AFC4-6F175D3DCCD1}">
-              <a14:hiddenFill xmlns:a14="http://schemas.microsoft.com/office/drawing/2010/main">
+              <a14:hiddenFill xmlns:a14="http://schemas.microsoft.com/office/drawing/2010/main" xmlns="">
                 <a:solidFill>
                   <a:schemeClr val="accent1"/>
                 </a:solidFill>
               </a14:hiddenFill>
             </a:ext>
             <a:ext uri="{91240B29-F687-4f45-9708-019B960494DF}">
-              <a14:hiddenLine xmlns:a14="http://schemas.microsoft.com/office/drawing/2010/main" w="9525">
+              <a14:hiddenLine xmlns:a14="http://schemas.microsoft.com/office/drawing/2010/main" xmlns="" w="9525">
                 <a:solidFill>
                   <a:schemeClr val="tx1"/>
                 </a:solidFill>
@@ -19099,7 +19115,7 @@
           </a:ln>
           <a:extLst>
             <a:ext uri="{909E8E84-426E-40dd-AFC4-6F175D3DCCD1}">
-              <a14:hiddenFill xmlns:a14="http://schemas.microsoft.com/office/drawing/2010/main">
+              <a14:hiddenFill xmlns:a14="http://schemas.microsoft.com/office/drawing/2010/main" xmlns="">
                 <a:solidFill>
                   <a:schemeClr val="accent1"/>
                 </a:solidFill>
@@ -19142,14 +19158,14 @@
           </a:ln>
           <a:extLst>
             <a:ext uri="{909E8E84-426E-40dd-AFC4-6F175D3DCCD1}">
-              <a14:hiddenFill xmlns:a14="http://schemas.microsoft.com/office/drawing/2010/main">
+              <a14:hiddenFill xmlns:a14="http://schemas.microsoft.com/office/drawing/2010/main" xmlns="">
                 <a:solidFill>
                   <a:schemeClr val="accent1"/>
                 </a:solidFill>
               </a14:hiddenFill>
             </a:ext>
             <a:ext uri="{91240B29-F687-4f45-9708-019B960494DF}">
-              <a14:hiddenLine xmlns:a14="http://schemas.microsoft.com/office/drawing/2010/main" w="9525">
+              <a14:hiddenLine xmlns:a14="http://schemas.microsoft.com/office/drawing/2010/main" xmlns="" w="9525">
                 <a:solidFill>
                   <a:schemeClr val="tx1"/>
                 </a:solidFill>
@@ -19204,7 +19220,7 @@
           </a:ln>
           <a:extLst>
             <a:ext uri="{909E8E84-426E-40dd-AFC4-6F175D3DCCD1}">
-              <a14:hiddenFill xmlns:a14="http://schemas.microsoft.com/office/drawing/2010/main">
+              <a14:hiddenFill xmlns:a14="http://schemas.microsoft.com/office/drawing/2010/main" xmlns="">
                 <a:noFill/>
               </a14:hiddenFill>
             </a:ext>
@@ -19272,14 +19288,14 @@
           </a:ln>
           <a:extLst>
             <a:ext uri="{909E8E84-426E-40dd-AFC4-6F175D3DCCD1}">
-              <a14:hiddenFill xmlns:a14="http://schemas.microsoft.com/office/drawing/2010/main">
+              <a14:hiddenFill xmlns:a14="http://schemas.microsoft.com/office/drawing/2010/main" xmlns="">
                 <a:solidFill>
                   <a:schemeClr val="accent1"/>
                 </a:solidFill>
               </a14:hiddenFill>
             </a:ext>
             <a:ext uri="{91240B29-F687-4f45-9708-019B960494DF}">
-              <a14:hiddenLine xmlns:a14="http://schemas.microsoft.com/office/drawing/2010/main" w="9525">
+              <a14:hiddenLine xmlns:a14="http://schemas.microsoft.com/office/drawing/2010/main" xmlns="" w="9525">
                 <a:solidFill>
                   <a:schemeClr val="tx1"/>
                 </a:solidFill>
@@ -19336,7 +19352,7 @@
           </a:ln>
           <a:extLst>
             <a:ext uri="{909E8E84-426E-40dd-AFC4-6F175D3DCCD1}">
-              <a14:hiddenFill xmlns:a14="http://schemas.microsoft.com/office/drawing/2010/main">
+              <a14:hiddenFill xmlns:a14="http://schemas.microsoft.com/office/drawing/2010/main" xmlns="">
                 <a:solidFill>
                   <a:schemeClr val="accent1"/>
                 </a:solidFill>
@@ -19431,14 +19447,14 @@
           </a:ln>
           <a:extLst>
             <a:ext uri="{909E8E84-426E-40dd-AFC4-6F175D3DCCD1}">
-              <a14:hiddenFill xmlns:a14="http://schemas.microsoft.com/office/drawing/2010/main">
+              <a14:hiddenFill xmlns:a14="http://schemas.microsoft.com/office/drawing/2010/main" xmlns="">
                 <a:solidFill>
                   <a:schemeClr val="accent1"/>
                 </a:solidFill>
               </a14:hiddenFill>
             </a:ext>
             <a:ext uri="{91240B29-F687-4f45-9708-019B960494DF}">
-              <a14:hiddenLine xmlns:a14="http://schemas.microsoft.com/office/drawing/2010/main" w="9525">
+              <a14:hiddenLine xmlns:a14="http://schemas.microsoft.com/office/drawing/2010/main" xmlns="" w="9525">
                 <a:solidFill>
                   <a:schemeClr val="tx1"/>
                 </a:solidFill>
@@ -19488,7 +19504,7 @@
   <p:timing>
     <p:tnLst>
       <p:par>
-        <p:cTn xmlns:p14="http://schemas.microsoft.com/office/powerpoint/2010/main" id="1" dur="indefinite" restart="never" nodeType="tmRoot"/>
+        <p:cTn id="1" dur="indefinite" restart="never" nodeType="tmRoot"/>
       </p:par>
     </p:tnLst>
   </p:timing>
@@ -19539,7 +19555,7 @@
           </a:ln>
           <a:extLst>
             <a:ext uri="{909E8E84-426E-40dd-AFC4-6F175D3DCCD1}">
-              <a14:hiddenFill xmlns:a14="http://schemas.microsoft.com/office/drawing/2010/main">
+              <a14:hiddenFill xmlns:a14="http://schemas.microsoft.com/office/drawing/2010/main" xmlns="">
                 <a:solidFill>
                   <a:schemeClr val="accent1"/>
                 </a:solidFill>
@@ -19604,7 +19620,7 @@
           </a:ln>
           <a:extLst>
             <a:ext uri="{909E8E84-426E-40dd-AFC4-6F175D3DCCD1}">
-              <a14:hiddenFill xmlns:a14="http://schemas.microsoft.com/office/drawing/2010/main">
+              <a14:hiddenFill xmlns:a14="http://schemas.microsoft.com/office/drawing/2010/main" xmlns="">
                 <a:solidFill>
                   <a:schemeClr val="accent1"/>
                 </a:solidFill>
@@ -19647,7 +19663,7 @@
           </a:ln>
           <a:extLst>
             <a:ext uri="{909E8E84-426E-40dd-AFC4-6F175D3DCCD1}">
-              <a14:hiddenFill xmlns:a14="http://schemas.microsoft.com/office/drawing/2010/main">
+              <a14:hiddenFill xmlns:a14="http://schemas.microsoft.com/office/drawing/2010/main" xmlns="">
                 <a:solidFill>
                   <a:schemeClr val="accent1"/>
                 </a:solidFill>
@@ -19692,7 +19708,7 @@
           </a:ln>
           <a:extLst>
             <a:ext uri="{909E8E84-426E-40dd-AFC4-6F175D3DCCD1}">
-              <a14:hiddenFill xmlns:a14="http://schemas.microsoft.com/office/drawing/2010/main">
+              <a14:hiddenFill xmlns:a14="http://schemas.microsoft.com/office/drawing/2010/main" xmlns="">
                 <a:noFill/>
               </a14:hiddenFill>
             </a:ext>
@@ -19721,14 +19737,14 @@
           </a:ln>
           <a:extLst>
             <a:ext uri="{909E8E84-426E-40dd-AFC4-6F175D3DCCD1}">
-              <a14:hiddenFill xmlns:a14="http://schemas.microsoft.com/office/drawing/2010/main">
+              <a14:hiddenFill xmlns:a14="http://schemas.microsoft.com/office/drawing/2010/main" xmlns="">
                 <a:solidFill>
                   <a:schemeClr val="accent1"/>
                 </a:solidFill>
               </a14:hiddenFill>
             </a:ext>
             <a:ext uri="{91240B29-F687-4f45-9708-019B960494DF}">
-              <a14:hiddenLine xmlns:a14="http://schemas.microsoft.com/office/drawing/2010/main" w="9525">
+              <a14:hiddenLine xmlns:a14="http://schemas.microsoft.com/office/drawing/2010/main" xmlns="" w="9525">
                 <a:solidFill>
                   <a:schemeClr val="tx1"/>
                 </a:solidFill>
@@ -19774,14 +19790,14 @@
           </a:ln>
           <a:extLst>
             <a:ext uri="{909E8E84-426E-40dd-AFC4-6F175D3DCCD1}">
-              <a14:hiddenFill xmlns:a14="http://schemas.microsoft.com/office/drawing/2010/main">
+              <a14:hiddenFill xmlns:a14="http://schemas.microsoft.com/office/drawing/2010/main" xmlns="">
                 <a:solidFill>
                   <a:schemeClr val="accent1"/>
                 </a:solidFill>
               </a14:hiddenFill>
             </a:ext>
             <a:ext uri="{91240B29-F687-4f45-9708-019B960494DF}">
-              <a14:hiddenLine xmlns:a14="http://schemas.microsoft.com/office/drawing/2010/main" w="9525">
+              <a14:hiddenLine xmlns:a14="http://schemas.microsoft.com/office/drawing/2010/main" xmlns="" w="9525">
                 <a:solidFill>
                   <a:schemeClr val="tx1"/>
                 </a:solidFill>
@@ -19836,7 +19852,7 @@
           </a:ln>
           <a:extLst>
             <a:ext uri="{909E8E84-426E-40dd-AFC4-6F175D3DCCD1}">
-              <a14:hiddenFill xmlns:a14="http://schemas.microsoft.com/office/drawing/2010/main">
+              <a14:hiddenFill xmlns:a14="http://schemas.microsoft.com/office/drawing/2010/main" xmlns="">
                 <a:solidFill>
                   <a:schemeClr val="accent1"/>
                 </a:solidFill>
@@ -19879,14 +19895,14 @@
           </a:ln>
           <a:extLst>
             <a:ext uri="{909E8E84-426E-40dd-AFC4-6F175D3DCCD1}">
-              <a14:hiddenFill xmlns:a14="http://schemas.microsoft.com/office/drawing/2010/main">
+              <a14:hiddenFill xmlns:a14="http://schemas.microsoft.com/office/drawing/2010/main" xmlns="">
                 <a:solidFill>
                   <a:schemeClr val="accent1"/>
                 </a:solidFill>
               </a14:hiddenFill>
             </a:ext>
             <a:ext uri="{91240B29-F687-4f45-9708-019B960494DF}">
-              <a14:hiddenLine xmlns:a14="http://schemas.microsoft.com/office/drawing/2010/main" w="9525">
+              <a14:hiddenLine xmlns:a14="http://schemas.microsoft.com/office/drawing/2010/main" xmlns="" w="9525">
                 <a:solidFill>
                   <a:schemeClr val="tx1"/>
                 </a:solidFill>
@@ -19941,7 +19957,7 @@
           </a:ln>
           <a:extLst>
             <a:ext uri="{909E8E84-426E-40dd-AFC4-6F175D3DCCD1}">
-              <a14:hiddenFill xmlns:a14="http://schemas.microsoft.com/office/drawing/2010/main">
+              <a14:hiddenFill xmlns:a14="http://schemas.microsoft.com/office/drawing/2010/main" xmlns="">
                 <a:noFill/>
               </a14:hiddenFill>
             </a:ext>
@@ -20009,14 +20025,14 @@
           </a:ln>
           <a:extLst>
             <a:ext uri="{909E8E84-426E-40dd-AFC4-6F175D3DCCD1}">
-              <a14:hiddenFill xmlns:a14="http://schemas.microsoft.com/office/drawing/2010/main">
+              <a14:hiddenFill xmlns:a14="http://schemas.microsoft.com/office/drawing/2010/main" xmlns="">
                 <a:solidFill>
                   <a:schemeClr val="accent1"/>
                 </a:solidFill>
               </a14:hiddenFill>
             </a:ext>
             <a:ext uri="{91240B29-F687-4f45-9708-019B960494DF}">
-              <a14:hiddenLine xmlns:a14="http://schemas.microsoft.com/office/drawing/2010/main" w="9525">
+              <a14:hiddenLine xmlns:a14="http://schemas.microsoft.com/office/drawing/2010/main" xmlns="" w="9525">
                 <a:solidFill>
                   <a:schemeClr val="tx1"/>
                 </a:solidFill>
@@ -20073,7 +20089,7 @@
           </a:ln>
           <a:extLst>
             <a:ext uri="{909E8E84-426E-40dd-AFC4-6F175D3DCCD1}">
-              <a14:hiddenFill xmlns:a14="http://schemas.microsoft.com/office/drawing/2010/main">
+              <a14:hiddenFill xmlns:a14="http://schemas.microsoft.com/office/drawing/2010/main" xmlns="">
                 <a:solidFill>
                   <a:schemeClr val="accent1"/>
                 </a:solidFill>
@@ -20168,14 +20184,14 @@
           </a:ln>
           <a:extLst>
             <a:ext uri="{909E8E84-426E-40dd-AFC4-6F175D3DCCD1}">
-              <a14:hiddenFill xmlns:a14="http://schemas.microsoft.com/office/drawing/2010/main">
+              <a14:hiddenFill xmlns:a14="http://schemas.microsoft.com/office/drawing/2010/main" xmlns="">
                 <a:solidFill>
                   <a:schemeClr val="accent1"/>
                 </a:solidFill>
               </a14:hiddenFill>
             </a:ext>
             <a:ext uri="{91240B29-F687-4f45-9708-019B960494DF}">
-              <a14:hiddenLine xmlns:a14="http://schemas.microsoft.com/office/drawing/2010/main" w="9525">
+              <a14:hiddenLine xmlns:a14="http://schemas.microsoft.com/office/drawing/2010/main" xmlns="" w="9525">
                 <a:solidFill>
                   <a:schemeClr val="tx1"/>
                 </a:solidFill>
@@ -20213,7 +20229,7 @@
   <p:timing>
     <p:tnLst>
       <p:par>
-        <p:cTn xmlns:p14="http://schemas.microsoft.com/office/powerpoint/2010/main" id="1" dur="indefinite" restart="never" nodeType="tmRoot"/>
+        <p:cTn id="1" dur="indefinite" restart="never" nodeType="tmRoot"/>
       </p:par>
     </p:tnLst>
   </p:timing>
@@ -20264,7 +20280,7 @@
           </a:ln>
           <a:extLst>
             <a:ext uri="{909E8E84-426E-40dd-AFC4-6F175D3DCCD1}">
-              <a14:hiddenFill xmlns:a14="http://schemas.microsoft.com/office/drawing/2010/main">
+              <a14:hiddenFill xmlns:a14="http://schemas.microsoft.com/office/drawing/2010/main" xmlns="">
                 <a:solidFill>
                   <a:schemeClr val="accent1"/>
                 </a:solidFill>
@@ -20329,7 +20345,7 @@
           </a:ln>
           <a:extLst>
             <a:ext uri="{909E8E84-426E-40dd-AFC4-6F175D3DCCD1}">
-              <a14:hiddenFill xmlns:a14="http://schemas.microsoft.com/office/drawing/2010/main">
+              <a14:hiddenFill xmlns:a14="http://schemas.microsoft.com/office/drawing/2010/main" xmlns="">
                 <a:solidFill>
                   <a:schemeClr val="accent1"/>
                 </a:solidFill>
@@ -20372,7 +20388,7 @@
           </a:ln>
           <a:extLst>
             <a:ext uri="{909E8E84-426E-40dd-AFC4-6F175D3DCCD1}">
-              <a14:hiddenFill xmlns:a14="http://schemas.microsoft.com/office/drawing/2010/main">
+              <a14:hiddenFill xmlns:a14="http://schemas.microsoft.com/office/drawing/2010/main" xmlns="">
                 <a:solidFill>
                   <a:schemeClr val="accent1"/>
                 </a:solidFill>
@@ -20417,7 +20433,7 @@
           </a:ln>
           <a:extLst>
             <a:ext uri="{909E8E84-426E-40dd-AFC4-6F175D3DCCD1}">
-              <a14:hiddenFill xmlns:a14="http://schemas.microsoft.com/office/drawing/2010/main">
+              <a14:hiddenFill xmlns:a14="http://schemas.microsoft.com/office/drawing/2010/main" xmlns="">
                 <a:noFill/>
               </a14:hiddenFill>
             </a:ext>
@@ -20446,14 +20462,14 @@
           </a:ln>
           <a:extLst>
             <a:ext uri="{909E8E84-426E-40dd-AFC4-6F175D3DCCD1}">
-              <a14:hiddenFill xmlns:a14="http://schemas.microsoft.com/office/drawing/2010/main">
+              <a14:hiddenFill xmlns:a14="http://schemas.microsoft.com/office/drawing/2010/main" xmlns="">
                 <a:solidFill>
                   <a:schemeClr val="accent1"/>
                 </a:solidFill>
               </a14:hiddenFill>
             </a:ext>
             <a:ext uri="{91240B29-F687-4f45-9708-019B960494DF}">
-              <a14:hiddenLine xmlns:a14="http://schemas.microsoft.com/office/drawing/2010/main" w="9525">
+              <a14:hiddenLine xmlns:a14="http://schemas.microsoft.com/office/drawing/2010/main" xmlns="" w="9525">
                 <a:solidFill>
                   <a:schemeClr val="tx1"/>
                 </a:solidFill>
@@ -20499,14 +20515,14 @@
           </a:ln>
           <a:extLst>
             <a:ext uri="{909E8E84-426E-40dd-AFC4-6F175D3DCCD1}">
-              <a14:hiddenFill xmlns:a14="http://schemas.microsoft.com/office/drawing/2010/main">
+              <a14:hiddenFill xmlns:a14="http://schemas.microsoft.com/office/drawing/2010/main" xmlns="">
                 <a:solidFill>
                   <a:schemeClr val="accent1"/>
                 </a:solidFill>
               </a14:hiddenFill>
             </a:ext>
             <a:ext uri="{91240B29-F687-4f45-9708-019B960494DF}">
-              <a14:hiddenLine xmlns:a14="http://schemas.microsoft.com/office/drawing/2010/main" w="9525">
+              <a14:hiddenLine xmlns:a14="http://schemas.microsoft.com/office/drawing/2010/main" xmlns="" w="9525">
                 <a:solidFill>
                   <a:schemeClr val="tx1"/>
                 </a:solidFill>
@@ -20557,7 +20573,7 @@
           </a:ln>
           <a:extLst>
             <a:ext uri="{909E8E84-426E-40dd-AFC4-6F175D3DCCD1}">
-              <a14:hiddenFill xmlns:a14="http://schemas.microsoft.com/office/drawing/2010/main">
+              <a14:hiddenFill xmlns:a14="http://schemas.microsoft.com/office/drawing/2010/main" xmlns="">
                 <a:solidFill>
                   <a:schemeClr val="accent1"/>
                 </a:solidFill>
@@ -20600,14 +20616,14 @@
           </a:ln>
           <a:extLst>
             <a:ext uri="{909E8E84-426E-40dd-AFC4-6F175D3DCCD1}">
-              <a14:hiddenFill xmlns:a14="http://schemas.microsoft.com/office/drawing/2010/main">
+              <a14:hiddenFill xmlns:a14="http://schemas.microsoft.com/office/drawing/2010/main" xmlns="">
                 <a:solidFill>
                   <a:schemeClr val="accent1"/>
                 </a:solidFill>
               </a14:hiddenFill>
             </a:ext>
             <a:ext uri="{91240B29-F687-4f45-9708-019B960494DF}">
-              <a14:hiddenLine xmlns:a14="http://schemas.microsoft.com/office/drawing/2010/main" w="9525">
+              <a14:hiddenLine xmlns:a14="http://schemas.microsoft.com/office/drawing/2010/main" xmlns="" w="9525">
                 <a:solidFill>
                   <a:schemeClr val="tx1"/>
                 </a:solidFill>
@@ -20662,7 +20678,7 @@
           </a:ln>
           <a:extLst>
             <a:ext uri="{909E8E84-426E-40dd-AFC4-6F175D3DCCD1}">
-              <a14:hiddenFill xmlns:a14="http://schemas.microsoft.com/office/drawing/2010/main">
+              <a14:hiddenFill xmlns:a14="http://schemas.microsoft.com/office/drawing/2010/main" xmlns="">
                 <a:noFill/>
               </a14:hiddenFill>
             </a:ext>
@@ -20730,14 +20746,14 @@
           </a:ln>
           <a:extLst>
             <a:ext uri="{909E8E84-426E-40dd-AFC4-6F175D3DCCD1}">
-              <a14:hiddenFill xmlns:a14="http://schemas.microsoft.com/office/drawing/2010/main">
+              <a14:hiddenFill xmlns:a14="http://schemas.microsoft.com/office/drawing/2010/main" xmlns="">
                 <a:solidFill>
                   <a:schemeClr val="accent1"/>
                 </a:solidFill>
               </a14:hiddenFill>
             </a:ext>
             <a:ext uri="{91240B29-F687-4f45-9708-019B960494DF}">
-              <a14:hiddenLine xmlns:a14="http://schemas.microsoft.com/office/drawing/2010/main" w="9525">
+              <a14:hiddenLine xmlns:a14="http://schemas.microsoft.com/office/drawing/2010/main" xmlns="" w="9525">
                 <a:solidFill>
                   <a:schemeClr val="tx1"/>
                 </a:solidFill>
@@ -20809,7 +20825,7 @@
           </a:ln>
           <a:extLst>
             <a:ext uri="{909E8E84-426E-40dd-AFC4-6F175D3DCCD1}">
-              <a14:hiddenFill xmlns:a14="http://schemas.microsoft.com/office/drawing/2010/main">
+              <a14:hiddenFill xmlns:a14="http://schemas.microsoft.com/office/drawing/2010/main" xmlns="">
                 <a:solidFill>
                   <a:schemeClr val="accent1"/>
                 </a:solidFill>
@@ -20904,14 +20920,14 @@
           </a:ln>
           <a:extLst>
             <a:ext uri="{909E8E84-426E-40dd-AFC4-6F175D3DCCD1}">
-              <a14:hiddenFill xmlns:a14="http://schemas.microsoft.com/office/drawing/2010/main">
+              <a14:hiddenFill xmlns:a14="http://schemas.microsoft.com/office/drawing/2010/main" xmlns="">
                 <a:solidFill>
                   <a:schemeClr val="accent1"/>
                 </a:solidFill>
               </a14:hiddenFill>
             </a:ext>
             <a:ext uri="{91240B29-F687-4f45-9708-019B960494DF}">
-              <a14:hiddenLine xmlns:a14="http://schemas.microsoft.com/office/drawing/2010/main" w="9525">
+              <a14:hiddenLine xmlns:a14="http://schemas.microsoft.com/office/drawing/2010/main" xmlns="" w="9525">
                 <a:solidFill>
                   <a:schemeClr val="tx1"/>
                 </a:solidFill>
@@ -20949,7 +20965,7 @@
   <p:timing>
     <p:tnLst>
       <p:par>
-        <p:cTn xmlns:p14="http://schemas.microsoft.com/office/powerpoint/2010/main" id="1" dur="indefinite" restart="never" nodeType="tmRoot"/>
+        <p:cTn id="1" dur="indefinite" restart="never" nodeType="tmRoot"/>
       </p:par>
     </p:tnLst>
   </p:timing>
@@ -21057,7 +21073,7 @@
   <p:timing>
     <p:tnLst>
       <p:par>
-        <p:cTn xmlns:p14="http://schemas.microsoft.com/office/powerpoint/2010/main" id="1" dur="indefinite" restart="never" nodeType="tmRoot"/>
+        <p:cTn id="1" dur="indefinite" restart="never" nodeType="tmRoot"/>
       </p:par>
     </p:tnLst>
   </p:timing>
@@ -21108,7 +21124,7 @@
           </a:ln>
           <a:extLst>
             <a:ext uri="{909E8E84-426E-40dd-AFC4-6F175D3DCCD1}">
-              <a14:hiddenFill xmlns:a14="http://schemas.microsoft.com/office/drawing/2010/main">
+              <a14:hiddenFill xmlns:a14="http://schemas.microsoft.com/office/drawing/2010/main" xmlns="">
                 <a:solidFill>
                   <a:schemeClr val="accent1"/>
                 </a:solidFill>
@@ -21173,7 +21189,7 @@
           </a:ln>
           <a:extLst>
             <a:ext uri="{909E8E84-426E-40dd-AFC4-6F175D3DCCD1}">
-              <a14:hiddenFill xmlns:a14="http://schemas.microsoft.com/office/drawing/2010/main">
+              <a14:hiddenFill xmlns:a14="http://schemas.microsoft.com/office/drawing/2010/main" xmlns="">
                 <a:solidFill>
                   <a:schemeClr val="accent1"/>
                 </a:solidFill>
@@ -21216,7 +21232,7 @@
           </a:ln>
           <a:extLst>
             <a:ext uri="{909E8E84-426E-40dd-AFC4-6F175D3DCCD1}">
-              <a14:hiddenFill xmlns:a14="http://schemas.microsoft.com/office/drawing/2010/main">
+              <a14:hiddenFill xmlns:a14="http://schemas.microsoft.com/office/drawing/2010/main" xmlns="">
                 <a:solidFill>
                   <a:schemeClr val="accent1"/>
                 </a:solidFill>
@@ -21261,7 +21277,7 @@
           </a:ln>
           <a:extLst>
             <a:ext uri="{909E8E84-426E-40dd-AFC4-6F175D3DCCD1}">
-              <a14:hiddenFill xmlns:a14="http://schemas.microsoft.com/office/drawing/2010/main">
+              <a14:hiddenFill xmlns:a14="http://schemas.microsoft.com/office/drawing/2010/main" xmlns="">
                 <a:noFill/>
               </a14:hiddenFill>
             </a:ext>
@@ -21290,14 +21306,14 @@
           </a:ln>
           <a:extLst>
             <a:ext uri="{909E8E84-426E-40dd-AFC4-6F175D3DCCD1}">
-              <a14:hiddenFill xmlns:a14="http://schemas.microsoft.com/office/drawing/2010/main">
+              <a14:hiddenFill xmlns:a14="http://schemas.microsoft.com/office/drawing/2010/main" xmlns="">
                 <a:solidFill>
                   <a:schemeClr val="accent1"/>
                 </a:solidFill>
               </a14:hiddenFill>
             </a:ext>
             <a:ext uri="{91240B29-F687-4f45-9708-019B960494DF}">
-              <a14:hiddenLine xmlns:a14="http://schemas.microsoft.com/office/drawing/2010/main" w="9525">
+              <a14:hiddenLine xmlns:a14="http://schemas.microsoft.com/office/drawing/2010/main" xmlns="" w="9525">
                 <a:solidFill>
                   <a:schemeClr val="tx1"/>
                 </a:solidFill>
@@ -21343,14 +21359,14 @@
           </a:ln>
           <a:extLst>
             <a:ext uri="{909E8E84-426E-40dd-AFC4-6F175D3DCCD1}">
-              <a14:hiddenFill xmlns:a14="http://schemas.microsoft.com/office/drawing/2010/main">
+              <a14:hiddenFill xmlns:a14="http://schemas.microsoft.com/office/drawing/2010/main" xmlns="">
                 <a:solidFill>
                   <a:schemeClr val="accent1"/>
                 </a:solidFill>
               </a14:hiddenFill>
             </a:ext>
             <a:ext uri="{91240B29-F687-4f45-9708-019B960494DF}">
-              <a14:hiddenLine xmlns:a14="http://schemas.microsoft.com/office/drawing/2010/main" w="9525">
+              <a14:hiddenLine xmlns:a14="http://schemas.microsoft.com/office/drawing/2010/main" xmlns="" w="9525">
                 <a:solidFill>
                   <a:schemeClr val="tx1"/>
                 </a:solidFill>
@@ -21401,7 +21417,7 @@
           </a:ln>
           <a:extLst>
             <a:ext uri="{909E8E84-426E-40dd-AFC4-6F175D3DCCD1}">
-              <a14:hiddenFill xmlns:a14="http://schemas.microsoft.com/office/drawing/2010/main">
+              <a14:hiddenFill xmlns:a14="http://schemas.microsoft.com/office/drawing/2010/main" xmlns="">
                 <a:solidFill>
                   <a:schemeClr val="accent1"/>
                 </a:solidFill>
@@ -21444,14 +21460,14 @@
           </a:ln>
           <a:extLst>
             <a:ext uri="{909E8E84-426E-40dd-AFC4-6F175D3DCCD1}">
-              <a14:hiddenFill xmlns:a14="http://schemas.microsoft.com/office/drawing/2010/main">
+              <a14:hiddenFill xmlns:a14="http://schemas.microsoft.com/office/drawing/2010/main" xmlns="">
                 <a:solidFill>
                   <a:schemeClr val="accent1"/>
                 </a:solidFill>
               </a14:hiddenFill>
             </a:ext>
             <a:ext uri="{91240B29-F687-4f45-9708-019B960494DF}">
-              <a14:hiddenLine xmlns:a14="http://schemas.microsoft.com/office/drawing/2010/main" w="9525">
+              <a14:hiddenLine xmlns:a14="http://schemas.microsoft.com/office/drawing/2010/main" xmlns="" w="9525">
                 <a:solidFill>
                   <a:schemeClr val="tx1"/>
                 </a:solidFill>
@@ -21506,7 +21522,7 @@
           </a:ln>
           <a:extLst>
             <a:ext uri="{909E8E84-426E-40dd-AFC4-6F175D3DCCD1}">
-              <a14:hiddenFill xmlns:a14="http://schemas.microsoft.com/office/drawing/2010/main">
+              <a14:hiddenFill xmlns:a14="http://schemas.microsoft.com/office/drawing/2010/main" xmlns="">
                 <a:noFill/>
               </a14:hiddenFill>
             </a:ext>
@@ -21574,14 +21590,14 @@
           </a:ln>
           <a:extLst>
             <a:ext uri="{909E8E84-426E-40dd-AFC4-6F175D3DCCD1}">
-              <a14:hiddenFill xmlns:a14="http://schemas.microsoft.com/office/drawing/2010/main">
+              <a14:hiddenFill xmlns:a14="http://schemas.microsoft.com/office/drawing/2010/main" xmlns="">
                 <a:solidFill>
                   <a:schemeClr val="accent1"/>
                 </a:solidFill>
               </a14:hiddenFill>
             </a:ext>
             <a:ext uri="{91240B29-F687-4f45-9708-019B960494DF}">
-              <a14:hiddenLine xmlns:a14="http://schemas.microsoft.com/office/drawing/2010/main" w="9525">
+              <a14:hiddenLine xmlns:a14="http://schemas.microsoft.com/office/drawing/2010/main" xmlns="" w="9525">
                 <a:solidFill>
                   <a:schemeClr val="tx1"/>
                 </a:solidFill>
@@ -21638,7 +21654,7 @@
           </a:ln>
           <a:extLst>
             <a:ext uri="{909E8E84-426E-40dd-AFC4-6F175D3DCCD1}">
-              <a14:hiddenFill xmlns:a14="http://schemas.microsoft.com/office/drawing/2010/main">
+              <a14:hiddenFill xmlns:a14="http://schemas.microsoft.com/office/drawing/2010/main" xmlns="">
                 <a:solidFill>
                   <a:schemeClr val="accent1"/>
                 </a:solidFill>
@@ -21733,14 +21749,14 @@
           </a:ln>
           <a:extLst>
             <a:ext uri="{909E8E84-426E-40dd-AFC4-6F175D3DCCD1}">
-              <a14:hiddenFill xmlns:a14="http://schemas.microsoft.com/office/drawing/2010/main">
+              <a14:hiddenFill xmlns:a14="http://schemas.microsoft.com/office/drawing/2010/main" xmlns="">
                 <a:solidFill>
                   <a:schemeClr val="accent1"/>
                 </a:solidFill>
               </a14:hiddenFill>
             </a:ext>
             <a:ext uri="{91240B29-F687-4f45-9708-019B960494DF}">
-              <a14:hiddenLine xmlns:a14="http://schemas.microsoft.com/office/drawing/2010/main" w="9525">
+              <a14:hiddenLine xmlns:a14="http://schemas.microsoft.com/office/drawing/2010/main" xmlns="" w="9525">
                 <a:solidFill>
                   <a:schemeClr val="tx1"/>
                 </a:solidFill>
@@ -21790,7 +21806,7 @@
   <p:timing>
     <p:tnLst>
       <p:par>
-        <p:cTn xmlns:p14="http://schemas.microsoft.com/office/powerpoint/2010/main" id="1" dur="indefinite" restart="never" nodeType="tmRoot"/>
+        <p:cTn id="1" dur="indefinite" restart="never" nodeType="tmRoot"/>
       </p:par>
     </p:tnLst>
   </p:timing>
@@ -21841,7 +21857,7 @@
           </a:ln>
           <a:extLst>
             <a:ext uri="{909E8E84-426E-40dd-AFC4-6F175D3DCCD1}">
-              <a14:hiddenFill xmlns:a14="http://schemas.microsoft.com/office/drawing/2010/main">
+              <a14:hiddenFill xmlns:a14="http://schemas.microsoft.com/office/drawing/2010/main" xmlns="">
                 <a:solidFill>
                   <a:schemeClr val="accent1"/>
                 </a:solidFill>
@@ -21906,7 +21922,7 @@
           </a:ln>
           <a:extLst>
             <a:ext uri="{909E8E84-426E-40dd-AFC4-6F175D3DCCD1}">
-              <a14:hiddenFill xmlns:a14="http://schemas.microsoft.com/office/drawing/2010/main">
+              <a14:hiddenFill xmlns:a14="http://schemas.microsoft.com/office/drawing/2010/main" xmlns="">
                 <a:solidFill>
                   <a:schemeClr val="accent1"/>
                 </a:solidFill>
@@ -21949,7 +21965,7 @@
           </a:ln>
           <a:extLst>
             <a:ext uri="{909E8E84-426E-40dd-AFC4-6F175D3DCCD1}">
-              <a14:hiddenFill xmlns:a14="http://schemas.microsoft.com/office/drawing/2010/main">
+              <a14:hiddenFill xmlns:a14="http://schemas.microsoft.com/office/drawing/2010/main" xmlns="">
                 <a:solidFill>
                   <a:schemeClr val="accent1"/>
                 </a:solidFill>
@@ -21994,7 +22010,7 @@
           </a:ln>
           <a:extLst>
             <a:ext uri="{909E8E84-426E-40dd-AFC4-6F175D3DCCD1}">
-              <a14:hiddenFill xmlns:a14="http://schemas.microsoft.com/office/drawing/2010/main">
+              <a14:hiddenFill xmlns:a14="http://schemas.microsoft.com/office/drawing/2010/main" xmlns="">
                 <a:noFill/>
               </a14:hiddenFill>
             </a:ext>
@@ -22023,14 +22039,14 @@
           </a:ln>
           <a:extLst>
             <a:ext uri="{909E8E84-426E-40dd-AFC4-6F175D3DCCD1}">
-              <a14:hiddenFill xmlns:a14="http://schemas.microsoft.com/office/drawing/2010/main">
+              <a14:hiddenFill xmlns:a14="http://schemas.microsoft.com/office/drawing/2010/main" xmlns="">
                 <a:solidFill>
                   <a:schemeClr val="accent1"/>
                 </a:solidFill>
               </a14:hiddenFill>
             </a:ext>
             <a:ext uri="{91240B29-F687-4f45-9708-019B960494DF}">
-              <a14:hiddenLine xmlns:a14="http://schemas.microsoft.com/office/drawing/2010/main" w="9525">
+              <a14:hiddenLine xmlns:a14="http://schemas.microsoft.com/office/drawing/2010/main" xmlns="" w="9525">
                 <a:solidFill>
                   <a:schemeClr val="tx1"/>
                 </a:solidFill>
@@ -22076,14 +22092,14 @@
           </a:ln>
           <a:extLst>
             <a:ext uri="{909E8E84-426E-40dd-AFC4-6F175D3DCCD1}">
-              <a14:hiddenFill xmlns:a14="http://schemas.microsoft.com/office/drawing/2010/main">
+              <a14:hiddenFill xmlns:a14="http://schemas.microsoft.com/office/drawing/2010/main" xmlns="">
                 <a:solidFill>
                   <a:schemeClr val="accent1"/>
                 </a:solidFill>
               </a14:hiddenFill>
             </a:ext>
             <a:ext uri="{91240B29-F687-4f45-9708-019B960494DF}">
-              <a14:hiddenLine xmlns:a14="http://schemas.microsoft.com/office/drawing/2010/main" w="9525">
+              <a14:hiddenLine xmlns:a14="http://schemas.microsoft.com/office/drawing/2010/main" xmlns="" w="9525">
                 <a:solidFill>
                   <a:schemeClr val="tx1"/>
                 </a:solidFill>
@@ -22138,7 +22154,7 @@
           </a:ln>
           <a:extLst>
             <a:ext uri="{909E8E84-426E-40dd-AFC4-6F175D3DCCD1}">
-              <a14:hiddenFill xmlns:a14="http://schemas.microsoft.com/office/drawing/2010/main">
+              <a14:hiddenFill xmlns:a14="http://schemas.microsoft.com/office/drawing/2010/main" xmlns="">
                 <a:solidFill>
                   <a:schemeClr val="accent1"/>
                 </a:solidFill>
@@ -22181,14 +22197,14 @@
           </a:ln>
           <a:extLst>
             <a:ext uri="{909E8E84-426E-40dd-AFC4-6F175D3DCCD1}">
-              <a14:hiddenFill xmlns:a14="http://schemas.microsoft.com/office/drawing/2010/main">
+              <a14:hiddenFill xmlns:a14="http://schemas.microsoft.com/office/drawing/2010/main" xmlns="">
                 <a:solidFill>
                   <a:schemeClr val="accent1"/>
                 </a:solidFill>
               </a14:hiddenFill>
             </a:ext>
             <a:ext uri="{91240B29-F687-4f45-9708-019B960494DF}">
-              <a14:hiddenLine xmlns:a14="http://schemas.microsoft.com/office/drawing/2010/main" w="9525">
+              <a14:hiddenLine xmlns:a14="http://schemas.microsoft.com/office/drawing/2010/main" xmlns="" w="9525">
                 <a:solidFill>
                   <a:schemeClr val="tx1"/>
                 </a:solidFill>
@@ -22243,7 +22259,7 @@
           </a:ln>
           <a:extLst>
             <a:ext uri="{909E8E84-426E-40dd-AFC4-6F175D3DCCD1}">
-              <a14:hiddenFill xmlns:a14="http://schemas.microsoft.com/office/drawing/2010/main">
+              <a14:hiddenFill xmlns:a14="http://schemas.microsoft.com/office/drawing/2010/main" xmlns="">
                 <a:noFill/>
               </a14:hiddenFill>
             </a:ext>
@@ -22311,14 +22327,14 @@
           </a:ln>
           <a:extLst>
             <a:ext uri="{909E8E84-426E-40dd-AFC4-6F175D3DCCD1}">
-              <a14:hiddenFill xmlns:a14="http://schemas.microsoft.com/office/drawing/2010/main">
+              <a14:hiddenFill xmlns:a14="http://schemas.microsoft.com/office/drawing/2010/main" xmlns="">
                 <a:solidFill>
                   <a:schemeClr val="accent1"/>
                 </a:solidFill>
               </a14:hiddenFill>
             </a:ext>
             <a:ext uri="{91240B29-F687-4f45-9708-019B960494DF}">
-              <a14:hiddenLine xmlns:a14="http://schemas.microsoft.com/office/drawing/2010/main" w="9525">
+              <a14:hiddenLine xmlns:a14="http://schemas.microsoft.com/office/drawing/2010/main" xmlns="" w="9525">
                 <a:solidFill>
                   <a:schemeClr val="tx1"/>
                 </a:solidFill>
@@ -22375,7 +22391,7 @@
           </a:ln>
           <a:extLst>
             <a:ext uri="{909E8E84-426E-40dd-AFC4-6F175D3DCCD1}">
-              <a14:hiddenFill xmlns:a14="http://schemas.microsoft.com/office/drawing/2010/main">
+              <a14:hiddenFill xmlns:a14="http://schemas.microsoft.com/office/drawing/2010/main" xmlns="">
                 <a:solidFill>
                   <a:schemeClr val="accent1"/>
                 </a:solidFill>
@@ -22470,14 +22486,14 @@
           </a:ln>
           <a:extLst>
             <a:ext uri="{909E8E84-426E-40dd-AFC4-6F175D3DCCD1}">
-              <a14:hiddenFill xmlns:a14="http://schemas.microsoft.com/office/drawing/2010/main">
+              <a14:hiddenFill xmlns:a14="http://schemas.microsoft.com/office/drawing/2010/main" xmlns="">
                 <a:solidFill>
                   <a:schemeClr val="accent1"/>
                 </a:solidFill>
               </a14:hiddenFill>
             </a:ext>
             <a:ext uri="{91240B29-F687-4f45-9708-019B960494DF}">
-              <a14:hiddenLine xmlns:a14="http://schemas.microsoft.com/office/drawing/2010/main" w="9525">
+              <a14:hiddenLine xmlns:a14="http://schemas.microsoft.com/office/drawing/2010/main" xmlns="" w="9525">
                 <a:solidFill>
                   <a:schemeClr val="tx1"/>
                 </a:solidFill>
@@ -22515,7 +22531,7 @@
   <p:timing>
     <p:tnLst>
       <p:par>
-        <p:cTn xmlns:p14="http://schemas.microsoft.com/office/powerpoint/2010/main" id="1" dur="indefinite" restart="never" nodeType="tmRoot"/>
+        <p:cTn id="1" dur="indefinite" restart="never" nodeType="tmRoot"/>
       </p:par>
     </p:tnLst>
   </p:timing>
@@ -22566,7 +22582,7 @@
           </a:ln>
           <a:extLst>
             <a:ext uri="{909E8E84-426E-40dd-AFC4-6F175D3DCCD1}">
-              <a14:hiddenFill xmlns:a14="http://schemas.microsoft.com/office/drawing/2010/main">
+              <a14:hiddenFill xmlns:a14="http://schemas.microsoft.com/office/drawing/2010/main" xmlns="">
                 <a:solidFill>
                   <a:schemeClr val="accent1"/>
                 </a:solidFill>
@@ -22631,7 +22647,7 @@
           </a:ln>
           <a:extLst>
             <a:ext uri="{909E8E84-426E-40dd-AFC4-6F175D3DCCD1}">
-              <a14:hiddenFill xmlns:a14="http://schemas.microsoft.com/office/drawing/2010/main">
+              <a14:hiddenFill xmlns:a14="http://schemas.microsoft.com/office/drawing/2010/main" xmlns="">
                 <a:solidFill>
                   <a:schemeClr val="accent1"/>
                 </a:solidFill>
@@ -22674,7 +22690,7 @@
           </a:ln>
           <a:extLst>
             <a:ext uri="{909E8E84-426E-40dd-AFC4-6F175D3DCCD1}">
-              <a14:hiddenFill xmlns:a14="http://schemas.microsoft.com/office/drawing/2010/main">
+              <a14:hiddenFill xmlns:a14="http://schemas.microsoft.com/office/drawing/2010/main" xmlns="">
                 <a:solidFill>
                   <a:schemeClr val="accent1"/>
                 </a:solidFill>
@@ -22719,7 +22735,7 @@
           </a:ln>
           <a:extLst>
             <a:ext uri="{909E8E84-426E-40dd-AFC4-6F175D3DCCD1}">
-              <a14:hiddenFill xmlns:a14="http://schemas.microsoft.com/office/drawing/2010/main">
+              <a14:hiddenFill xmlns:a14="http://schemas.microsoft.com/office/drawing/2010/main" xmlns="">
                 <a:noFill/>
               </a14:hiddenFill>
             </a:ext>
@@ -22748,14 +22764,14 @@
           </a:ln>
           <a:extLst>
             <a:ext uri="{909E8E84-426E-40dd-AFC4-6F175D3DCCD1}">
-              <a14:hiddenFill xmlns:a14="http://schemas.microsoft.com/office/drawing/2010/main">
+              <a14:hiddenFill xmlns:a14="http://schemas.microsoft.com/office/drawing/2010/main" xmlns="">
                 <a:solidFill>
                   <a:schemeClr val="accent1"/>
                 </a:solidFill>
               </a14:hiddenFill>
             </a:ext>
             <a:ext uri="{91240B29-F687-4f45-9708-019B960494DF}">
-              <a14:hiddenLine xmlns:a14="http://schemas.microsoft.com/office/drawing/2010/main" w="9525">
+              <a14:hiddenLine xmlns:a14="http://schemas.microsoft.com/office/drawing/2010/main" xmlns="" w="9525">
                 <a:solidFill>
                   <a:schemeClr val="tx1"/>
                 </a:solidFill>
@@ -22801,14 +22817,14 @@
           </a:ln>
           <a:extLst>
             <a:ext uri="{909E8E84-426E-40dd-AFC4-6F175D3DCCD1}">
-              <a14:hiddenFill xmlns:a14="http://schemas.microsoft.com/office/drawing/2010/main">
+              <a14:hiddenFill xmlns:a14="http://schemas.microsoft.com/office/drawing/2010/main" xmlns="">
                 <a:solidFill>
                   <a:schemeClr val="accent1"/>
                 </a:solidFill>
               </a14:hiddenFill>
             </a:ext>
             <a:ext uri="{91240B29-F687-4f45-9708-019B960494DF}">
-              <a14:hiddenLine xmlns:a14="http://schemas.microsoft.com/office/drawing/2010/main" w="9525">
+              <a14:hiddenLine xmlns:a14="http://schemas.microsoft.com/office/drawing/2010/main" xmlns="" w="9525">
                 <a:solidFill>
                   <a:schemeClr val="tx1"/>
                 </a:solidFill>
@@ -22863,7 +22879,7 @@
           </a:ln>
           <a:extLst>
             <a:ext uri="{909E8E84-426E-40dd-AFC4-6F175D3DCCD1}">
-              <a14:hiddenFill xmlns:a14="http://schemas.microsoft.com/office/drawing/2010/main">
+              <a14:hiddenFill xmlns:a14="http://schemas.microsoft.com/office/drawing/2010/main" xmlns="">
                 <a:solidFill>
                   <a:schemeClr val="accent1"/>
                 </a:solidFill>
@@ -22906,14 +22922,14 @@
           </a:ln>
           <a:extLst>
             <a:ext uri="{909E8E84-426E-40dd-AFC4-6F175D3DCCD1}">
-              <a14:hiddenFill xmlns:a14="http://schemas.microsoft.com/office/drawing/2010/main">
+              <a14:hiddenFill xmlns:a14="http://schemas.microsoft.com/office/drawing/2010/main" xmlns="">
                 <a:solidFill>
                   <a:schemeClr val="accent1"/>
                 </a:solidFill>
               </a14:hiddenFill>
             </a:ext>
             <a:ext uri="{91240B29-F687-4f45-9708-019B960494DF}">
-              <a14:hiddenLine xmlns:a14="http://schemas.microsoft.com/office/drawing/2010/main" w="9525">
+              <a14:hiddenLine xmlns:a14="http://schemas.microsoft.com/office/drawing/2010/main" xmlns="" w="9525">
                 <a:solidFill>
                   <a:schemeClr val="tx1"/>
                 </a:solidFill>
@@ -22968,7 +22984,7 @@
           </a:ln>
           <a:extLst>
             <a:ext uri="{909E8E84-426E-40dd-AFC4-6F175D3DCCD1}">
-              <a14:hiddenFill xmlns:a14="http://schemas.microsoft.com/office/drawing/2010/main">
+              <a14:hiddenFill xmlns:a14="http://schemas.microsoft.com/office/drawing/2010/main" xmlns="">
                 <a:noFill/>
               </a14:hiddenFill>
             </a:ext>
@@ -23036,14 +23052,14 @@
           </a:ln>
           <a:extLst>
             <a:ext uri="{909E8E84-426E-40dd-AFC4-6F175D3DCCD1}">
-              <a14:hiddenFill xmlns:a14="http://schemas.microsoft.com/office/drawing/2010/main">
+              <a14:hiddenFill xmlns:a14="http://schemas.microsoft.com/office/drawing/2010/main" xmlns="">
                 <a:solidFill>
                   <a:schemeClr val="accent1"/>
                 </a:solidFill>
               </a14:hiddenFill>
             </a:ext>
             <a:ext uri="{91240B29-F687-4f45-9708-019B960494DF}">
-              <a14:hiddenLine xmlns:a14="http://schemas.microsoft.com/office/drawing/2010/main" w="9525">
+              <a14:hiddenLine xmlns:a14="http://schemas.microsoft.com/office/drawing/2010/main" xmlns="" w="9525">
                 <a:solidFill>
                   <a:schemeClr val="tx1"/>
                 </a:solidFill>
@@ -23100,7 +23116,7 @@
           </a:ln>
           <a:extLst>
             <a:ext uri="{909E8E84-426E-40dd-AFC4-6F175D3DCCD1}">
-              <a14:hiddenFill xmlns:a14="http://schemas.microsoft.com/office/drawing/2010/main">
+              <a14:hiddenFill xmlns:a14="http://schemas.microsoft.com/office/drawing/2010/main" xmlns="">
                 <a:solidFill>
                   <a:schemeClr val="accent1"/>
                 </a:solidFill>
@@ -23195,14 +23211,14 @@
           </a:ln>
           <a:extLst>
             <a:ext uri="{909E8E84-426E-40dd-AFC4-6F175D3DCCD1}">
-              <a14:hiddenFill xmlns:a14="http://schemas.microsoft.com/office/drawing/2010/main">
+              <a14:hiddenFill xmlns:a14="http://schemas.microsoft.com/office/drawing/2010/main" xmlns="">
                 <a:solidFill>
                   <a:schemeClr val="accent1"/>
                 </a:solidFill>
               </a14:hiddenFill>
             </a:ext>
             <a:ext uri="{91240B29-F687-4f45-9708-019B960494DF}">
-              <a14:hiddenLine xmlns:a14="http://schemas.microsoft.com/office/drawing/2010/main" w="9525">
+              <a14:hiddenLine xmlns:a14="http://schemas.microsoft.com/office/drawing/2010/main" xmlns="" w="9525">
                 <a:solidFill>
                   <a:schemeClr val="tx1"/>
                 </a:solidFill>
@@ -23259,7 +23275,7 @@
           </a:ln>
           <a:extLst>
             <a:ext uri="{909E8E84-426E-40dd-AFC4-6F175D3DCCD1}">
-              <a14:hiddenFill xmlns:a14="http://schemas.microsoft.com/office/drawing/2010/main">
+              <a14:hiddenFill xmlns:a14="http://schemas.microsoft.com/office/drawing/2010/main" xmlns="">
                 <a:solidFill>
                   <a:schemeClr val="accent1"/>
                 </a:solidFill>
@@ -23288,7 +23304,7 @@
   <p:timing>
     <p:tnLst>
       <p:par>
-        <p:cTn xmlns:p14="http://schemas.microsoft.com/office/powerpoint/2010/main" id="1" dur="indefinite" restart="never" nodeType="tmRoot"/>
+        <p:cTn id="1" dur="indefinite" restart="never" nodeType="tmRoot"/>
       </p:par>
     </p:tnLst>
   </p:timing>
@@ -23393,7 +23409,7 @@
           <a:noFill/>
           <a:extLst>
             <a:ext uri="{909E8E84-426E-40dd-AFC4-6F175D3DCCD1}">
-              <a14:hiddenFill xmlns:a14="http://schemas.microsoft.com/office/drawing/2010/main">
+              <a14:hiddenFill xmlns:a14="http://schemas.microsoft.com/office/drawing/2010/main" xmlns="">
                 <a:solidFill>
                   <a:srgbClr val="FFFFFF"/>
                 </a:solidFill>
@@ -23429,7 +23445,7 @@
           </a:ln>
           <a:extLst>
             <a:ext uri="{909E8E84-426E-40dd-AFC4-6F175D3DCCD1}">
-              <a14:hiddenFill xmlns:a14="http://schemas.microsoft.com/office/drawing/2010/main">
+              <a14:hiddenFill xmlns:a14="http://schemas.microsoft.com/office/drawing/2010/main" xmlns="">
                 <a:solidFill>
                   <a:schemeClr val="accent1"/>
                 </a:solidFill>
@@ -23657,7 +23673,7 @@
   <p:timing>
     <p:tnLst>
       <p:par>
-        <p:cTn xmlns:p14="http://schemas.microsoft.com/office/powerpoint/2010/main" id="1" dur="indefinite" restart="never" nodeType="tmRoot"/>
+        <p:cTn id="1" dur="indefinite" restart="never" nodeType="tmRoot"/>
       </p:par>
     </p:tnLst>
   </p:timing>
@@ -23763,7 +23779,7 @@
           </a:ln>
           <a:extLst>
             <a:ext uri="{909E8E84-426E-40dd-AFC4-6F175D3DCCD1}">
-              <a14:hiddenFill xmlns:a14="http://schemas.microsoft.com/office/drawing/2010/main">
+              <a14:hiddenFill xmlns:a14="http://schemas.microsoft.com/office/drawing/2010/main" xmlns="">
                 <a:solidFill>
                   <a:schemeClr val="accent1"/>
                 </a:solidFill>
@@ -23905,7 +23921,7 @@
   <p:timing>
     <p:tnLst>
       <p:par>
-        <p:cTn xmlns:p14="http://schemas.microsoft.com/office/powerpoint/2010/main" id="1" dur="indefinite" restart="never" nodeType="tmRoot"/>
+        <p:cTn id="1" dur="indefinite" restart="never" nodeType="tmRoot"/>
       </p:par>
     </p:tnLst>
   </p:timing>
@@ -23956,7 +23972,7 @@
           </a:ln>
           <a:extLst>
             <a:ext uri="{909E8E84-426E-40dd-AFC4-6F175D3DCCD1}">
-              <a14:hiddenFill xmlns:a14="http://schemas.microsoft.com/office/drawing/2010/main">
+              <a14:hiddenFill xmlns:a14="http://schemas.microsoft.com/office/drawing/2010/main" xmlns="">
                 <a:solidFill>
                   <a:schemeClr val="accent1"/>
                 </a:solidFill>
@@ -24021,7 +24037,7 @@
           </a:ln>
           <a:extLst>
             <a:ext uri="{909E8E84-426E-40dd-AFC4-6F175D3DCCD1}">
-              <a14:hiddenFill xmlns:a14="http://schemas.microsoft.com/office/drawing/2010/main">
+              <a14:hiddenFill xmlns:a14="http://schemas.microsoft.com/office/drawing/2010/main" xmlns="">
                 <a:solidFill>
                   <a:schemeClr val="accent1"/>
                 </a:solidFill>
@@ -24064,7 +24080,7 @@
           </a:ln>
           <a:extLst>
             <a:ext uri="{909E8E84-426E-40dd-AFC4-6F175D3DCCD1}">
-              <a14:hiddenFill xmlns:a14="http://schemas.microsoft.com/office/drawing/2010/main">
+              <a14:hiddenFill xmlns:a14="http://schemas.microsoft.com/office/drawing/2010/main" xmlns="">
                 <a:solidFill>
                   <a:schemeClr val="accent1"/>
                 </a:solidFill>
@@ -24109,7 +24125,7 @@
           </a:ln>
           <a:extLst>
             <a:ext uri="{909E8E84-426E-40dd-AFC4-6F175D3DCCD1}">
-              <a14:hiddenFill xmlns:a14="http://schemas.microsoft.com/office/drawing/2010/main">
+              <a14:hiddenFill xmlns:a14="http://schemas.microsoft.com/office/drawing/2010/main" xmlns="">
                 <a:noFill/>
               </a14:hiddenFill>
             </a:ext>
@@ -24138,14 +24154,14 @@
           </a:ln>
           <a:extLst>
             <a:ext uri="{909E8E84-426E-40dd-AFC4-6F175D3DCCD1}">
-              <a14:hiddenFill xmlns:a14="http://schemas.microsoft.com/office/drawing/2010/main">
+              <a14:hiddenFill xmlns:a14="http://schemas.microsoft.com/office/drawing/2010/main" xmlns="">
                 <a:solidFill>
                   <a:schemeClr val="accent1"/>
                 </a:solidFill>
               </a14:hiddenFill>
             </a:ext>
             <a:ext uri="{91240B29-F687-4f45-9708-019B960494DF}">
-              <a14:hiddenLine xmlns:a14="http://schemas.microsoft.com/office/drawing/2010/main" w="9525">
+              <a14:hiddenLine xmlns:a14="http://schemas.microsoft.com/office/drawing/2010/main" xmlns="" w="9525">
                 <a:solidFill>
                   <a:schemeClr val="tx1"/>
                 </a:solidFill>
@@ -24191,14 +24207,14 @@
           </a:ln>
           <a:extLst>
             <a:ext uri="{909E8E84-426E-40dd-AFC4-6F175D3DCCD1}">
-              <a14:hiddenFill xmlns:a14="http://schemas.microsoft.com/office/drawing/2010/main">
+              <a14:hiddenFill xmlns:a14="http://schemas.microsoft.com/office/drawing/2010/main" xmlns="">
                 <a:solidFill>
                   <a:schemeClr val="accent1"/>
                 </a:solidFill>
               </a14:hiddenFill>
             </a:ext>
             <a:ext uri="{91240B29-F687-4f45-9708-019B960494DF}">
-              <a14:hiddenLine xmlns:a14="http://schemas.microsoft.com/office/drawing/2010/main" w="9525">
+              <a14:hiddenLine xmlns:a14="http://schemas.microsoft.com/office/drawing/2010/main" xmlns="" w="9525">
                 <a:solidFill>
                   <a:schemeClr val="tx1"/>
                 </a:solidFill>
@@ -24253,7 +24269,7 @@
           </a:ln>
           <a:extLst>
             <a:ext uri="{909E8E84-426E-40dd-AFC4-6F175D3DCCD1}">
-              <a14:hiddenFill xmlns:a14="http://schemas.microsoft.com/office/drawing/2010/main">
+              <a14:hiddenFill xmlns:a14="http://schemas.microsoft.com/office/drawing/2010/main" xmlns="">
                 <a:solidFill>
                   <a:schemeClr val="accent1"/>
                 </a:solidFill>
@@ -24296,14 +24312,14 @@
           </a:ln>
           <a:extLst>
             <a:ext uri="{909E8E84-426E-40dd-AFC4-6F175D3DCCD1}">
-              <a14:hiddenFill xmlns:a14="http://schemas.microsoft.com/office/drawing/2010/main">
+              <a14:hiddenFill xmlns:a14="http://schemas.microsoft.com/office/drawing/2010/main" xmlns="">
                 <a:solidFill>
                   <a:schemeClr val="accent1"/>
                 </a:solidFill>
               </a14:hiddenFill>
             </a:ext>
             <a:ext uri="{91240B29-F687-4f45-9708-019B960494DF}">
-              <a14:hiddenLine xmlns:a14="http://schemas.microsoft.com/office/drawing/2010/main" w="9525">
+              <a14:hiddenLine xmlns:a14="http://schemas.microsoft.com/office/drawing/2010/main" xmlns="" w="9525">
                 <a:solidFill>
                   <a:schemeClr val="tx1"/>
                 </a:solidFill>
@@ -24358,7 +24374,7 @@
           </a:ln>
           <a:extLst>
             <a:ext uri="{909E8E84-426E-40dd-AFC4-6F175D3DCCD1}">
-              <a14:hiddenFill xmlns:a14="http://schemas.microsoft.com/office/drawing/2010/main">
+              <a14:hiddenFill xmlns:a14="http://schemas.microsoft.com/office/drawing/2010/main" xmlns="">
                 <a:noFill/>
               </a14:hiddenFill>
             </a:ext>
@@ -24392,7 +24408,7 @@
           </a:ln>
           <a:extLst>
             <a:ext uri="{909E8E84-426E-40dd-AFC4-6F175D3DCCD1}">
-              <a14:hiddenFill xmlns:a14="http://schemas.microsoft.com/office/drawing/2010/main">
+              <a14:hiddenFill xmlns:a14="http://schemas.microsoft.com/office/drawing/2010/main" xmlns="">
                 <a:solidFill>
                   <a:schemeClr val="accent1"/>
                 </a:solidFill>
@@ -24478,7 +24494,7 @@
   <p:timing>
     <p:tnLst>
       <p:par>
-        <p:cTn xmlns:p14="http://schemas.microsoft.com/office/powerpoint/2010/main" id="1" dur="indefinite" restart="never" nodeType="tmRoot"/>
+        <p:cTn id="1" dur="indefinite" restart="never" nodeType="tmRoot"/>
       </p:par>
     </p:tnLst>
   </p:timing>
@@ -24529,7 +24545,7 @@
           </a:ln>
           <a:extLst>
             <a:ext uri="{909E8E84-426E-40dd-AFC4-6F175D3DCCD1}">
-              <a14:hiddenFill xmlns:a14="http://schemas.microsoft.com/office/drawing/2010/main">
+              <a14:hiddenFill xmlns:a14="http://schemas.microsoft.com/office/drawing/2010/main" xmlns="">
                 <a:solidFill>
                   <a:schemeClr val="accent1"/>
                 </a:solidFill>
@@ -24594,7 +24610,7 @@
           </a:ln>
           <a:extLst>
             <a:ext uri="{909E8E84-426E-40dd-AFC4-6F175D3DCCD1}">
-              <a14:hiddenFill xmlns:a14="http://schemas.microsoft.com/office/drawing/2010/main">
+              <a14:hiddenFill xmlns:a14="http://schemas.microsoft.com/office/drawing/2010/main" xmlns="">
                 <a:solidFill>
                   <a:schemeClr val="accent1"/>
                 </a:solidFill>
@@ -24637,7 +24653,7 @@
           </a:ln>
           <a:extLst>
             <a:ext uri="{909E8E84-426E-40dd-AFC4-6F175D3DCCD1}">
-              <a14:hiddenFill xmlns:a14="http://schemas.microsoft.com/office/drawing/2010/main">
+              <a14:hiddenFill xmlns:a14="http://schemas.microsoft.com/office/drawing/2010/main" xmlns="">
                 <a:solidFill>
                   <a:schemeClr val="accent1"/>
                 </a:solidFill>
@@ -24682,7 +24698,7 @@
           </a:ln>
           <a:extLst>
             <a:ext uri="{909E8E84-426E-40dd-AFC4-6F175D3DCCD1}">
-              <a14:hiddenFill xmlns:a14="http://schemas.microsoft.com/office/drawing/2010/main">
+              <a14:hiddenFill xmlns:a14="http://schemas.microsoft.com/office/drawing/2010/main" xmlns="">
                 <a:noFill/>
               </a14:hiddenFill>
             </a:ext>
@@ -24711,14 +24727,14 @@
           </a:ln>
           <a:extLst>
             <a:ext uri="{909E8E84-426E-40dd-AFC4-6F175D3DCCD1}">
-              <a14:hiddenFill xmlns:a14="http://schemas.microsoft.com/office/drawing/2010/main">
+              <a14:hiddenFill xmlns:a14="http://schemas.microsoft.com/office/drawing/2010/main" xmlns="">
                 <a:solidFill>
                   <a:schemeClr val="accent1"/>
                 </a:solidFill>
               </a14:hiddenFill>
             </a:ext>
             <a:ext uri="{91240B29-F687-4f45-9708-019B960494DF}">
-              <a14:hiddenLine xmlns:a14="http://schemas.microsoft.com/office/drawing/2010/main" w="9525">
+              <a14:hiddenLine xmlns:a14="http://schemas.microsoft.com/office/drawing/2010/main" xmlns="" w="9525">
                 <a:solidFill>
                   <a:schemeClr val="tx1"/>
                 </a:solidFill>
@@ -24764,14 +24780,14 @@
           </a:ln>
           <a:extLst>
             <a:ext uri="{909E8E84-426E-40dd-AFC4-6F175D3DCCD1}">
-              <a14:hiddenFill xmlns:a14="http://schemas.microsoft.com/office/drawing/2010/main">
+              <a14:hiddenFill xmlns:a14="http://schemas.microsoft.com/office/drawing/2010/main" xmlns="">
                 <a:solidFill>
                   <a:schemeClr val="accent1"/>
                 </a:solidFill>
               </a14:hiddenFill>
             </a:ext>
             <a:ext uri="{91240B29-F687-4f45-9708-019B960494DF}">
-              <a14:hiddenLine xmlns:a14="http://schemas.microsoft.com/office/drawing/2010/main" w="9525">
+              <a14:hiddenLine xmlns:a14="http://schemas.microsoft.com/office/drawing/2010/main" xmlns="" w="9525">
                 <a:solidFill>
                   <a:schemeClr val="tx1"/>
                 </a:solidFill>
@@ -24826,7 +24842,7 @@
           </a:ln>
           <a:extLst>
             <a:ext uri="{909E8E84-426E-40dd-AFC4-6F175D3DCCD1}">
-              <a14:hiddenFill xmlns:a14="http://schemas.microsoft.com/office/drawing/2010/main">
+              <a14:hiddenFill xmlns:a14="http://schemas.microsoft.com/office/drawing/2010/main" xmlns="">
                 <a:solidFill>
                   <a:schemeClr val="accent1"/>
                 </a:solidFill>
@@ -24869,14 +24885,14 @@
           </a:ln>
           <a:extLst>
             <a:ext uri="{909E8E84-426E-40dd-AFC4-6F175D3DCCD1}">
-              <a14:hiddenFill xmlns:a14="http://schemas.microsoft.com/office/drawing/2010/main">
+              <a14:hiddenFill xmlns:a14="http://schemas.microsoft.com/office/drawing/2010/main" xmlns="">
                 <a:solidFill>
                   <a:schemeClr val="accent1"/>
                 </a:solidFill>
               </a14:hiddenFill>
             </a:ext>
             <a:ext uri="{91240B29-F687-4f45-9708-019B960494DF}">
-              <a14:hiddenLine xmlns:a14="http://schemas.microsoft.com/office/drawing/2010/main" w="9525">
+              <a14:hiddenLine xmlns:a14="http://schemas.microsoft.com/office/drawing/2010/main" xmlns="" w="9525">
                 <a:solidFill>
                   <a:schemeClr val="tx1"/>
                 </a:solidFill>
@@ -24931,7 +24947,7 @@
           </a:ln>
           <a:extLst>
             <a:ext uri="{909E8E84-426E-40dd-AFC4-6F175D3DCCD1}">
-              <a14:hiddenFill xmlns:a14="http://schemas.microsoft.com/office/drawing/2010/main">
+              <a14:hiddenFill xmlns:a14="http://schemas.microsoft.com/office/drawing/2010/main" xmlns="">
                 <a:noFill/>
               </a14:hiddenFill>
             </a:ext>
@@ -24960,14 +24976,14 @@
           </a:ln>
           <a:extLst>
             <a:ext uri="{909E8E84-426E-40dd-AFC4-6F175D3DCCD1}">
-              <a14:hiddenFill xmlns:a14="http://schemas.microsoft.com/office/drawing/2010/main">
+              <a14:hiddenFill xmlns:a14="http://schemas.microsoft.com/office/drawing/2010/main" xmlns="">
                 <a:solidFill>
                   <a:schemeClr val="accent1"/>
                 </a:solidFill>
               </a14:hiddenFill>
             </a:ext>
             <a:ext uri="{91240B29-F687-4f45-9708-019B960494DF}">
-              <a14:hiddenLine xmlns:a14="http://schemas.microsoft.com/office/drawing/2010/main" w="9525">
+              <a14:hiddenLine xmlns:a14="http://schemas.microsoft.com/office/drawing/2010/main" xmlns="" w="9525">
                 <a:solidFill>
                   <a:schemeClr val="tx1"/>
                 </a:solidFill>
@@ -25086,7 +25102,7 @@
           </a:ln>
           <a:extLst>
             <a:ext uri="{909E8E84-426E-40dd-AFC4-6F175D3DCCD1}">
-              <a14:hiddenFill xmlns:a14="http://schemas.microsoft.com/office/drawing/2010/main">
+              <a14:hiddenFill xmlns:a14="http://schemas.microsoft.com/office/drawing/2010/main" xmlns="">
                 <a:solidFill>
                   <a:schemeClr val="accent1"/>
                 </a:solidFill>
@@ -25211,7 +25227,7 @@
   <p:timing>
     <p:tnLst>
       <p:par>
-        <p:cTn xmlns:p14="http://schemas.microsoft.com/office/powerpoint/2010/main" id="1" dur="indefinite" restart="never" nodeType="tmRoot"/>
+        <p:cTn id="1" dur="indefinite" restart="never" nodeType="tmRoot"/>
       </p:par>
     </p:tnLst>
   </p:timing>
@@ -25262,7 +25278,7 @@
           </a:ln>
           <a:extLst>
             <a:ext uri="{909E8E84-426E-40dd-AFC4-6F175D3DCCD1}">
-              <a14:hiddenFill xmlns:a14="http://schemas.microsoft.com/office/drawing/2010/main">
+              <a14:hiddenFill xmlns:a14="http://schemas.microsoft.com/office/drawing/2010/main" xmlns="">
                 <a:solidFill>
                   <a:schemeClr val="accent1"/>
                 </a:solidFill>
@@ -25327,7 +25343,7 @@
           </a:ln>
           <a:extLst>
             <a:ext uri="{909E8E84-426E-40dd-AFC4-6F175D3DCCD1}">
-              <a14:hiddenFill xmlns:a14="http://schemas.microsoft.com/office/drawing/2010/main">
+              <a14:hiddenFill xmlns:a14="http://schemas.microsoft.com/office/drawing/2010/main" xmlns="">
                 <a:solidFill>
                   <a:schemeClr val="accent1"/>
                 </a:solidFill>
@@ -25370,7 +25386,7 @@
           </a:ln>
           <a:extLst>
             <a:ext uri="{909E8E84-426E-40dd-AFC4-6F175D3DCCD1}">
-              <a14:hiddenFill xmlns:a14="http://schemas.microsoft.com/office/drawing/2010/main">
+              <a14:hiddenFill xmlns:a14="http://schemas.microsoft.com/office/drawing/2010/main" xmlns="">
                 <a:solidFill>
                   <a:schemeClr val="accent1"/>
                 </a:solidFill>
@@ -25415,7 +25431,7 @@
           </a:ln>
           <a:extLst>
             <a:ext uri="{909E8E84-426E-40dd-AFC4-6F175D3DCCD1}">
-              <a14:hiddenFill xmlns:a14="http://schemas.microsoft.com/office/drawing/2010/main">
+              <a14:hiddenFill xmlns:a14="http://schemas.microsoft.com/office/drawing/2010/main" xmlns="">
                 <a:noFill/>
               </a14:hiddenFill>
             </a:ext>
@@ -25444,14 +25460,14 @@
           </a:ln>
           <a:extLst>
             <a:ext uri="{909E8E84-426E-40dd-AFC4-6F175D3DCCD1}">
-              <a14:hiddenFill xmlns:a14="http://schemas.microsoft.com/office/drawing/2010/main">
+              <a14:hiddenFill xmlns:a14="http://schemas.microsoft.com/office/drawing/2010/main" xmlns="">
                 <a:solidFill>
                   <a:schemeClr val="accent1"/>
                 </a:solidFill>
               </a14:hiddenFill>
             </a:ext>
             <a:ext uri="{91240B29-F687-4f45-9708-019B960494DF}">
-              <a14:hiddenLine xmlns:a14="http://schemas.microsoft.com/office/drawing/2010/main" w="9525">
+              <a14:hiddenLine xmlns:a14="http://schemas.microsoft.com/office/drawing/2010/main" xmlns="" w="9525">
                 <a:solidFill>
                   <a:schemeClr val="tx1"/>
                 </a:solidFill>
@@ -25497,14 +25513,14 @@
           </a:ln>
           <a:extLst>
             <a:ext uri="{909E8E84-426E-40dd-AFC4-6F175D3DCCD1}">
-              <a14:hiddenFill xmlns:a14="http://schemas.microsoft.com/office/drawing/2010/main">
+              <a14:hiddenFill xmlns:a14="http://schemas.microsoft.com/office/drawing/2010/main" xmlns="">
                 <a:solidFill>
                   <a:schemeClr val="accent1"/>
                 </a:solidFill>
               </a14:hiddenFill>
             </a:ext>
             <a:ext uri="{91240B29-F687-4f45-9708-019B960494DF}">
-              <a14:hiddenLine xmlns:a14="http://schemas.microsoft.com/office/drawing/2010/main" w="9525">
+              <a14:hiddenLine xmlns:a14="http://schemas.microsoft.com/office/drawing/2010/main" xmlns="" w="9525">
                 <a:solidFill>
                   <a:schemeClr val="tx1"/>
                 </a:solidFill>
@@ -25559,7 +25575,7 @@
           </a:ln>
           <a:extLst>
             <a:ext uri="{909E8E84-426E-40dd-AFC4-6F175D3DCCD1}">
-              <a14:hiddenFill xmlns:a14="http://schemas.microsoft.com/office/drawing/2010/main">
+              <a14:hiddenFill xmlns:a14="http://schemas.microsoft.com/office/drawing/2010/main" xmlns="">
                 <a:solidFill>
                   <a:schemeClr val="accent1"/>
                 </a:solidFill>
@@ -25602,14 +25618,14 @@
           </a:ln>
           <a:extLst>
             <a:ext uri="{909E8E84-426E-40dd-AFC4-6F175D3DCCD1}">
-              <a14:hiddenFill xmlns:a14="http://schemas.microsoft.com/office/drawing/2010/main">
+              <a14:hiddenFill xmlns:a14="http://schemas.microsoft.com/office/drawing/2010/main" xmlns="">
                 <a:solidFill>
                   <a:schemeClr val="accent1"/>
                 </a:solidFill>
               </a14:hiddenFill>
             </a:ext>
             <a:ext uri="{91240B29-F687-4f45-9708-019B960494DF}">
-              <a14:hiddenLine xmlns:a14="http://schemas.microsoft.com/office/drawing/2010/main" w="9525">
+              <a14:hiddenLine xmlns:a14="http://schemas.microsoft.com/office/drawing/2010/main" xmlns="" w="9525">
                 <a:solidFill>
                   <a:schemeClr val="tx1"/>
                 </a:solidFill>
@@ -25664,7 +25680,7 @@
           </a:ln>
           <a:extLst>
             <a:ext uri="{909E8E84-426E-40dd-AFC4-6F175D3DCCD1}">
-              <a14:hiddenFill xmlns:a14="http://schemas.microsoft.com/office/drawing/2010/main">
+              <a14:hiddenFill xmlns:a14="http://schemas.microsoft.com/office/drawing/2010/main" xmlns="">
                 <a:noFill/>
               </a14:hiddenFill>
             </a:ext>
@@ -25693,14 +25709,14 @@
           </a:ln>
           <a:extLst>
             <a:ext uri="{909E8E84-426E-40dd-AFC4-6F175D3DCCD1}">
-              <a14:hiddenFill xmlns:a14="http://schemas.microsoft.com/office/drawing/2010/main">
+              <a14:hiddenFill xmlns:a14="http://schemas.microsoft.com/office/drawing/2010/main" xmlns="">
                 <a:solidFill>
                   <a:schemeClr val="accent1"/>
                 </a:solidFill>
               </a14:hiddenFill>
             </a:ext>
             <a:ext uri="{91240B29-F687-4f45-9708-019B960494DF}">
-              <a14:hiddenLine xmlns:a14="http://schemas.microsoft.com/office/drawing/2010/main" w="9525">
+              <a14:hiddenLine xmlns:a14="http://schemas.microsoft.com/office/drawing/2010/main" xmlns="" w="9525">
                 <a:solidFill>
                   <a:schemeClr val="tx1"/>
                 </a:solidFill>
@@ -25819,7 +25835,7 @@
           </a:ln>
           <a:extLst>
             <a:ext uri="{909E8E84-426E-40dd-AFC4-6F175D3DCCD1}">
-              <a14:hiddenFill xmlns:a14="http://schemas.microsoft.com/office/drawing/2010/main">
+              <a14:hiddenFill xmlns:a14="http://schemas.microsoft.com/office/drawing/2010/main" xmlns="">
                 <a:solidFill>
                   <a:schemeClr val="accent1"/>
                 </a:solidFill>
@@ -25958,14 +25974,14 @@
           </a:ln>
           <a:extLst>
             <a:ext uri="{909E8E84-426E-40dd-AFC4-6F175D3DCCD1}">
-              <a14:hiddenFill xmlns:a14="http://schemas.microsoft.com/office/drawing/2010/main">
+              <a14:hiddenFill xmlns:a14="http://schemas.microsoft.com/office/drawing/2010/main" xmlns="">
                 <a:solidFill>
                   <a:schemeClr val="accent1"/>
                 </a:solidFill>
               </a14:hiddenFill>
             </a:ext>
             <a:ext uri="{91240B29-F687-4f45-9708-019B960494DF}">
-              <a14:hiddenLine xmlns:a14="http://schemas.microsoft.com/office/drawing/2010/main" w="9525">
+              <a14:hiddenLine xmlns:a14="http://schemas.microsoft.com/office/drawing/2010/main" xmlns="" w="9525">
                 <a:solidFill>
                   <a:schemeClr val="tx1"/>
                 </a:solidFill>
@@ -26012,7 +26028,7 @@
   <p:timing>
     <p:tnLst>
       <p:par>
-        <p:cTn xmlns:p14="http://schemas.microsoft.com/office/powerpoint/2010/main" id="1" dur="indefinite" restart="never" nodeType="tmRoot"/>
+        <p:cTn id="1" dur="indefinite" restart="never" nodeType="tmRoot"/>
       </p:par>
     </p:tnLst>
   </p:timing>
@@ -26063,7 +26079,7 @@
           </a:ln>
           <a:extLst>
             <a:ext uri="{909E8E84-426E-40dd-AFC4-6F175D3DCCD1}">
-              <a14:hiddenFill xmlns:a14="http://schemas.microsoft.com/office/drawing/2010/main">
+              <a14:hiddenFill xmlns:a14="http://schemas.microsoft.com/office/drawing/2010/main" xmlns="">
                 <a:solidFill>
                   <a:schemeClr val="accent1"/>
                 </a:solidFill>
@@ -26128,7 +26144,7 @@
           </a:ln>
           <a:extLst>
             <a:ext uri="{909E8E84-426E-40dd-AFC4-6F175D3DCCD1}">
-              <a14:hiddenFill xmlns:a14="http://schemas.microsoft.com/office/drawing/2010/main">
+              <a14:hiddenFill xmlns:a14="http://schemas.microsoft.com/office/drawing/2010/main" xmlns="">
                 <a:solidFill>
                   <a:schemeClr val="accent1"/>
                 </a:solidFill>
@@ -26171,7 +26187,7 @@
           </a:ln>
           <a:extLst>
             <a:ext uri="{909E8E84-426E-40dd-AFC4-6F175D3DCCD1}">
-              <a14:hiddenFill xmlns:a14="http://schemas.microsoft.com/office/drawing/2010/main">
+              <a14:hiddenFill xmlns:a14="http://schemas.microsoft.com/office/drawing/2010/main" xmlns="">
                 <a:solidFill>
                   <a:schemeClr val="accent1"/>
                 </a:solidFill>
@@ -26216,7 +26232,7 @@
           </a:ln>
           <a:extLst>
             <a:ext uri="{909E8E84-426E-40dd-AFC4-6F175D3DCCD1}">
-              <a14:hiddenFill xmlns:a14="http://schemas.microsoft.com/office/drawing/2010/main">
+              <a14:hiddenFill xmlns:a14="http://schemas.microsoft.com/office/drawing/2010/main" xmlns="">
                 <a:noFill/>
               </a14:hiddenFill>
             </a:ext>
@@ -26245,14 +26261,14 @@
           </a:ln>
           <a:extLst>
             <a:ext uri="{909E8E84-426E-40dd-AFC4-6F175D3DCCD1}">
-              <a14:hiddenFill xmlns:a14="http://schemas.microsoft.com/office/drawing/2010/main">
+              <a14:hiddenFill xmlns:a14="http://schemas.microsoft.com/office/drawing/2010/main" xmlns="">
                 <a:solidFill>
                   <a:schemeClr val="accent1"/>
                 </a:solidFill>
               </a14:hiddenFill>
             </a:ext>
             <a:ext uri="{91240B29-F687-4f45-9708-019B960494DF}">
-              <a14:hiddenLine xmlns:a14="http://schemas.microsoft.com/office/drawing/2010/main" w="9525">
+              <a14:hiddenLine xmlns:a14="http://schemas.microsoft.com/office/drawing/2010/main" xmlns="" w="9525">
                 <a:solidFill>
                   <a:schemeClr val="tx1"/>
                 </a:solidFill>
@@ -26298,14 +26314,14 @@
           </a:ln>
           <a:extLst>
             <a:ext uri="{909E8E84-426E-40dd-AFC4-6F175D3DCCD1}">
-              <a14:hiddenFill xmlns:a14="http://schemas.microsoft.com/office/drawing/2010/main">
+              <a14:hiddenFill xmlns:a14="http://schemas.microsoft.com/office/drawing/2010/main" xmlns="">
                 <a:solidFill>
                   <a:schemeClr val="accent1"/>
                 </a:solidFill>
               </a14:hiddenFill>
             </a:ext>
             <a:ext uri="{91240B29-F687-4f45-9708-019B960494DF}">
-              <a14:hiddenLine xmlns:a14="http://schemas.microsoft.com/office/drawing/2010/main" w="9525">
+              <a14:hiddenLine xmlns:a14="http://schemas.microsoft.com/office/drawing/2010/main" xmlns="" w="9525">
                 <a:solidFill>
                   <a:schemeClr val="tx1"/>
                 </a:solidFill>
@@ -26356,7 +26372,7 @@
           </a:ln>
           <a:extLst>
             <a:ext uri="{909E8E84-426E-40dd-AFC4-6F175D3DCCD1}">
-              <a14:hiddenFill xmlns:a14="http://schemas.microsoft.com/office/drawing/2010/main">
+              <a14:hiddenFill xmlns:a14="http://schemas.microsoft.com/office/drawing/2010/main" xmlns="">
                 <a:solidFill>
                   <a:schemeClr val="accent1"/>
                 </a:solidFill>
@@ -26399,14 +26415,14 @@
           </a:ln>
           <a:extLst>
             <a:ext uri="{909E8E84-426E-40dd-AFC4-6F175D3DCCD1}">
-              <a14:hiddenFill xmlns:a14="http://schemas.microsoft.com/office/drawing/2010/main">
+              <a14:hiddenFill xmlns:a14="http://schemas.microsoft.com/office/drawing/2010/main" xmlns="">
                 <a:solidFill>
                   <a:schemeClr val="accent1"/>
                 </a:solidFill>
               </a14:hiddenFill>
             </a:ext>
             <a:ext uri="{91240B29-F687-4f45-9708-019B960494DF}">
-              <a14:hiddenLine xmlns:a14="http://schemas.microsoft.com/office/drawing/2010/main" w="9525">
+              <a14:hiddenLine xmlns:a14="http://schemas.microsoft.com/office/drawing/2010/main" xmlns="" w="9525">
                 <a:solidFill>
                   <a:schemeClr val="tx1"/>
                 </a:solidFill>
@@ -26461,7 +26477,7 @@
           </a:ln>
           <a:extLst>
             <a:ext uri="{909E8E84-426E-40dd-AFC4-6F175D3DCCD1}">
-              <a14:hiddenFill xmlns:a14="http://schemas.microsoft.com/office/drawing/2010/main">
+              <a14:hiddenFill xmlns:a14="http://schemas.microsoft.com/office/drawing/2010/main" xmlns="">
                 <a:noFill/>
               </a14:hiddenFill>
             </a:ext>
@@ -26490,14 +26506,14 @@
           </a:ln>
           <a:extLst>
             <a:ext uri="{909E8E84-426E-40dd-AFC4-6F175D3DCCD1}">
-              <a14:hiddenFill xmlns:a14="http://schemas.microsoft.com/office/drawing/2010/main">
+              <a14:hiddenFill xmlns:a14="http://schemas.microsoft.com/office/drawing/2010/main" xmlns="">
                 <a:solidFill>
                   <a:schemeClr val="accent1"/>
                 </a:solidFill>
               </a14:hiddenFill>
             </a:ext>
             <a:ext uri="{91240B29-F687-4f45-9708-019B960494DF}">
-              <a14:hiddenLine xmlns:a14="http://schemas.microsoft.com/office/drawing/2010/main" w="9525">
+              <a14:hiddenLine xmlns:a14="http://schemas.microsoft.com/office/drawing/2010/main" xmlns="" w="9525">
                 <a:solidFill>
                   <a:schemeClr val="tx1"/>
                 </a:solidFill>
@@ -26616,7 +26632,7 @@
           </a:ln>
           <a:extLst>
             <a:ext uri="{909E8E84-426E-40dd-AFC4-6F175D3DCCD1}">
-              <a14:hiddenFill xmlns:a14="http://schemas.microsoft.com/office/drawing/2010/main">
+              <a14:hiddenFill xmlns:a14="http://schemas.microsoft.com/office/drawing/2010/main" xmlns="">
                 <a:solidFill>
                   <a:schemeClr val="accent1"/>
                 </a:solidFill>
@@ -26755,14 +26771,14 @@
           </a:ln>
           <a:extLst>
             <a:ext uri="{909E8E84-426E-40dd-AFC4-6F175D3DCCD1}">
-              <a14:hiddenFill xmlns:a14="http://schemas.microsoft.com/office/drawing/2010/main">
+              <a14:hiddenFill xmlns:a14="http://schemas.microsoft.com/office/drawing/2010/main" xmlns="">
                 <a:solidFill>
                   <a:schemeClr val="accent1"/>
                 </a:solidFill>
               </a14:hiddenFill>
             </a:ext>
             <a:ext uri="{91240B29-F687-4f45-9708-019B960494DF}">
-              <a14:hiddenLine xmlns:a14="http://schemas.microsoft.com/office/drawing/2010/main" w="9525">
+              <a14:hiddenLine xmlns:a14="http://schemas.microsoft.com/office/drawing/2010/main" xmlns="" w="9525">
                 <a:solidFill>
                   <a:schemeClr val="tx1"/>
                 </a:solidFill>
@@ -26828,7 +26844,7 @@
           </a:ln>
           <a:extLst>
             <a:ext uri="{909E8E84-426E-40dd-AFC4-6F175D3DCCD1}">
-              <a14:hiddenFill xmlns:a14="http://schemas.microsoft.com/office/drawing/2010/main">
+              <a14:hiddenFill xmlns:a14="http://schemas.microsoft.com/office/drawing/2010/main" xmlns="">
                 <a:solidFill>
                   <a:schemeClr val="accent1"/>
                 </a:solidFill>
@@ -26932,7 +26948,7 @@
           </a:ln>
           <a:extLst>
             <a:ext uri="{909E8E84-426E-40dd-AFC4-6F175D3DCCD1}">
-              <a14:hiddenFill xmlns:a14="http://schemas.microsoft.com/office/drawing/2010/main">
+              <a14:hiddenFill xmlns:a14="http://schemas.microsoft.com/office/drawing/2010/main" xmlns="">
                 <a:noFill/>
               </a14:hiddenFill>
             </a:ext>
@@ -26954,7 +26970,7 @@
   <p:timing>
     <p:tnLst>
       <p:par>
-        <p:cTn xmlns:p14="http://schemas.microsoft.com/office/powerpoint/2010/main" id="1" dur="indefinite" restart="never" nodeType="tmRoot"/>
+        <p:cTn id="1" dur="indefinite" restart="never" nodeType="tmRoot"/>
       </p:par>
     </p:tnLst>
   </p:timing>
@@ -27005,7 +27021,7 @@
           </a:ln>
           <a:extLst>
             <a:ext uri="{909E8E84-426E-40dd-AFC4-6F175D3DCCD1}">
-              <a14:hiddenFill xmlns:a14="http://schemas.microsoft.com/office/drawing/2010/main">
+              <a14:hiddenFill xmlns:a14="http://schemas.microsoft.com/office/drawing/2010/main" xmlns="">
                 <a:solidFill>
                   <a:schemeClr val="accent1"/>
                 </a:solidFill>
@@ -27070,7 +27086,7 @@
           </a:ln>
           <a:extLst>
             <a:ext uri="{909E8E84-426E-40dd-AFC4-6F175D3DCCD1}">
-              <a14:hiddenFill xmlns:a14="http://schemas.microsoft.com/office/drawing/2010/main">
+              <a14:hiddenFill xmlns:a14="http://schemas.microsoft.com/office/drawing/2010/main" xmlns="">
                 <a:solidFill>
                   <a:schemeClr val="accent1"/>
                 </a:solidFill>
@@ -27113,7 +27129,7 @@
           </a:ln>
           <a:extLst>
             <a:ext uri="{909E8E84-426E-40dd-AFC4-6F175D3DCCD1}">
-              <a14:hiddenFill xmlns:a14="http://schemas.microsoft.com/office/drawing/2010/main">
+              <a14:hiddenFill xmlns:a14="http://schemas.microsoft.com/office/drawing/2010/main" xmlns="">
                 <a:solidFill>
                   <a:schemeClr val="accent1"/>
                 </a:solidFill>
@@ -27158,7 +27174,7 @@
           </a:ln>
           <a:extLst>
             <a:ext uri="{909E8E84-426E-40dd-AFC4-6F175D3DCCD1}">
-              <a14:hiddenFill xmlns:a14="http://schemas.microsoft.com/office/drawing/2010/main">
+              <a14:hiddenFill xmlns:a14="http://schemas.microsoft.com/office/drawing/2010/main" xmlns="">
                 <a:noFill/>
               </a14:hiddenFill>
             </a:ext>
@@ -27187,14 +27203,14 @@
           </a:ln>
           <a:extLst>
             <a:ext uri="{909E8E84-426E-40dd-AFC4-6F175D3DCCD1}">
-              <a14:hiddenFill xmlns:a14="http://schemas.microsoft.com/office/drawing/2010/main">
+              <a14:hiddenFill xmlns:a14="http://schemas.microsoft.com/office/drawing/2010/main" xmlns="">
                 <a:solidFill>
                   <a:schemeClr val="accent1"/>
                 </a:solidFill>
               </a14:hiddenFill>
             </a:ext>
             <a:ext uri="{91240B29-F687-4f45-9708-019B960494DF}">
-              <a14:hiddenLine xmlns:a14="http://schemas.microsoft.com/office/drawing/2010/main" w="9525">
+              <a14:hiddenLine xmlns:a14="http://schemas.microsoft.com/office/drawing/2010/main" xmlns="" w="9525">
                 <a:solidFill>
                   <a:schemeClr val="tx1"/>
                 </a:solidFill>
@@ -27240,14 +27256,14 @@
           </a:ln>
           <a:extLst>
             <a:ext uri="{909E8E84-426E-40dd-AFC4-6F175D3DCCD1}">
-              <a14:hiddenFill xmlns:a14="http://schemas.microsoft.com/office/drawing/2010/main">
+              <a14:hiddenFill xmlns:a14="http://schemas.microsoft.com/office/drawing/2010/main" xmlns="">
                 <a:solidFill>
                   <a:schemeClr val="accent1"/>
                 </a:solidFill>
               </a14:hiddenFill>
             </a:ext>
             <a:ext uri="{91240B29-F687-4f45-9708-019B960494DF}">
-              <a14:hiddenLine xmlns:a14="http://schemas.microsoft.com/office/drawing/2010/main" w="9525">
+              <a14:hiddenLine xmlns:a14="http://schemas.microsoft.com/office/drawing/2010/main" xmlns="" w="9525">
                 <a:solidFill>
                   <a:schemeClr val="tx1"/>
                 </a:solidFill>
@@ -27298,7 +27314,7 @@
           </a:ln>
           <a:extLst>
             <a:ext uri="{909E8E84-426E-40dd-AFC4-6F175D3DCCD1}">
-              <a14:hiddenFill xmlns:a14="http://schemas.microsoft.com/office/drawing/2010/main">
+              <a14:hiddenFill xmlns:a14="http://schemas.microsoft.com/office/drawing/2010/main" xmlns="">
                 <a:solidFill>
                   <a:schemeClr val="accent1"/>
                 </a:solidFill>
@@ -27341,14 +27357,14 @@
           </a:ln>
           <a:extLst>
             <a:ext uri="{909E8E84-426E-40dd-AFC4-6F175D3DCCD1}">
-              <a14:hiddenFill xmlns:a14="http://schemas.microsoft.com/office/drawing/2010/main">
+              <a14:hiddenFill xmlns:a14="http://schemas.microsoft.com/office/drawing/2010/main" xmlns="">
                 <a:solidFill>
                   <a:schemeClr val="accent1"/>
                 </a:solidFill>
               </a14:hiddenFill>
             </a:ext>
             <a:ext uri="{91240B29-F687-4f45-9708-019B960494DF}">
-              <a14:hiddenLine xmlns:a14="http://schemas.microsoft.com/office/drawing/2010/main" w="9525">
+              <a14:hiddenLine xmlns:a14="http://schemas.microsoft.com/office/drawing/2010/main" xmlns="" w="9525">
                 <a:solidFill>
                   <a:schemeClr val="tx1"/>
                 </a:solidFill>
@@ -27403,7 +27419,7 @@
           </a:ln>
           <a:extLst>
             <a:ext uri="{909E8E84-426E-40dd-AFC4-6F175D3DCCD1}">
-              <a14:hiddenFill xmlns:a14="http://schemas.microsoft.com/office/drawing/2010/main">
+              <a14:hiddenFill xmlns:a14="http://schemas.microsoft.com/office/drawing/2010/main" xmlns="">
                 <a:noFill/>
               </a14:hiddenFill>
             </a:ext>
@@ -27432,14 +27448,14 @@
           </a:ln>
           <a:extLst>
             <a:ext uri="{909E8E84-426E-40dd-AFC4-6F175D3DCCD1}">
-              <a14:hiddenFill xmlns:a14="http://schemas.microsoft.com/office/drawing/2010/main">
+              <a14:hiddenFill xmlns:a14="http://schemas.microsoft.com/office/drawing/2010/main" xmlns="">
                 <a:solidFill>
                   <a:schemeClr val="accent1"/>
                 </a:solidFill>
               </a14:hiddenFill>
             </a:ext>
             <a:ext uri="{91240B29-F687-4f45-9708-019B960494DF}">
-              <a14:hiddenLine xmlns:a14="http://schemas.microsoft.com/office/drawing/2010/main" w="9525">
+              <a14:hiddenLine xmlns:a14="http://schemas.microsoft.com/office/drawing/2010/main" xmlns="" w="9525">
                 <a:solidFill>
                   <a:schemeClr val="tx1"/>
                 </a:solidFill>
@@ -27558,7 +27574,7 @@
           </a:ln>
           <a:extLst>
             <a:ext uri="{909E8E84-426E-40dd-AFC4-6F175D3DCCD1}">
-              <a14:hiddenFill xmlns:a14="http://schemas.microsoft.com/office/drawing/2010/main">
+              <a14:hiddenFill xmlns:a14="http://schemas.microsoft.com/office/drawing/2010/main" xmlns="">
                 <a:solidFill>
                   <a:schemeClr val="accent1"/>
                 </a:solidFill>
@@ -27697,14 +27713,14 @@
           </a:ln>
           <a:extLst>
             <a:ext uri="{909E8E84-426E-40dd-AFC4-6F175D3DCCD1}">
-              <a14:hiddenFill xmlns:a14="http://schemas.microsoft.com/office/drawing/2010/main">
+              <a14:hiddenFill xmlns:a14="http://schemas.microsoft.com/office/drawing/2010/main" xmlns="">
                 <a:solidFill>
                   <a:schemeClr val="accent1"/>
                 </a:solidFill>
               </a14:hiddenFill>
             </a:ext>
             <a:ext uri="{91240B29-F687-4f45-9708-019B960494DF}">
-              <a14:hiddenLine xmlns:a14="http://schemas.microsoft.com/office/drawing/2010/main" w="9525">
+              <a14:hiddenLine xmlns:a14="http://schemas.microsoft.com/office/drawing/2010/main" xmlns="" w="9525">
                 <a:solidFill>
                   <a:schemeClr val="tx1"/>
                 </a:solidFill>
@@ -27770,7 +27786,7 @@
           </a:ln>
           <a:extLst>
             <a:ext uri="{909E8E84-426E-40dd-AFC4-6F175D3DCCD1}">
-              <a14:hiddenFill xmlns:a14="http://schemas.microsoft.com/office/drawing/2010/main">
+              <a14:hiddenFill xmlns:a14="http://schemas.microsoft.com/office/drawing/2010/main" xmlns="">
                 <a:solidFill>
                   <a:schemeClr val="accent1"/>
                 </a:solidFill>
@@ -27869,14 +27885,14 @@
           </a:ln>
           <a:extLst>
             <a:ext uri="{909E8E84-426E-40dd-AFC4-6F175D3DCCD1}">
-              <a14:hiddenFill xmlns:a14="http://schemas.microsoft.com/office/drawing/2010/main">
+              <a14:hiddenFill xmlns:a14="http://schemas.microsoft.com/office/drawing/2010/main" xmlns="">
                 <a:solidFill>
                   <a:schemeClr val="accent1"/>
                 </a:solidFill>
               </a14:hiddenFill>
             </a:ext>
             <a:ext uri="{91240B29-F687-4f45-9708-019B960494DF}">
-              <a14:hiddenLine xmlns:a14="http://schemas.microsoft.com/office/drawing/2010/main" w="9525">
+              <a14:hiddenLine xmlns:a14="http://schemas.microsoft.com/office/drawing/2010/main" xmlns="" w="9525">
                 <a:solidFill>
                   <a:schemeClr val="tx1"/>
                 </a:solidFill>
@@ -27923,7 +27939,7 @@
   <p:timing>
     <p:tnLst>
       <p:par>
-        <p:cTn xmlns:p14="http://schemas.microsoft.com/office/powerpoint/2010/main" id="1" dur="indefinite" restart="never" nodeType="tmRoot"/>
+        <p:cTn id="1" dur="indefinite" restart="never" nodeType="tmRoot"/>
       </p:par>
     </p:tnLst>
   </p:timing>
@@ -28138,7 +28154,7 @@
   <p:timing>
     <p:tnLst>
       <p:par>
-        <p:cTn xmlns:p14="http://schemas.microsoft.com/office/powerpoint/2010/main" id="1" dur="indefinite" restart="never" nodeType="tmRoot"/>
+        <p:cTn id="1" dur="indefinite" restart="never" nodeType="tmRoot"/>
       </p:par>
     </p:tnLst>
   </p:timing>
@@ -28189,7 +28205,7 @@
           </a:ln>
           <a:extLst>
             <a:ext uri="{909E8E84-426E-40dd-AFC4-6F175D3DCCD1}">
-              <a14:hiddenFill xmlns:a14="http://schemas.microsoft.com/office/drawing/2010/main">
+              <a14:hiddenFill xmlns:a14="http://schemas.microsoft.com/office/drawing/2010/main" xmlns="">
                 <a:solidFill>
                   <a:schemeClr val="accent1"/>
                 </a:solidFill>
@@ -28254,7 +28270,7 @@
           </a:ln>
           <a:extLst>
             <a:ext uri="{909E8E84-426E-40dd-AFC4-6F175D3DCCD1}">
-              <a14:hiddenFill xmlns:a14="http://schemas.microsoft.com/office/drawing/2010/main">
+              <a14:hiddenFill xmlns:a14="http://schemas.microsoft.com/office/drawing/2010/main" xmlns="">
                 <a:solidFill>
                   <a:schemeClr val="accent1"/>
                 </a:solidFill>
@@ -28297,7 +28313,7 @@
           </a:ln>
           <a:extLst>
             <a:ext uri="{909E8E84-426E-40dd-AFC4-6F175D3DCCD1}">
-              <a14:hiddenFill xmlns:a14="http://schemas.microsoft.com/office/drawing/2010/main">
+              <a14:hiddenFill xmlns:a14="http://schemas.microsoft.com/office/drawing/2010/main" xmlns="">
                 <a:solidFill>
                   <a:schemeClr val="accent1"/>
                 </a:solidFill>
@@ -28342,7 +28358,7 @@
           </a:ln>
           <a:extLst>
             <a:ext uri="{909E8E84-426E-40dd-AFC4-6F175D3DCCD1}">
-              <a14:hiddenFill xmlns:a14="http://schemas.microsoft.com/office/drawing/2010/main">
+              <a14:hiddenFill xmlns:a14="http://schemas.microsoft.com/office/drawing/2010/main" xmlns="">
                 <a:noFill/>
               </a14:hiddenFill>
             </a:ext>
@@ -28371,14 +28387,14 @@
           </a:ln>
           <a:extLst>
             <a:ext uri="{909E8E84-426E-40dd-AFC4-6F175D3DCCD1}">
-              <a14:hiddenFill xmlns:a14="http://schemas.microsoft.com/office/drawing/2010/main">
+              <a14:hiddenFill xmlns:a14="http://schemas.microsoft.com/office/drawing/2010/main" xmlns="">
                 <a:solidFill>
                   <a:schemeClr val="accent1"/>
                 </a:solidFill>
               </a14:hiddenFill>
             </a:ext>
             <a:ext uri="{91240B29-F687-4f45-9708-019B960494DF}">
-              <a14:hiddenLine xmlns:a14="http://schemas.microsoft.com/office/drawing/2010/main" w="9525">
+              <a14:hiddenLine xmlns:a14="http://schemas.microsoft.com/office/drawing/2010/main" xmlns="" w="9525">
                 <a:solidFill>
                   <a:schemeClr val="tx1"/>
                 </a:solidFill>
@@ -28424,14 +28440,14 @@
           </a:ln>
           <a:extLst>
             <a:ext uri="{909E8E84-426E-40dd-AFC4-6F175D3DCCD1}">
-              <a14:hiddenFill xmlns:a14="http://schemas.microsoft.com/office/drawing/2010/main">
+              <a14:hiddenFill xmlns:a14="http://schemas.microsoft.com/office/drawing/2010/main" xmlns="">
                 <a:solidFill>
                   <a:schemeClr val="accent1"/>
                 </a:solidFill>
               </a14:hiddenFill>
             </a:ext>
             <a:ext uri="{91240B29-F687-4f45-9708-019B960494DF}">
-              <a14:hiddenLine xmlns:a14="http://schemas.microsoft.com/office/drawing/2010/main" w="9525">
+              <a14:hiddenLine xmlns:a14="http://schemas.microsoft.com/office/drawing/2010/main" xmlns="" w="9525">
                 <a:solidFill>
                   <a:schemeClr val="tx1"/>
                 </a:solidFill>
@@ -28482,7 +28498,7 @@
           </a:ln>
           <a:extLst>
             <a:ext uri="{909E8E84-426E-40dd-AFC4-6F175D3DCCD1}">
-              <a14:hiddenFill xmlns:a14="http://schemas.microsoft.com/office/drawing/2010/main">
+              <a14:hiddenFill xmlns:a14="http://schemas.microsoft.com/office/drawing/2010/main" xmlns="">
                 <a:solidFill>
                   <a:schemeClr val="accent1"/>
                 </a:solidFill>
@@ -28525,14 +28541,14 @@
           </a:ln>
           <a:extLst>
             <a:ext uri="{909E8E84-426E-40dd-AFC4-6F175D3DCCD1}">
-              <a14:hiddenFill xmlns:a14="http://schemas.microsoft.com/office/drawing/2010/main">
+              <a14:hiddenFill xmlns:a14="http://schemas.microsoft.com/office/drawing/2010/main" xmlns="">
                 <a:solidFill>
                   <a:schemeClr val="accent1"/>
                 </a:solidFill>
               </a14:hiddenFill>
             </a:ext>
             <a:ext uri="{91240B29-F687-4f45-9708-019B960494DF}">
-              <a14:hiddenLine xmlns:a14="http://schemas.microsoft.com/office/drawing/2010/main" w="9525">
+              <a14:hiddenLine xmlns:a14="http://schemas.microsoft.com/office/drawing/2010/main" xmlns="" w="9525">
                 <a:solidFill>
                   <a:schemeClr val="tx1"/>
                 </a:solidFill>
@@ -28587,7 +28603,7 @@
           </a:ln>
           <a:extLst>
             <a:ext uri="{909E8E84-426E-40dd-AFC4-6F175D3DCCD1}">
-              <a14:hiddenFill xmlns:a14="http://schemas.microsoft.com/office/drawing/2010/main">
+              <a14:hiddenFill xmlns:a14="http://schemas.microsoft.com/office/drawing/2010/main" xmlns="">
                 <a:noFill/>
               </a14:hiddenFill>
             </a:ext>
@@ -28616,14 +28632,14 @@
           </a:ln>
           <a:extLst>
             <a:ext uri="{909E8E84-426E-40dd-AFC4-6F175D3DCCD1}">
-              <a14:hiddenFill xmlns:a14="http://schemas.microsoft.com/office/drawing/2010/main">
+              <a14:hiddenFill xmlns:a14="http://schemas.microsoft.com/office/drawing/2010/main" xmlns="">
                 <a:solidFill>
                   <a:schemeClr val="accent1"/>
                 </a:solidFill>
               </a14:hiddenFill>
             </a:ext>
             <a:ext uri="{91240B29-F687-4f45-9708-019B960494DF}">
-              <a14:hiddenLine xmlns:a14="http://schemas.microsoft.com/office/drawing/2010/main" w="9525">
+              <a14:hiddenLine xmlns:a14="http://schemas.microsoft.com/office/drawing/2010/main" xmlns="" w="9525">
                 <a:solidFill>
                   <a:schemeClr val="tx1"/>
                 </a:solidFill>
@@ -28742,7 +28758,7 @@
           </a:ln>
           <a:extLst>
             <a:ext uri="{909E8E84-426E-40dd-AFC4-6F175D3DCCD1}">
-              <a14:hiddenFill xmlns:a14="http://schemas.microsoft.com/office/drawing/2010/main">
+              <a14:hiddenFill xmlns:a14="http://schemas.microsoft.com/office/drawing/2010/main" xmlns="">
                 <a:solidFill>
                   <a:schemeClr val="accent1"/>
                 </a:solidFill>
@@ -28881,14 +28897,14 @@
           </a:ln>
           <a:extLst>
             <a:ext uri="{909E8E84-426E-40dd-AFC4-6F175D3DCCD1}">
-              <a14:hiddenFill xmlns:a14="http://schemas.microsoft.com/office/drawing/2010/main">
+              <a14:hiddenFill xmlns:a14="http://schemas.microsoft.com/office/drawing/2010/main" xmlns="">
                 <a:solidFill>
                   <a:schemeClr val="accent1"/>
                 </a:solidFill>
               </a14:hiddenFill>
             </a:ext>
             <a:ext uri="{91240B29-F687-4f45-9708-019B960494DF}">
-              <a14:hiddenLine xmlns:a14="http://schemas.microsoft.com/office/drawing/2010/main" w="9525">
+              <a14:hiddenLine xmlns:a14="http://schemas.microsoft.com/office/drawing/2010/main" xmlns="" w="9525">
                 <a:solidFill>
                   <a:schemeClr val="tx1"/>
                 </a:solidFill>
@@ -28954,7 +28970,7 @@
           </a:ln>
           <a:extLst>
             <a:ext uri="{909E8E84-426E-40dd-AFC4-6F175D3DCCD1}">
-              <a14:hiddenFill xmlns:a14="http://schemas.microsoft.com/office/drawing/2010/main">
+              <a14:hiddenFill xmlns:a14="http://schemas.microsoft.com/office/drawing/2010/main" xmlns="">
                 <a:solidFill>
                   <a:schemeClr val="accent1"/>
                 </a:solidFill>
@@ -29053,14 +29069,14 @@
           </a:ln>
           <a:extLst>
             <a:ext uri="{909E8E84-426E-40dd-AFC4-6F175D3DCCD1}">
-              <a14:hiddenFill xmlns:a14="http://schemas.microsoft.com/office/drawing/2010/main">
+              <a14:hiddenFill xmlns:a14="http://schemas.microsoft.com/office/drawing/2010/main" xmlns="">
                 <a:solidFill>
                   <a:schemeClr val="accent1"/>
                 </a:solidFill>
               </a14:hiddenFill>
             </a:ext>
             <a:ext uri="{91240B29-F687-4f45-9708-019B960494DF}">
-              <a14:hiddenLine xmlns:a14="http://schemas.microsoft.com/office/drawing/2010/main" w="9525">
+              <a14:hiddenLine xmlns:a14="http://schemas.microsoft.com/office/drawing/2010/main" xmlns="" w="9525">
                 <a:solidFill>
                   <a:schemeClr val="tx1"/>
                 </a:solidFill>
@@ -29121,14 +29137,14 @@
           </a:ln>
           <a:extLst>
             <a:ext uri="{909E8E84-426E-40dd-AFC4-6F175D3DCCD1}">
-              <a14:hiddenFill xmlns:a14="http://schemas.microsoft.com/office/drawing/2010/main">
+              <a14:hiddenFill xmlns:a14="http://schemas.microsoft.com/office/drawing/2010/main" xmlns="">
                 <a:solidFill>
                   <a:schemeClr val="accent1"/>
                 </a:solidFill>
               </a14:hiddenFill>
             </a:ext>
             <a:ext uri="{91240B29-F687-4f45-9708-019B960494DF}">
-              <a14:hiddenLine xmlns:a14="http://schemas.microsoft.com/office/drawing/2010/main" w="9525">
+              <a14:hiddenLine xmlns:a14="http://schemas.microsoft.com/office/drawing/2010/main" xmlns="" w="9525">
                 <a:solidFill>
                   <a:schemeClr val="tx1"/>
                 </a:solidFill>
@@ -29175,7 +29191,7 @@
   <p:timing>
     <p:tnLst>
       <p:par>
-        <p:cTn xmlns:p14="http://schemas.microsoft.com/office/powerpoint/2010/main" id="1" dur="indefinite" restart="never" nodeType="tmRoot"/>
+        <p:cTn id="1" dur="indefinite" restart="never" nodeType="tmRoot"/>
       </p:par>
     </p:tnLst>
   </p:timing>
@@ -29226,7 +29242,7 @@
           </a:ln>
           <a:extLst>
             <a:ext uri="{909E8E84-426E-40dd-AFC4-6F175D3DCCD1}">
-              <a14:hiddenFill xmlns:a14="http://schemas.microsoft.com/office/drawing/2010/main">
+              <a14:hiddenFill xmlns:a14="http://schemas.microsoft.com/office/drawing/2010/main" xmlns="">
                 <a:solidFill>
                   <a:schemeClr val="accent1"/>
                 </a:solidFill>
@@ -29291,7 +29307,7 @@
           </a:ln>
           <a:extLst>
             <a:ext uri="{909E8E84-426E-40dd-AFC4-6F175D3DCCD1}">
-              <a14:hiddenFill xmlns:a14="http://schemas.microsoft.com/office/drawing/2010/main">
+              <a14:hiddenFill xmlns:a14="http://schemas.microsoft.com/office/drawing/2010/main" xmlns="">
                 <a:solidFill>
                   <a:schemeClr val="accent1"/>
                 </a:solidFill>
@@ -29334,7 +29350,7 @@
           </a:ln>
           <a:extLst>
             <a:ext uri="{909E8E84-426E-40dd-AFC4-6F175D3DCCD1}">
-              <a14:hiddenFill xmlns:a14="http://schemas.microsoft.com/office/drawing/2010/main">
+              <a14:hiddenFill xmlns:a14="http://schemas.microsoft.com/office/drawing/2010/main" xmlns="">
                 <a:solidFill>
                   <a:schemeClr val="accent1"/>
                 </a:solidFill>
@@ -29379,7 +29395,7 @@
           </a:ln>
           <a:extLst>
             <a:ext uri="{909E8E84-426E-40dd-AFC4-6F175D3DCCD1}">
-              <a14:hiddenFill xmlns:a14="http://schemas.microsoft.com/office/drawing/2010/main">
+              <a14:hiddenFill xmlns:a14="http://schemas.microsoft.com/office/drawing/2010/main" xmlns="">
                 <a:noFill/>
               </a14:hiddenFill>
             </a:ext>
@@ -29408,14 +29424,14 @@
           </a:ln>
           <a:extLst>
             <a:ext uri="{909E8E84-426E-40dd-AFC4-6F175D3DCCD1}">
-              <a14:hiddenFill xmlns:a14="http://schemas.microsoft.com/office/drawing/2010/main">
+              <a14:hiddenFill xmlns:a14="http://schemas.microsoft.com/office/drawing/2010/main" xmlns="">
                 <a:solidFill>
                   <a:schemeClr val="accent1"/>
                 </a:solidFill>
               </a14:hiddenFill>
             </a:ext>
             <a:ext uri="{91240B29-F687-4f45-9708-019B960494DF}">
-              <a14:hiddenLine xmlns:a14="http://schemas.microsoft.com/office/drawing/2010/main" w="9525">
+              <a14:hiddenLine xmlns:a14="http://schemas.microsoft.com/office/drawing/2010/main" xmlns="" w="9525">
                 <a:solidFill>
                   <a:schemeClr val="tx1"/>
                 </a:solidFill>
@@ -29461,14 +29477,14 @@
           </a:ln>
           <a:extLst>
             <a:ext uri="{909E8E84-426E-40dd-AFC4-6F175D3DCCD1}">
-              <a14:hiddenFill xmlns:a14="http://schemas.microsoft.com/office/drawing/2010/main">
+              <a14:hiddenFill xmlns:a14="http://schemas.microsoft.com/office/drawing/2010/main" xmlns="">
                 <a:solidFill>
                   <a:schemeClr val="accent1"/>
                 </a:solidFill>
               </a14:hiddenFill>
             </a:ext>
             <a:ext uri="{91240B29-F687-4f45-9708-019B960494DF}">
-              <a14:hiddenLine xmlns:a14="http://schemas.microsoft.com/office/drawing/2010/main" w="9525">
+              <a14:hiddenLine xmlns:a14="http://schemas.microsoft.com/office/drawing/2010/main" xmlns="" w="9525">
                 <a:solidFill>
                   <a:schemeClr val="tx1"/>
                 </a:solidFill>
@@ -29519,7 +29535,7 @@
           </a:ln>
           <a:extLst>
             <a:ext uri="{909E8E84-426E-40dd-AFC4-6F175D3DCCD1}">
-              <a14:hiddenFill xmlns:a14="http://schemas.microsoft.com/office/drawing/2010/main">
+              <a14:hiddenFill xmlns:a14="http://schemas.microsoft.com/office/drawing/2010/main" xmlns="">
                 <a:solidFill>
                   <a:schemeClr val="accent1"/>
                 </a:solidFill>
@@ -29562,14 +29578,14 @@
           </a:ln>
           <a:extLst>
             <a:ext uri="{909E8E84-426E-40dd-AFC4-6F175D3DCCD1}">
-              <a14:hiddenFill xmlns:a14="http://schemas.microsoft.com/office/drawing/2010/main">
+              <a14:hiddenFill xmlns:a14="http://schemas.microsoft.com/office/drawing/2010/main" xmlns="">
                 <a:solidFill>
                   <a:schemeClr val="accent1"/>
                 </a:solidFill>
               </a14:hiddenFill>
             </a:ext>
             <a:ext uri="{91240B29-F687-4f45-9708-019B960494DF}">
-              <a14:hiddenLine xmlns:a14="http://schemas.microsoft.com/office/drawing/2010/main" w="9525">
+              <a14:hiddenLine xmlns:a14="http://schemas.microsoft.com/office/drawing/2010/main" xmlns="" w="9525">
                 <a:solidFill>
                   <a:schemeClr val="tx1"/>
                 </a:solidFill>
@@ -29624,7 +29640,7 @@
           </a:ln>
           <a:extLst>
             <a:ext uri="{909E8E84-426E-40dd-AFC4-6F175D3DCCD1}">
-              <a14:hiddenFill xmlns:a14="http://schemas.microsoft.com/office/drawing/2010/main">
+              <a14:hiddenFill xmlns:a14="http://schemas.microsoft.com/office/drawing/2010/main" xmlns="">
                 <a:noFill/>
               </a14:hiddenFill>
             </a:ext>
@@ -29653,14 +29669,14 @@
           </a:ln>
           <a:extLst>
             <a:ext uri="{909E8E84-426E-40dd-AFC4-6F175D3DCCD1}">
-              <a14:hiddenFill xmlns:a14="http://schemas.microsoft.com/office/drawing/2010/main">
+              <a14:hiddenFill xmlns:a14="http://schemas.microsoft.com/office/drawing/2010/main" xmlns="">
                 <a:solidFill>
                   <a:schemeClr val="accent1"/>
                 </a:solidFill>
               </a14:hiddenFill>
             </a:ext>
             <a:ext uri="{91240B29-F687-4f45-9708-019B960494DF}">
-              <a14:hiddenLine xmlns:a14="http://schemas.microsoft.com/office/drawing/2010/main" w="9525">
+              <a14:hiddenLine xmlns:a14="http://schemas.microsoft.com/office/drawing/2010/main" xmlns="" w="9525">
                 <a:solidFill>
                   <a:schemeClr val="tx1"/>
                 </a:solidFill>
@@ -29779,7 +29795,7 @@
           </a:ln>
           <a:extLst>
             <a:ext uri="{909E8E84-426E-40dd-AFC4-6F175D3DCCD1}">
-              <a14:hiddenFill xmlns:a14="http://schemas.microsoft.com/office/drawing/2010/main">
+              <a14:hiddenFill xmlns:a14="http://schemas.microsoft.com/office/drawing/2010/main" xmlns="">
                 <a:solidFill>
                   <a:schemeClr val="accent1"/>
                 </a:solidFill>
@@ -29918,14 +29934,14 @@
           </a:ln>
           <a:extLst>
             <a:ext uri="{909E8E84-426E-40dd-AFC4-6F175D3DCCD1}">
-              <a14:hiddenFill xmlns:a14="http://schemas.microsoft.com/office/drawing/2010/main">
+              <a14:hiddenFill xmlns:a14="http://schemas.microsoft.com/office/drawing/2010/main" xmlns="">
                 <a:solidFill>
                   <a:schemeClr val="accent1"/>
                 </a:solidFill>
               </a14:hiddenFill>
             </a:ext>
             <a:ext uri="{91240B29-F687-4f45-9708-019B960494DF}">
-              <a14:hiddenLine xmlns:a14="http://schemas.microsoft.com/office/drawing/2010/main" w="9525">
+              <a14:hiddenLine xmlns:a14="http://schemas.microsoft.com/office/drawing/2010/main" xmlns="" w="9525">
                 <a:solidFill>
                   <a:schemeClr val="tx1"/>
                 </a:solidFill>
@@ -29991,7 +30007,7 @@
           </a:ln>
           <a:extLst>
             <a:ext uri="{909E8E84-426E-40dd-AFC4-6F175D3DCCD1}">
-              <a14:hiddenFill xmlns:a14="http://schemas.microsoft.com/office/drawing/2010/main">
+              <a14:hiddenFill xmlns:a14="http://schemas.microsoft.com/office/drawing/2010/main" xmlns="">
                 <a:solidFill>
                   <a:schemeClr val="accent1"/>
                 </a:solidFill>
@@ -30090,14 +30106,14 @@
           </a:ln>
           <a:extLst>
             <a:ext uri="{909E8E84-426E-40dd-AFC4-6F175D3DCCD1}">
-              <a14:hiddenFill xmlns:a14="http://schemas.microsoft.com/office/drawing/2010/main">
+              <a14:hiddenFill xmlns:a14="http://schemas.microsoft.com/office/drawing/2010/main" xmlns="">
                 <a:solidFill>
                   <a:schemeClr val="accent1"/>
                 </a:solidFill>
               </a14:hiddenFill>
             </a:ext>
             <a:ext uri="{91240B29-F687-4f45-9708-019B960494DF}">
-              <a14:hiddenLine xmlns:a14="http://schemas.microsoft.com/office/drawing/2010/main" w="9525">
+              <a14:hiddenLine xmlns:a14="http://schemas.microsoft.com/office/drawing/2010/main" xmlns="" w="9525">
                 <a:solidFill>
                   <a:schemeClr val="tx1"/>
                 </a:solidFill>
@@ -30158,14 +30174,14 @@
           </a:ln>
           <a:extLst>
             <a:ext uri="{909E8E84-426E-40dd-AFC4-6F175D3DCCD1}">
-              <a14:hiddenFill xmlns:a14="http://schemas.microsoft.com/office/drawing/2010/main">
+              <a14:hiddenFill xmlns:a14="http://schemas.microsoft.com/office/drawing/2010/main" xmlns="">
                 <a:solidFill>
                   <a:schemeClr val="accent1"/>
                 </a:solidFill>
               </a14:hiddenFill>
             </a:ext>
             <a:ext uri="{91240B29-F687-4f45-9708-019B960494DF}">
-              <a14:hiddenLine xmlns:a14="http://schemas.microsoft.com/office/drawing/2010/main" w="9525">
+              <a14:hiddenLine xmlns:a14="http://schemas.microsoft.com/office/drawing/2010/main" xmlns="" w="9525">
                 <a:solidFill>
                   <a:schemeClr val="tx1"/>
                 </a:solidFill>
@@ -30212,7 +30228,7 @@
   <p:timing>
     <p:tnLst>
       <p:par>
-        <p:cTn xmlns:p14="http://schemas.microsoft.com/office/powerpoint/2010/main" id="1" dur="indefinite" restart="never" nodeType="tmRoot"/>
+        <p:cTn id="1" dur="indefinite" restart="never" nodeType="tmRoot"/>
       </p:par>
     </p:tnLst>
   </p:timing>
@@ -30263,7 +30279,7 @@
           </a:ln>
           <a:extLst>
             <a:ext uri="{909E8E84-426E-40dd-AFC4-6F175D3DCCD1}">
-              <a14:hiddenFill xmlns:a14="http://schemas.microsoft.com/office/drawing/2010/main">
+              <a14:hiddenFill xmlns:a14="http://schemas.microsoft.com/office/drawing/2010/main" xmlns="">
                 <a:solidFill>
                   <a:schemeClr val="accent1"/>
                 </a:solidFill>
@@ -30328,7 +30344,7 @@
           </a:ln>
           <a:extLst>
             <a:ext uri="{909E8E84-426E-40dd-AFC4-6F175D3DCCD1}">
-              <a14:hiddenFill xmlns:a14="http://schemas.microsoft.com/office/drawing/2010/main">
+              <a14:hiddenFill xmlns:a14="http://schemas.microsoft.com/office/drawing/2010/main" xmlns="">
                 <a:solidFill>
                   <a:schemeClr val="accent1"/>
                 </a:solidFill>
@@ -30371,7 +30387,7 @@
           </a:ln>
           <a:extLst>
             <a:ext uri="{909E8E84-426E-40dd-AFC4-6F175D3DCCD1}">
-              <a14:hiddenFill xmlns:a14="http://schemas.microsoft.com/office/drawing/2010/main">
+              <a14:hiddenFill xmlns:a14="http://schemas.microsoft.com/office/drawing/2010/main" xmlns="">
                 <a:solidFill>
                   <a:schemeClr val="accent1"/>
                 </a:solidFill>
@@ -30416,7 +30432,7 @@
           </a:ln>
           <a:extLst>
             <a:ext uri="{909E8E84-426E-40dd-AFC4-6F175D3DCCD1}">
-              <a14:hiddenFill xmlns:a14="http://schemas.microsoft.com/office/drawing/2010/main">
+              <a14:hiddenFill xmlns:a14="http://schemas.microsoft.com/office/drawing/2010/main" xmlns="">
                 <a:noFill/>
               </a14:hiddenFill>
             </a:ext>
@@ -30445,14 +30461,14 @@
           </a:ln>
           <a:extLst>
             <a:ext uri="{909E8E84-426E-40dd-AFC4-6F175D3DCCD1}">
-              <a14:hiddenFill xmlns:a14="http://schemas.microsoft.com/office/drawing/2010/main">
+              <a14:hiddenFill xmlns:a14="http://schemas.microsoft.com/office/drawing/2010/main" xmlns="">
                 <a:solidFill>
                   <a:schemeClr val="accent1"/>
                 </a:solidFill>
               </a14:hiddenFill>
             </a:ext>
             <a:ext uri="{91240B29-F687-4f45-9708-019B960494DF}">
-              <a14:hiddenLine xmlns:a14="http://schemas.microsoft.com/office/drawing/2010/main" w="9525">
+              <a14:hiddenLine xmlns:a14="http://schemas.microsoft.com/office/drawing/2010/main" xmlns="" w="9525">
                 <a:solidFill>
                   <a:schemeClr val="tx1"/>
                 </a:solidFill>
@@ -30498,14 +30514,14 @@
           </a:ln>
           <a:extLst>
             <a:ext uri="{909E8E84-426E-40dd-AFC4-6F175D3DCCD1}">
-              <a14:hiddenFill xmlns:a14="http://schemas.microsoft.com/office/drawing/2010/main">
+              <a14:hiddenFill xmlns:a14="http://schemas.microsoft.com/office/drawing/2010/main" xmlns="">
                 <a:solidFill>
                   <a:schemeClr val="accent1"/>
                 </a:solidFill>
               </a14:hiddenFill>
             </a:ext>
             <a:ext uri="{91240B29-F687-4f45-9708-019B960494DF}">
-              <a14:hiddenLine xmlns:a14="http://schemas.microsoft.com/office/drawing/2010/main" w="9525">
+              <a14:hiddenLine xmlns:a14="http://schemas.microsoft.com/office/drawing/2010/main" xmlns="" w="9525">
                 <a:solidFill>
                   <a:schemeClr val="tx1"/>
                 </a:solidFill>
@@ -30560,7 +30576,7 @@
           </a:ln>
           <a:extLst>
             <a:ext uri="{909E8E84-426E-40dd-AFC4-6F175D3DCCD1}">
-              <a14:hiddenFill xmlns:a14="http://schemas.microsoft.com/office/drawing/2010/main">
+              <a14:hiddenFill xmlns:a14="http://schemas.microsoft.com/office/drawing/2010/main" xmlns="">
                 <a:solidFill>
                   <a:schemeClr val="accent1"/>
                 </a:solidFill>
@@ -30603,14 +30619,14 @@
           </a:ln>
           <a:extLst>
             <a:ext uri="{909E8E84-426E-40dd-AFC4-6F175D3DCCD1}">
-              <a14:hiddenFill xmlns:a14="http://schemas.microsoft.com/office/drawing/2010/main">
+              <a14:hiddenFill xmlns:a14="http://schemas.microsoft.com/office/drawing/2010/main" xmlns="">
                 <a:solidFill>
                   <a:schemeClr val="accent1"/>
                 </a:solidFill>
               </a14:hiddenFill>
             </a:ext>
             <a:ext uri="{91240B29-F687-4f45-9708-019B960494DF}">
-              <a14:hiddenLine xmlns:a14="http://schemas.microsoft.com/office/drawing/2010/main" w="9525">
+              <a14:hiddenLine xmlns:a14="http://schemas.microsoft.com/office/drawing/2010/main" xmlns="" w="9525">
                 <a:solidFill>
                   <a:schemeClr val="tx1"/>
                 </a:solidFill>
@@ -30665,7 +30681,7 @@
           </a:ln>
           <a:extLst>
             <a:ext uri="{909E8E84-426E-40dd-AFC4-6F175D3DCCD1}">
-              <a14:hiddenFill xmlns:a14="http://schemas.microsoft.com/office/drawing/2010/main">
+              <a14:hiddenFill xmlns:a14="http://schemas.microsoft.com/office/drawing/2010/main" xmlns="">
                 <a:noFill/>
               </a14:hiddenFill>
             </a:ext>
@@ -30694,14 +30710,14 @@
           </a:ln>
           <a:extLst>
             <a:ext uri="{909E8E84-426E-40dd-AFC4-6F175D3DCCD1}">
-              <a14:hiddenFill xmlns:a14="http://schemas.microsoft.com/office/drawing/2010/main">
+              <a14:hiddenFill xmlns:a14="http://schemas.microsoft.com/office/drawing/2010/main" xmlns="">
                 <a:solidFill>
                   <a:schemeClr val="accent1"/>
                 </a:solidFill>
               </a14:hiddenFill>
             </a:ext>
             <a:ext uri="{91240B29-F687-4f45-9708-019B960494DF}">
-              <a14:hiddenLine xmlns:a14="http://schemas.microsoft.com/office/drawing/2010/main" w="9525">
+              <a14:hiddenLine xmlns:a14="http://schemas.microsoft.com/office/drawing/2010/main" xmlns="" w="9525">
                 <a:solidFill>
                   <a:schemeClr val="tx1"/>
                 </a:solidFill>
@@ -30820,7 +30836,7 @@
           </a:ln>
           <a:extLst>
             <a:ext uri="{909E8E84-426E-40dd-AFC4-6F175D3DCCD1}">
-              <a14:hiddenFill xmlns:a14="http://schemas.microsoft.com/office/drawing/2010/main">
+              <a14:hiddenFill xmlns:a14="http://schemas.microsoft.com/office/drawing/2010/main" xmlns="">
                 <a:solidFill>
                   <a:schemeClr val="accent1"/>
                 </a:solidFill>
@@ -30959,14 +30975,14 @@
           </a:ln>
           <a:extLst>
             <a:ext uri="{909E8E84-426E-40dd-AFC4-6F175D3DCCD1}">
-              <a14:hiddenFill xmlns:a14="http://schemas.microsoft.com/office/drawing/2010/main">
+              <a14:hiddenFill xmlns:a14="http://schemas.microsoft.com/office/drawing/2010/main" xmlns="">
                 <a:solidFill>
                   <a:schemeClr val="accent1"/>
                 </a:solidFill>
               </a14:hiddenFill>
             </a:ext>
             <a:ext uri="{91240B29-F687-4f45-9708-019B960494DF}">
-              <a14:hiddenLine xmlns:a14="http://schemas.microsoft.com/office/drawing/2010/main" w="9525">
+              <a14:hiddenLine xmlns:a14="http://schemas.microsoft.com/office/drawing/2010/main" xmlns="" w="9525">
                 <a:solidFill>
                   <a:schemeClr val="tx1"/>
                 </a:solidFill>
@@ -31024,14 +31040,14 @@
           </a:ln>
           <a:extLst>
             <a:ext uri="{909E8E84-426E-40dd-AFC4-6F175D3DCCD1}">
-              <a14:hiddenFill xmlns:a14="http://schemas.microsoft.com/office/drawing/2010/main">
+              <a14:hiddenFill xmlns:a14="http://schemas.microsoft.com/office/drawing/2010/main" xmlns="">
                 <a:solidFill>
                   <a:schemeClr val="accent1"/>
                 </a:solidFill>
               </a14:hiddenFill>
             </a:ext>
             <a:ext uri="{91240B29-F687-4f45-9708-019B960494DF}">
-              <a14:hiddenLine xmlns:a14="http://schemas.microsoft.com/office/drawing/2010/main" w="9525">
+              <a14:hiddenLine xmlns:a14="http://schemas.microsoft.com/office/drawing/2010/main" xmlns="" w="9525">
                 <a:solidFill>
                   <a:schemeClr val="tx1"/>
                 </a:solidFill>
@@ -31105,14 +31121,14 @@
           </a:ln>
           <a:extLst>
             <a:ext uri="{909E8E84-426E-40dd-AFC4-6F175D3DCCD1}">
-              <a14:hiddenFill xmlns:a14="http://schemas.microsoft.com/office/drawing/2010/main">
+              <a14:hiddenFill xmlns:a14="http://schemas.microsoft.com/office/drawing/2010/main" xmlns="">
                 <a:solidFill>
                   <a:schemeClr val="accent1"/>
                 </a:solidFill>
               </a14:hiddenFill>
             </a:ext>
             <a:ext uri="{91240B29-F687-4f45-9708-019B960494DF}">
-              <a14:hiddenLine xmlns:a14="http://schemas.microsoft.com/office/drawing/2010/main" w="9525">
+              <a14:hiddenLine xmlns:a14="http://schemas.microsoft.com/office/drawing/2010/main" xmlns="" w="9525">
                 <a:solidFill>
                   <a:schemeClr val="tx1"/>
                 </a:solidFill>
@@ -31172,7 +31188,7 @@
   <p:timing>
     <p:tnLst>
       <p:par>
-        <p:cTn xmlns:p14="http://schemas.microsoft.com/office/powerpoint/2010/main" id="1" dur="indefinite" restart="never" nodeType="tmRoot"/>
+        <p:cTn id="1" dur="indefinite" restart="never" nodeType="tmRoot"/>
       </p:par>
     </p:tnLst>
   </p:timing>
@@ -31272,7 +31288,7 @@
           </a:ln>
           <a:extLst>
             <a:ext uri="{909E8E84-426E-40dd-AFC4-6F175D3DCCD1}">
-              <a14:hiddenFill xmlns:a14="http://schemas.microsoft.com/office/drawing/2010/main">
+              <a14:hiddenFill xmlns:a14="http://schemas.microsoft.com/office/drawing/2010/main" xmlns="">
                 <a:solidFill>
                   <a:schemeClr val="accent1"/>
                 </a:solidFill>
@@ -31686,7 +31702,7 @@
   <p:timing>
     <p:tnLst>
       <p:par>
-        <p:cTn xmlns:p14="http://schemas.microsoft.com/office/powerpoint/2010/main" id="1" dur="indefinite" restart="never" nodeType="tmRoot"/>
+        <p:cTn id="1" dur="indefinite" restart="never" nodeType="tmRoot"/>
       </p:par>
     </p:tnLst>
   </p:timing>
@@ -31786,7 +31802,7 @@
           </a:ln>
           <a:extLst>
             <a:ext uri="{909E8E84-426E-40dd-AFC4-6F175D3DCCD1}">
-              <a14:hiddenFill xmlns:a14="http://schemas.microsoft.com/office/drawing/2010/main">
+              <a14:hiddenFill xmlns:a14="http://schemas.microsoft.com/office/drawing/2010/main" xmlns="">
                 <a:solidFill>
                   <a:schemeClr val="accent1"/>
                 </a:solidFill>
@@ -32068,7 +32084,7 @@
   <p:timing>
     <p:tnLst>
       <p:par>
-        <p:cTn xmlns:p14="http://schemas.microsoft.com/office/powerpoint/2010/main" id="1" dur="indefinite" restart="never" nodeType="tmRoot"/>
+        <p:cTn id="1" dur="indefinite" restart="never" nodeType="tmRoot"/>
       </p:par>
     </p:tnLst>
   </p:timing>
@@ -32156,7 +32172,7 @@
   <p:timing>
     <p:tnLst>
       <p:par>
-        <p:cTn xmlns:p14="http://schemas.microsoft.com/office/powerpoint/2010/main" id="1" dur="indefinite" restart="never" nodeType="tmRoot"/>
+        <p:cTn id="1" dur="indefinite" restart="never" nodeType="tmRoot"/>
       </p:par>
     </p:tnLst>
   </p:timing>
@@ -32207,7 +32223,7 @@
           </a:ln>
           <a:extLst>
             <a:ext uri="{909E8E84-426E-40dd-AFC4-6F175D3DCCD1}">
-              <a14:hiddenFill xmlns:a14="http://schemas.microsoft.com/office/drawing/2010/main">
+              <a14:hiddenFill xmlns:a14="http://schemas.microsoft.com/office/drawing/2010/main" xmlns="">
                 <a:solidFill>
                   <a:schemeClr val="accent1"/>
                 </a:solidFill>
@@ -32272,7 +32288,7 @@
           </a:ln>
           <a:extLst>
             <a:ext uri="{909E8E84-426E-40dd-AFC4-6F175D3DCCD1}">
-              <a14:hiddenFill xmlns:a14="http://schemas.microsoft.com/office/drawing/2010/main">
+              <a14:hiddenFill xmlns:a14="http://schemas.microsoft.com/office/drawing/2010/main" xmlns="">
                 <a:solidFill>
                   <a:schemeClr val="accent1"/>
                 </a:solidFill>
@@ -32310,14 +32326,14 @@
           </a:ln>
           <a:extLst>
             <a:ext uri="{909E8E84-426E-40dd-AFC4-6F175D3DCCD1}">
-              <a14:hiddenFill xmlns:a14="http://schemas.microsoft.com/office/drawing/2010/main">
+              <a14:hiddenFill xmlns:a14="http://schemas.microsoft.com/office/drawing/2010/main" xmlns="">
                 <a:solidFill>
                   <a:schemeClr val="accent1"/>
                 </a:solidFill>
               </a14:hiddenFill>
             </a:ext>
             <a:ext uri="{91240B29-F687-4f45-9708-019B960494DF}">
-              <a14:hiddenLine xmlns:a14="http://schemas.microsoft.com/office/drawing/2010/main" w="9525">
+              <a14:hiddenLine xmlns:a14="http://schemas.microsoft.com/office/drawing/2010/main" xmlns="" w="9525">
                 <a:solidFill>
                   <a:schemeClr val="tx1"/>
                 </a:solidFill>
@@ -32368,7 +32384,7 @@
           </a:ln>
           <a:extLst>
             <a:ext uri="{909E8E84-426E-40dd-AFC4-6F175D3DCCD1}">
-              <a14:hiddenFill xmlns:a14="http://schemas.microsoft.com/office/drawing/2010/main">
+              <a14:hiddenFill xmlns:a14="http://schemas.microsoft.com/office/drawing/2010/main" xmlns="">
                 <a:solidFill>
                   <a:schemeClr val="accent1"/>
                 </a:solidFill>
@@ -32411,14 +32427,14 @@
           </a:ln>
           <a:extLst>
             <a:ext uri="{909E8E84-426E-40dd-AFC4-6F175D3DCCD1}">
-              <a14:hiddenFill xmlns:a14="http://schemas.microsoft.com/office/drawing/2010/main">
+              <a14:hiddenFill xmlns:a14="http://schemas.microsoft.com/office/drawing/2010/main" xmlns="">
                 <a:solidFill>
                   <a:schemeClr val="accent1"/>
                 </a:solidFill>
               </a14:hiddenFill>
             </a:ext>
             <a:ext uri="{91240B29-F687-4f45-9708-019B960494DF}">
-              <a14:hiddenLine xmlns:a14="http://schemas.microsoft.com/office/drawing/2010/main" w="9525">
+              <a14:hiddenLine xmlns:a14="http://schemas.microsoft.com/office/drawing/2010/main" xmlns="" w="9525">
                 <a:solidFill>
                   <a:schemeClr val="tx1"/>
                 </a:solidFill>
@@ -32473,7 +32489,7 @@
           </a:ln>
           <a:extLst>
             <a:ext uri="{909E8E84-426E-40dd-AFC4-6F175D3DCCD1}">
-              <a14:hiddenFill xmlns:a14="http://schemas.microsoft.com/office/drawing/2010/main">
+              <a14:hiddenFill xmlns:a14="http://schemas.microsoft.com/office/drawing/2010/main" xmlns="">
                 <a:noFill/>
               </a14:hiddenFill>
             </a:ext>
@@ -32507,7 +32523,7 @@
           </a:ln>
           <a:extLst>
             <a:ext uri="{909E8E84-426E-40dd-AFC4-6F175D3DCCD1}">
-              <a14:hiddenFill xmlns:a14="http://schemas.microsoft.com/office/drawing/2010/main">
+              <a14:hiddenFill xmlns:a14="http://schemas.microsoft.com/office/drawing/2010/main" xmlns="">
                 <a:solidFill>
                   <a:schemeClr val="accent1"/>
                 </a:solidFill>
@@ -32590,7 +32606,7 @@
   <p:timing>
     <p:tnLst>
       <p:par>
-        <p:cTn xmlns:p14="http://schemas.microsoft.com/office/powerpoint/2010/main" id="1" dur="indefinite" restart="never" nodeType="tmRoot"/>
+        <p:cTn id="1" dur="indefinite" restart="never" nodeType="tmRoot"/>
       </p:par>
     </p:tnLst>
   </p:timing>
@@ -32641,7 +32657,7 @@
           </a:ln>
           <a:extLst>
             <a:ext uri="{909E8E84-426E-40dd-AFC4-6F175D3DCCD1}">
-              <a14:hiddenFill xmlns:a14="http://schemas.microsoft.com/office/drawing/2010/main">
+              <a14:hiddenFill xmlns:a14="http://schemas.microsoft.com/office/drawing/2010/main" xmlns="">
                 <a:solidFill>
                   <a:schemeClr val="accent1"/>
                 </a:solidFill>
@@ -32706,7 +32722,7 @@
           </a:ln>
           <a:extLst>
             <a:ext uri="{909E8E84-426E-40dd-AFC4-6F175D3DCCD1}">
-              <a14:hiddenFill xmlns:a14="http://schemas.microsoft.com/office/drawing/2010/main">
+              <a14:hiddenFill xmlns:a14="http://schemas.microsoft.com/office/drawing/2010/main" xmlns="">
                 <a:solidFill>
                   <a:schemeClr val="accent1"/>
                 </a:solidFill>
@@ -32744,14 +32760,14 @@
           </a:ln>
           <a:extLst>
             <a:ext uri="{909E8E84-426E-40dd-AFC4-6F175D3DCCD1}">
-              <a14:hiddenFill xmlns:a14="http://schemas.microsoft.com/office/drawing/2010/main">
+              <a14:hiddenFill xmlns:a14="http://schemas.microsoft.com/office/drawing/2010/main" xmlns="">
                 <a:solidFill>
                   <a:schemeClr val="accent1"/>
                 </a:solidFill>
               </a14:hiddenFill>
             </a:ext>
             <a:ext uri="{91240B29-F687-4f45-9708-019B960494DF}">
-              <a14:hiddenLine xmlns:a14="http://schemas.microsoft.com/office/drawing/2010/main" w="9525">
+              <a14:hiddenLine xmlns:a14="http://schemas.microsoft.com/office/drawing/2010/main" xmlns="" w="9525">
                 <a:solidFill>
                   <a:schemeClr val="tx1"/>
                 </a:solidFill>
@@ -32802,7 +32818,7 @@
           </a:ln>
           <a:extLst>
             <a:ext uri="{909E8E84-426E-40dd-AFC4-6F175D3DCCD1}">
-              <a14:hiddenFill xmlns:a14="http://schemas.microsoft.com/office/drawing/2010/main">
+              <a14:hiddenFill xmlns:a14="http://schemas.microsoft.com/office/drawing/2010/main" xmlns="">
                 <a:solidFill>
                   <a:schemeClr val="accent1"/>
                 </a:solidFill>
@@ -32845,14 +32861,14 @@
           </a:ln>
           <a:extLst>
             <a:ext uri="{909E8E84-426E-40dd-AFC4-6F175D3DCCD1}">
-              <a14:hiddenFill xmlns:a14="http://schemas.microsoft.com/office/drawing/2010/main">
+              <a14:hiddenFill xmlns:a14="http://schemas.microsoft.com/office/drawing/2010/main" xmlns="">
                 <a:solidFill>
                   <a:schemeClr val="accent1"/>
                 </a:solidFill>
               </a14:hiddenFill>
             </a:ext>
             <a:ext uri="{91240B29-F687-4f45-9708-019B960494DF}">
-              <a14:hiddenLine xmlns:a14="http://schemas.microsoft.com/office/drawing/2010/main" w="9525">
+              <a14:hiddenLine xmlns:a14="http://schemas.microsoft.com/office/drawing/2010/main" xmlns="" w="9525">
                 <a:solidFill>
                   <a:schemeClr val="tx1"/>
                 </a:solidFill>
@@ -32907,7 +32923,7 @@
           </a:ln>
           <a:extLst>
             <a:ext uri="{909E8E84-426E-40dd-AFC4-6F175D3DCCD1}">
-              <a14:hiddenFill xmlns:a14="http://schemas.microsoft.com/office/drawing/2010/main">
+              <a14:hiddenFill xmlns:a14="http://schemas.microsoft.com/office/drawing/2010/main" xmlns="">
                 <a:noFill/>
               </a14:hiddenFill>
             </a:ext>
@@ -32941,7 +32957,7 @@
           </a:ln>
           <a:extLst>
             <a:ext uri="{909E8E84-426E-40dd-AFC4-6F175D3DCCD1}">
-              <a14:hiddenFill xmlns:a14="http://schemas.microsoft.com/office/drawing/2010/main">
+              <a14:hiddenFill xmlns:a14="http://schemas.microsoft.com/office/drawing/2010/main" xmlns="">
                 <a:solidFill>
                   <a:schemeClr val="accent1"/>
                 </a:solidFill>
@@ -33077,14 +33093,14 @@
           </a:ln>
           <a:extLst>
             <a:ext uri="{909E8E84-426E-40dd-AFC4-6F175D3DCCD1}">
-              <a14:hiddenFill xmlns:a14="http://schemas.microsoft.com/office/drawing/2010/main">
+              <a14:hiddenFill xmlns:a14="http://schemas.microsoft.com/office/drawing/2010/main" xmlns="">
                 <a:solidFill>
                   <a:schemeClr val="accent1"/>
                 </a:solidFill>
               </a14:hiddenFill>
             </a:ext>
             <a:ext uri="{91240B29-F687-4f45-9708-019B960494DF}">
-              <a14:hiddenLine xmlns:a14="http://schemas.microsoft.com/office/drawing/2010/main" w="9525">
+              <a14:hiddenLine xmlns:a14="http://schemas.microsoft.com/office/drawing/2010/main" xmlns="" w="9525">
                 <a:solidFill>
                   <a:schemeClr val="tx1"/>
                 </a:solidFill>
@@ -33122,7 +33138,7 @@
   <p:timing>
     <p:tnLst>
       <p:par>
-        <p:cTn xmlns:p14="http://schemas.microsoft.com/office/powerpoint/2010/main" id="1" dur="indefinite" restart="never" nodeType="tmRoot"/>
+        <p:cTn id="1" dur="indefinite" restart="never" nodeType="tmRoot"/>
       </p:par>
     </p:tnLst>
   </p:timing>
@@ -33173,7 +33189,7 @@
           </a:ln>
           <a:extLst>
             <a:ext uri="{909E8E84-426E-40dd-AFC4-6F175D3DCCD1}">
-              <a14:hiddenFill xmlns:a14="http://schemas.microsoft.com/office/drawing/2010/main">
+              <a14:hiddenFill xmlns:a14="http://schemas.microsoft.com/office/drawing/2010/main" xmlns="">
                 <a:solidFill>
                   <a:schemeClr val="accent1"/>
                 </a:solidFill>
@@ -33238,7 +33254,7 @@
           </a:ln>
           <a:extLst>
             <a:ext uri="{909E8E84-426E-40dd-AFC4-6F175D3DCCD1}">
-              <a14:hiddenFill xmlns:a14="http://schemas.microsoft.com/office/drawing/2010/main">
+              <a14:hiddenFill xmlns:a14="http://schemas.microsoft.com/office/drawing/2010/main" xmlns="">
                 <a:solidFill>
                   <a:schemeClr val="accent1"/>
                 </a:solidFill>
@@ -33276,14 +33292,14 @@
           </a:ln>
           <a:extLst>
             <a:ext uri="{909E8E84-426E-40dd-AFC4-6F175D3DCCD1}">
-              <a14:hiddenFill xmlns:a14="http://schemas.microsoft.com/office/drawing/2010/main">
+              <a14:hiddenFill xmlns:a14="http://schemas.microsoft.com/office/drawing/2010/main" xmlns="">
                 <a:solidFill>
                   <a:schemeClr val="accent1"/>
                 </a:solidFill>
               </a14:hiddenFill>
             </a:ext>
             <a:ext uri="{91240B29-F687-4f45-9708-019B960494DF}">
-              <a14:hiddenLine xmlns:a14="http://schemas.microsoft.com/office/drawing/2010/main" w="9525">
+              <a14:hiddenLine xmlns:a14="http://schemas.microsoft.com/office/drawing/2010/main" xmlns="" w="9525">
                 <a:solidFill>
                   <a:schemeClr val="tx1"/>
                 </a:solidFill>
@@ -33334,7 +33350,7 @@
           </a:ln>
           <a:extLst>
             <a:ext uri="{909E8E84-426E-40dd-AFC4-6F175D3DCCD1}">
-              <a14:hiddenFill xmlns:a14="http://schemas.microsoft.com/office/drawing/2010/main">
+              <a14:hiddenFill xmlns:a14="http://schemas.microsoft.com/office/drawing/2010/main" xmlns="">
                 <a:solidFill>
                   <a:schemeClr val="accent1"/>
                 </a:solidFill>
@@ -33377,14 +33393,14 @@
           </a:ln>
           <a:extLst>
             <a:ext uri="{909E8E84-426E-40dd-AFC4-6F175D3DCCD1}">
-              <a14:hiddenFill xmlns:a14="http://schemas.microsoft.com/office/drawing/2010/main">
+              <a14:hiddenFill xmlns:a14="http://schemas.microsoft.com/office/drawing/2010/main" xmlns="">
                 <a:solidFill>
                   <a:schemeClr val="accent1"/>
                 </a:solidFill>
               </a14:hiddenFill>
             </a:ext>
             <a:ext uri="{91240B29-F687-4f45-9708-019B960494DF}">
-              <a14:hiddenLine xmlns:a14="http://schemas.microsoft.com/office/drawing/2010/main" w="9525">
+              <a14:hiddenLine xmlns:a14="http://schemas.microsoft.com/office/drawing/2010/main" xmlns="" w="9525">
                 <a:solidFill>
                   <a:schemeClr val="tx1"/>
                 </a:solidFill>
@@ -33439,7 +33455,7 @@
           </a:ln>
           <a:extLst>
             <a:ext uri="{909E8E84-426E-40dd-AFC4-6F175D3DCCD1}">
-              <a14:hiddenFill xmlns:a14="http://schemas.microsoft.com/office/drawing/2010/main">
+              <a14:hiddenFill xmlns:a14="http://schemas.microsoft.com/office/drawing/2010/main" xmlns="">
                 <a:noFill/>
               </a14:hiddenFill>
             </a:ext>
@@ -33473,7 +33489,7 @@
           </a:ln>
           <a:extLst>
             <a:ext uri="{909E8E84-426E-40dd-AFC4-6F175D3DCCD1}">
-              <a14:hiddenFill xmlns:a14="http://schemas.microsoft.com/office/drawing/2010/main">
+              <a14:hiddenFill xmlns:a14="http://schemas.microsoft.com/office/drawing/2010/main" xmlns="">
                 <a:solidFill>
                   <a:schemeClr val="accent1"/>
                 </a:solidFill>
@@ -33609,14 +33625,14 @@
           </a:ln>
           <a:extLst>
             <a:ext uri="{909E8E84-426E-40dd-AFC4-6F175D3DCCD1}">
-              <a14:hiddenFill xmlns:a14="http://schemas.microsoft.com/office/drawing/2010/main">
+              <a14:hiddenFill xmlns:a14="http://schemas.microsoft.com/office/drawing/2010/main" xmlns="">
                 <a:solidFill>
                   <a:schemeClr val="accent1"/>
                 </a:solidFill>
               </a14:hiddenFill>
             </a:ext>
             <a:ext uri="{91240B29-F687-4f45-9708-019B960494DF}">
-              <a14:hiddenLine xmlns:a14="http://schemas.microsoft.com/office/drawing/2010/main" w="9525">
+              <a14:hiddenLine xmlns:a14="http://schemas.microsoft.com/office/drawing/2010/main" xmlns="" w="9525">
                 <a:solidFill>
                   <a:schemeClr val="tx1"/>
                 </a:solidFill>
@@ -33668,14 +33684,14 @@
           </a:ln>
           <a:extLst>
             <a:ext uri="{909E8E84-426E-40dd-AFC4-6F175D3DCCD1}">
-              <a14:hiddenFill xmlns:a14="http://schemas.microsoft.com/office/drawing/2010/main">
+              <a14:hiddenFill xmlns:a14="http://schemas.microsoft.com/office/drawing/2010/main" xmlns="">
                 <a:solidFill>
                   <a:schemeClr val="accent1"/>
                 </a:solidFill>
               </a14:hiddenFill>
             </a:ext>
             <a:ext uri="{91240B29-F687-4f45-9708-019B960494DF}">
-              <a14:hiddenLine xmlns:a14="http://schemas.microsoft.com/office/drawing/2010/main" w="9525">
+              <a14:hiddenLine xmlns:a14="http://schemas.microsoft.com/office/drawing/2010/main" xmlns="" w="9525">
                 <a:solidFill>
                   <a:schemeClr val="tx1"/>
                 </a:solidFill>
@@ -33725,7 +33741,7 @@
   <p:timing>
     <p:tnLst>
       <p:par>
-        <p:cTn xmlns:p14="http://schemas.microsoft.com/office/powerpoint/2010/main" id="1" dur="indefinite" restart="never" nodeType="tmRoot"/>
+        <p:cTn id="1" dur="indefinite" restart="never" nodeType="tmRoot"/>
       </p:par>
     </p:tnLst>
   </p:timing>
@@ -33776,7 +33792,7 @@
           </a:ln>
           <a:extLst>
             <a:ext uri="{909E8E84-426E-40dd-AFC4-6F175D3DCCD1}">
-              <a14:hiddenFill xmlns:a14="http://schemas.microsoft.com/office/drawing/2010/main">
+              <a14:hiddenFill xmlns:a14="http://schemas.microsoft.com/office/drawing/2010/main" xmlns="">
                 <a:solidFill>
                   <a:schemeClr val="accent1"/>
                 </a:solidFill>
@@ -33841,7 +33857,7 @@
           </a:ln>
           <a:extLst>
             <a:ext uri="{909E8E84-426E-40dd-AFC4-6F175D3DCCD1}">
-              <a14:hiddenFill xmlns:a14="http://schemas.microsoft.com/office/drawing/2010/main">
+              <a14:hiddenFill xmlns:a14="http://schemas.microsoft.com/office/drawing/2010/main" xmlns="">
                 <a:solidFill>
                   <a:schemeClr val="accent1"/>
                 </a:solidFill>
@@ -33879,14 +33895,14 @@
           </a:ln>
           <a:extLst>
             <a:ext uri="{909E8E84-426E-40dd-AFC4-6F175D3DCCD1}">
-              <a14:hiddenFill xmlns:a14="http://schemas.microsoft.com/office/drawing/2010/main">
+              <a14:hiddenFill xmlns:a14="http://schemas.microsoft.com/office/drawing/2010/main" xmlns="">
                 <a:solidFill>
                   <a:schemeClr val="accent1"/>
                 </a:solidFill>
               </a14:hiddenFill>
             </a:ext>
             <a:ext uri="{91240B29-F687-4f45-9708-019B960494DF}">
-              <a14:hiddenLine xmlns:a14="http://schemas.microsoft.com/office/drawing/2010/main" w="9525">
+              <a14:hiddenLine xmlns:a14="http://schemas.microsoft.com/office/drawing/2010/main" xmlns="" w="9525">
                 <a:solidFill>
                   <a:schemeClr val="tx1"/>
                 </a:solidFill>
@@ -33937,7 +33953,7 @@
           </a:ln>
           <a:extLst>
             <a:ext uri="{909E8E84-426E-40dd-AFC4-6F175D3DCCD1}">
-              <a14:hiddenFill xmlns:a14="http://schemas.microsoft.com/office/drawing/2010/main">
+              <a14:hiddenFill xmlns:a14="http://schemas.microsoft.com/office/drawing/2010/main" xmlns="">
                 <a:solidFill>
                   <a:schemeClr val="accent1"/>
                 </a:solidFill>
@@ -33980,14 +33996,14 @@
           </a:ln>
           <a:extLst>
             <a:ext uri="{909E8E84-426E-40dd-AFC4-6F175D3DCCD1}">
-              <a14:hiddenFill xmlns:a14="http://schemas.microsoft.com/office/drawing/2010/main">
+              <a14:hiddenFill xmlns:a14="http://schemas.microsoft.com/office/drawing/2010/main" xmlns="">
                 <a:solidFill>
                   <a:schemeClr val="accent1"/>
                 </a:solidFill>
               </a14:hiddenFill>
             </a:ext>
             <a:ext uri="{91240B29-F687-4f45-9708-019B960494DF}">
-              <a14:hiddenLine xmlns:a14="http://schemas.microsoft.com/office/drawing/2010/main" w="9525">
+              <a14:hiddenLine xmlns:a14="http://schemas.microsoft.com/office/drawing/2010/main" xmlns="" w="9525">
                 <a:solidFill>
                   <a:schemeClr val="tx1"/>
                 </a:solidFill>
@@ -34042,7 +34058,7 @@
           </a:ln>
           <a:extLst>
             <a:ext uri="{909E8E84-426E-40dd-AFC4-6F175D3DCCD1}">
-              <a14:hiddenFill xmlns:a14="http://schemas.microsoft.com/office/drawing/2010/main">
+              <a14:hiddenFill xmlns:a14="http://schemas.microsoft.com/office/drawing/2010/main" xmlns="">
                 <a:noFill/>
               </a14:hiddenFill>
             </a:ext>
@@ -34076,7 +34092,7 @@
           </a:ln>
           <a:extLst>
             <a:ext uri="{909E8E84-426E-40dd-AFC4-6F175D3DCCD1}">
-              <a14:hiddenFill xmlns:a14="http://schemas.microsoft.com/office/drawing/2010/main">
+              <a14:hiddenFill xmlns:a14="http://schemas.microsoft.com/office/drawing/2010/main" xmlns="">
                 <a:solidFill>
                   <a:schemeClr val="accent1"/>
                 </a:solidFill>
@@ -34212,14 +34228,14 @@
           </a:ln>
           <a:extLst>
             <a:ext uri="{909E8E84-426E-40dd-AFC4-6F175D3DCCD1}">
-              <a14:hiddenFill xmlns:a14="http://schemas.microsoft.com/office/drawing/2010/main">
+              <a14:hiddenFill xmlns:a14="http://schemas.microsoft.com/office/drawing/2010/main" xmlns="">
                 <a:solidFill>
                   <a:schemeClr val="accent1"/>
                 </a:solidFill>
               </a14:hiddenFill>
             </a:ext>
             <a:ext uri="{91240B29-F687-4f45-9708-019B960494DF}">
-              <a14:hiddenLine xmlns:a14="http://schemas.microsoft.com/office/drawing/2010/main" w="9525">
+              <a14:hiddenLine xmlns:a14="http://schemas.microsoft.com/office/drawing/2010/main" xmlns="" w="9525">
                 <a:solidFill>
                   <a:schemeClr val="tx1"/>
                 </a:solidFill>
@@ -34286,14 +34302,14 @@
           </a:ln>
           <a:extLst>
             <a:ext uri="{909E8E84-426E-40dd-AFC4-6F175D3DCCD1}">
-              <a14:hiddenFill xmlns:a14="http://schemas.microsoft.com/office/drawing/2010/main">
+              <a14:hiddenFill xmlns:a14="http://schemas.microsoft.com/office/drawing/2010/main" xmlns="">
                 <a:solidFill>
                   <a:schemeClr val="accent1"/>
                 </a:solidFill>
               </a14:hiddenFill>
             </a:ext>
             <a:ext uri="{91240B29-F687-4f45-9708-019B960494DF}">
-              <a14:hiddenLine xmlns:a14="http://schemas.microsoft.com/office/drawing/2010/main" w="9525">
+              <a14:hiddenLine xmlns:a14="http://schemas.microsoft.com/office/drawing/2010/main" xmlns="" w="9525">
                 <a:solidFill>
                   <a:schemeClr val="tx1"/>
                 </a:solidFill>
@@ -34331,7 +34347,7 @@
   <p:timing>
     <p:tnLst>
       <p:par>
-        <p:cTn xmlns:p14="http://schemas.microsoft.com/office/powerpoint/2010/main" id="1" dur="indefinite" restart="never" nodeType="tmRoot"/>
+        <p:cTn id="1" dur="indefinite" restart="never" nodeType="tmRoot"/>
       </p:par>
     </p:tnLst>
   </p:timing>
@@ -34382,7 +34398,7 @@
           </a:ln>
           <a:extLst>
             <a:ext uri="{909E8E84-426E-40dd-AFC4-6F175D3DCCD1}">
-              <a14:hiddenFill xmlns:a14="http://schemas.microsoft.com/office/drawing/2010/main">
+              <a14:hiddenFill xmlns:a14="http://schemas.microsoft.com/office/drawing/2010/main" xmlns="">
                 <a:solidFill>
                   <a:schemeClr val="accent1"/>
                 </a:solidFill>
@@ -34447,7 +34463,7 @@
           </a:ln>
           <a:extLst>
             <a:ext uri="{909E8E84-426E-40dd-AFC4-6F175D3DCCD1}">
-              <a14:hiddenFill xmlns:a14="http://schemas.microsoft.com/office/drawing/2010/main">
+              <a14:hiddenFill xmlns:a14="http://schemas.microsoft.com/office/drawing/2010/main" xmlns="">
                 <a:solidFill>
                   <a:schemeClr val="accent1"/>
                 </a:solidFill>
@@ -34485,14 +34501,14 @@
           </a:ln>
           <a:extLst>
             <a:ext uri="{909E8E84-426E-40dd-AFC4-6F175D3DCCD1}">
-              <a14:hiddenFill xmlns:a14="http://schemas.microsoft.com/office/drawing/2010/main">
+              <a14:hiddenFill xmlns:a14="http://schemas.microsoft.com/office/drawing/2010/main" xmlns="">
                 <a:solidFill>
                   <a:schemeClr val="accent1"/>
                 </a:solidFill>
               </a14:hiddenFill>
             </a:ext>
             <a:ext uri="{91240B29-F687-4f45-9708-019B960494DF}">
-              <a14:hiddenLine xmlns:a14="http://schemas.microsoft.com/office/drawing/2010/main" w="9525">
+              <a14:hiddenLine xmlns:a14="http://schemas.microsoft.com/office/drawing/2010/main" xmlns="" w="9525">
                 <a:solidFill>
                   <a:schemeClr val="tx1"/>
                 </a:solidFill>
@@ -34543,7 +34559,7 @@
           </a:ln>
           <a:extLst>
             <a:ext uri="{909E8E84-426E-40dd-AFC4-6F175D3DCCD1}">
-              <a14:hiddenFill xmlns:a14="http://schemas.microsoft.com/office/drawing/2010/main">
+              <a14:hiddenFill xmlns:a14="http://schemas.microsoft.com/office/drawing/2010/main" xmlns="">
                 <a:solidFill>
                   <a:schemeClr val="accent1"/>
                 </a:solidFill>
@@ -34586,14 +34602,14 @@
           </a:ln>
           <a:extLst>
             <a:ext uri="{909E8E84-426E-40dd-AFC4-6F175D3DCCD1}">
-              <a14:hiddenFill xmlns:a14="http://schemas.microsoft.com/office/drawing/2010/main">
+              <a14:hiddenFill xmlns:a14="http://schemas.microsoft.com/office/drawing/2010/main" xmlns="">
                 <a:solidFill>
                   <a:schemeClr val="accent1"/>
                 </a:solidFill>
               </a14:hiddenFill>
             </a:ext>
             <a:ext uri="{91240B29-F687-4f45-9708-019B960494DF}">
-              <a14:hiddenLine xmlns:a14="http://schemas.microsoft.com/office/drawing/2010/main" w="9525">
+              <a14:hiddenLine xmlns:a14="http://schemas.microsoft.com/office/drawing/2010/main" xmlns="" w="9525">
                 <a:solidFill>
                   <a:schemeClr val="tx1"/>
                 </a:solidFill>
@@ -34648,7 +34664,7 @@
           </a:ln>
           <a:extLst>
             <a:ext uri="{909E8E84-426E-40dd-AFC4-6F175D3DCCD1}">
-              <a14:hiddenFill xmlns:a14="http://schemas.microsoft.com/office/drawing/2010/main">
+              <a14:hiddenFill xmlns:a14="http://schemas.microsoft.com/office/drawing/2010/main" xmlns="">
                 <a:noFill/>
               </a14:hiddenFill>
             </a:ext>
@@ -34682,7 +34698,7 @@
           </a:ln>
           <a:extLst>
             <a:ext uri="{909E8E84-426E-40dd-AFC4-6F175D3DCCD1}">
-              <a14:hiddenFill xmlns:a14="http://schemas.microsoft.com/office/drawing/2010/main">
+              <a14:hiddenFill xmlns:a14="http://schemas.microsoft.com/office/drawing/2010/main" xmlns="">
                 <a:solidFill>
                   <a:schemeClr val="accent1"/>
                 </a:solidFill>
@@ -34745,7 +34761,7 @@
   <p:timing>
     <p:tnLst>
       <p:par>
-        <p:cTn xmlns:p14="http://schemas.microsoft.com/office/powerpoint/2010/main" id="1" dur="indefinite" restart="never" nodeType="tmRoot"/>
+        <p:cTn id="1" dur="indefinite" restart="never" nodeType="tmRoot"/>
       </p:par>
     </p:tnLst>
   </p:timing>
@@ -34845,7 +34861,7 @@
           </a:ln>
           <a:extLst>
             <a:ext uri="{909E8E84-426E-40dd-AFC4-6F175D3DCCD1}">
-              <a14:hiddenFill xmlns:a14="http://schemas.microsoft.com/office/drawing/2010/main">
+              <a14:hiddenFill xmlns:a14="http://schemas.microsoft.com/office/drawing/2010/main" xmlns="">
                 <a:solidFill>
                   <a:schemeClr val="accent1"/>
                 </a:solidFill>
@@ -34931,7 +34947,7 @@
   <p:timing>
     <p:tnLst>
       <p:par>
-        <p:cTn xmlns:p14="http://schemas.microsoft.com/office/powerpoint/2010/main" id="1" dur="indefinite" restart="never" nodeType="tmRoot"/>
+        <p:cTn id="1" dur="indefinite" restart="never" nodeType="tmRoot"/>
       </p:par>
     </p:tnLst>
   </p:timing>
@@ -34982,7 +34998,7 @@
           </a:ln>
           <a:extLst>
             <a:ext uri="{909E8E84-426E-40dd-AFC4-6F175D3DCCD1}">
-              <a14:hiddenFill xmlns:a14="http://schemas.microsoft.com/office/drawing/2010/main">
+              <a14:hiddenFill xmlns:a14="http://schemas.microsoft.com/office/drawing/2010/main" xmlns="">
                 <a:solidFill>
                   <a:schemeClr val="accent1"/>
                 </a:solidFill>
@@ -35047,7 +35063,7 @@
           </a:ln>
           <a:extLst>
             <a:ext uri="{909E8E84-426E-40dd-AFC4-6F175D3DCCD1}">
-              <a14:hiddenFill xmlns:a14="http://schemas.microsoft.com/office/drawing/2010/main">
+              <a14:hiddenFill xmlns:a14="http://schemas.microsoft.com/office/drawing/2010/main" xmlns="">
                 <a:solidFill>
                   <a:schemeClr val="accent1"/>
                 </a:solidFill>
@@ -35090,7 +35106,7 @@
           </a:ln>
           <a:extLst>
             <a:ext uri="{909E8E84-426E-40dd-AFC4-6F175D3DCCD1}">
-              <a14:hiddenFill xmlns:a14="http://schemas.microsoft.com/office/drawing/2010/main">
+              <a14:hiddenFill xmlns:a14="http://schemas.microsoft.com/office/drawing/2010/main" xmlns="">
                 <a:solidFill>
                   <a:schemeClr val="accent1"/>
                 </a:solidFill>
@@ -35135,7 +35151,7 @@
           </a:ln>
           <a:extLst>
             <a:ext uri="{909E8E84-426E-40dd-AFC4-6F175D3DCCD1}">
-              <a14:hiddenFill xmlns:a14="http://schemas.microsoft.com/office/drawing/2010/main">
+              <a14:hiddenFill xmlns:a14="http://schemas.microsoft.com/office/drawing/2010/main" xmlns="">
                 <a:noFill/>
               </a14:hiddenFill>
             </a:ext>
@@ -35164,14 +35180,14 @@
           </a:ln>
           <a:extLst>
             <a:ext uri="{909E8E84-426E-40dd-AFC4-6F175D3DCCD1}">
-              <a14:hiddenFill xmlns:a14="http://schemas.microsoft.com/office/drawing/2010/main">
+              <a14:hiddenFill xmlns:a14="http://schemas.microsoft.com/office/drawing/2010/main" xmlns="">
                 <a:solidFill>
                   <a:schemeClr val="accent1"/>
                 </a:solidFill>
               </a14:hiddenFill>
             </a:ext>
             <a:ext uri="{91240B29-F687-4f45-9708-019B960494DF}">
-              <a14:hiddenLine xmlns:a14="http://schemas.microsoft.com/office/drawing/2010/main" w="9525">
+              <a14:hiddenLine xmlns:a14="http://schemas.microsoft.com/office/drawing/2010/main" xmlns="" w="9525">
                 <a:solidFill>
                   <a:schemeClr val="tx1"/>
                 </a:solidFill>
@@ -35217,14 +35233,14 @@
           </a:ln>
           <a:extLst>
             <a:ext uri="{909E8E84-426E-40dd-AFC4-6F175D3DCCD1}">
-              <a14:hiddenFill xmlns:a14="http://schemas.microsoft.com/office/drawing/2010/main">
+              <a14:hiddenFill xmlns:a14="http://schemas.microsoft.com/office/drawing/2010/main" xmlns="">
                 <a:solidFill>
                   <a:schemeClr val="accent1"/>
                 </a:solidFill>
               </a14:hiddenFill>
             </a:ext>
             <a:ext uri="{91240B29-F687-4f45-9708-019B960494DF}">
-              <a14:hiddenLine xmlns:a14="http://schemas.microsoft.com/office/drawing/2010/main" w="9525">
+              <a14:hiddenLine xmlns:a14="http://schemas.microsoft.com/office/drawing/2010/main" xmlns="" w="9525">
                 <a:solidFill>
                   <a:schemeClr val="tx1"/>
                 </a:solidFill>
@@ -35279,7 +35295,7 @@
           </a:ln>
           <a:extLst>
             <a:ext uri="{909E8E84-426E-40dd-AFC4-6F175D3DCCD1}">
-              <a14:hiddenFill xmlns:a14="http://schemas.microsoft.com/office/drawing/2010/main">
+              <a14:hiddenFill xmlns:a14="http://schemas.microsoft.com/office/drawing/2010/main" xmlns="">
                 <a:solidFill>
                   <a:schemeClr val="accent1"/>
                 </a:solidFill>
@@ -35322,14 +35338,14 @@
           </a:ln>
           <a:extLst>
             <a:ext uri="{909E8E84-426E-40dd-AFC4-6F175D3DCCD1}">
-              <a14:hiddenFill xmlns:a14="http://schemas.microsoft.com/office/drawing/2010/main">
+              <a14:hiddenFill xmlns:a14="http://schemas.microsoft.com/office/drawing/2010/main" xmlns="">
                 <a:solidFill>
                   <a:schemeClr val="accent1"/>
                 </a:solidFill>
               </a14:hiddenFill>
             </a:ext>
             <a:ext uri="{91240B29-F687-4f45-9708-019B960494DF}">
-              <a14:hiddenLine xmlns:a14="http://schemas.microsoft.com/office/drawing/2010/main" w="9525">
+              <a14:hiddenLine xmlns:a14="http://schemas.microsoft.com/office/drawing/2010/main" xmlns="" w="9525">
                 <a:solidFill>
                   <a:schemeClr val="tx1"/>
                 </a:solidFill>
@@ -35384,7 +35400,7 @@
           </a:ln>
           <a:extLst>
             <a:ext uri="{909E8E84-426E-40dd-AFC4-6F175D3DCCD1}">
-              <a14:hiddenFill xmlns:a14="http://schemas.microsoft.com/office/drawing/2010/main">
+              <a14:hiddenFill xmlns:a14="http://schemas.microsoft.com/office/drawing/2010/main" xmlns="">
                 <a:noFill/>
               </a14:hiddenFill>
             </a:ext>
@@ -35418,7 +35434,7 @@
           </a:ln>
           <a:extLst>
             <a:ext uri="{909E8E84-426E-40dd-AFC4-6F175D3DCCD1}">
-              <a14:hiddenFill xmlns:a14="http://schemas.microsoft.com/office/drawing/2010/main">
+              <a14:hiddenFill xmlns:a14="http://schemas.microsoft.com/office/drawing/2010/main" xmlns="">
                 <a:solidFill>
                   <a:schemeClr val="accent1"/>
                 </a:solidFill>
@@ -35504,7 +35520,7 @@
   <p:timing>
     <p:tnLst>
       <p:par>
-        <p:cTn xmlns:p14="http://schemas.microsoft.com/office/powerpoint/2010/main" id="1" dur="indefinite" restart="never" nodeType="tmRoot"/>
+        <p:cTn id="1" dur="indefinite" restart="never" nodeType="tmRoot"/>
       </p:par>
     </p:tnLst>
   </p:timing>
@@ -35555,7 +35571,7 @@
           </a:ln>
           <a:extLst>
             <a:ext uri="{909E8E84-426E-40dd-AFC4-6F175D3DCCD1}">
-              <a14:hiddenFill xmlns:a14="http://schemas.microsoft.com/office/drawing/2010/main">
+              <a14:hiddenFill xmlns:a14="http://schemas.microsoft.com/office/drawing/2010/main" xmlns="">
                 <a:solidFill>
                   <a:schemeClr val="accent1"/>
                 </a:solidFill>
@@ -35620,7 +35636,7 @@
           </a:ln>
           <a:extLst>
             <a:ext uri="{909E8E84-426E-40dd-AFC4-6F175D3DCCD1}">
-              <a14:hiddenFill xmlns:a14="http://schemas.microsoft.com/office/drawing/2010/main">
+              <a14:hiddenFill xmlns:a14="http://schemas.microsoft.com/office/drawing/2010/main" xmlns="">
                 <a:solidFill>
                   <a:schemeClr val="accent1"/>
                 </a:solidFill>
@@ -35663,7 +35679,7 @@
           </a:ln>
           <a:extLst>
             <a:ext uri="{909E8E84-426E-40dd-AFC4-6F175D3DCCD1}">
-              <a14:hiddenFill xmlns:a14="http://schemas.microsoft.com/office/drawing/2010/main">
+              <a14:hiddenFill xmlns:a14="http://schemas.microsoft.com/office/drawing/2010/main" xmlns="">
                 <a:solidFill>
                   <a:schemeClr val="accent1"/>
                 </a:solidFill>
@@ -35708,7 +35724,7 @@
           </a:ln>
           <a:extLst>
             <a:ext uri="{909E8E84-426E-40dd-AFC4-6F175D3DCCD1}">
-              <a14:hiddenFill xmlns:a14="http://schemas.microsoft.com/office/drawing/2010/main">
+              <a14:hiddenFill xmlns:a14="http://schemas.microsoft.com/office/drawing/2010/main" xmlns="">
                 <a:noFill/>
               </a14:hiddenFill>
             </a:ext>
@@ -35737,14 +35753,14 @@
           </a:ln>
           <a:extLst>
             <a:ext uri="{909E8E84-426E-40dd-AFC4-6F175D3DCCD1}">
-              <a14:hiddenFill xmlns:a14="http://schemas.microsoft.com/office/drawing/2010/main">
+              <a14:hiddenFill xmlns:a14="http://schemas.microsoft.com/office/drawing/2010/main" xmlns="">
                 <a:solidFill>
                   <a:schemeClr val="accent1"/>
                 </a:solidFill>
               </a14:hiddenFill>
             </a:ext>
             <a:ext uri="{91240B29-F687-4f45-9708-019B960494DF}">
-              <a14:hiddenLine xmlns:a14="http://schemas.microsoft.com/office/drawing/2010/main" w="9525">
+              <a14:hiddenLine xmlns:a14="http://schemas.microsoft.com/office/drawing/2010/main" xmlns="" w="9525">
                 <a:solidFill>
                   <a:schemeClr val="tx1"/>
                 </a:solidFill>
@@ -35790,14 +35806,14 @@
           </a:ln>
           <a:extLst>
             <a:ext uri="{909E8E84-426E-40dd-AFC4-6F175D3DCCD1}">
-              <a14:hiddenFill xmlns:a14="http://schemas.microsoft.com/office/drawing/2010/main">
+              <a14:hiddenFill xmlns:a14="http://schemas.microsoft.com/office/drawing/2010/main" xmlns="">
                 <a:solidFill>
                   <a:schemeClr val="accent1"/>
                 </a:solidFill>
               </a14:hiddenFill>
             </a:ext>
             <a:ext uri="{91240B29-F687-4f45-9708-019B960494DF}">
-              <a14:hiddenLine xmlns:a14="http://schemas.microsoft.com/office/drawing/2010/main" w="9525">
+              <a14:hiddenLine xmlns:a14="http://schemas.microsoft.com/office/drawing/2010/main" xmlns="" w="9525">
                 <a:solidFill>
                   <a:schemeClr val="tx1"/>
                 </a:solidFill>
@@ -35852,7 +35868,7 @@
           </a:ln>
           <a:extLst>
             <a:ext uri="{909E8E84-426E-40dd-AFC4-6F175D3DCCD1}">
-              <a14:hiddenFill xmlns:a14="http://schemas.microsoft.com/office/drawing/2010/main">
+              <a14:hiddenFill xmlns:a14="http://schemas.microsoft.com/office/drawing/2010/main" xmlns="">
                 <a:solidFill>
                   <a:schemeClr val="accent1"/>
                 </a:solidFill>
@@ -35895,14 +35911,14 @@
           </a:ln>
           <a:extLst>
             <a:ext uri="{909E8E84-426E-40dd-AFC4-6F175D3DCCD1}">
-              <a14:hiddenFill xmlns:a14="http://schemas.microsoft.com/office/drawing/2010/main">
+              <a14:hiddenFill xmlns:a14="http://schemas.microsoft.com/office/drawing/2010/main" xmlns="">
                 <a:solidFill>
                   <a:schemeClr val="accent1"/>
                 </a:solidFill>
               </a14:hiddenFill>
             </a:ext>
             <a:ext uri="{91240B29-F687-4f45-9708-019B960494DF}">
-              <a14:hiddenLine xmlns:a14="http://schemas.microsoft.com/office/drawing/2010/main" w="9525">
+              <a14:hiddenLine xmlns:a14="http://schemas.microsoft.com/office/drawing/2010/main" xmlns="" w="9525">
                 <a:solidFill>
                   <a:schemeClr val="tx1"/>
                 </a:solidFill>
@@ -35957,7 +35973,7 @@
           </a:ln>
           <a:extLst>
             <a:ext uri="{909E8E84-426E-40dd-AFC4-6F175D3DCCD1}">
-              <a14:hiddenFill xmlns:a14="http://schemas.microsoft.com/office/drawing/2010/main">
+              <a14:hiddenFill xmlns:a14="http://schemas.microsoft.com/office/drawing/2010/main" xmlns="">
                 <a:noFill/>
               </a14:hiddenFill>
             </a:ext>
@@ -35986,14 +36002,14 @@
           </a:ln>
           <a:extLst>
             <a:ext uri="{909E8E84-426E-40dd-AFC4-6F175D3DCCD1}">
-              <a14:hiddenFill xmlns:a14="http://schemas.microsoft.com/office/drawing/2010/main">
+              <a14:hiddenFill xmlns:a14="http://schemas.microsoft.com/office/drawing/2010/main" xmlns="">
                 <a:solidFill>
                   <a:schemeClr val="accent1"/>
                 </a:solidFill>
               </a14:hiddenFill>
             </a:ext>
             <a:ext uri="{91240B29-F687-4f45-9708-019B960494DF}">
-              <a14:hiddenLine xmlns:a14="http://schemas.microsoft.com/office/drawing/2010/main" w="9525">
+              <a14:hiddenLine xmlns:a14="http://schemas.microsoft.com/office/drawing/2010/main" xmlns="" w="9525">
                 <a:solidFill>
                   <a:schemeClr val="tx1"/>
                 </a:solidFill>
@@ -36112,7 +36128,7 @@
           </a:ln>
           <a:extLst>
             <a:ext uri="{909E8E84-426E-40dd-AFC4-6F175D3DCCD1}">
-              <a14:hiddenFill xmlns:a14="http://schemas.microsoft.com/office/drawing/2010/main">
+              <a14:hiddenFill xmlns:a14="http://schemas.microsoft.com/office/drawing/2010/main" xmlns="">
                 <a:solidFill>
                   <a:schemeClr val="accent1"/>
                 </a:solidFill>
@@ -36237,7 +36253,7 @@
   <p:timing>
     <p:tnLst>
       <p:par>
-        <p:cTn xmlns:p14="http://schemas.microsoft.com/office/powerpoint/2010/main" id="1" dur="indefinite" restart="never" nodeType="tmRoot"/>
+        <p:cTn id="1" dur="indefinite" restart="never" nodeType="tmRoot"/>
       </p:par>
     </p:tnLst>
   </p:timing>
@@ -36288,7 +36304,7 @@
           </a:ln>
           <a:extLst>
             <a:ext uri="{909E8E84-426E-40dd-AFC4-6F175D3DCCD1}">
-              <a14:hiddenFill xmlns:a14="http://schemas.microsoft.com/office/drawing/2010/main">
+              <a14:hiddenFill xmlns:a14="http://schemas.microsoft.com/office/drawing/2010/main" xmlns="">
                 <a:solidFill>
                   <a:schemeClr val="accent1"/>
                 </a:solidFill>
@@ -36353,7 +36369,7 @@
           </a:ln>
           <a:extLst>
             <a:ext uri="{909E8E84-426E-40dd-AFC4-6F175D3DCCD1}">
-              <a14:hiddenFill xmlns:a14="http://schemas.microsoft.com/office/drawing/2010/main">
+              <a14:hiddenFill xmlns:a14="http://schemas.microsoft.com/office/drawing/2010/main" xmlns="">
                 <a:solidFill>
                   <a:schemeClr val="accent1"/>
                 </a:solidFill>
@@ -36396,7 +36412,7 @@
           </a:ln>
           <a:extLst>
             <a:ext uri="{909E8E84-426E-40dd-AFC4-6F175D3DCCD1}">
-              <a14:hiddenFill xmlns:a14="http://schemas.microsoft.com/office/drawing/2010/main">
+              <a14:hiddenFill xmlns:a14="http://schemas.microsoft.com/office/drawing/2010/main" xmlns="">
                 <a:solidFill>
                   <a:schemeClr val="accent1"/>
                 </a:solidFill>
@@ -36441,7 +36457,7 @@
           </a:ln>
           <a:extLst>
             <a:ext uri="{909E8E84-426E-40dd-AFC4-6F175D3DCCD1}">
-              <a14:hiddenFill xmlns:a14="http://schemas.microsoft.com/office/drawing/2010/main">
+              <a14:hiddenFill xmlns:a14="http://schemas.microsoft.com/office/drawing/2010/main" xmlns="">
                 <a:noFill/>
               </a14:hiddenFill>
             </a:ext>
@@ -36470,14 +36486,14 @@
           </a:ln>
           <a:extLst>
             <a:ext uri="{909E8E84-426E-40dd-AFC4-6F175D3DCCD1}">
-              <a14:hiddenFill xmlns:a14="http://schemas.microsoft.com/office/drawing/2010/main">
+              <a14:hiddenFill xmlns:a14="http://schemas.microsoft.com/office/drawing/2010/main" xmlns="">
                 <a:solidFill>
                   <a:schemeClr val="accent1"/>
                 </a:solidFill>
               </a14:hiddenFill>
             </a:ext>
             <a:ext uri="{91240B29-F687-4f45-9708-019B960494DF}">
-              <a14:hiddenLine xmlns:a14="http://schemas.microsoft.com/office/drawing/2010/main" w="9525">
+              <a14:hiddenLine xmlns:a14="http://schemas.microsoft.com/office/drawing/2010/main" xmlns="" w="9525">
                 <a:solidFill>
                   <a:schemeClr val="tx1"/>
                 </a:solidFill>
@@ -36523,14 +36539,14 @@
           </a:ln>
           <a:extLst>
             <a:ext uri="{909E8E84-426E-40dd-AFC4-6F175D3DCCD1}">
-              <a14:hiddenFill xmlns:a14="http://schemas.microsoft.com/office/drawing/2010/main">
+              <a14:hiddenFill xmlns:a14="http://schemas.microsoft.com/office/drawing/2010/main" xmlns="">
                 <a:solidFill>
                   <a:schemeClr val="accent1"/>
                 </a:solidFill>
               </a14:hiddenFill>
             </a:ext>
             <a:ext uri="{91240B29-F687-4f45-9708-019B960494DF}">
-              <a14:hiddenLine xmlns:a14="http://schemas.microsoft.com/office/drawing/2010/main" w="9525">
+              <a14:hiddenLine xmlns:a14="http://schemas.microsoft.com/office/drawing/2010/main" xmlns="" w="9525">
                 <a:solidFill>
                   <a:schemeClr val="tx1"/>
                 </a:solidFill>
@@ -36585,7 +36601,7 @@
           </a:ln>
           <a:extLst>
             <a:ext uri="{909E8E84-426E-40dd-AFC4-6F175D3DCCD1}">
-              <a14:hiddenFill xmlns:a14="http://schemas.microsoft.com/office/drawing/2010/main">
+              <a14:hiddenFill xmlns:a14="http://schemas.microsoft.com/office/drawing/2010/main" xmlns="">
                 <a:solidFill>
                   <a:schemeClr val="accent1"/>
                 </a:solidFill>
@@ -36628,14 +36644,14 @@
           </a:ln>
           <a:extLst>
             <a:ext uri="{909E8E84-426E-40dd-AFC4-6F175D3DCCD1}">
-              <a14:hiddenFill xmlns:a14="http://schemas.microsoft.com/office/drawing/2010/main">
+              <a14:hiddenFill xmlns:a14="http://schemas.microsoft.com/office/drawing/2010/main" xmlns="">
                 <a:solidFill>
                   <a:schemeClr val="accent1"/>
                 </a:solidFill>
               </a14:hiddenFill>
             </a:ext>
             <a:ext uri="{91240B29-F687-4f45-9708-019B960494DF}">
-              <a14:hiddenLine xmlns:a14="http://schemas.microsoft.com/office/drawing/2010/main" w="9525">
+              <a14:hiddenLine xmlns:a14="http://schemas.microsoft.com/office/drawing/2010/main" xmlns="" w="9525">
                 <a:solidFill>
                   <a:schemeClr val="tx1"/>
                 </a:solidFill>
@@ -36690,7 +36706,7 @@
           </a:ln>
           <a:extLst>
             <a:ext uri="{909E8E84-426E-40dd-AFC4-6F175D3DCCD1}">
-              <a14:hiddenFill xmlns:a14="http://schemas.microsoft.com/office/drawing/2010/main">
+              <a14:hiddenFill xmlns:a14="http://schemas.microsoft.com/office/drawing/2010/main" xmlns="">
                 <a:noFill/>
               </a14:hiddenFill>
             </a:ext>
@@ -36719,14 +36735,14 @@
           </a:ln>
           <a:extLst>
             <a:ext uri="{909E8E84-426E-40dd-AFC4-6F175D3DCCD1}">
-              <a14:hiddenFill xmlns:a14="http://schemas.microsoft.com/office/drawing/2010/main">
+              <a14:hiddenFill xmlns:a14="http://schemas.microsoft.com/office/drawing/2010/main" xmlns="">
                 <a:solidFill>
                   <a:schemeClr val="accent1"/>
                 </a:solidFill>
               </a14:hiddenFill>
             </a:ext>
             <a:ext uri="{91240B29-F687-4f45-9708-019B960494DF}">
-              <a14:hiddenLine xmlns:a14="http://schemas.microsoft.com/office/drawing/2010/main" w="9525">
+              <a14:hiddenLine xmlns:a14="http://schemas.microsoft.com/office/drawing/2010/main" xmlns="" w="9525">
                 <a:solidFill>
                   <a:schemeClr val="tx1"/>
                 </a:solidFill>
@@ -36845,7 +36861,7 @@
           </a:ln>
           <a:extLst>
             <a:ext uri="{909E8E84-426E-40dd-AFC4-6F175D3DCCD1}">
-              <a14:hiddenFill xmlns:a14="http://schemas.microsoft.com/office/drawing/2010/main">
+              <a14:hiddenFill xmlns:a14="http://schemas.microsoft.com/office/drawing/2010/main" xmlns="">
                 <a:solidFill>
                   <a:schemeClr val="accent1"/>
                 </a:solidFill>
@@ -36984,14 +37000,14 @@
           </a:ln>
           <a:extLst>
             <a:ext uri="{909E8E84-426E-40dd-AFC4-6F175D3DCCD1}">
-              <a14:hiddenFill xmlns:a14="http://schemas.microsoft.com/office/drawing/2010/main">
+              <a14:hiddenFill xmlns:a14="http://schemas.microsoft.com/office/drawing/2010/main" xmlns="">
                 <a:solidFill>
                   <a:schemeClr val="accent1"/>
                 </a:solidFill>
               </a14:hiddenFill>
             </a:ext>
             <a:ext uri="{91240B29-F687-4f45-9708-019B960494DF}">
-              <a14:hiddenLine xmlns:a14="http://schemas.microsoft.com/office/drawing/2010/main" w="9525">
+              <a14:hiddenLine xmlns:a14="http://schemas.microsoft.com/office/drawing/2010/main" xmlns="" w="9525">
                 <a:solidFill>
                   <a:schemeClr val="tx1"/>
                 </a:solidFill>
@@ -37038,7 +37054,7 @@
   <p:timing>
     <p:tnLst>
       <p:par>
-        <p:cTn xmlns:p14="http://schemas.microsoft.com/office/powerpoint/2010/main" id="1" dur="indefinite" restart="never" nodeType="tmRoot"/>
+        <p:cTn id="1" dur="indefinite" restart="never" nodeType="tmRoot"/>
       </p:par>
     </p:tnLst>
   </p:timing>
@@ -37089,7 +37105,7 @@
           </a:ln>
           <a:extLst>
             <a:ext uri="{909E8E84-426E-40dd-AFC4-6F175D3DCCD1}">
-              <a14:hiddenFill xmlns:a14="http://schemas.microsoft.com/office/drawing/2010/main">
+              <a14:hiddenFill xmlns:a14="http://schemas.microsoft.com/office/drawing/2010/main" xmlns="">
                 <a:solidFill>
                   <a:schemeClr val="accent1"/>
                 </a:solidFill>
@@ -37154,7 +37170,7 @@
           </a:ln>
           <a:extLst>
             <a:ext uri="{909E8E84-426E-40dd-AFC4-6F175D3DCCD1}">
-              <a14:hiddenFill xmlns:a14="http://schemas.microsoft.com/office/drawing/2010/main">
+              <a14:hiddenFill xmlns:a14="http://schemas.microsoft.com/office/drawing/2010/main" xmlns="">
                 <a:solidFill>
                   <a:schemeClr val="accent1"/>
                 </a:solidFill>
@@ -37197,7 +37213,7 @@
           </a:ln>
           <a:extLst>
             <a:ext uri="{909E8E84-426E-40dd-AFC4-6F175D3DCCD1}">
-              <a14:hiddenFill xmlns:a14="http://schemas.microsoft.com/office/drawing/2010/main">
+              <a14:hiddenFill xmlns:a14="http://schemas.microsoft.com/office/drawing/2010/main" xmlns="">
                 <a:solidFill>
                   <a:schemeClr val="accent1"/>
                 </a:solidFill>
@@ -37242,7 +37258,7 @@
           </a:ln>
           <a:extLst>
             <a:ext uri="{909E8E84-426E-40dd-AFC4-6F175D3DCCD1}">
-              <a14:hiddenFill xmlns:a14="http://schemas.microsoft.com/office/drawing/2010/main">
+              <a14:hiddenFill xmlns:a14="http://schemas.microsoft.com/office/drawing/2010/main" xmlns="">
                 <a:noFill/>
               </a14:hiddenFill>
             </a:ext>
@@ -37271,14 +37287,14 @@
           </a:ln>
           <a:extLst>
             <a:ext uri="{909E8E84-426E-40dd-AFC4-6F175D3DCCD1}">
-              <a14:hiddenFill xmlns:a14="http://schemas.microsoft.com/office/drawing/2010/main">
+              <a14:hiddenFill xmlns:a14="http://schemas.microsoft.com/office/drawing/2010/main" xmlns="">
                 <a:solidFill>
                   <a:schemeClr val="accent1"/>
                 </a:solidFill>
               </a14:hiddenFill>
             </a:ext>
             <a:ext uri="{91240B29-F687-4f45-9708-019B960494DF}">
-              <a14:hiddenLine xmlns:a14="http://schemas.microsoft.com/office/drawing/2010/main" w="9525">
+              <a14:hiddenLine xmlns:a14="http://schemas.microsoft.com/office/drawing/2010/main" xmlns="" w="9525">
                 <a:solidFill>
                   <a:schemeClr val="tx1"/>
                 </a:solidFill>
@@ -37324,14 +37340,14 @@
           </a:ln>
           <a:extLst>
             <a:ext uri="{909E8E84-426E-40dd-AFC4-6F175D3DCCD1}">
-              <a14:hiddenFill xmlns:a14="http://schemas.microsoft.com/office/drawing/2010/main">
+              <a14:hiddenFill xmlns:a14="http://schemas.microsoft.com/office/drawing/2010/main" xmlns="">
                 <a:solidFill>
                   <a:schemeClr val="accent1"/>
                 </a:solidFill>
               </a14:hiddenFill>
             </a:ext>
             <a:ext uri="{91240B29-F687-4f45-9708-019B960494DF}">
-              <a14:hiddenLine xmlns:a14="http://schemas.microsoft.com/office/drawing/2010/main" w="9525">
+              <a14:hiddenLine xmlns:a14="http://schemas.microsoft.com/office/drawing/2010/main" xmlns="" w="9525">
                 <a:solidFill>
                   <a:schemeClr val="tx1"/>
                 </a:solidFill>
@@ -37382,7 +37398,7 @@
           </a:ln>
           <a:extLst>
             <a:ext uri="{909E8E84-426E-40dd-AFC4-6F175D3DCCD1}">
-              <a14:hiddenFill xmlns:a14="http://schemas.microsoft.com/office/drawing/2010/main">
+              <a14:hiddenFill xmlns:a14="http://schemas.microsoft.com/office/drawing/2010/main" xmlns="">
                 <a:solidFill>
                   <a:schemeClr val="accent1"/>
                 </a:solidFill>
@@ -37425,14 +37441,14 @@
           </a:ln>
           <a:extLst>
             <a:ext uri="{909E8E84-426E-40dd-AFC4-6F175D3DCCD1}">
-              <a14:hiddenFill xmlns:a14="http://schemas.microsoft.com/office/drawing/2010/main">
+              <a14:hiddenFill xmlns:a14="http://schemas.microsoft.com/office/drawing/2010/main" xmlns="">
                 <a:solidFill>
                   <a:schemeClr val="accent1"/>
                 </a:solidFill>
               </a14:hiddenFill>
             </a:ext>
             <a:ext uri="{91240B29-F687-4f45-9708-019B960494DF}">
-              <a14:hiddenLine xmlns:a14="http://schemas.microsoft.com/office/drawing/2010/main" w="9525">
+              <a14:hiddenLine xmlns:a14="http://schemas.microsoft.com/office/drawing/2010/main" xmlns="" w="9525">
                 <a:solidFill>
                   <a:schemeClr val="tx1"/>
                 </a:solidFill>
@@ -37487,7 +37503,7 @@
           </a:ln>
           <a:extLst>
             <a:ext uri="{909E8E84-426E-40dd-AFC4-6F175D3DCCD1}">
-              <a14:hiddenFill xmlns:a14="http://schemas.microsoft.com/office/drawing/2010/main">
+              <a14:hiddenFill xmlns:a14="http://schemas.microsoft.com/office/drawing/2010/main" xmlns="">
                 <a:noFill/>
               </a14:hiddenFill>
             </a:ext>
@@ -37516,14 +37532,14 @@
           </a:ln>
           <a:extLst>
             <a:ext uri="{909E8E84-426E-40dd-AFC4-6F175D3DCCD1}">
-              <a14:hiddenFill xmlns:a14="http://schemas.microsoft.com/office/drawing/2010/main">
+              <a14:hiddenFill xmlns:a14="http://schemas.microsoft.com/office/drawing/2010/main" xmlns="">
                 <a:solidFill>
                   <a:schemeClr val="accent1"/>
                 </a:solidFill>
               </a14:hiddenFill>
             </a:ext>
             <a:ext uri="{91240B29-F687-4f45-9708-019B960494DF}">
-              <a14:hiddenLine xmlns:a14="http://schemas.microsoft.com/office/drawing/2010/main" w="9525">
+              <a14:hiddenLine xmlns:a14="http://schemas.microsoft.com/office/drawing/2010/main" xmlns="" w="9525">
                 <a:solidFill>
                   <a:schemeClr val="tx1"/>
                 </a:solidFill>
@@ -37642,7 +37658,7 @@
           </a:ln>
           <a:extLst>
             <a:ext uri="{909E8E84-426E-40dd-AFC4-6F175D3DCCD1}">
-              <a14:hiddenFill xmlns:a14="http://schemas.microsoft.com/office/drawing/2010/main">
+              <a14:hiddenFill xmlns:a14="http://schemas.microsoft.com/office/drawing/2010/main" xmlns="">
                 <a:solidFill>
                   <a:schemeClr val="accent1"/>
                 </a:solidFill>
@@ -37781,14 +37797,14 @@
           </a:ln>
           <a:extLst>
             <a:ext uri="{909E8E84-426E-40dd-AFC4-6F175D3DCCD1}">
-              <a14:hiddenFill xmlns:a14="http://schemas.microsoft.com/office/drawing/2010/main">
+              <a14:hiddenFill xmlns:a14="http://schemas.microsoft.com/office/drawing/2010/main" xmlns="">
                 <a:solidFill>
                   <a:schemeClr val="accent1"/>
                 </a:solidFill>
               </a14:hiddenFill>
             </a:ext>
             <a:ext uri="{91240B29-F687-4f45-9708-019B960494DF}">
-              <a14:hiddenLine xmlns:a14="http://schemas.microsoft.com/office/drawing/2010/main" w="9525">
+              <a14:hiddenLine xmlns:a14="http://schemas.microsoft.com/office/drawing/2010/main" xmlns="" w="9525">
                 <a:solidFill>
                   <a:schemeClr val="tx1"/>
                 </a:solidFill>
@@ -37854,7 +37870,7 @@
           </a:ln>
           <a:extLst>
             <a:ext uri="{909E8E84-426E-40dd-AFC4-6F175D3DCCD1}">
-              <a14:hiddenFill xmlns:a14="http://schemas.microsoft.com/office/drawing/2010/main">
+              <a14:hiddenFill xmlns:a14="http://schemas.microsoft.com/office/drawing/2010/main" xmlns="">
                 <a:solidFill>
                   <a:schemeClr val="accent1"/>
                 </a:solidFill>
@@ -37958,7 +37974,7 @@
           </a:ln>
           <a:extLst>
             <a:ext uri="{909E8E84-426E-40dd-AFC4-6F175D3DCCD1}">
-              <a14:hiddenFill xmlns:a14="http://schemas.microsoft.com/office/drawing/2010/main">
+              <a14:hiddenFill xmlns:a14="http://schemas.microsoft.com/office/drawing/2010/main" xmlns="">
                 <a:noFill/>
               </a14:hiddenFill>
             </a:ext>
@@ -37980,7 +37996,7 @@
   <p:timing>
     <p:tnLst>
       <p:par>
-        <p:cTn xmlns:p14="http://schemas.microsoft.com/office/powerpoint/2010/main" id="1" dur="indefinite" restart="never" nodeType="tmRoot"/>
+        <p:cTn id="1" dur="indefinite" restart="never" nodeType="tmRoot"/>
       </p:par>
     </p:tnLst>
   </p:timing>
@@ -38031,7 +38047,7 @@
           </a:ln>
           <a:extLst>
             <a:ext uri="{909E8E84-426E-40dd-AFC4-6F175D3DCCD1}">
-              <a14:hiddenFill xmlns:a14="http://schemas.microsoft.com/office/drawing/2010/main">
+              <a14:hiddenFill xmlns:a14="http://schemas.microsoft.com/office/drawing/2010/main" xmlns="">
                 <a:solidFill>
                   <a:schemeClr val="accent1"/>
                 </a:solidFill>
@@ -38096,7 +38112,7 @@
           </a:ln>
           <a:extLst>
             <a:ext uri="{909E8E84-426E-40dd-AFC4-6F175D3DCCD1}">
-              <a14:hiddenFill xmlns:a14="http://schemas.microsoft.com/office/drawing/2010/main">
+              <a14:hiddenFill xmlns:a14="http://schemas.microsoft.com/office/drawing/2010/main" xmlns="">
                 <a:solidFill>
                   <a:schemeClr val="accent1"/>
                 </a:solidFill>
@@ -38139,7 +38155,7 @@
           </a:ln>
           <a:extLst>
             <a:ext uri="{909E8E84-426E-40dd-AFC4-6F175D3DCCD1}">
-              <a14:hiddenFill xmlns:a14="http://schemas.microsoft.com/office/drawing/2010/main">
+              <a14:hiddenFill xmlns:a14="http://schemas.microsoft.com/office/drawing/2010/main" xmlns="">
                 <a:solidFill>
                   <a:schemeClr val="accent1"/>
                 </a:solidFill>
@@ -38184,7 +38200,7 @@
           </a:ln>
           <a:extLst>
             <a:ext uri="{909E8E84-426E-40dd-AFC4-6F175D3DCCD1}">
-              <a14:hiddenFill xmlns:a14="http://schemas.microsoft.com/office/drawing/2010/main">
+              <a14:hiddenFill xmlns:a14="http://schemas.microsoft.com/office/drawing/2010/main" xmlns="">
                 <a:noFill/>
               </a14:hiddenFill>
             </a:ext>
@@ -38213,14 +38229,14 @@
           </a:ln>
           <a:extLst>
             <a:ext uri="{909E8E84-426E-40dd-AFC4-6F175D3DCCD1}">
-              <a14:hiddenFill xmlns:a14="http://schemas.microsoft.com/office/drawing/2010/main">
+              <a14:hiddenFill xmlns:a14="http://schemas.microsoft.com/office/drawing/2010/main" xmlns="">
                 <a:solidFill>
                   <a:schemeClr val="accent1"/>
                 </a:solidFill>
               </a14:hiddenFill>
             </a:ext>
             <a:ext uri="{91240B29-F687-4f45-9708-019B960494DF}">
-              <a14:hiddenLine xmlns:a14="http://schemas.microsoft.com/office/drawing/2010/main" w="9525">
+              <a14:hiddenLine xmlns:a14="http://schemas.microsoft.com/office/drawing/2010/main" xmlns="" w="9525">
                 <a:solidFill>
                   <a:schemeClr val="tx1"/>
                 </a:solidFill>
@@ -38266,14 +38282,14 @@
           </a:ln>
           <a:extLst>
             <a:ext uri="{909E8E84-426E-40dd-AFC4-6F175D3DCCD1}">
-              <a14:hiddenFill xmlns:a14="http://schemas.microsoft.com/office/drawing/2010/main">
+              <a14:hiddenFill xmlns:a14="http://schemas.microsoft.com/office/drawing/2010/main" xmlns="">
                 <a:solidFill>
                   <a:schemeClr val="accent1"/>
                 </a:solidFill>
               </a14:hiddenFill>
             </a:ext>
             <a:ext uri="{91240B29-F687-4f45-9708-019B960494DF}">
-              <a14:hiddenLine xmlns:a14="http://schemas.microsoft.com/office/drawing/2010/main" w="9525">
+              <a14:hiddenLine xmlns:a14="http://schemas.microsoft.com/office/drawing/2010/main" xmlns="" w="9525">
                 <a:solidFill>
                   <a:schemeClr val="tx1"/>
                 </a:solidFill>
@@ -38324,7 +38340,7 @@
           </a:ln>
           <a:extLst>
             <a:ext uri="{909E8E84-426E-40dd-AFC4-6F175D3DCCD1}">
-              <a14:hiddenFill xmlns:a14="http://schemas.microsoft.com/office/drawing/2010/main">
+              <a14:hiddenFill xmlns:a14="http://schemas.microsoft.com/office/drawing/2010/main" xmlns="">
                 <a:solidFill>
                   <a:schemeClr val="accent1"/>
                 </a:solidFill>
@@ -38367,14 +38383,14 @@
           </a:ln>
           <a:extLst>
             <a:ext uri="{909E8E84-426E-40dd-AFC4-6F175D3DCCD1}">
-              <a14:hiddenFill xmlns:a14="http://schemas.microsoft.com/office/drawing/2010/main">
+              <a14:hiddenFill xmlns:a14="http://schemas.microsoft.com/office/drawing/2010/main" xmlns="">
                 <a:solidFill>
                   <a:schemeClr val="accent1"/>
                 </a:solidFill>
               </a14:hiddenFill>
             </a:ext>
             <a:ext uri="{91240B29-F687-4f45-9708-019B960494DF}">
-              <a14:hiddenLine xmlns:a14="http://schemas.microsoft.com/office/drawing/2010/main" w="9525">
+              <a14:hiddenLine xmlns:a14="http://schemas.microsoft.com/office/drawing/2010/main" xmlns="" w="9525">
                 <a:solidFill>
                   <a:schemeClr val="tx1"/>
                 </a:solidFill>
@@ -38429,7 +38445,7 @@
           </a:ln>
           <a:extLst>
             <a:ext uri="{909E8E84-426E-40dd-AFC4-6F175D3DCCD1}">
-              <a14:hiddenFill xmlns:a14="http://schemas.microsoft.com/office/drawing/2010/main">
+              <a14:hiddenFill xmlns:a14="http://schemas.microsoft.com/office/drawing/2010/main" xmlns="">
                 <a:noFill/>
               </a14:hiddenFill>
             </a:ext>
@@ -38458,14 +38474,14 @@
           </a:ln>
           <a:extLst>
             <a:ext uri="{909E8E84-426E-40dd-AFC4-6F175D3DCCD1}">
-              <a14:hiddenFill xmlns:a14="http://schemas.microsoft.com/office/drawing/2010/main">
+              <a14:hiddenFill xmlns:a14="http://schemas.microsoft.com/office/drawing/2010/main" xmlns="">
                 <a:solidFill>
                   <a:schemeClr val="accent1"/>
                 </a:solidFill>
               </a14:hiddenFill>
             </a:ext>
             <a:ext uri="{91240B29-F687-4f45-9708-019B960494DF}">
-              <a14:hiddenLine xmlns:a14="http://schemas.microsoft.com/office/drawing/2010/main" w="9525">
+              <a14:hiddenLine xmlns:a14="http://schemas.microsoft.com/office/drawing/2010/main" xmlns="" w="9525">
                 <a:solidFill>
                   <a:schemeClr val="tx1"/>
                 </a:solidFill>
@@ -38584,7 +38600,7 @@
           </a:ln>
           <a:extLst>
             <a:ext uri="{909E8E84-426E-40dd-AFC4-6F175D3DCCD1}">
-              <a14:hiddenFill xmlns:a14="http://schemas.microsoft.com/office/drawing/2010/main">
+              <a14:hiddenFill xmlns:a14="http://schemas.microsoft.com/office/drawing/2010/main" xmlns="">
                 <a:solidFill>
                   <a:schemeClr val="accent1"/>
                 </a:solidFill>
@@ -38723,14 +38739,14 @@
           </a:ln>
           <a:extLst>
             <a:ext uri="{909E8E84-426E-40dd-AFC4-6F175D3DCCD1}">
-              <a14:hiddenFill xmlns:a14="http://schemas.microsoft.com/office/drawing/2010/main">
+              <a14:hiddenFill xmlns:a14="http://schemas.microsoft.com/office/drawing/2010/main" xmlns="">
                 <a:solidFill>
                   <a:schemeClr val="accent1"/>
                 </a:solidFill>
               </a14:hiddenFill>
             </a:ext>
             <a:ext uri="{91240B29-F687-4f45-9708-019B960494DF}">
-              <a14:hiddenLine xmlns:a14="http://schemas.microsoft.com/office/drawing/2010/main" w="9525">
+              <a14:hiddenLine xmlns:a14="http://schemas.microsoft.com/office/drawing/2010/main" xmlns="" w="9525">
                 <a:solidFill>
                   <a:schemeClr val="tx1"/>
                 </a:solidFill>
@@ -38796,7 +38812,7 @@
           </a:ln>
           <a:extLst>
             <a:ext uri="{909E8E84-426E-40dd-AFC4-6F175D3DCCD1}">
-              <a14:hiddenFill xmlns:a14="http://schemas.microsoft.com/office/drawing/2010/main">
+              <a14:hiddenFill xmlns:a14="http://schemas.microsoft.com/office/drawing/2010/main" xmlns="">
                 <a:solidFill>
                   <a:schemeClr val="accent1"/>
                 </a:solidFill>
@@ -38895,14 +38911,14 @@
           </a:ln>
           <a:extLst>
             <a:ext uri="{909E8E84-426E-40dd-AFC4-6F175D3DCCD1}">
-              <a14:hiddenFill xmlns:a14="http://schemas.microsoft.com/office/drawing/2010/main">
+              <a14:hiddenFill xmlns:a14="http://schemas.microsoft.com/office/drawing/2010/main" xmlns="">
                 <a:solidFill>
                   <a:schemeClr val="accent1"/>
                 </a:solidFill>
               </a14:hiddenFill>
             </a:ext>
             <a:ext uri="{91240B29-F687-4f45-9708-019B960494DF}">
-              <a14:hiddenLine xmlns:a14="http://schemas.microsoft.com/office/drawing/2010/main" w="9525">
+              <a14:hiddenLine xmlns:a14="http://schemas.microsoft.com/office/drawing/2010/main" xmlns="" w="9525">
                 <a:solidFill>
                   <a:schemeClr val="tx1"/>
                 </a:solidFill>
@@ -38940,7 +38956,7 @@
   <p:timing>
     <p:tnLst>
       <p:par>
-        <p:cTn xmlns:p14="http://schemas.microsoft.com/office/powerpoint/2010/main" id="1" dur="indefinite" restart="never" nodeType="tmRoot"/>
+        <p:cTn id="1" dur="indefinite" restart="never" nodeType="tmRoot"/>
       </p:par>
     </p:tnLst>
   </p:timing>
@@ -38991,7 +39007,7 @@
           </a:ln>
           <a:extLst>
             <a:ext uri="{909E8E84-426E-40dd-AFC4-6F175D3DCCD1}">
-              <a14:hiddenFill xmlns:a14="http://schemas.microsoft.com/office/drawing/2010/main">
+              <a14:hiddenFill xmlns:a14="http://schemas.microsoft.com/office/drawing/2010/main" xmlns="">
                 <a:solidFill>
                   <a:schemeClr val="accent1"/>
                 </a:solidFill>
@@ -39056,7 +39072,7 @@
           </a:ln>
           <a:extLst>
             <a:ext uri="{909E8E84-426E-40dd-AFC4-6F175D3DCCD1}">
-              <a14:hiddenFill xmlns:a14="http://schemas.microsoft.com/office/drawing/2010/main">
+              <a14:hiddenFill xmlns:a14="http://schemas.microsoft.com/office/drawing/2010/main" xmlns="">
                 <a:solidFill>
                   <a:schemeClr val="accent1"/>
                 </a:solidFill>
@@ -39099,7 +39115,7 @@
           </a:ln>
           <a:extLst>
             <a:ext uri="{909E8E84-426E-40dd-AFC4-6F175D3DCCD1}">
-              <a14:hiddenFill xmlns:a14="http://schemas.microsoft.com/office/drawing/2010/main">
+              <a14:hiddenFill xmlns:a14="http://schemas.microsoft.com/office/drawing/2010/main" xmlns="">
                 <a:solidFill>
                   <a:schemeClr val="accent1"/>
                 </a:solidFill>
@@ -39144,7 +39160,7 @@
           </a:ln>
           <a:extLst>
             <a:ext uri="{909E8E84-426E-40dd-AFC4-6F175D3DCCD1}">
-              <a14:hiddenFill xmlns:a14="http://schemas.microsoft.com/office/drawing/2010/main">
+              <a14:hiddenFill xmlns:a14="http://schemas.microsoft.com/office/drawing/2010/main" xmlns="">
                 <a:noFill/>
               </a14:hiddenFill>
             </a:ext>
@@ -39173,14 +39189,14 @@
           </a:ln>
           <a:extLst>
             <a:ext uri="{909E8E84-426E-40dd-AFC4-6F175D3DCCD1}">
-              <a14:hiddenFill xmlns:a14="http://schemas.microsoft.com/office/drawing/2010/main">
+              <a14:hiddenFill xmlns:a14="http://schemas.microsoft.com/office/drawing/2010/main" xmlns="">
                 <a:solidFill>
                   <a:schemeClr val="accent1"/>
                 </a:solidFill>
               </a14:hiddenFill>
             </a:ext>
             <a:ext uri="{91240B29-F687-4f45-9708-019B960494DF}">
-              <a14:hiddenLine xmlns:a14="http://schemas.microsoft.com/office/drawing/2010/main" w="9525">
+              <a14:hiddenLine xmlns:a14="http://schemas.microsoft.com/office/drawing/2010/main" xmlns="" w="9525">
                 <a:solidFill>
                   <a:schemeClr val="tx1"/>
                 </a:solidFill>
@@ -39226,14 +39242,14 @@
           </a:ln>
           <a:extLst>
             <a:ext uri="{909E8E84-426E-40dd-AFC4-6F175D3DCCD1}">
-              <a14:hiddenFill xmlns:a14="http://schemas.microsoft.com/office/drawing/2010/main">
+              <a14:hiddenFill xmlns:a14="http://schemas.microsoft.com/office/drawing/2010/main" xmlns="">
                 <a:solidFill>
                   <a:schemeClr val="accent1"/>
                 </a:solidFill>
               </a14:hiddenFill>
             </a:ext>
             <a:ext uri="{91240B29-F687-4f45-9708-019B960494DF}">
-              <a14:hiddenLine xmlns:a14="http://schemas.microsoft.com/office/drawing/2010/main" w="9525">
+              <a14:hiddenLine xmlns:a14="http://schemas.microsoft.com/office/drawing/2010/main" xmlns="" w="9525">
                 <a:solidFill>
                   <a:schemeClr val="tx1"/>
                 </a:solidFill>
@@ -39284,7 +39300,7 @@
           </a:ln>
           <a:extLst>
             <a:ext uri="{909E8E84-426E-40dd-AFC4-6F175D3DCCD1}">
-              <a14:hiddenFill xmlns:a14="http://schemas.microsoft.com/office/drawing/2010/main">
+              <a14:hiddenFill xmlns:a14="http://schemas.microsoft.com/office/drawing/2010/main" xmlns="">
                 <a:solidFill>
                   <a:schemeClr val="accent1"/>
                 </a:solidFill>
@@ -39327,14 +39343,14 @@
           </a:ln>
           <a:extLst>
             <a:ext uri="{909E8E84-426E-40dd-AFC4-6F175D3DCCD1}">
-              <a14:hiddenFill xmlns:a14="http://schemas.microsoft.com/office/drawing/2010/main">
+              <a14:hiddenFill xmlns:a14="http://schemas.microsoft.com/office/drawing/2010/main" xmlns="">
                 <a:solidFill>
                   <a:schemeClr val="accent1"/>
                 </a:solidFill>
               </a14:hiddenFill>
             </a:ext>
             <a:ext uri="{91240B29-F687-4f45-9708-019B960494DF}">
-              <a14:hiddenLine xmlns:a14="http://schemas.microsoft.com/office/drawing/2010/main" w="9525">
+              <a14:hiddenLine xmlns:a14="http://schemas.microsoft.com/office/drawing/2010/main" xmlns="" w="9525">
                 <a:solidFill>
                   <a:schemeClr val="tx1"/>
                 </a:solidFill>
@@ -39389,7 +39405,7 @@
           </a:ln>
           <a:extLst>
             <a:ext uri="{909E8E84-426E-40dd-AFC4-6F175D3DCCD1}">
-              <a14:hiddenFill xmlns:a14="http://schemas.microsoft.com/office/drawing/2010/main">
+              <a14:hiddenFill xmlns:a14="http://schemas.microsoft.com/office/drawing/2010/main" xmlns="">
                 <a:noFill/>
               </a14:hiddenFill>
             </a:ext>
@@ -39418,14 +39434,14 @@
           </a:ln>
           <a:extLst>
             <a:ext uri="{909E8E84-426E-40dd-AFC4-6F175D3DCCD1}">
-              <a14:hiddenFill xmlns:a14="http://schemas.microsoft.com/office/drawing/2010/main">
+              <a14:hiddenFill xmlns:a14="http://schemas.microsoft.com/office/drawing/2010/main" xmlns="">
                 <a:solidFill>
                   <a:schemeClr val="accent1"/>
                 </a:solidFill>
               </a14:hiddenFill>
             </a:ext>
             <a:ext uri="{91240B29-F687-4f45-9708-019B960494DF}">
-              <a14:hiddenLine xmlns:a14="http://schemas.microsoft.com/office/drawing/2010/main" w="9525">
+              <a14:hiddenLine xmlns:a14="http://schemas.microsoft.com/office/drawing/2010/main" xmlns="" w="9525">
                 <a:solidFill>
                   <a:schemeClr val="tx1"/>
                 </a:solidFill>
@@ -39544,7 +39560,7 @@
           </a:ln>
           <a:extLst>
             <a:ext uri="{909E8E84-426E-40dd-AFC4-6F175D3DCCD1}">
-              <a14:hiddenFill xmlns:a14="http://schemas.microsoft.com/office/drawing/2010/main">
+              <a14:hiddenFill xmlns:a14="http://schemas.microsoft.com/office/drawing/2010/main" xmlns="">
                 <a:solidFill>
                   <a:schemeClr val="accent1"/>
                 </a:solidFill>
@@ -39683,14 +39699,14 @@
           </a:ln>
           <a:extLst>
             <a:ext uri="{909E8E84-426E-40dd-AFC4-6F175D3DCCD1}">
-              <a14:hiddenFill xmlns:a14="http://schemas.microsoft.com/office/drawing/2010/main">
+              <a14:hiddenFill xmlns:a14="http://schemas.microsoft.com/office/drawing/2010/main" xmlns="">
                 <a:solidFill>
                   <a:schemeClr val="accent1"/>
                 </a:solidFill>
               </a14:hiddenFill>
             </a:ext>
             <a:ext uri="{91240B29-F687-4f45-9708-019B960494DF}">
-              <a14:hiddenLine xmlns:a14="http://schemas.microsoft.com/office/drawing/2010/main" w="9525">
+              <a14:hiddenLine xmlns:a14="http://schemas.microsoft.com/office/drawing/2010/main" xmlns="" w="9525">
                 <a:solidFill>
                   <a:schemeClr val="tx1"/>
                 </a:solidFill>
@@ -39756,7 +39772,7 @@
           </a:ln>
           <a:extLst>
             <a:ext uri="{909E8E84-426E-40dd-AFC4-6F175D3DCCD1}">
-              <a14:hiddenFill xmlns:a14="http://schemas.microsoft.com/office/drawing/2010/main">
+              <a14:hiddenFill xmlns:a14="http://schemas.microsoft.com/office/drawing/2010/main" xmlns="">
                 <a:solidFill>
                   <a:schemeClr val="accent1"/>
                 </a:solidFill>
@@ -39855,14 +39871,14 @@
           </a:ln>
           <a:extLst>
             <a:ext uri="{909E8E84-426E-40dd-AFC4-6F175D3DCCD1}">
-              <a14:hiddenFill xmlns:a14="http://schemas.microsoft.com/office/drawing/2010/main">
+              <a14:hiddenFill xmlns:a14="http://schemas.microsoft.com/office/drawing/2010/main" xmlns="">
                 <a:solidFill>
                   <a:schemeClr val="accent1"/>
                 </a:solidFill>
               </a14:hiddenFill>
             </a:ext>
             <a:ext uri="{91240B29-F687-4f45-9708-019B960494DF}">
-              <a14:hiddenLine xmlns:a14="http://schemas.microsoft.com/office/drawing/2010/main" w="9525">
+              <a14:hiddenLine xmlns:a14="http://schemas.microsoft.com/office/drawing/2010/main" xmlns="" w="9525">
                 <a:solidFill>
                   <a:schemeClr val="tx1"/>
                 </a:solidFill>
@@ -39914,14 +39930,14 @@
           </a:ln>
           <a:extLst>
             <a:ext uri="{909E8E84-426E-40dd-AFC4-6F175D3DCCD1}">
-              <a14:hiddenFill xmlns:a14="http://schemas.microsoft.com/office/drawing/2010/main">
+              <a14:hiddenFill xmlns:a14="http://schemas.microsoft.com/office/drawing/2010/main" xmlns="">
                 <a:solidFill>
                   <a:schemeClr val="accent1"/>
                 </a:solidFill>
               </a14:hiddenFill>
             </a:ext>
             <a:ext uri="{91240B29-F687-4f45-9708-019B960494DF}">
-              <a14:hiddenLine xmlns:a14="http://schemas.microsoft.com/office/drawing/2010/main" w="9525">
+              <a14:hiddenLine xmlns:a14="http://schemas.microsoft.com/office/drawing/2010/main" xmlns="" w="9525">
                 <a:solidFill>
                   <a:schemeClr val="tx1"/>
                 </a:solidFill>
@@ -39968,7 +39984,7 @@
   <p:timing>
     <p:tnLst>
       <p:par>
-        <p:cTn xmlns:p14="http://schemas.microsoft.com/office/powerpoint/2010/main" id="1" dur="indefinite" restart="never" nodeType="tmRoot"/>
+        <p:cTn id="1" dur="indefinite" restart="never" nodeType="tmRoot"/>
       </p:par>
     </p:tnLst>
   </p:timing>
@@ -40019,7 +40035,7 @@
           </a:ln>
           <a:extLst>
             <a:ext uri="{909E8E84-426E-40dd-AFC4-6F175D3DCCD1}">
-              <a14:hiddenFill xmlns:a14="http://schemas.microsoft.com/office/drawing/2010/main">
+              <a14:hiddenFill xmlns:a14="http://schemas.microsoft.com/office/drawing/2010/main" xmlns="">
                 <a:solidFill>
                   <a:schemeClr val="accent1"/>
                 </a:solidFill>
@@ -40084,7 +40100,7 @@
           </a:ln>
           <a:extLst>
             <a:ext uri="{909E8E84-426E-40dd-AFC4-6F175D3DCCD1}">
-              <a14:hiddenFill xmlns:a14="http://schemas.microsoft.com/office/drawing/2010/main">
+              <a14:hiddenFill xmlns:a14="http://schemas.microsoft.com/office/drawing/2010/main" xmlns="">
                 <a:solidFill>
                   <a:schemeClr val="accent1"/>
                 </a:solidFill>
@@ -40127,7 +40143,7 @@
           </a:ln>
           <a:extLst>
             <a:ext uri="{909E8E84-426E-40dd-AFC4-6F175D3DCCD1}">
-              <a14:hiddenFill xmlns:a14="http://schemas.microsoft.com/office/drawing/2010/main">
+              <a14:hiddenFill xmlns:a14="http://schemas.microsoft.com/office/drawing/2010/main" xmlns="">
                 <a:solidFill>
                   <a:schemeClr val="accent1"/>
                 </a:solidFill>
@@ -40172,7 +40188,7 @@
           </a:ln>
           <a:extLst>
             <a:ext uri="{909E8E84-426E-40dd-AFC4-6F175D3DCCD1}">
-              <a14:hiddenFill xmlns:a14="http://schemas.microsoft.com/office/drawing/2010/main">
+              <a14:hiddenFill xmlns:a14="http://schemas.microsoft.com/office/drawing/2010/main" xmlns="">
                 <a:noFill/>
               </a14:hiddenFill>
             </a:ext>
@@ -40201,14 +40217,14 @@
           </a:ln>
           <a:extLst>
             <a:ext uri="{909E8E84-426E-40dd-AFC4-6F175D3DCCD1}">
-              <a14:hiddenFill xmlns:a14="http://schemas.microsoft.com/office/drawing/2010/main">
+              <a14:hiddenFill xmlns:a14="http://schemas.microsoft.com/office/drawing/2010/main" xmlns="">
                 <a:solidFill>
                   <a:schemeClr val="accent1"/>
                 </a:solidFill>
               </a14:hiddenFill>
             </a:ext>
             <a:ext uri="{91240B29-F687-4f45-9708-019B960494DF}">
-              <a14:hiddenLine xmlns:a14="http://schemas.microsoft.com/office/drawing/2010/main" w="9525">
+              <a14:hiddenLine xmlns:a14="http://schemas.microsoft.com/office/drawing/2010/main" xmlns="" w="9525">
                 <a:solidFill>
                   <a:schemeClr val="tx1"/>
                 </a:solidFill>
@@ -40254,14 +40270,14 @@
           </a:ln>
           <a:extLst>
             <a:ext uri="{909E8E84-426E-40dd-AFC4-6F175D3DCCD1}">
-              <a14:hiddenFill xmlns:a14="http://schemas.microsoft.com/office/drawing/2010/main">
+              <a14:hiddenFill xmlns:a14="http://schemas.microsoft.com/office/drawing/2010/main" xmlns="">
                 <a:solidFill>
                   <a:schemeClr val="accent1"/>
                 </a:solidFill>
               </a14:hiddenFill>
             </a:ext>
             <a:ext uri="{91240B29-F687-4f45-9708-019B960494DF}">
-              <a14:hiddenLine xmlns:a14="http://schemas.microsoft.com/office/drawing/2010/main" w="9525">
+              <a14:hiddenLine xmlns:a14="http://schemas.microsoft.com/office/drawing/2010/main" xmlns="" w="9525">
                 <a:solidFill>
                   <a:schemeClr val="tx1"/>
                 </a:solidFill>
@@ -40312,7 +40328,7 @@
           </a:ln>
           <a:extLst>
             <a:ext uri="{909E8E84-426E-40dd-AFC4-6F175D3DCCD1}">
-              <a14:hiddenFill xmlns:a14="http://schemas.microsoft.com/office/drawing/2010/main">
+              <a14:hiddenFill xmlns:a14="http://schemas.microsoft.com/office/drawing/2010/main" xmlns="">
                 <a:solidFill>
                   <a:schemeClr val="accent1"/>
                 </a:solidFill>
@@ -40355,14 +40371,14 @@
           </a:ln>
           <a:extLst>
             <a:ext uri="{909E8E84-426E-40dd-AFC4-6F175D3DCCD1}">
-              <a14:hiddenFill xmlns:a14="http://schemas.microsoft.com/office/drawing/2010/main">
+              <a14:hiddenFill xmlns:a14="http://schemas.microsoft.com/office/drawing/2010/main" xmlns="">
                 <a:solidFill>
                   <a:schemeClr val="accent1"/>
                 </a:solidFill>
               </a14:hiddenFill>
             </a:ext>
             <a:ext uri="{91240B29-F687-4f45-9708-019B960494DF}">
-              <a14:hiddenLine xmlns:a14="http://schemas.microsoft.com/office/drawing/2010/main" w="9525">
+              <a14:hiddenLine xmlns:a14="http://schemas.microsoft.com/office/drawing/2010/main" xmlns="" w="9525">
                 <a:solidFill>
                   <a:schemeClr val="tx1"/>
                 </a:solidFill>
@@ -40417,7 +40433,7 @@
           </a:ln>
           <a:extLst>
             <a:ext uri="{909E8E84-426E-40dd-AFC4-6F175D3DCCD1}">
-              <a14:hiddenFill xmlns:a14="http://schemas.microsoft.com/office/drawing/2010/main">
+              <a14:hiddenFill xmlns:a14="http://schemas.microsoft.com/office/drawing/2010/main" xmlns="">
                 <a:noFill/>
               </a14:hiddenFill>
             </a:ext>
@@ -40446,14 +40462,14 @@
           </a:ln>
           <a:extLst>
             <a:ext uri="{909E8E84-426E-40dd-AFC4-6F175D3DCCD1}">
-              <a14:hiddenFill xmlns:a14="http://schemas.microsoft.com/office/drawing/2010/main">
+              <a14:hiddenFill xmlns:a14="http://schemas.microsoft.com/office/drawing/2010/main" xmlns="">
                 <a:solidFill>
                   <a:schemeClr val="accent1"/>
                 </a:solidFill>
               </a14:hiddenFill>
             </a:ext>
             <a:ext uri="{91240B29-F687-4f45-9708-019B960494DF}">
-              <a14:hiddenLine xmlns:a14="http://schemas.microsoft.com/office/drawing/2010/main" w="9525">
+              <a14:hiddenLine xmlns:a14="http://schemas.microsoft.com/office/drawing/2010/main" xmlns="" w="9525">
                 <a:solidFill>
                   <a:schemeClr val="tx1"/>
                 </a:solidFill>
@@ -40572,7 +40588,7 @@
           </a:ln>
           <a:extLst>
             <a:ext uri="{909E8E84-426E-40dd-AFC4-6F175D3DCCD1}">
-              <a14:hiddenFill xmlns:a14="http://schemas.microsoft.com/office/drawing/2010/main">
+              <a14:hiddenFill xmlns:a14="http://schemas.microsoft.com/office/drawing/2010/main" xmlns="">
                 <a:solidFill>
                   <a:schemeClr val="accent1"/>
                 </a:solidFill>
@@ -40711,14 +40727,14 @@
           </a:ln>
           <a:extLst>
             <a:ext uri="{909E8E84-426E-40dd-AFC4-6F175D3DCCD1}">
-              <a14:hiddenFill xmlns:a14="http://schemas.microsoft.com/office/drawing/2010/main">
+              <a14:hiddenFill xmlns:a14="http://schemas.microsoft.com/office/drawing/2010/main" xmlns="">
                 <a:solidFill>
                   <a:schemeClr val="accent1"/>
                 </a:solidFill>
               </a14:hiddenFill>
             </a:ext>
             <a:ext uri="{91240B29-F687-4f45-9708-019B960494DF}">
-              <a14:hiddenLine xmlns:a14="http://schemas.microsoft.com/office/drawing/2010/main" w="9525">
+              <a14:hiddenLine xmlns:a14="http://schemas.microsoft.com/office/drawing/2010/main" xmlns="" w="9525">
                 <a:solidFill>
                   <a:schemeClr val="tx1"/>
                 </a:solidFill>
@@ -40799,7 +40815,7 @@
           </a:ln>
           <a:extLst>
             <a:ext uri="{909E8E84-426E-40dd-AFC4-6F175D3DCCD1}">
-              <a14:hiddenFill xmlns:a14="http://schemas.microsoft.com/office/drawing/2010/main">
+              <a14:hiddenFill xmlns:a14="http://schemas.microsoft.com/office/drawing/2010/main" xmlns="">
                 <a:solidFill>
                   <a:schemeClr val="accent1"/>
                 </a:solidFill>
@@ -40898,14 +40914,14 @@
           </a:ln>
           <a:extLst>
             <a:ext uri="{909E8E84-426E-40dd-AFC4-6F175D3DCCD1}">
-              <a14:hiddenFill xmlns:a14="http://schemas.microsoft.com/office/drawing/2010/main">
+              <a14:hiddenFill xmlns:a14="http://schemas.microsoft.com/office/drawing/2010/main" xmlns="">
                 <a:solidFill>
                   <a:schemeClr val="accent1"/>
                 </a:solidFill>
               </a14:hiddenFill>
             </a:ext>
             <a:ext uri="{91240B29-F687-4f45-9708-019B960494DF}">
-              <a14:hiddenLine xmlns:a14="http://schemas.microsoft.com/office/drawing/2010/main" w="9525">
+              <a14:hiddenLine xmlns:a14="http://schemas.microsoft.com/office/drawing/2010/main" xmlns="" w="9525">
                 <a:solidFill>
                   <a:schemeClr val="tx1"/>
                 </a:solidFill>
@@ -40957,14 +40973,14 @@
           </a:ln>
           <a:extLst>
             <a:ext uri="{909E8E84-426E-40dd-AFC4-6F175D3DCCD1}">
-              <a14:hiddenFill xmlns:a14="http://schemas.microsoft.com/office/drawing/2010/main">
+              <a14:hiddenFill xmlns:a14="http://schemas.microsoft.com/office/drawing/2010/main" xmlns="">
                 <a:solidFill>
                   <a:schemeClr val="accent1"/>
                 </a:solidFill>
               </a14:hiddenFill>
             </a:ext>
             <a:ext uri="{91240B29-F687-4f45-9708-019B960494DF}">
-              <a14:hiddenLine xmlns:a14="http://schemas.microsoft.com/office/drawing/2010/main" w="9525">
+              <a14:hiddenLine xmlns:a14="http://schemas.microsoft.com/office/drawing/2010/main" xmlns="" w="9525">
                 <a:solidFill>
                   <a:schemeClr val="tx1"/>
                 </a:solidFill>
@@ -41011,7 +41027,7 @@
   <p:timing>
     <p:tnLst>
       <p:par>
-        <p:cTn xmlns:p14="http://schemas.microsoft.com/office/powerpoint/2010/main" id="1" dur="indefinite" restart="never" nodeType="tmRoot"/>
+        <p:cTn id="1" dur="indefinite" restart="never" nodeType="tmRoot"/>
       </p:par>
     </p:tnLst>
   </p:timing>
@@ -41062,7 +41078,7 @@
           </a:ln>
           <a:extLst>
             <a:ext uri="{909E8E84-426E-40dd-AFC4-6F175D3DCCD1}">
-              <a14:hiddenFill xmlns:a14="http://schemas.microsoft.com/office/drawing/2010/main">
+              <a14:hiddenFill xmlns:a14="http://schemas.microsoft.com/office/drawing/2010/main" xmlns="">
                 <a:solidFill>
                   <a:schemeClr val="accent1"/>
                 </a:solidFill>
@@ -41127,7 +41143,7 @@
           </a:ln>
           <a:extLst>
             <a:ext uri="{909E8E84-426E-40dd-AFC4-6F175D3DCCD1}">
-              <a14:hiddenFill xmlns:a14="http://schemas.microsoft.com/office/drawing/2010/main">
+              <a14:hiddenFill xmlns:a14="http://schemas.microsoft.com/office/drawing/2010/main" xmlns="">
                 <a:solidFill>
                   <a:schemeClr val="accent1"/>
                 </a:solidFill>
@@ -41170,7 +41186,7 @@
           </a:ln>
           <a:extLst>
             <a:ext uri="{909E8E84-426E-40dd-AFC4-6F175D3DCCD1}">
-              <a14:hiddenFill xmlns:a14="http://schemas.microsoft.com/office/drawing/2010/main">
+              <a14:hiddenFill xmlns:a14="http://schemas.microsoft.com/office/drawing/2010/main" xmlns="">
                 <a:solidFill>
                   <a:schemeClr val="accent1"/>
                 </a:solidFill>
@@ -41215,7 +41231,7 @@
           </a:ln>
           <a:extLst>
             <a:ext uri="{909E8E84-426E-40dd-AFC4-6F175D3DCCD1}">
-              <a14:hiddenFill xmlns:a14="http://schemas.microsoft.com/office/drawing/2010/main">
+              <a14:hiddenFill xmlns:a14="http://schemas.microsoft.com/office/drawing/2010/main" xmlns="">
                 <a:noFill/>
               </a14:hiddenFill>
             </a:ext>
@@ -41244,14 +41260,14 @@
           </a:ln>
           <a:extLst>
             <a:ext uri="{909E8E84-426E-40dd-AFC4-6F175D3DCCD1}">
-              <a14:hiddenFill xmlns:a14="http://schemas.microsoft.com/office/drawing/2010/main">
+              <a14:hiddenFill xmlns:a14="http://schemas.microsoft.com/office/drawing/2010/main" xmlns="">
                 <a:solidFill>
                   <a:schemeClr val="accent1"/>
                 </a:solidFill>
               </a14:hiddenFill>
             </a:ext>
             <a:ext uri="{91240B29-F687-4f45-9708-019B960494DF}">
-              <a14:hiddenLine xmlns:a14="http://schemas.microsoft.com/office/drawing/2010/main" w="9525">
+              <a14:hiddenLine xmlns:a14="http://schemas.microsoft.com/office/drawing/2010/main" xmlns="" w="9525">
                 <a:solidFill>
                   <a:schemeClr val="tx1"/>
                 </a:solidFill>
@@ -41297,14 +41313,14 @@
           </a:ln>
           <a:extLst>
             <a:ext uri="{909E8E84-426E-40dd-AFC4-6F175D3DCCD1}">
-              <a14:hiddenFill xmlns:a14="http://schemas.microsoft.com/office/drawing/2010/main">
+              <a14:hiddenFill xmlns:a14="http://schemas.microsoft.com/office/drawing/2010/main" xmlns="">
                 <a:solidFill>
                   <a:schemeClr val="accent1"/>
                 </a:solidFill>
               </a14:hiddenFill>
             </a:ext>
             <a:ext uri="{91240B29-F687-4f45-9708-019B960494DF}">
-              <a14:hiddenLine xmlns:a14="http://schemas.microsoft.com/office/drawing/2010/main" w="9525">
+              <a14:hiddenLine xmlns:a14="http://schemas.microsoft.com/office/drawing/2010/main" xmlns="" w="9525">
                 <a:solidFill>
                   <a:schemeClr val="tx1"/>
                 </a:solidFill>
@@ -41359,7 +41375,7 @@
           </a:ln>
           <a:extLst>
             <a:ext uri="{909E8E84-426E-40dd-AFC4-6F175D3DCCD1}">
-              <a14:hiddenFill xmlns:a14="http://schemas.microsoft.com/office/drawing/2010/main">
+              <a14:hiddenFill xmlns:a14="http://schemas.microsoft.com/office/drawing/2010/main" xmlns="">
                 <a:solidFill>
                   <a:schemeClr val="accent1"/>
                 </a:solidFill>
@@ -41402,14 +41418,14 @@
           </a:ln>
           <a:extLst>
             <a:ext uri="{909E8E84-426E-40dd-AFC4-6F175D3DCCD1}">
-              <a14:hiddenFill xmlns:a14="http://schemas.microsoft.com/office/drawing/2010/main">
+              <a14:hiddenFill xmlns:a14="http://schemas.microsoft.com/office/drawing/2010/main" xmlns="">
                 <a:solidFill>
                   <a:schemeClr val="accent1"/>
                 </a:solidFill>
               </a14:hiddenFill>
             </a:ext>
             <a:ext uri="{91240B29-F687-4f45-9708-019B960494DF}">
-              <a14:hiddenLine xmlns:a14="http://schemas.microsoft.com/office/drawing/2010/main" w="9525">
+              <a14:hiddenLine xmlns:a14="http://schemas.microsoft.com/office/drawing/2010/main" xmlns="" w="9525">
                 <a:solidFill>
                   <a:schemeClr val="tx1"/>
                 </a:solidFill>
@@ -41464,7 +41480,7 @@
           </a:ln>
           <a:extLst>
             <a:ext uri="{909E8E84-426E-40dd-AFC4-6F175D3DCCD1}">
-              <a14:hiddenFill xmlns:a14="http://schemas.microsoft.com/office/drawing/2010/main">
+              <a14:hiddenFill xmlns:a14="http://schemas.microsoft.com/office/drawing/2010/main" xmlns="">
                 <a:noFill/>
               </a14:hiddenFill>
             </a:ext>
@@ -41493,14 +41509,14 @@
           </a:ln>
           <a:extLst>
             <a:ext uri="{909E8E84-426E-40dd-AFC4-6F175D3DCCD1}">
-              <a14:hiddenFill xmlns:a14="http://schemas.microsoft.com/office/drawing/2010/main">
+              <a14:hiddenFill xmlns:a14="http://schemas.microsoft.com/office/drawing/2010/main" xmlns="">
                 <a:solidFill>
                   <a:schemeClr val="accent1"/>
                 </a:solidFill>
               </a14:hiddenFill>
             </a:ext>
             <a:ext uri="{91240B29-F687-4f45-9708-019B960494DF}">
-              <a14:hiddenLine xmlns:a14="http://schemas.microsoft.com/office/drawing/2010/main" w="9525">
+              <a14:hiddenLine xmlns:a14="http://schemas.microsoft.com/office/drawing/2010/main" xmlns="" w="9525">
                 <a:solidFill>
                   <a:schemeClr val="tx1"/>
                 </a:solidFill>
@@ -41619,7 +41635,7 @@
           </a:ln>
           <a:extLst>
             <a:ext uri="{909E8E84-426E-40dd-AFC4-6F175D3DCCD1}">
-              <a14:hiddenFill xmlns:a14="http://schemas.microsoft.com/office/drawing/2010/main">
+              <a14:hiddenFill xmlns:a14="http://schemas.microsoft.com/office/drawing/2010/main" xmlns="">
                 <a:solidFill>
                   <a:schemeClr val="accent1"/>
                 </a:solidFill>
@@ -41758,14 +41774,14 @@
           </a:ln>
           <a:extLst>
             <a:ext uri="{909E8E84-426E-40dd-AFC4-6F175D3DCCD1}">
-              <a14:hiddenFill xmlns:a14="http://schemas.microsoft.com/office/drawing/2010/main">
+              <a14:hiddenFill xmlns:a14="http://schemas.microsoft.com/office/drawing/2010/main" xmlns="">
                 <a:solidFill>
                   <a:schemeClr val="accent1"/>
                 </a:solidFill>
               </a14:hiddenFill>
             </a:ext>
             <a:ext uri="{91240B29-F687-4f45-9708-019B960494DF}">
-              <a14:hiddenLine xmlns:a14="http://schemas.microsoft.com/office/drawing/2010/main" w="9525">
+              <a14:hiddenLine xmlns:a14="http://schemas.microsoft.com/office/drawing/2010/main" xmlns="" w="9525">
                 <a:solidFill>
                   <a:schemeClr val="tx1"/>
                 </a:solidFill>
@@ -41823,14 +41839,14 @@
           </a:ln>
           <a:extLst>
             <a:ext uri="{909E8E84-426E-40dd-AFC4-6F175D3DCCD1}">
-              <a14:hiddenFill xmlns:a14="http://schemas.microsoft.com/office/drawing/2010/main">
+              <a14:hiddenFill xmlns:a14="http://schemas.microsoft.com/office/drawing/2010/main" xmlns="">
                 <a:solidFill>
                   <a:schemeClr val="accent1"/>
                 </a:solidFill>
               </a14:hiddenFill>
             </a:ext>
             <a:ext uri="{91240B29-F687-4f45-9708-019B960494DF}">
-              <a14:hiddenLine xmlns:a14="http://schemas.microsoft.com/office/drawing/2010/main" w="9525">
+              <a14:hiddenLine xmlns:a14="http://schemas.microsoft.com/office/drawing/2010/main" xmlns="" w="9525">
                 <a:solidFill>
                   <a:schemeClr val="tx1"/>
                 </a:solidFill>
@@ -41904,14 +41920,14 @@
           </a:ln>
           <a:extLst>
             <a:ext uri="{909E8E84-426E-40dd-AFC4-6F175D3DCCD1}">
-              <a14:hiddenFill xmlns:a14="http://schemas.microsoft.com/office/drawing/2010/main">
+              <a14:hiddenFill xmlns:a14="http://schemas.microsoft.com/office/drawing/2010/main" xmlns="">
                 <a:solidFill>
                   <a:schemeClr val="accent1"/>
                 </a:solidFill>
               </a14:hiddenFill>
             </a:ext>
             <a:ext uri="{91240B29-F687-4f45-9708-019B960494DF}">
-              <a14:hiddenLine xmlns:a14="http://schemas.microsoft.com/office/drawing/2010/main" w="9525">
+              <a14:hiddenLine xmlns:a14="http://schemas.microsoft.com/office/drawing/2010/main" xmlns="" w="9525">
                 <a:solidFill>
                   <a:schemeClr val="tx1"/>
                 </a:solidFill>
@@ -41971,7 +41987,7 @@
   <p:timing>
     <p:tnLst>
       <p:par>
-        <p:cTn xmlns:p14="http://schemas.microsoft.com/office/powerpoint/2010/main" id="1" dur="indefinite" restart="never" nodeType="tmRoot"/>
+        <p:cTn id="1" dur="indefinite" restart="never" nodeType="tmRoot"/>
       </p:par>
     </p:tnLst>
   </p:timing>
@@ -42115,7 +42131,7 @@
           </a:ln>
           <a:extLst>
             <a:ext uri="{909E8E84-426E-40dd-AFC4-6F175D3DCCD1}">
-              <a14:hiddenFill xmlns:a14="http://schemas.microsoft.com/office/drawing/2010/main">
+              <a14:hiddenFill xmlns:a14="http://schemas.microsoft.com/office/drawing/2010/main" xmlns="">
                 <a:solidFill>
                   <a:schemeClr val="accent1"/>
                 </a:solidFill>
@@ -42233,7 +42249,7 @@
           </a:ln>
           <a:extLst>
             <a:ext uri="{909E8E84-426E-40dd-AFC4-6F175D3DCCD1}">
-              <a14:hiddenFill xmlns:a14="http://schemas.microsoft.com/office/drawing/2010/main">
+              <a14:hiddenFill xmlns:a14="http://schemas.microsoft.com/office/drawing/2010/main" xmlns="">
                 <a:solidFill>
                   <a:schemeClr val="accent1"/>
                 </a:solidFill>
@@ -42325,7 +42341,7 @@
   <p:timing>
     <p:tnLst>
       <p:par>
-        <p:cTn xmlns:p14="http://schemas.microsoft.com/office/powerpoint/2010/main" id="1" dur="indefinite" restart="never" nodeType="tmRoot"/>
+        <p:cTn id="1" dur="indefinite" restart="never" nodeType="tmRoot"/>
       </p:par>
     </p:tnLst>
   </p:timing>
@@ -42376,7 +42392,7 @@
           </a:ln>
           <a:extLst>
             <a:ext uri="{909E8E84-426E-40dd-AFC4-6F175D3DCCD1}">
-              <a14:hiddenFill xmlns:a14="http://schemas.microsoft.com/office/drawing/2010/main">
+              <a14:hiddenFill xmlns:a14="http://schemas.microsoft.com/office/drawing/2010/main" xmlns="">
                 <a:solidFill>
                   <a:schemeClr val="accent1"/>
                 </a:solidFill>
@@ -42441,7 +42457,7 @@
           </a:ln>
           <a:extLst>
             <a:ext uri="{909E8E84-426E-40dd-AFC4-6F175D3DCCD1}">
-              <a14:hiddenFill xmlns:a14="http://schemas.microsoft.com/office/drawing/2010/main">
+              <a14:hiddenFill xmlns:a14="http://schemas.microsoft.com/office/drawing/2010/main" xmlns="">
                 <a:solidFill>
                   <a:schemeClr val="accent1"/>
                 </a:solidFill>
@@ -42479,14 +42495,14 @@
           </a:ln>
           <a:extLst>
             <a:ext uri="{909E8E84-426E-40dd-AFC4-6F175D3DCCD1}">
-              <a14:hiddenFill xmlns:a14="http://schemas.microsoft.com/office/drawing/2010/main">
+              <a14:hiddenFill xmlns:a14="http://schemas.microsoft.com/office/drawing/2010/main" xmlns="">
                 <a:solidFill>
                   <a:schemeClr val="accent1"/>
                 </a:solidFill>
               </a14:hiddenFill>
             </a:ext>
             <a:ext uri="{91240B29-F687-4f45-9708-019B960494DF}">
-              <a14:hiddenLine xmlns:a14="http://schemas.microsoft.com/office/drawing/2010/main" w="9525">
+              <a14:hiddenLine xmlns:a14="http://schemas.microsoft.com/office/drawing/2010/main" xmlns="" w="9525">
                 <a:solidFill>
                   <a:schemeClr val="tx1"/>
                 </a:solidFill>
@@ -42537,7 +42553,7 @@
           </a:ln>
           <a:extLst>
             <a:ext uri="{909E8E84-426E-40dd-AFC4-6F175D3DCCD1}">
-              <a14:hiddenFill xmlns:a14="http://schemas.microsoft.com/office/drawing/2010/main">
+              <a14:hiddenFill xmlns:a14="http://schemas.microsoft.com/office/drawing/2010/main" xmlns="">
                 <a:solidFill>
                   <a:schemeClr val="accent1"/>
                 </a:solidFill>
@@ -42580,14 +42596,14 @@
           </a:ln>
           <a:extLst>
             <a:ext uri="{909E8E84-426E-40dd-AFC4-6F175D3DCCD1}">
-              <a14:hiddenFill xmlns:a14="http://schemas.microsoft.com/office/drawing/2010/main">
+              <a14:hiddenFill xmlns:a14="http://schemas.microsoft.com/office/drawing/2010/main" xmlns="">
                 <a:solidFill>
                   <a:schemeClr val="accent1"/>
                 </a:solidFill>
               </a14:hiddenFill>
             </a:ext>
             <a:ext uri="{91240B29-F687-4f45-9708-019B960494DF}">
-              <a14:hiddenLine xmlns:a14="http://schemas.microsoft.com/office/drawing/2010/main" w="9525">
+              <a14:hiddenLine xmlns:a14="http://schemas.microsoft.com/office/drawing/2010/main" xmlns="" w="9525">
                 <a:solidFill>
                   <a:schemeClr val="tx1"/>
                 </a:solidFill>
@@ -42642,7 +42658,7 @@
           </a:ln>
           <a:extLst>
             <a:ext uri="{909E8E84-426E-40dd-AFC4-6F175D3DCCD1}">
-              <a14:hiddenFill xmlns:a14="http://schemas.microsoft.com/office/drawing/2010/main">
+              <a14:hiddenFill xmlns:a14="http://schemas.microsoft.com/office/drawing/2010/main" xmlns="">
                 <a:noFill/>
               </a14:hiddenFill>
             </a:ext>
@@ -42676,7 +42692,7 @@
           </a:ln>
           <a:extLst>
             <a:ext uri="{909E8E84-426E-40dd-AFC4-6F175D3DCCD1}">
-              <a14:hiddenFill xmlns:a14="http://schemas.microsoft.com/office/drawing/2010/main">
+              <a14:hiddenFill xmlns:a14="http://schemas.microsoft.com/office/drawing/2010/main" xmlns="">
                 <a:solidFill>
                   <a:schemeClr val="accent1"/>
                 </a:solidFill>
@@ -42792,14 +42808,14 @@
           </a:ln>
           <a:extLst>
             <a:ext uri="{909E8E84-426E-40dd-AFC4-6F175D3DCCD1}">
-              <a14:hiddenFill xmlns:a14="http://schemas.microsoft.com/office/drawing/2010/main">
+              <a14:hiddenFill xmlns:a14="http://schemas.microsoft.com/office/drawing/2010/main" xmlns="">
                 <a:solidFill>
                   <a:schemeClr val="accent1"/>
                 </a:solidFill>
               </a14:hiddenFill>
             </a:ext>
             <a:ext uri="{91240B29-F687-4f45-9708-019B960494DF}">
-              <a14:hiddenLine xmlns:a14="http://schemas.microsoft.com/office/drawing/2010/main" w="9525">
+              <a14:hiddenLine xmlns:a14="http://schemas.microsoft.com/office/drawing/2010/main" xmlns="" w="9525">
                 <a:solidFill>
                   <a:schemeClr val="tx1"/>
                 </a:solidFill>
@@ -42837,7 +42853,7 @@
   <p:timing>
     <p:tnLst>
       <p:par>
-        <p:cTn xmlns:p14="http://schemas.microsoft.com/office/powerpoint/2010/main" id="1" dur="indefinite" restart="never" nodeType="tmRoot"/>
+        <p:cTn id="1" dur="indefinite" restart="never" nodeType="tmRoot"/>
       </p:par>
     </p:tnLst>
   </p:timing>
@@ -42888,7 +42904,7 @@
           </a:ln>
           <a:extLst>
             <a:ext uri="{909E8E84-426E-40dd-AFC4-6F175D3DCCD1}">
-              <a14:hiddenFill xmlns:a14="http://schemas.microsoft.com/office/drawing/2010/main">
+              <a14:hiddenFill xmlns:a14="http://schemas.microsoft.com/office/drawing/2010/main" xmlns="">
                 <a:solidFill>
                   <a:schemeClr val="accent1"/>
                 </a:solidFill>
@@ -42953,7 +42969,7 @@
           </a:ln>
           <a:extLst>
             <a:ext uri="{909E8E84-426E-40dd-AFC4-6F175D3DCCD1}">
-              <a14:hiddenFill xmlns:a14="http://schemas.microsoft.com/office/drawing/2010/main">
+              <a14:hiddenFill xmlns:a14="http://schemas.microsoft.com/office/drawing/2010/main" xmlns="">
                 <a:solidFill>
                   <a:schemeClr val="accent1"/>
                 </a:solidFill>
@@ -42991,14 +43007,14 @@
           </a:ln>
           <a:extLst>
             <a:ext uri="{909E8E84-426E-40dd-AFC4-6F175D3DCCD1}">
-              <a14:hiddenFill xmlns:a14="http://schemas.microsoft.com/office/drawing/2010/main">
+              <a14:hiddenFill xmlns:a14="http://schemas.microsoft.com/office/drawing/2010/main" xmlns="">
                 <a:solidFill>
                   <a:schemeClr val="accent1"/>
                 </a:solidFill>
               </a14:hiddenFill>
             </a:ext>
             <a:ext uri="{91240B29-F687-4f45-9708-019B960494DF}">
-              <a14:hiddenLine xmlns:a14="http://schemas.microsoft.com/office/drawing/2010/main" w="9525">
+              <a14:hiddenLine xmlns:a14="http://schemas.microsoft.com/office/drawing/2010/main" xmlns="" w="9525">
                 <a:solidFill>
                   <a:schemeClr val="tx1"/>
                 </a:solidFill>
@@ -43049,7 +43065,7 @@
           </a:ln>
           <a:extLst>
             <a:ext uri="{909E8E84-426E-40dd-AFC4-6F175D3DCCD1}">
-              <a14:hiddenFill xmlns:a14="http://schemas.microsoft.com/office/drawing/2010/main">
+              <a14:hiddenFill xmlns:a14="http://schemas.microsoft.com/office/drawing/2010/main" xmlns="">
                 <a:solidFill>
                   <a:schemeClr val="accent1"/>
                 </a:solidFill>
@@ -43092,14 +43108,14 @@
           </a:ln>
           <a:extLst>
             <a:ext uri="{909E8E84-426E-40dd-AFC4-6F175D3DCCD1}">
-              <a14:hiddenFill xmlns:a14="http://schemas.microsoft.com/office/drawing/2010/main">
+              <a14:hiddenFill xmlns:a14="http://schemas.microsoft.com/office/drawing/2010/main" xmlns="">
                 <a:solidFill>
                   <a:schemeClr val="accent1"/>
                 </a:solidFill>
               </a14:hiddenFill>
             </a:ext>
             <a:ext uri="{91240B29-F687-4f45-9708-019B960494DF}">
-              <a14:hiddenLine xmlns:a14="http://schemas.microsoft.com/office/drawing/2010/main" w="9525">
+              <a14:hiddenLine xmlns:a14="http://schemas.microsoft.com/office/drawing/2010/main" xmlns="" w="9525">
                 <a:solidFill>
                   <a:schemeClr val="tx1"/>
                 </a:solidFill>
@@ -43154,7 +43170,7 @@
           </a:ln>
           <a:extLst>
             <a:ext uri="{909E8E84-426E-40dd-AFC4-6F175D3DCCD1}">
-              <a14:hiddenFill xmlns:a14="http://schemas.microsoft.com/office/drawing/2010/main">
+              <a14:hiddenFill xmlns:a14="http://schemas.microsoft.com/office/drawing/2010/main" xmlns="">
                 <a:noFill/>
               </a14:hiddenFill>
             </a:ext>
@@ -43188,7 +43204,7 @@
           </a:ln>
           <a:extLst>
             <a:ext uri="{909E8E84-426E-40dd-AFC4-6F175D3DCCD1}">
-              <a14:hiddenFill xmlns:a14="http://schemas.microsoft.com/office/drawing/2010/main">
+              <a14:hiddenFill xmlns:a14="http://schemas.microsoft.com/office/drawing/2010/main" xmlns="">
                 <a:solidFill>
                   <a:schemeClr val="accent1"/>
                 </a:solidFill>
@@ -43304,14 +43320,14 @@
           </a:ln>
           <a:extLst>
             <a:ext uri="{909E8E84-426E-40dd-AFC4-6F175D3DCCD1}">
-              <a14:hiddenFill xmlns:a14="http://schemas.microsoft.com/office/drawing/2010/main">
+              <a14:hiddenFill xmlns:a14="http://schemas.microsoft.com/office/drawing/2010/main" xmlns="">
                 <a:solidFill>
                   <a:schemeClr val="accent1"/>
                 </a:solidFill>
               </a14:hiddenFill>
             </a:ext>
             <a:ext uri="{91240B29-F687-4f45-9708-019B960494DF}">
-              <a14:hiddenLine xmlns:a14="http://schemas.microsoft.com/office/drawing/2010/main" w="9525">
+              <a14:hiddenLine xmlns:a14="http://schemas.microsoft.com/office/drawing/2010/main" xmlns="" w="9525">
                 <a:solidFill>
                   <a:schemeClr val="tx1"/>
                 </a:solidFill>
@@ -43363,14 +43379,14 @@
           </a:ln>
           <a:extLst>
             <a:ext uri="{909E8E84-426E-40dd-AFC4-6F175D3DCCD1}">
-              <a14:hiddenFill xmlns:a14="http://schemas.microsoft.com/office/drawing/2010/main">
+              <a14:hiddenFill xmlns:a14="http://schemas.microsoft.com/office/drawing/2010/main" xmlns="">
                 <a:solidFill>
                   <a:schemeClr val="accent1"/>
                 </a:solidFill>
               </a14:hiddenFill>
             </a:ext>
             <a:ext uri="{91240B29-F687-4f45-9708-019B960494DF}">
-              <a14:hiddenLine xmlns:a14="http://schemas.microsoft.com/office/drawing/2010/main" w="9525">
+              <a14:hiddenLine xmlns:a14="http://schemas.microsoft.com/office/drawing/2010/main" xmlns="" w="9525">
                 <a:solidFill>
                   <a:schemeClr val="tx1"/>
                 </a:solidFill>
@@ -43408,7 +43424,7 @@
   <p:timing>
     <p:tnLst>
       <p:par>
-        <p:cTn xmlns:p14="http://schemas.microsoft.com/office/powerpoint/2010/main" id="1" dur="indefinite" restart="never" nodeType="tmRoot"/>
+        <p:cTn id="1" dur="indefinite" restart="never" nodeType="tmRoot"/>
       </p:par>
     </p:tnLst>
   </p:timing>
@@ -43503,7 +43519,7 @@
   <p:timing>
     <p:tnLst>
       <p:par>
-        <p:cTn xmlns:p14="http://schemas.microsoft.com/office/powerpoint/2010/main" id="1" dur="indefinite" restart="never" nodeType="tmRoot"/>
+        <p:cTn id="1" dur="indefinite" restart="never" nodeType="tmRoot"/>
       </p:par>
     </p:tnLst>
   </p:timing>
@@ -43603,7 +43619,7 @@
           </a:ln>
           <a:extLst>
             <a:ext uri="{909E8E84-426E-40dd-AFC4-6F175D3DCCD1}">
-              <a14:hiddenFill xmlns:a14="http://schemas.microsoft.com/office/drawing/2010/main">
+              <a14:hiddenFill xmlns:a14="http://schemas.microsoft.com/office/drawing/2010/main" xmlns="">
                 <a:solidFill>
                   <a:schemeClr val="accent1"/>
                 </a:solidFill>
@@ -43684,7 +43700,7 @@
   <p:timing>
     <p:tnLst>
       <p:par>
-        <p:cTn xmlns:p14="http://schemas.microsoft.com/office/powerpoint/2010/main" id="1" dur="indefinite" restart="never" nodeType="tmRoot"/>
+        <p:cTn id="1" dur="indefinite" restart="never" nodeType="tmRoot"/>
       </p:par>
     </p:tnLst>
   </p:timing>
@@ -43735,7 +43751,7 @@
           </a:ln>
           <a:extLst>
             <a:ext uri="{909E8E84-426E-40dd-AFC4-6F175D3DCCD1}">
-              <a14:hiddenFill xmlns:a14="http://schemas.microsoft.com/office/drawing/2010/main">
+              <a14:hiddenFill xmlns:a14="http://schemas.microsoft.com/office/drawing/2010/main" xmlns="">
                 <a:solidFill>
                   <a:schemeClr val="accent1"/>
                 </a:solidFill>
@@ -43800,7 +43816,7 @@
           </a:ln>
           <a:extLst>
             <a:ext uri="{909E8E84-426E-40dd-AFC4-6F175D3DCCD1}">
-              <a14:hiddenFill xmlns:a14="http://schemas.microsoft.com/office/drawing/2010/main">
+              <a14:hiddenFill xmlns:a14="http://schemas.microsoft.com/office/drawing/2010/main" xmlns="">
                 <a:solidFill>
                   <a:schemeClr val="accent1"/>
                 </a:solidFill>
@@ -43843,7 +43859,7 @@
           </a:ln>
           <a:extLst>
             <a:ext uri="{909E8E84-426E-40dd-AFC4-6F175D3DCCD1}">
-              <a14:hiddenFill xmlns:a14="http://schemas.microsoft.com/office/drawing/2010/main">
+              <a14:hiddenFill xmlns:a14="http://schemas.microsoft.com/office/drawing/2010/main" xmlns="">
                 <a:solidFill>
                   <a:schemeClr val="accent1"/>
                 </a:solidFill>
@@ -43888,7 +43904,7 @@
           </a:ln>
           <a:extLst>
             <a:ext uri="{909E8E84-426E-40dd-AFC4-6F175D3DCCD1}">
-              <a14:hiddenFill xmlns:a14="http://schemas.microsoft.com/office/drawing/2010/main">
+              <a14:hiddenFill xmlns:a14="http://schemas.microsoft.com/office/drawing/2010/main" xmlns="">
                 <a:noFill/>
               </a14:hiddenFill>
             </a:ext>
@@ -43917,14 +43933,14 @@
           </a:ln>
           <a:extLst>
             <a:ext uri="{909E8E84-426E-40dd-AFC4-6F175D3DCCD1}">
-              <a14:hiddenFill xmlns:a14="http://schemas.microsoft.com/office/drawing/2010/main">
+              <a14:hiddenFill xmlns:a14="http://schemas.microsoft.com/office/drawing/2010/main" xmlns="">
                 <a:solidFill>
                   <a:schemeClr val="accent1"/>
                 </a:solidFill>
               </a14:hiddenFill>
             </a:ext>
             <a:ext uri="{91240B29-F687-4f45-9708-019B960494DF}">
-              <a14:hiddenLine xmlns:a14="http://schemas.microsoft.com/office/drawing/2010/main" w="9525">
+              <a14:hiddenLine xmlns:a14="http://schemas.microsoft.com/office/drawing/2010/main" xmlns="" w="9525">
                 <a:solidFill>
                   <a:schemeClr val="tx1"/>
                 </a:solidFill>
@@ -43970,14 +43986,14 @@
           </a:ln>
           <a:extLst>
             <a:ext uri="{909E8E84-426E-40dd-AFC4-6F175D3DCCD1}">
-              <a14:hiddenFill xmlns:a14="http://schemas.microsoft.com/office/drawing/2010/main">
+              <a14:hiddenFill xmlns:a14="http://schemas.microsoft.com/office/drawing/2010/main" xmlns="">
                 <a:solidFill>
                   <a:schemeClr val="accent1"/>
                 </a:solidFill>
               </a14:hiddenFill>
             </a:ext>
             <a:ext uri="{91240B29-F687-4f45-9708-019B960494DF}">
-              <a14:hiddenLine xmlns:a14="http://schemas.microsoft.com/office/drawing/2010/main" w="9525">
+              <a14:hiddenLine xmlns:a14="http://schemas.microsoft.com/office/drawing/2010/main" xmlns="" w="9525">
                 <a:solidFill>
                   <a:schemeClr val="tx1"/>
                 </a:solidFill>
@@ -44032,7 +44048,7 @@
           </a:ln>
           <a:extLst>
             <a:ext uri="{909E8E84-426E-40dd-AFC4-6F175D3DCCD1}">
-              <a14:hiddenFill xmlns:a14="http://schemas.microsoft.com/office/drawing/2010/main">
+              <a14:hiddenFill xmlns:a14="http://schemas.microsoft.com/office/drawing/2010/main" xmlns="">
                 <a:solidFill>
                   <a:schemeClr val="accent1"/>
                 </a:solidFill>
@@ -44075,14 +44091,14 @@
           </a:ln>
           <a:extLst>
             <a:ext uri="{909E8E84-426E-40dd-AFC4-6F175D3DCCD1}">
-              <a14:hiddenFill xmlns:a14="http://schemas.microsoft.com/office/drawing/2010/main">
+              <a14:hiddenFill xmlns:a14="http://schemas.microsoft.com/office/drawing/2010/main" xmlns="">
                 <a:solidFill>
                   <a:schemeClr val="accent1"/>
                 </a:solidFill>
               </a14:hiddenFill>
             </a:ext>
             <a:ext uri="{91240B29-F687-4f45-9708-019B960494DF}">
-              <a14:hiddenLine xmlns:a14="http://schemas.microsoft.com/office/drawing/2010/main" w="9525">
+              <a14:hiddenLine xmlns:a14="http://schemas.microsoft.com/office/drawing/2010/main" xmlns="" w="9525">
                 <a:solidFill>
                   <a:schemeClr val="tx1"/>
                 </a:solidFill>
@@ -44137,7 +44153,7 @@
           </a:ln>
           <a:extLst>
             <a:ext uri="{909E8E84-426E-40dd-AFC4-6F175D3DCCD1}">
-              <a14:hiddenFill xmlns:a14="http://schemas.microsoft.com/office/drawing/2010/main">
+              <a14:hiddenFill xmlns:a14="http://schemas.microsoft.com/office/drawing/2010/main" xmlns="">
                 <a:noFill/>
               </a14:hiddenFill>
             </a:ext>
@@ -44171,7 +44187,7 @@
           </a:ln>
           <a:extLst>
             <a:ext uri="{909E8E84-426E-40dd-AFC4-6F175D3DCCD1}">
-              <a14:hiddenFill xmlns:a14="http://schemas.microsoft.com/office/drawing/2010/main">
+              <a14:hiddenFill xmlns:a14="http://schemas.microsoft.com/office/drawing/2010/main" xmlns="">
                 <a:solidFill>
                   <a:schemeClr val="accent1"/>
                 </a:solidFill>
@@ -44252,7 +44268,7 @@
   <p:timing>
     <p:tnLst>
       <p:par>
-        <p:cTn xmlns:p14="http://schemas.microsoft.com/office/powerpoint/2010/main" id="1" dur="indefinite" restart="never" nodeType="tmRoot"/>
+        <p:cTn id="1" dur="indefinite" restart="never" nodeType="tmRoot"/>
       </p:par>
     </p:tnLst>
   </p:timing>
@@ -44505,7 +44521,7 @@
         <a:effectLst/>
         <a:extLst>
           <a:ext uri="{AF507438-7753-43e0-B8FC-AC1667EBCBE1}">
-            <a14:hiddenEffects xmlns:a14="http://schemas.microsoft.com/office/drawing/2010/main">
+            <a14:hiddenEffects xmlns:a14="http://schemas.microsoft.com/office/drawing/2010/main" xmlns="">
               <a:effectLst>
                 <a:outerShdw blurRad="63500" dist="38099" dir="2700000" algn="ctr" rotWithShape="0">
                   <a:schemeClr val="bg2">
@@ -44582,7 +44598,7 @@
         <a:effectLst/>
         <a:extLst>
           <a:ext uri="{AF507438-7753-43e0-B8FC-AC1667EBCBE1}">
-            <a14:hiddenEffects xmlns:a14="http://schemas.microsoft.com/office/drawing/2010/main">
+            <a14:hiddenEffects xmlns:a14="http://schemas.microsoft.com/office/drawing/2010/main" xmlns="">
               <a:effectLst>
                 <a:outerShdw blurRad="63500" dist="38099" dir="2700000" algn="ctr" rotWithShape="0">
                   <a:schemeClr val="bg2">
